--- a/docs/logo/A-PPT-Report-on-PyPop7.pptx
+++ b/docs/logo/A-PPT-Report-on-PyPop7.pptx
@@ -262,38 +262,37 @@
           <a:p>
             <a:pPr lvl="0"/>
             <a:r>
-              <a:rPr lang="zh-CN" altLang="en-US" smtClean="0"/>
+              <a:rPr lang="zh-CN" altLang="en-US"/>
               <a:t>单击此处编辑母版文本样式</a:t>
             </a:r>
           </a:p>
           <a:p>
             <a:pPr lvl="1"/>
             <a:r>
-              <a:rPr lang="zh-CN" altLang="en-US" smtClean="0"/>
+              <a:rPr lang="zh-CN" altLang="en-US"/>
               <a:t>第二级</a:t>
             </a:r>
           </a:p>
           <a:p>
             <a:pPr lvl="2"/>
             <a:r>
-              <a:rPr lang="zh-CN" altLang="en-US" smtClean="0"/>
+              <a:rPr lang="zh-CN" altLang="en-US"/>
               <a:t>第三级</a:t>
             </a:r>
           </a:p>
           <a:p>
             <a:pPr lvl="3"/>
             <a:r>
-              <a:rPr lang="zh-CN" altLang="en-US" smtClean="0"/>
+              <a:rPr lang="zh-CN" altLang="en-US"/>
               <a:t>第四级</a:t>
             </a:r>
           </a:p>
           <a:p>
             <a:pPr lvl="4"/>
             <a:r>
-              <a:rPr lang="zh-CN" altLang="en-US" smtClean="0"/>
+              <a:rPr lang="zh-CN" altLang="en-US"/>
               <a:t>第五级</a:t>
             </a:r>
-            <a:endParaRPr lang="zh-CN" altLang="en-US"/>
           </a:p>
         </p:txBody>
       </p:sp>
@@ -592,10 +591,9 @@
           </a:lstStyle>
           <a:p>
             <a:r>
-              <a:rPr lang="zh-CN" altLang="en-US" smtClean="0"/>
+              <a:rPr lang="zh-CN" altLang="en-US"/>
               <a:t>单击此处编辑母版标题样式</a:t>
             </a:r>
-            <a:endParaRPr lang="zh-CN" altLang="en-US"/>
           </a:p>
         </p:txBody>
       </p:sp>
@@ -657,10 +655,9 @@
           </a:lstStyle>
           <a:p>
             <a:r>
-              <a:rPr lang="zh-CN" altLang="en-US" smtClean="0"/>
+              <a:rPr lang="zh-CN" altLang="en-US"/>
               <a:t>单击此处编辑母版副标题样式</a:t>
             </a:r>
-            <a:endParaRPr lang="zh-CN" altLang="en-US"/>
           </a:p>
         </p:txBody>
       </p:sp>
@@ -775,10 +772,9 @@
           <a:lstStyle/>
           <a:p>
             <a:r>
-              <a:rPr lang="zh-CN" altLang="en-US" smtClean="0"/>
+              <a:rPr lang="zh-CN" altLang="en-US"/>
               <a:t>单击此处编辑母版标题样式</a:t>
             </a:r>
-            <a:endParaRPr lang="zh-CN" altLang="en-US"/>
           </a:p>
         </p:txBody>
       </p:sp>
@@ -799,38 +795,37 @@
           <a:p>
             <a:pPr lvl="0"/>
             <a:r>
-              <a:rPr lang="zh-CN" altLang="en-US" smtClean="0"/>
+              <a:rPr lang="zh-CN" altLang="en-US"/>
               <a:t>单击此处编辑母版文本样式</a:t>
             </a:r>
           </a:p>
           <a:p>
             <a:pPr lvl="1"/>
             <a:r>
-              <a:rPr lang="zh-CN" altLang="en-US" smtClean="0"/>
+              <a:rPr lang="zh-CN" altLang="en-US"/>
               <a:t>第二级</a:t>
             </a:r>
           </a:p>
           <a:p>
             <a:pPr lvl="2"/>
             <a:r>
-              <a:rPr lang="zh-CN" altLang="en-US" smtClean="0"/>
+              <a:rPr lang="zh-CN" altLang="en-US"/>
               <a:t>第三级</a:t>
             </a:r>
           </a:p>
           <a:p>
             <a:pPr lvl="3"/>
             <a:r>
-              <a:rPr lang="zh-CN" altLang="en-US" smtClean="0"/>
+              <a:rPr lang="zh-CN" altLang="en-US"/>
               <a:t>第四级</a:t>
             </a:r>
           </a:p>
           <a:p>
             <a:pPr lvl="4"/>
             <a:r>
-              <a:rPr lang="zh-CN" altLang="en-US" smtClean="0"/>
+              <a:rPr lang="zh-CN" altLang="en-US"/>
               <a:t>第五级</a:t>
             </a:r>
-            <a:endParaRPr lang="zh-CN" altLang="en-US"/>
           </a:p>
         </p:txBody>
       </p:sp>
@@ -950,10 +945,9 @@
           <a:lstStyle/>
           <a:p>
             <a:r>
-              <a:rPr lang="zh-CN" altLang="en-US" smtClean="0"/>
+              <a:rPr lang="zh-CN" altLang="en-US"/>
               <a:t>单击此处编辑母版标题样式</a:t>
             </a:r>
-            <a:endParaRPr lang="zh-CN" altLang="en-US"/>
           </a:p>
         </p:txBody>
       </p:sp>
@@ -979,38 +973,37 @@
           <a:p>
             <a:pPr lvl="0"/>
             <a:r>
-              <a:rPr lang="zh-CN" altLang="en-US" smtClean="0"/>
+              <a:rPr lang="zh-CN" altLang="en-US"/>
               <a:t>单击此处编辑母版文本样式</a:t>
             </a:r>
           </a:p>
           <a:p>
             <a:pPr lvl="1"/>
             <a:r>
-              <a:rPr lang="zh-CN" altLang="en-US" smtClean="0"/>
+              <a:rPr lang="zh-CN" altLang="en-US"/>
               <a:t>第二级</a:t>
             </a:r>
           </a:p>
           <a:p>
             <a:pPr lvl="2"/>
             <a:r>
-              <a:rPr lang="zh-CN" altLang="en-US" smtClean="0"/>
+              <a:rPr lang="zh-CN" altLang="en-US"/>
               <a:t>第三级</a:t>
             </a:r>
           </a:p>
           <a:p>
             <a:pPr lvl="3"/>
             <a:r>
-              <a:rPr lang="zh-CN" altLang="en-US" smtClean="0"/>
+              <a:rPr lang="zh-CN" altLang="en-US"/>
               <a:t>第四级</a:t>
             </a:r>
           </a:p>
           <a:p>
             <a:pPr lvl="4"/>
             <a:r>
-              <a:rPr lang="zh-CN" altLang="en-US" smtClean="0"/>
+              <a:rPr lang="zh-CN" altLang="en-US"/>
               <a:t>第五级</a:t>
             </a:r>
-            <a:endParaRPr lang="zh-CN" altLang="en-US"/>
           </a:p>
         </p:txBody>
       </p:sp>
@@ -1125,10 +1118,9 @@
           <a:lstStyle/>
           <a:p>
             <a:r>
-              <a:rPr lang="zh-CN" altLang="en-US" smtClean="0"/>
+              <a:rPr lang="zh-CN" altLang="en-US"/>
               <a:t>单击此处编辑母版标题样式</a:t>
             </a:r>
-            <a:endParaRPr lang="zh-CN" altLang="en-US"/>
           </a:p>
         </p:txBody>
       </p:sp>
@@ -1149,38 +1141,37 @@
           <a:p>
             <a:pPr lvl="0"/>
             <a:r>
-              <a:rPr lang="zh-CN" altLang="en-US" smtClean="0"/>
+              <a:rPr lang="zh-CN" altLang="en-US"/>
               <a:t>单击此处编辑母版文本样式</a:t>
             </a:r>
           </a:p>
           <a:p>
             <a:pPr lvl="1"/>
             <a:r>
-              <a:rPr lang="zh-CN" altLang="en-US" smtClean="0"/>
+              <a:rPr lang="zh-CN" altLang="en-US"/>
               <a:t>第二级</a:t>
             </a:r>
           </a:p>
           <a:p>
             <a:pPr lvl="2"/>
             <a:r>
-              <a:rPr lang="zh-CN" altLang="en-US" smtClean="0"/>
+              <a:rPr lang="zh-CN" altLang="en-US"/>
               <a:t>第三级</a:t>
             </a:r>
           </a:p>
           <a:p>
             <a:pPr lvl="3"/>
             <a:r>
-              <a:rPr lang="zh-CN" altLang="en-US" smtClean="0"/>
+              <a:rPr lang="zh-CN" altLang="en-US"/>
               <a:t>第四级</a:t>
             </a:r>
           </a:p>
           <a:p>
             <a:pPr lvl="4"/>
             <a:r>
-              <a:rPr lang="zh-CN" altLang="en-US" smtClean="0"/>
+              <a:rPr lang="zh-CN" altLang="en-US"/>
               <a:t>第五级</a:t>
             </a:r>
-            <a:endParaRPr lang="zh-CN" altLang="en-US"/>
           </a:p>
         </p:txBody>
       </p:sp>
@@ -1304,10 +1295,9 @@
           </a:lstStyle>
           <a:p>
             <a:r>
-              <a:rPr lang="zh-CN" altLang="en-US" smtClean="0"/>
+              <a:rPr lang="zh-CN" altLang="en-US"/>
               <a:t>单击此处编辑母版标题样式</a:t>
             </a:r>
-            <a:endParaRPr lang="zh-CN" altLang="en-US"/>
           </a:p>
         </p:txBody>
       </p:sp>
@@ -1424,7 +1414,7 @@
           <a:p>
             <a:pPr lvl="0"/>
             <a:r>
-              <a:rPr lang="zh-CN" altLang="en-US" smtClean="0"/>
+              <a:rPr lang="zh-CN" altLang="en-US"/>
               <a:t>单击此处编辑母版文本样式</a:t>
             </a:r>
           </a:p>
@@ -1541,10 +1531,9 @@
           <a:lstStyle/>
           <a:p>
             <a:r>
-              <a:rPr lang="zh-CN" altLang="en-US" smtClean="0"/>
+              <a:rPr lang="zh-CN" altLang="en-US"/>
               <a:t>单击此处编辑母版标题样式</a:t>
             </a:r>
-            <a:endParaRPr lang="zh-CN" altLang="en-US"/>
           </a:p>
         </p:txBody>
       </p:sp>
@@ -1570,38 +1559,37 @@
           <a:p>
             <a:pPr lvl="0"/>
             <a:r>
-              <a:rPr lang="zh-CN" altLang="en-US" smtClean="0"/>
+              <a:rPr lang="zh-CN" altLang="en-US"/>
               <a:t>单击此处编辑母版文本样式</a:t>
             </a:r>
           </a:p>
           <a:p>
             <a:pPr lvl="1"/>
             <a:r>
-              <a:rPr lang="zh-CN" altLang="en-US" smtClean="0"/>
+              <a:rPr lang="zh-CN" altLang="en-US"/>
               <a:t>第二级</a:t>
             </a:r>
           </a:p>
           <a:p>
             <a:pPr lvl="2"/>
             <a:r>
-              <a:rPr lang="zh-CN" altLang="en-US" smtClean="0"/>
+              <a:rPr lang="zh-CN" altLang="en-US"/>
               <a:t>第三级</a:t>
             </a:r>
           </a:p>
           <a:p>
             <a:pPr lvl="3"/>
             <a:r>
-              <a:rPr lang="zh-CN" altLang="en-US" smtClean="0"/>
+              <a:rPr lang="zh-CN" altLang="en-US"/>
               <a:t>第四级</a:t>
             </a:r>
           </a:p>
           <a:p>
             <a:pPr lvl="4"/>
             <a:r>
-              <a:rPr lang="zh-CN" altLang="en-US" smtClean="0"/>
+              <a:rPr lang="zh-CN" altLang="en-US"/>
               <a:t>第五级</a:t>
             </a:r>
-            <a:endParaRPr lang="zh-CN" altLang="en-US"/>
           </a:p>
         </p:txBody>
       </p:sp>
@@ -1627,38 +1615,37 @@
           <a:p>
             <a:pPr lvl="0"/>
             <a:r>
-              <a:rPr lang="zh-CN" altLang="en-US" smtClean="0"/>
+              <a:rPr lang="zh-CN" altLang="en-US"/>
               <a:t>单击此处编辑母版文本样式</a:t>
             </a:r>
           </a:p>
           <a:p>
             <a:pPr lvl="1"/>
             <a:r>
-              <a:rPr lang="zh-CN" altLang="en-US" smtClean="0"/>
+              <a:rPr lang="zh-CN" altLang="en-US"/>
               <a:t>第二级</a:t>
             </a:r>
           </a:p>
           <a:p>
             <a:pPr lvl="2"/>
             <a:r>
-              <a:rPr lang="zh-CN" altLang="en-US" smtClean="0"/>
+              <a:rPr lang="zh-CN" altLang="en-US"/>
               <a:t>第三级</a:t>
             </a:r>
           </a:p>
           <a:p>
             <a:pPr lvl="3"/>
             <a:r>
-              <a:rPr lang="zh-CN" altLang="en-US" smtClean="0"/>
+              <a:rPr lang="zh-CN" altLang="en-US"/>
               <a:t>第四级</a:t>
             </a:r>
           </a:p>
           <a:p>
             <a:pPr lvl="4"/>
             <a:r>
-              <a:rPr lang="zh-CN" altLang="en-US" smtClean="0"/>
+              <a:rPr lang="zh-CN" altLang="en-US"/>
               <a:t>第五级</a:t>
             </a:r>
-            <a:endParaRPr lang="zh-CN" altLang="en-US"/>
           </a:p>
         </p:txBody>
       </p:sp>
@@ -1778,10 +1765,9 @@
           <a:lstStyle/>
           <a:p>
             <a:r>
-              <a:rPr lang="zh-CN" altLang="en-US" smtClean="0"/>
+              <a:rPr lang="zh-CN" altLang="en-US"/>
               <a:t>单击此处编辑母版标题样式</a:t>
             </a:r>
-            <a:endParaRPr lang="zh-CN" altLang="en-US"/>
           </a:p>
         </p:txBody>
       </p:sp>
@@ -1844,7 +1830,7 @@
           <a:p>
             <a:pPr lvl="0"/>
             <a:r>
-              <a:rPr lang="zh-CN" altLang="en-US" smtClean="0"/>
+              <a:rPr lang="zh-CN" altLang="en-US"/>
               <a:t>单击此处编辑母版文本样式</a:t>
             </a:r>
           </a:p>
@@ -1872,38 +1858,37 @@
           <a:p>
             <a:pPr lvl="0"/>
             <a:r>
-              <a:rPr lang="zh-CN" altLang="en-US" smtClean="0"/>
+              <a:rPr lang="zh-CN" altLang="en-US"/>
               <a:t>单击此处编辑母版文本样式</a:t>
             </a:r>
           </a:p>
           <a:p>
             <a:pPr lvl="1"/>
             <a:r>
-              <a:rPr lang="zh-CN" altLang="en-US" smtClean="0"/>
+              <a:rPr lang="zh-CN" altLang="en-US"/>
               <a:t>第二级</a:t>
             </a:r>
           </a:p>
           <a:p>
             <a:pPr lvl="2"/>
             <a:r>
-              <a:rPr lang="zh-CN" altLang="en-US" smtClean="0"/>
+              <a:rPr lang="zh-CN" altLang="en-US"/>
               <a:t>第三级</a:t>
             </a:r>
           </a:p>
           <a:p>
             <a:pPr lvl="3"/>
             <a:r>
-              <a:rPr lang="zh-CN" altLang="en-US" smtClean="0"/>
+              <a:rPr lang="zh-CN" altLang="en-US"/>
               <a:t>第四级</a:t>
             </a:r>
           </a:p>
           <a:p>
             <a:pPr lvl="4"/>
             <a:r>
-              <a:rPr lang="zh-CN" altLang="en-US" smtClean="0"/>
+              <a:rPr lang="zh-CN" altLang="en-US"/>
               <a:t>第五级</a:t>
             </a:r>
-            <a:endParaRPr lang="zh-CN" altLang="en-US"/>
           </a:p>
         </p:txBody>
       </p:sp>
@@ -1966,7 +1951,7 @@
           <a:p>
             <a:pPr lvl="0"/>
             <a:r>
-              <a:rPr lang="zh-CN" altLang="en-US" smtClean="0"/>
+              <a:rPr lang="zh-CN" altLang="en-US"/>
               <a:t>单击此处编辑母版文本样式</a:t>
             </a:r>
           </a:p>
@@ -1994,38 +1979,37 @@
           <a:p>
             <a:pPr lvl="0"/>
             <a:r>
-              <a:rPr lang="zh-CN" altLang="en-US" smtClean="0"/>
+              <a:rPr lang="zh-CN" altLang="en-US"/>
               <a:t>单击此处编辑母版文本样式</a:t>
             </a:r>
           </a:p>
           <a:p>
             <a:pPr lvl="1"/>
             <a:r>
-              <a:rPr lang="zh-CN" altLang="en-US" smtClean="0"/>
+              <a:rPr lang="zh-CN" altLang="en-US"/>
               <a:t>第二级</a:t>
             </a:r>
           </a:p>
           <a:p>
             <a:pPr lvl="2"/>
             <a:r>
-              <a:rPr lang="zh-CN" altLang="en-US" smtClean="0"/>
+              <a:rPr lang="zh-CN" altLang="en-US"/>
               <a:t>第三级</a:t>
             </a:r>
           </a:p>
           <a:p>
             <a:pPr lvl="3"/>
             <a:r>
-              <a:rPr lang="zh-CN" altLang="en-US" smtClean="0"/>
+              <a:rPr lang="zh-CN" altLang="en-US"/>
               <a:t>第四级</a:t>
             </a:r>
           </a:p>
           <a:p>
             <a:pPr lvl="4"/>
             <a:r>
-              <a:rPr lang="zh-CN" altLang="en-US" smtClean="0"/>
+              <a:rPr lang="zh-CN" altLang="en-US"/>
               <a:t>第五级</a:t>
             </a:r>
-            <a:endParaRPr lang="zh-CN" altLang="en-US"/>
           </a:p>
         </p:txBody>
       </p:sp>
@@ -2140,10 +2124,9 @@
           <a:lstStyle/>
           <a:p>
             <a:r>
-              <a:rPr lang="zh-CN" altLang="en-US" smtClean="0"/>
+              <a:rPr lang="zh-CN" altLang="en-US"/>
               <a:t>单击此处编辑母版标题样式</a:t>
             </a:r>
-            <a:endParaRPr lang="zh-CN" altLang="en-US"/>
           </a:p>
         </p:txBody>
       </p:sp>
@@ -2362,10 +2345,9 @@
           </a:lstStyle>
           <a:p>
             <a:r>
-              <a:rPr lang="zh-CN" altLang="en-US" smtClean="0"/>
+              <a:rPr lang="zh-CN" altLang="en-US"/>
               <a:t>单击此处编辑母版标题样式</a:t>
             </a:r>
-            <a:endParaRPr lang="zh-CN" altLang="en-US"/>
           </a:p>
         </p:txBody>
       </p:sp>
@@ -2419,38 +2401,37 @@
           <a:p>
             <a:pPr lvl="0"/>
             <a:r>
-              <a:rPr lang="zh-CN" altLang="en-US" smtClean="0"/>
+              <a:rPr lang="zh-CN" altLang="en-US"/>
               <a:t>单击此处编辑母版文本样式</a:t>
             </a:r>
           </a:p>
           <a:p>
             <a:pPr lvl="1"/>
             <a:r>
-              <a:rPr lang="zh-CN" altLang="en-US" smtClean="0"/>
+              <a:rPr lang="zh-CN" altLang="en-US"/>
               <a:t>第二级</a:t>
             </a:r>
           </a:p>
           <a:p>
             <a:pPr lvl="2"/>
             <a:r>
-              <a:rPr lang="zh-CN" altLang="en-US" smtClean="0"/>
+              <a:rPr lang="zh-CN" altLang="en-US"/>
               <a:t>第三级</a:t>
             </a:r>
           </a:p>
           <a:p>
             <a:pPr lvl="3"/>
             <a:r>
-              <a:rPr lang="zh-CN" altLang="en-US" smtClean="0"/>
+              <a:rPr lang="zh-CN" altLang="en-US"/>
               <a:t>第四级</a:t>
             </a:r>
           </a:p>
           <a:p>
             <a:pPr lvl="4"/>
             <a:r>
-              <a:rPr lang="zh-CN" altLang="en-US" smtClean="0"/>
+              <a:rPr lang="zh-CN" altLang="en-US"/>
               <a:t>第五级</a:t>
             </a:r>
-            <a:endParaRPr lang="zh-CN" altLang="en-US"/>
           </a:p>
         </p:txBody>
       </p:sp>
@@ -2513,7 +2494,7 @@
           <a:p>
             <a:pPr lvl="0"/>
             <a:r>
-              <a:rPr lang="zh-CN" altLang="en-US" smtClean="0"/>
+              <a:rPr lang="zh-CN" altLang="en-US"/>
               <a:t>单击此处编辑母版文本样式</a:t>
             </a:r>
           </a:p>
@@ -2639,10 +2620,9 @@
           </a:lstStyle>
           <a:p>
             <a:r>
-              <a:rPr lang="zh-CN" altLang="en-US" smtClean="0"/>
+              <a:rPr lang="zh-CN" altLang="en-US"/>
               <a:t>单击此处编辑母版标题样式</a:t>
             </a:r>
-            <a:endParaRPr lang="zh-CN" altLang="en-US"/>
           </a:p>
         </p:txBody>
       </p:sp>
@@ -2766,7 +2746,7 @@
           <a:p>
             <a:pPr lvl="0"/>
             <a:r>
-              <a:rPr lang="zh-CN" altLang="en-US" smtClean="0"/>
+              <a:rPr lang="zh-CN" altLang="en-US"/>
               <a:t>单击此处编辑母版文本样式</a:t>
             </a:r>
           </a:p>
@@ -2898,10 +2878,9 @@
           <a:lstStyle/>
           <a:p>
             <a:r>
-              <a:rPr lang="zh-CN" altLang="en-US" smtClean="0"/>
+              <a:rPr lang="zh-CN" altLang="en-US"/>
               <a:t>单击此处编辑母版标题样式</a:t>
             </a:r>
-            <a:endParaRPr lang="zh-CN" altLang="en-US"/>
           </a:p>
         </p:txBody>
       </p:sp>
@@ -2932,38 +2911,37 @@
           <a:p>
             <a:pPr lvl="0"/>
             <a:r>
-              <a:rPr lang="zh-CN" altLang="en-US" smtClean="0"/>
+              <a:rPr lang="zh-CN" altLang="en-US"/>
               <a:t>单击此处编辑母版文本样式</a:t>
             </a:r>
           </a:p>
           <a:p>
             <a:pPr lvl="1"/>
             <a:r>
-              <a:rPr lang="zh-CN" altLang="en-US" smtClean="0"/>
+              <a:rPr lang="zh-CN" altLang="en-US"/>
               <a:t>第二级</a:t>
             </a:r>
           </a:p>
           <a:p>
             <a:pPr lvl="2"/>
             <a:r>
-              <a:rPr lang="zh-CN" altLang="en-US" smtClean="0"/>
+              <a:rPr lang="zh-CN" altLang="en-US"/>
               <a:t>第三级</a:t>
             </a:r>
           </a:p>
           <a:p>
             <a:pPr lvl="3"/>
             <a:r>
-              <a:rPr lang="zh-CN" altLang="en-US" smtClean="0"/>
+              <a:rPr lang="zh-CN" altLang="en-US"/>
               <a:t>第四级</a:t>
             </a:r>
           </a:p>
           <a:p>
             <a:pPr lvl="4"/>
             <a:r>
-              <a:rPr lang="zh-CN" altLang="en-US" smtClean="0"/>
+              <a:rPr lang="zh-CN" altLang="en-US"/>
               <a:t>第五级</a:t>
             </a:r>
-            <a:endParaRPr lang="zh-CN" altLang="en-US"/>
           </a:p>
         </p:txBody>
       </p:sp>
@@ -3425,7 +3403,7 @@
           <a:lstStyle/>
           <a:p>
             <a:r>
-              <a:rPr lang="en-US" altLang="zh-CN" sz="7200" b="1" dirty="0" smtClean="0">
+              <a:rPr lang="en-US" altLang="zh-CN" sz="7200" b="1" dirty="0">
                 <a:solidFill>
                   <a:srgbClr val="00B050"/>
                 </a:solidFill>
@@ -3435,7 +3413,7 @@
               <a:t>PyPop7</a:t>
             </a:r>
             <a:br>
-              <a:rPr lang="en-US" altLang="zh-CN" sz="7200" b="1" dirty="0" smtClean="0">
+              <a:rPr lang="en-US" altLang="zh-CN" sz="7200" b="1" dirty="0">
                 <a:solidFill>
                   <a:srgbClr val="00B050"/>
                 </a:solidFill>
@@ -3444,7 +3422,7 @@
               </a:rPr>
             </a:br>
             <a:r>
-              <a:rPr lang="en-US" altLang="zh-CN" sz="3100" b="1" dirty="0" smtClean="0">
+              <a:rPr lang="en-US" altLang="zh-CN" sz="3100" b="1" dirty="0">
                 <a:latin typeface="Times New Roman" panose="02020603050405020304" pitchFamily="18" charset="0"/>
                 <a:cs typeface="Times New Roman" panose="02020603050405020304" pitchFamily="18" charset="0"/>
               </a:rPr>
@@ -3478,7 +3456,7 @@
               </a:lnSpc>
             </a:pPr>
             <a:r>
-              <a:rPr lang="en-US" altLang="zh-CN" b="1" kern="400" spc="-50" dirty="0" smtClean="0">
+              <a:rPr lang="en-US" altLang="zh-CN" b="1" kern="400" spc="-50" dirty="0">
                 <a:solidFill>
                   <a:schemeClr val="bg1">
                     <a:lumMod val="50000"/>
@@ -3497,7 +3475,7 @@
               </a:lnSpc>
             </a:pPr>
             <a:r>
-              <a:rPr lang="en-US" altLang="zh-CN" b="1" kern="400" spc="-50" dirty="0" smtClean="0">
+              <a:rPr lang="en-US" altLang="zh-CN" b="1" kern="400" spc="-50" dirty="0">
                 <a:solidFill>
                   <a:schemeClr val="bg1">
                     <a:lumMod val="50000"/>
@@ -3516,7 +3494,7 @@
               </a:lnSpc>
             </a:pPr>
             <a:r>
-              <a:rPr lang="en-US" altLang="zh-CN" b="1" kern="400" spc="-50" dirty="0" smtClean="0">
+              <a:rPr lang="en-US" altLang="zh-CN" b="1" kern="400" spc="-50" dirty="0">
                 <a:solidFill>
                   <a:schemeClr val="bg1">
                     <a:lumMod val="50000"/>
@@ -3561,22 +3539,9 @@
                 <a:cs typeface="Times New Roman" panose="02020603050405020304" pitchFamily="18" charset="0"/>
                 <a:hlinkClick r:id="rId2"/>
               </a:rPr>
-              <a:t>https://</a:t>
-            </a:r>
-            <a:r>
-              <a:rPr lang="en-US" altLang="zh-CN" b="1" kern="400" spc="-50" dirty="0" smtClean="0">
-                <a:solidFill>
-                  <a:schemeClr val="bg1">
-                    <a:lumMod val="50000"/>
-                  </a:schemeClr>
-                </a:solidFill>
-                <a:latin typeface="Times New Roman" panose="02020603050405020304" pitchFamily="18" charset="0"/>
-                <a:cs typeface="Times New Roman" panose="02020603050405020304" pitchFamily="18" charset="0"/>
-                <a:hlinkClick r:id="rId2"/>
-              </a:rPr>
-              <a:t>github.com/Evolutionary-Intelligence/pypop</a:t>
-            </a:r>
-            <a:endParaRPr lang="en-US" altLang="zh-CN" b="1" kern="400" spc="-50" dirty="0" smtClean="0">
+              <a:t>https://github.com/Evolutionary-Intelligence/pypop</a:t>
+            </a:r>
+            <a:endParaRPr lang="en-US" altLang="zh-CN" b="1" kern="400" spc="-50" dirty="0">
               <a:solidFill>
                 <a:schemeClr val="bg1">
                   <a:lumMod val="50000"/>
@@ -3592,7 +3557,7 @@
                 <a:spcPts val="1400"/>
               </a:lnSpc>
             </a:pPr>
-            <a:endParaRPr lang="en-US" altLang="zh-CN" b="1" kern="400" spc="-50" dirty="0" smtClean="0">
+            <a:endParaRPr lang="en-US" altLang="zh-CN" b="1" kern="400" spc="-50" dirty="0">
               <a:solidFill>
                 <a:schemeClr val="bg1">
                   <a:lumMod val="50000"/>
@@ -3614,13 +3579,6 @@
   <p:clrMapOvr>
     <a:masterClrMapping/>
   </p:clrMapOvr>
-  <p:timing>
-    <p:tnLst>
-      <p:par>
-        <p:cTn id="1" dur="indefinite" restart="never" nodeType="tmRoot"/>
-      </p:par>
-    </p:tnLst>
-  </p:timing>
 </p:sld>
 </file>
 
@@ -3745,16 +3703,10 @@
           <a:p>
             <a:pPr algn="ctr"/>
             <a:r>
-              <a:rPr lang="en-US" altLang="zh-CN" sz="1300" b="1" dirty="0" smtClean="0">
-                <a:latin typeface="Arial Black" panose="020B0A04020102020204" pitchFamily="34" charset="0"/>
-              </a:rPr>
-              <a:t>Cross-Entropy </a:t>
-            </a:r>
-            <a:r>
               <a:rPr lang="en-US" altLang="zh-CN" sz="1300" b="1" dirty="0">
                 <a:latin typeface="Arial Black" panose="020B0A04020102020204" pitchFamily="34" charset="0"/>
               </a:rPr>
-              <a:t>Method (CEM)</a:t>
+              <a:t>Cross-Entropy Method (CEM)</a:t>
             </a:r>
           </a:p>
         </p:txBody>
@@ -3787,14 +3739,11 @@
           <a:p>
             <a:pPr algn="ctr"/>
             <a:r>
-              <a:rPr lang="en-US" altLang="zh-CN" sz="1300" b="1" dirty="0" smtClean="0">
+              <a:rPr lang="en-US" altLang="zh-CN" sz="1300" b="1" dirty="0">
                 <a:latin typeface="Arial Black" panose="020B0A04020102020204" pitchFamily="34" charset="0"/>
               </a:rPr>
               <a:t>Random Search (RS)</a:t>
             </a:r>
-            <a:endParaRPr lang="en-US" altLang="zh-CN" sz="1300" b="1" dirty="0">
-              <a:latin typeface="Arial Black" panose="020B0A04020102020204" pitchFamily="34" charset="0"/>
-            </a:endParaRPr>
           </a:p>
         </p:txBody>
       </p:sp>
@@ -3826,16 +3775,10 @@
           <a:p>
             <a:pPr algn="ctr"/>
             <a:r>
-              <a:rPr lang="en-US" altLang="zh-CN" sz="1300" b="1" dirty="0" smtClean="0">
-                <a:latin typeface="Arial Black" panose="020B0A04020102020204" pitchFamily="34" charset="0"/>
-              </a:rPr>
-              <a:t>Direct/Pattern Search </a:t>
-            </a:r>
-            <a:r>
               <a:rPr lang="en-US" altLang="zh-CN" sz="1300" b="1" dirty="0">
                 <a:latin typeface="Arial Black" panose="020B0A04020102020204" pitchFamily="34" charset="0"/>
               </a:rPr>
-              <a:t>(DS)</a:t>
+              <a:t>Direct/Pattern Search (DS)</a:t>
             </a:r>
           </a:p>
         </p:txBody>
@@ -3868,16 +3811,10 @@
           <a:p>
             <a:pPr algn="ctr"/>
             <a:r>
-              <a:rPr lang="en-US" altLang="zh-CN" sz="1300" b="1" dirty="0" smtClean="0">
-                <a:latin typeface="Arial Black" panose="020B0A04020102020204" pitchFamily="34" charset="0"/>
-              </a:rPr>
-              <a:t>Evolutionary </a:t>
-            </a:r>
-            <a:r>
               <a:rPr lang="en-US" altLang="zh-CN" sz="1300" b="1" dirty="0">
                 <a:latin typeface="Arial Black" panose="020B0A04020102020204" pitchFamily="34" charset="0"/>
               </a:rPr>
-              <a:t>Programming (EP)</a:t>
+              <a:t>Evolutionary Programming (EP)</a:t>
             </a:r>
           </a:p>
         </p:txBody>
@@ -3910,14 +3847,11 @@
           <a:p>
             <a:pPr algn="ctr"/>
             <a:r>
-              <a:rPr lang="en-US" altLang="zh-CN" sz="1300" b="1" dirty="0" smtClean="0">
+              <a:rPr lang="en-US" altLang="zh-CN" sz="1300" b="1" dirty="0">
                 <a:latin typeface="Arial Black" panose="020B0A04020102020204" pitchFamily="34" charset="0"/>
               </a:rPr>
               <a:t>Cooperative Co-evolution (CC)</a:t>
             </a:r>
-            <a:endParaRPr lang="en-US" altLang="zh-CN" sz="1300" b="1" dirty="0">
-              <a:latin typeface="Arial Black" panose="020B0A04020102020204" pitchFamily="34" charset="0"/>
-            </a:endParaRPr>
           </a:p>
         </p:txBody>
       </p:sp>
@@ -3949,28 +3883,10 @@
           <a:p>
             <a:pPr algn="ctr"/>
             <a:r>
-              <a:rPr lang="en-US" altLang="zh-CN" sz="1300" b="1" dirty="0" smtClean="0">
-                <a:latin typeface="Arial Black" panose="020B0A04020102020204" pitchFamily="34" charset="0"/>
-              </a:rPr>
-              <a:t>Estimation </a:t>
-            </a:r>
-            <a:r>
               <a:rPr lang="en-US" altLang="zh-CN" sz="1300" b="1" dirty="0">
                 <a:latin typeface="Arial Black" panose="020B0A04020102020204" pitchFamily="34" charset="0"/>
               </a:rPr>
-              <a:t>of Distribution </a:t>
-            </a:r>
-            <a:r>
-              <a:rPr lang="en-US" altLang="zh-CN" sz="1300" b="1" dirty="0" smtClean="0">
-                <a:latin typeface="Arial Black" panose="020B0A04020102020204" pitchFamily="34" charset="0"/>
-              </a:rPr>
-              <a:t>(</a:t>
-            </a:r>
-            <a:r>
-              <a:rPr lang="en-US" altLang="zh-CN" sz="1300" b="1" dirty="0">
-                <a:latin typeface="Arial Black" panose="020B0A04020102020204" pitchFamily="34" charset="0"/>
-              </a:rPr>
-              <a:t>EDA)</a:t>
+              <a:t>Estimation of Distribution (EDA)</a:t>
             </a:r>
           </a:p>
         </p:txBody>
@@ -4096,7 +4012,7 @@
                 </a:lnSpc>
               </a:pPr>
               <a:r>
-                <a:rPr lang="en-US" altLang="zh-CN" b="1" dirty="0" smtClean="0">
+                <a:rPr lang="en-US" altLang="zh-CN" b="1" dirty="0">
                   <a:latin typeface="Arial Black" panose="020B0A04020102020204" pitchFamily="34" charset="0"/>
                   <a:cs typeface="Times New Roman" panose="02020603050405020304" pitchFamily="18" charset="0"/>
                 </a:rPr>
@@ -4114,14 +4030,7 @@
                   <a:latin typeface="Arial Black" panose="020B0A04020102020204" pitchFamily="34" charset="0"/>
                   <a:cs typeface="Times New Roman" panose="02020603050405020304" pitchFamily="18" charset="0"/>
                 </a:rPr>
-                <a:t>E</a:t>
-              </a:r>
-              <a:r>
-                <a:rPr lang="en-US" altLang="zh-CN" b="1" dirty="0" smtClean="0">
-                  <a:latin typeface="Arial Black" panose="020B0A04020102020204" pitchFamily="34" charset="0"/>
-                  <a:cs typeface="Times New Roman" panose="02020603050405020304" pitchFamily="18" charset="0"/>
-                </a:rPr>
-                <a:t>ngine </a:t>
+                <a:t>Engine </a:t>
               </a:r>
               <a:endParaRPr lang="zh-CN" altLang="en-US" b="1" dirty="0">
                 <a:latin typeface="Arial Black" panose="020B0A04020102020204" pitchFamily="34" charset="0"/>
@@ -4247,19 +4156,8 @@
                   <a:latin typeface="Arial Black" panose="020B0A04020102020204" pitchFamily="34" charset="0"/>
                   <a:cs typeface="Times New Roman" panose="02020603050405020304" pitchFamily="18" charset="0"/>
                 </a:rPr>
-                <a:t>O</a:t>
+                <a:t>Online</a:t>
               </a:r>
-              <a:r>
-                <a:rPr lang="en-US" altLang="zh-CN" b="1" dirty="0" smtClean="0">
-                  <a:latin typeface="Arial Black" panose="020B0A04020102020204" pitchFamily="34" charset="0"/>
-                  <a:cs typeface="Times New Roman" panose="02020603050405020304" pitchFamily="18" charset="0"/>
-                </a:rPr>
-                <a:t>nline</a:t>
-              </a:r>
-              <a:endParaRPr lang="en-US" altLang="zh-CN" b="1" dirty="0">
-                <a:latin typeface="Arial Black" panose="020B0A04020102020204" pitchFamily="34" charset="0"/>
-                <a:cs typeface="Times New Roman" panose="02020603050405020304" pitchFamily="18" charset="0"/>
-              </a:endParaRPr>
             </a:p>
             <a:p>
               <a:pPr algn="ctr">
@@ -4268,7 +4166,7 @@
                 </a:lnSpc>
               </a:pPr>
               <a:r>
-                <a:rPr lang="en-US" altLang="zh-CN" b="1" dirty="0" smtClean="0">
+                <a:rPr lang="en-US" altLang="zh-CN" b="1" dirty="0">
                   <a:latin typeface="Arial Black" panose="020B0A04020102020204" pitchFamily="34" charset="0"/>
                   <a:cs typeface="Times New Roman" panose="02020603050405020304" pitchFamily="18" charset="0"/>
                 </a:rPr>
@@ -4312,7 +4210,7 @@
                 </a:lnSpc>
               </a:pPr>
               <a:r>
-                <a:rPr lang="en-US" altLang="zh-CN" sz="1200" b="1" dirty="0" smtClean="0">
+                <a:rPr lang="en-US" altLang="zh-CN" sz="1200" b="1" dirty="0">
                   <a:latin typeface="Arial Black" panose="020B0A04020102020204" pitchFamily="34" charset="0"/>
                 </a:rPr>
                 <a:t>PyPI Installation</a:t>
@@ -4350,16 +4248,10 @@
                 </a:lnSpc>
               </a:pPr>
               <a:r>
-                <a:rPr lang="en-US" altLang="zh-CN" sz="1200" b="1" dirty="0" smtClean="0">
-                  <a:latin typeface="Arial Black" panose="020B0A04020102020204" pitchFamily="34" charset="0"/>
-                </a:rPr>
-                <a:t>Design </a:t>
-              </a:r>
-              <a:r>
                 <a:rPr lang="en-US" altLang="zh-CN" sz="1200" b="1" dirty="0">
                   <a:latin typeface="Arial Black" panose="020B0A04020102020204" pitchFamily="34" charset="0"/>
                 </a:rPr>
-                <a:t>Philosophy</a:t>
+                <a:t>Design Philosophy</a:t>
               </a:r>
               <a:endParaRPr lang="zh-CN" altLang="en-US" sz="1200" b="1" dirty="0">
                 <a:latin typeface="Arial Black" panose="020B0A04020102020204" pitchFamily="34" charset="0"/>
@@ -4399,7 +4291,7 @@
                 </a:lnSpc>
               </a:pPr>
               <a:r>
-                <a:rPr lang="en-US" altLang="zh-CN" sz="1200" b="1" dirty="0" smtClean="0">
+                <a:rPr lang="en-US" altLang="zh-CN" sz="1200" b="1" dirty="0">
                   <a:latin typeface="Arial Black" panose="020B0A04020102020204" pitchFamily="34" charset="0"/>
                 </a:rPr>
                 <a:t>User</a:t>
@@ -4412,7 +4304,7 @@
                 </a:lnSpc>
               </a:pPr>
               <a:r>
-                <a:rPr lang="en-US" altLang="zh-CN" sz="1200" b="1" dirty="0" smtClean="0">
+                <a:rPr lang="en-US" altLang="zh-CN" sz="1200" b="1" dirty="0">
                   <a:latin typeface="Arial Black" panose="020B0A04020102020204" pitchFamily="34" charset="0"/>
                 </a:rPr>
                 <a:t>Guide</a:t>
@@ -4450,14 +4342,11 @@
                 </a:lnSpc>
               </a:pPr>
               <a:r>
-                <a:rPr lang="en-US" altLang="zh-CN" sz="1200" b="1" dirty="0" smtClean="0">
+                <a:rPr lang="en-US" altLang="zh-CN" sz="1200" b="1" dirty="0">
                   <a:latin typeface="Arial Black" panose="020B0A04020102020204" pitchFamily="34" charset="0"/>
                 </a:rPr>
                 <a:t>Online Tutorials</a:t>
               </a:r>
-              <a:endParaRPr lang="en-US" altLang="zh-CN" sz="1200" b="1" dirty="0">
-                <a:latin typeface="Arial Black" panose="020B0A04020102020204" pitchFamily="34" charset="0"/>
-              </a:endParaRPr>
             </a:p>
           </p:txBody>
         </p:sp>
@@ -4493,7 +4382,7 @@
                 </a:lnSpc>
               </a:pPr>
               <a:r>
-                <a:rPr lang="en-US" altLang="zh-CN" sz="1200" b="1" dirty="0" smtClean="0">
+                <a:rPr lang="en-US" altLang="zh-CN" sz="1200" b="1" dirty="0">
                   <a:latin typeface="Arial Black" panose="020B0A04020102020204" pitchFamily="34" charset="0"/>
                 </a:rPr>
                 <a:t>API Docs of Optimizers</a:t>
@@ -4531,16 +4420,10 @@
                 </a:lnSpc>
               </a:pPr>
               <a:r>
-                <a:rPr lang="en-US" altLang="zh-CN" sz="1200" b="1" dirty="0" smtClean="0">
-                  <a:latin typeface="Arial Black" panose="020B0A04020102020204" pitchFamily="34" charset="0"/>
-                </a:rPr>
-                <a:t>Development </a:t>
-              </a:r>
-              <a:r>
                 <a:rPr lang="en-US" altLang="zh-CN" sz="1200" b="1" dirty="0">
                   <a:latin typeface="Arial Black" panose="020B0A04020102020204" pitchFamily="34" charset="0"/>
                 </a:rPr>
-                <a:t>Guide</a:t>
+                <a:t>Development Guide</a:t>
               </a:r>
             </a:p>
           </p:txBody>
@@ -4577,7 +4460,7 @@
                 </a:lnSpc>
               </a:pPr>
               <a:r>
-                <a:rPr lang="en-US" altLang="zh-CN" sz="1200" b="1" dirty="0" smtClean="0">
+                <a:rPr lang="en-US" altLang="zh-CN" sz="1200" b="1" dirty="0">
                   <a:latin typeface="Arial Black" panose="020B0A04020102020204" pitchFamily="34" charset="0"/>
                 </a:rPr>
                 <a:t>Applications &amp; Citations</a:t>
@@ -4632,14 +4515,7 @@
                 <a:latin typeface="Arial Black" panose="020B0A04020102020204" pitchFamily="34" charset="0"/>
                 <a:cs typeface="Times New Roman" panose="02020603050405020304" pitchFamily="18" charset="0"/>
               </a:rPr>
-              <a:t>Benchmarking</a:t>
-            </a:r>
-            <a:r>
-              <a:rPr lang="en-US" altLang="zh-CN" b="1" dirty="0" smtClean="0">
-                <a:latin typeface="Arial Black" panose="020B0A04020102020204" pitchFamily="34" charset="0"/>
-                <a:cs typeface="Times New Roman" panose="02020603050405020304" pitchFamily="18" charset="0"/>
-              </a:rPr>
-              <a:t> </a:t>
+              <a:t>Benchmarking </a:t>
             </a:r>
             <a:endParaRPr lang="zh-CN" altLang="en-US" b="1" dirty="0">
               <a:latin typeface="Arial Black" panose="020B0A04020102020204" pitchFamily="34" charset="0"/>
@@ -4686,7 +4562,7 @@
               </a:lnSpc>
             </a:pPr>
             <a:r>
-              <a:rPr lang="en-US" altLang="zh-CN" b="1" dirty="0" smtClean="0">
+              <a:rPr lang="en-US" altLang="zh-CN" b="1" dirty="0">
                 <a:latin typeface="Arial Black" panose="020B0A04020102020204" pitchFamily="34" charset="0"/>
                 <a:cs typeface="Times New Roman" panose="02020603050405020304" pitchFamily="18" charset="0"/>
               </a:rPr>
@@ -4725,7 +4601,7 @@
               <a:buChar char="l"/>
             </a:pPr>
             <a:r>
-              <a:rPr lang="en-US" altLang="zh-CN" sz="1200" b="1" dirty="0" smtClean="0">
+              <a:rPr lang="en-US" altLang="zh-CN" sz="1200" b="1" dirty="0">
                 <a:latin typeface="Arial Black" panose="020B0A04020102020204" pitchFamily="34" charset="0"/>
               </a:rPr>
               <a:t>Plot 2-D/3-D landscapes</a:t>
@@ -4737,25 +4613,13 @@
               <a:buChar char="l"/>
             </a:pPr>
             <a:r>
-              <a:rPr lang="en-US" altLang="zh-CN" sz="1200" b="1" dirty="0" smtClean="0">
-                <a:latin typeface="Arial Black" panose="020B0A04020102020204" pitchFamily="34" charset="0"/>
-              </a:rPr>
-              <a:t>Save </a:t>
-            </a:r>
-            <a:r>
               <a:rPr lang="en-US" altLang="zh-CN" sz="1200" b="1" dirty="0">
                 <a:latin typeface="Arial Black" panose="020B0A04020102020204" pitchFamily="34" charset="0"/>
               </a:rPr>
-              <a:t>o</a:t>
-            </a:r>
-            <a:r>
-              <a:rPr lang="en-US" altLang="zh-CN" sz="1200" b="1" dirty="0" smtClean="0">
-                <a:latin typeface="Arial Black" panose="020B0A04020102020204" pitchFamily="34" charset="0"/>
-              </a:rPr>
-              <a:t>ptimization data (</a:t>
-            </a:r>
-            <a:r>
-              <a:rPr lang="en-US" altLang="zh-CN" sz="1200" b="1" dirty="0" smtClean="0">
+              <a:t>Save optimization data (</a:t>
+            </a:r>
+            <a:r>
+              <a:rPr lang="en-US" altLang="zh-CN" sz="1200" b="1" dirty="0">
                 <a:solidFill>
                   <a:srgbClr val="4786B9"/>
                 </a:solidFill>
@@ -4764,7 +4628,7 @@
               <a:t>pickle</a:t>
             </a:r>
             <a:r>
-              <a:rPr lang="en-US" altLang="zh-CN" sz="1200" b="1" dirty="0" smtClean="0">
+              <a:rPr lang="en-US" altLang="zh-CN" sz="1200" b="1" dirty="0">
                 <a:latin typeface="Arial Black" panose="020B0A04020102020204" pitchFamily="34" charset="0"/>
               </a:rPr>
               <a:t>)</a:t>
@@ -4776,13 +4640,25 @@
               <a:buChar char="l"/>
             </a:pPr>
             <a:r>
-              <a:rPr lang="en-US" altLang="zh-CN" sz="1200" b="1" dirty="0" smtClean="0">
+              <a:rPr lang="en-US" altLang="zh-CN" sz="1200" b="1" dirty="0">
+                <a:latin typeface="Arial Black" panose="020B0A04020102020204" pitchFamily="34" charset="0"/>
+              </a:rPr>
+              <a:t>Check optimization results</a:t>
+            </a:r>
+          </a:p>
+          <a:p>
+            <a:pPr marL="285750" indent="-285750">
+              <a:buFont typeface="Wingdings" panose="05000000000000000000" pitchFamily="2" charset="2"/>
+              <a:buChar char="l"/>
+            </a:pPr>
+            <a:r>
+              <a:rPr lang="en-US" altLang="zh-CN" sz="1200" b="1" dirty="0">
                 <a:latin typeface="Arial Black" panose="020B0A04020102020204" pitchFamily="34" charset="0"/>
               </a:rPr>
               <a:t>Plot convergence curves (</a:t>
             </a:r>
             <a:r>
-              <a:rPr lang="en-US" altLang="zh-CN" sz="1200" b="1" dirty="0" smtClean="0">
+              <a:rPr lang="en-US" altLang="zh-CN" sz="1200" b="1" dirty="0">
                 <a:solidFill>
                   <a:srgbClr val="1F5F84"/>
                 </a:solidFill>
@@ -4796,9 +4672,6 @@
               </a:rPr>
               <a:t>)</a:t>
             </a:r>
-            <a:endParaRPr lang="en-US" altLang="zh-CN" sz="1200" b="1" dirty="0" smtClean="0">
-              <a:latin typeface="Arial Black" panose="020B0A04020102020204" pitchFamily="34" charset="0"/>
-            </a:endParaRPr>
           </a:p>
           <a:p>
             <a:pPr marL="285750" indent="-285750">
@@ -4806,22 +4679,10 @@
               <a:buChar char="l"/>
             </a:pPr>
             <a:r>
-              <a:rPr lang="en-US" altLang="zh-CN" sz="1200" b="1" dirty="0" smtClean="0">
-                <a:latin typeface="Arial Black" panose="020B0A04020102020204" pitchFamily="34" charset="0"/>
-              </a:rPr>
-              <a:t>Check </a:t>
-            </a:r>
-            <a:r>
               <a:rPr lang="en-US" altLang="zh-CN" sz="1200" b="1" dirty="0">
                 <a:latin typeface="Arial Black" panose="020B0A04020102020204" pitchFamily="34" charset="0"/>
               </a:rPr>
-              <a:t>o</a:t>
-            </a:r>
-            <a:r>
-              <a:rPr lang="en-US" altLang="zh-CN" sz="1200" b="1" dirty="0" smtClean="0">
-                <a:latin typeface="Arial Black" panose="020B0A04020102020204" pitchFamily="34" charset="0"/>
-              </a:rPr>
-              <a:t>ptimization results</a:t>
+              <a:t>Compare multiple optimizers</a:t>
             </a:r>
           </a:p>
           <a:p>
@@ -4830,25 +4691,13 @@
               <a:buChar char="l"/>
             </a:pPr>
             <a:r>
-              <a:rPr lang="en-US" altLang="zh-CN" sz="1200" b="1" dirty="0" smtClean="0">
-                <a:latin typeface="Arial Black" panose="020B0A04020102020204" pitchFamily="34" charset="0"/>
-              </a:rPr>
-              <a:t>Compare multiple optimizers</a:t>
-            </a:r>
-          </a:p>
-          <a:p>
-            <a:pPr marL="285750" indent="-285750">
-              <a:buFont typeface="Wingdings" panose="05000000000000000000" pitchFamily="2" charset="2"/>
-              <a:buChar char="l"/>
-            </a:pPr>
-            <a:r>
-              <a:rPr lang="en-US" altLang="zh-CN" sz="1200" b="1" dirty="0" smtClean="0">
+              <a:rPr lang="en-US" altLang="zh-CN" sz="1200" b="1" dirty="0">
                 <a:latin typeface="Arial Black" panose="020B0A04020102020204" pitchFamily="34" charset="0"/>
               </a:rPr>
               <a:t>Accelerate computation (</a:t>
             </a:r>
             <a:r>
-              <a:rPr lang="en-US" altLang="zh-CN" sz="1200" b="1" dirty="0" smtClean="0">
+              <a:rPr lang="en-US" altLang="zh-CN" sz="1200" b="1" dirty="0">
                 <a:solidFill>
                   <a:srgbClr val="00A3E0"/>
                 </a:solidFill>
@@ -4857,7 +4706,7 @@
               <a:t>Numba</a:t>
             </a:r>
             <a:r>
-              <a:rPr lang="en-US" altLang="zh-CN" sz="1200" b="1" dirty="0" smtClean="0">
+              <a:rPr lang="en-US" altLang="zh-CN" sz="1200" b="1" dirty="0">
                 <a:latin typeface="Arial Black" panose="020B0A04020102020204" pitchFamily="34" charset="0"/>
               </a:rPr>
               <a:t>)</a:t>
@@ -4907,7 +4756,7 @@
               </a:lnSpc>
             </a:pPr>
             <a:r>
-              <a:rPr lang="en-US" altLang="zh-CN" b="1" dirty="0" smtClean="0">
+              <a:rPr lang="en-US" altLang="zh-CN" b="1" dirty="0">
                 <a:latin typeface="Arial Black" panose="020B0A04020102020204" pitchFamily="34" charset="0"/>
                 <a:cs typeface="Times New Roman" panose="02020603050405020304" pitchFamily="18" charset="0"/>
               </a:rPr>
@@ -4946,7 +4795,7 @@
               <a:buChar char="l"/>
             </a:pPr>
             <a:r>
-              <a:rPr lang="en-US" altLang="zh-CN" sz="1200" b="1" dirty="0" smtClean="0">
+              <a:rPr lang="en-US" altLang="zh-CN" sz="1200" b="1" dirty="0">
                 <a:latin typeface="Arial Black" panose="020B0A04020102020204" pitchFamily="34" charset="0"/>
               </a:rPr>
               <a:t>Repeatability reports</a:t>
@@ -4958,19 +4807,13 @@
               <a:buChar char="l"/>
             </a:pPr>
             <a:r>
-              <a:rPr lang="en-US" altLang="zh-CN" sz="1200" b="1" dirty="0" smtClean="0">
-                <a:latin typeface="Arial Black" panose="020B0A04020102020204" pitchFamily="34" charset="0"/>
-              </a:rPr>
-              <a:t>Automatic testing </a:t>
-            </a:r>
-            <a:r>
               <a:rPr lang="en-US" altLang="zh-CN" sz="1200" b="1" dirty="0">
                 <a:latin typeface="Arial Black" panose="020B0A04020102020204" pitchFamily="34" charset="0"/>
               </a:rPr>
-              <a:t>(</a:t>
-            </a:r>
-            <a:r>
-              <a:rPr lang="en-US" altLang="zh-CN" sz="1200" b="1" dirty="0" smtClean="0">
+              <a:t>Automatic testing (</a:t>
+            </a:r>
+            <a:r>
+              <a:rPr lang="en-US" altLang="zh-CN" sz="1200" b="1" dirty="0">
                 <a:solidFill>
                   <a:srgbClr val="FF0000"/>
                 </a:solidFill>
@@ -4979,7 +4822,7 @@
               <a:t>pytest</a:t>
             </a:r>
             <a:r>
-              <a:rPr lang="en-US" altLang="zh-CN" sz="1200" b="1" dirty="0" smtClean="0">
+              <a:rPr lang="en-US" altLang="zh-CN" sz="1200" b="1" dirty="0">
                 <a:latin typeface="Arial Black" panose="020B0A04020102020204" pitchFamily="34" charset="0"/>
               </a:rPr>
               <a:t>)</a:t>
@@ -5047,7 +4890,7 @@
               <a:buChar char="l"/>
             </a:pPr>
             <a:r>
-              <a:rPr lang="en-US" altLang="zh-CN" sz="1200" b="1" dirty="0" smtClean="0">
+              <a:rPr lang="en-US" altLang="zh-CN" sz="1200" b="1" dirty="0">
                 <a:solidFill>
                   <a:srgbClr val="00B050"/>
                 </a:solidFill>
@@ -5062,7 +4905,7 @@
               <a:buChar char="•"/>
             </a:pPr>
             <a:r>
-              <a:rPr lang="en-US" altLang="zh-CN" sz="1200" b="1" dirty="0" smtClean="0">
+              <a:rPr lang="en-US" altLang="zh-CN" sz="1200" b="1" dirty="0">
                 <a:latin typeface="Arial Black" panose="020B0A04020102020204" pitchFamily="34" charset="0"/>
               </a:rPr>
               <a:t>Test local search abilities</a:t>
@@ -5074,20 +4917,11 @@
               <a:buChar char="•"/>
             </a:pPr>
             <a:r>
-              <a:rPr lang="en-US" altLang="zh-CN" sz="1200" b="1" dirty="0" smtClean="0">
-                <a:latin typeface="Arial Black" panose="020B0A04020102020204" pitchFamily="34" charset="0"/>
-              </a:rPr>
-              <a:t>Test global search </a:t>
-            </a:r>
-            <a:r>
               <a:rPr lang="en-US" altLang="zh-CN" sz="1200" b="1" dirty="0">
                 <a:latin typeface="Arial Black" panose="020B0A04020102020204" pitchFamily="34" charset="0"/>
               </a:rPr>
-              <a:t>abilities</a:t>
-            </a:r>
-            <a:endParaRPr lang="en-US" altLang="zh-CN" sz="1200" b="1" dirty="0" smtClean="0">
-              <a:latin typeface="Arial Black" panose="020B0A04020102020204" pitchFamily="34" charset="0"/>
-            </a:endParaRPr>
+              <a:t>Test global search abilities</a:t>
+            </a:r>
           </a:p>
           <a:p>
             <a:pPr marL="285750" indent="-285750">
@@ -5101,23 +4935,8 @@
                 </a:solidFill>
                 <a:latin typeface="Arial Black" panose="020B0A04020102020204" pitchFamily="34" charset="0"/>
               </a:rPr>
-              <a:t>Black-box </a:t>
-            </a:r>
-            <a:r>
-              <a:rPr lang="en-US" altLang="zh-CN" sz="1200" b="1" dirty="0" smtClean="0">
-                <a:solidFill>
-                  <a:srgbClr val="00B050"/>
-                </a:solidFill>
-                <a:latin typeface="Arial Black" panose="020B0A04020102020204" pitchFamily="34" charset="0"/>
-              </a:rPr>
-              <a:t>classification:</a:t>
-            </a:r>
-            <a:endParaRPr lang="en-US" altLang="zh-CN" sz="1200" b="1" dirty="0">
-              <a:solidFill>
-                <a:srgbClr val="00B050"/>
-              </a:solidFill>
-              <a:latin typeface="Arial Black" panose="020B0A04020102020204" pitchFamily="34" charset="0"/>
-            </a:endParaRPr>
+              <a:t>Black-box classification:</a:t>
+            </a:r>
           </a:p>
           <a:p>
             <a:pPr marL="628650" lvl="1" indent="-171450">
@@ -5128,27 +4947,9 @@
               <a:rPr lang="en-US" altLang="zh-CN" sz="1200" b="1" dirty="0">
                 <a:latin typeface="Arial Black" panose="020B0A04020102020204" pitchFamily="34" charset="0"/>
               </a:rPr>
-              <a:t>Test on 25 cases </a:t>
-            </a:r>
-            <a:r>
-              <a:rPr lang="en-US" altLang="zh-CN" sz="1200" b="1" dirty="0" smtClean="0">
-                <a:latin typeface="Arial Black" panose="020B0A04020102020204" pitchFamily="34" charset="0"/>
-              </a:rPr>
-              <a:t>(=5 </a:t>
-            </a:r>
-            <a:r>
-              <a:rPr lang="en-US" altLang="zh-CN" sz="1200" b="1" dirty="0">
-                <a:latin typeface="Arial Black" panose="020B0A04020102020204" pitchFamily="34" charset="0"/>
-              </a:rPr>
-              <a:t>datasets * 5 loss functions</a:t>
-            </a:r>
-            <a:r>
-              <a:rPr lang="en-US" altLang="zh-CN" sz="1200" b="1" dirty="0" smtClean="0">
-                <a:latin typeface="Arial Black" panose="020B0A04020102020204" pitchFamily="34" charset="0"/>
-              </a:rPr>
-              <a:t>)</a:t>
-            </a:r>
-            <a:endParaRPr lang="en-US" altLang="zh-CN" sz="1200" b="1" i="1" dirty="0" smtClean="0">
+              <a:t>Test on 25 cases (=5 datasets * 5 loss functions)</a:t>
+            </a:r>
+            <a:endParaRPr lang="en-US" altLang="zh-CN" sz="1200" b="1" i="1" dirty="0">
               <a:latin typeface="Arial Black" panose="020B0A04020102020204" pitchFamily="34" charset="0"/>
             </a:endParaRPr>
           </a:p>
@@ -5158,7 +4959,7 @@
               <a:buChar char="l"/>
             </a:pPr>
             <a:r>
-              <a:rPr lang="en-US" altLang="zh-CN" sz="1200" b="1" dirty="0" smtClean="0">
+              <a:rPr lang="en-US" altLang="zh-CN" sz="1200" b="1" dirty="0">
                 <a:solidFill>
                   <a:srgbClr val="00A3E0"/>
                 </a:solidFill>
@@ -5173,7 +4974,7 @@
               <a:buChar char="•"/>
             </a:pPr>
             <a:r>
-              <a:rPr lang="en-US" altLang="zh-CN" sz="1200" b="1" dirty="0" smtClean="0">
+              <a:rPr lang="en-US" altLang="zh-CN" sz="1200" b="1" dirty="0">
                 <a:latin typeface="Arial Black" panose="020B0A04020102020204" pitchFamily="34" charset="0"/>
               </a:rPr>
               <a:t>Test on 24 different functions</a:t>
@@ -5184,15 +4985,6 @@
               <a:buFont typeface="Wingdings" panose="05000000000000000000" pitchFamily="2" charset="2"/>
               <a:buChar char="l"/>
             </a:pPr>
-            <a:r>
-              <a:rPr lang="en-US" altLang="zh-CN" sz="1200" b="1" dirty="0" smtClean="0">
-                <a:solidFill>
-                  <a:srgbClr val="00A3E0"/>
-                </a:solidFill>
-                <a:latin typeface="Arial Black" panose="020B0A04020102020204" pitchFamily="34" charset="0"/>
-              </a:rPr>
-              <a:t>NeverGrad</a:t>
-            </a:r>
             <a:r>
               <a:rPr lang="en-US" altLang="zh-CN" sz="1200" b="1" dirty="0">
                 <a:solidFill>
@@ -5200,16 +4992,7 @@
                 </a:solidFill>
                 <a:latin typeface="Arial Black" panose="020B0A04020102020204" pitchFamily="34" charset="0"/>
               </a:rPr>
-              <a:t> </a:t>
-            </a:r>
-            <a:r>
-              <a:rPr lang="en-US" altLang="zh-CN" sz="1200" b="1" dirty="0" smtClean="0">
-                <a:solidFill>
-                  <a:srgbClr val="00A3E0"/>
-                </a:solidFill>
-                <a:latin typeface="Arial Black" panose="020B0A04020102020204" pitchFamily="34" charset="0"/>
-              </a:rPr>
-              <a:t>interface:</a:t>
+              <a:t>NeverGrad interface:</a:t>
             </a:r>
           </a:p>
           <a:p>
@@ -5221,13 +5004,7 @@
               <a:rPr lang="en-US" altLang="zh-CN" sz="1200" b="1" dirty="0">
                 <a:latin typeface="Arial Black" panose="020B0A04020102020204" pitchFamily="34" charset="0"/>
               </a:rPr>
-              <a:t>Test </a:t>
-            </a:r>
-            <a:r>
-              <a:rPr lang="en-US" altLang="zh-CN" sz="1200" b="1" dirty="0" smtClean="0">
-                <a:latin typeface="Arial Black" panose="020B0A04020102020204" pitchFamily="34" charset="0"/>
-              </a:rPr>
-              <a:t>on photonics problems</a:t>
+              <a:t>Test on photonics problems</a:t>
             </a:r>
           </a:p>
           <a:p>
@@ -5236,7 +5013,7 @@
               <a:buChar char="l"/>
             </a:pPr>
             <a:r>
-              <a:rPr lang="en-US" altLang="zh-CN" sz="1200" b="1" dirty="0" smtClean="0">
+              <a:rPr lang="en-US" altLang="zh-CN" sz="1200" b="1" dirty="0">
                 <a:latin typeface="Arial Black" panose="020B0A04020102020204" pitchFamily="34" charset="0"/>
               </a:rPr>
               <a:t>Direct (neural) policy search:</a:t>
@@ -5248,16 +5025,10 @@
               <a:buChar char="•"/>
             </a:pPr>
             <a:r>
-              <a:rPr lang="en-US" altLang="zh-CN" sz="1200" b="1" dirty="0" smtClean="0">
-                <a:latin typeface="Arial Black" panose="020B0A04020102020204" pitchFamily="34" charset="0"/>
-              </a:rPr>
-              <a:t>Test on 6 simulation robotics </a:t>
-            </a:r>
-            <a:r>
               <a:rPr lang="en-US" altLang="zh-CN" sz="1200" b="1" dirty="0">
                 <a:latin typeface="Arial Black" panose="020B0A04020102020204" pitchFamily="34" charset="0"/>
               </a:rPr>
-              <a:t>(from </a:t>
+              <a:t>Test on 6 simulation robotics (from </a:t>
             </a:r>
             <a:r>
               <a:rPr lang="en-US" altLang="zh-CN" sz="1200" b="1" dirty="0">
@@ -5274,9 +5045,6 @@
               </a:rPr>
               <a:t>)</a:t>
             </a:r>
-            <a:endParaRPr lang="en-US" altLang="zh-CN" sz="1200" b="1" dirty="0" smtClean="0">
-              <a:latin typeface="Arial Black" panose="020B0A04020102020204" pitchFamily="34" charset="0"/>
-            </a:endParaRPr>
           </a:p>
           <a:p>
             <a:pPr marL="285750" indent="-285750">
@@ -5284,25 +5052,13 @@
               <a:buChar char="l"/>
             </a:pPr>
             <a:r>
-              <a:rPr lang="en-US" altLang="zh-CN" sz="1200" b="1" dirty="0" smtClean="0">
-                <a:latin typeface="Arial Black" panose="020B0A04020102020204" pitchFamily="34" charset="0"/>
-              </a:rPr>
-              <a:t>Global </a:t>
-            </a:r>
-            <a:r>
               <a:rPr lang="en-US" altLang="zh-CN" sz="1200" b="1" dirty="0">
                 <a:latin typeface="Arial Black" panose="020B0A04020102020204" pitchFamily="34" charset="0"/>
               </a:rPr>
-              <a:t>trajectory optimization </a:t>
-            </a:r>
-            <a:r>
-              <a:rPr lang="en-US" altLang="zh-CN" sz="1200" b="1" dirty="0" smtClean="0">
-                <a:latin typeface="Arial Black" panose="020B0A04020102020204" pitchFamily="34" charset="0"/>
-              </a:rPr>
-              <a:t>(from </a:t>
-            </a:r>
-            <a:r>
-              <a:rPr lang="en-US" altLang="zh-CN" sz="1200" b="1" dirty="0" smtClean="0">
+              <a:t>Global trajectory optimization (from </a:t>
+            </a:r>
+            <a:r>
+              <a:rPr lang="en-US" altLang="zh-CN" sz="1200" b="1" dirty="0">
                 <a:solidFill>
                   <a:srgbClr val="00A3E0"/>
                 </a:solidFill>
@@ -5311,21 +5067,18 @@
               <a:t>pykep</a:t>
             </a:r>
             <a:r>
-              <a:rPr lang="en-US" altLang="zh-CN" sz="1200" b="1" dirty="0" smtClean="0">
+              <a:rPr lang="en-US" altLang="zh-CN" sz="1200" b="1" dirty="0">
                 <a:latin typeface="Arial Black" panose="020B0A04020102020204" pitchFamily="34" charset="0"/>
               </a:rPr>
               <a:t>)</a:t>
             </a:r>
-            <a:endParaRPr lang="en-US" altLang="zh-CN" sz="1200" b="1" dirty="0">
-              <a:latin typeface="Arial Black" panose="020B0A04020102020204" pitchFamily="34" charset="0"/>
-            </a:endParaRPr>
           </a:p>
           <a:p>
             <a:pPr marL="285750" indent="-285750">
               <a:buFont typeface="Wingdings" panose="05000000000000000000" pitchFamily="2" charset="2"/>
               <a:buChar char="l"/>
             </a:pPr>
-            <a:endParaRPr lang="en-US" altLang="zh-CN" sz="1200" b="1" dirty="0" smtClean="0">
+            <a:endParaRPr lang="en-US" altLang="zh-CN" sz="1200" b="1" dirty="0">
               <a:latin typeface="Arial Black" panose="020B0A04020102020204" pitchFamily="34" charset="0"/>
             </a:endParaRPr>
           </a:p>
@@ -5430,7 +5183,7 @@
               </a:lnSpc>
             </a:pPr>
             <a:r>
-              <a:rPr lang="en-US" altLang="zh-CN" b="1" dirty="0" smtClean="0">
+              <a:rPr lang="en-US" altLang="zh-CN" b="1" dirty="0">
                 <a:latin typeface="Arial Black" panose="020B0A04020102020204" pitchFamily="34" charset="0"/>
               </a:rPr>
               <a:t>Black-Box Optimizers (BBO)</a:t>
@@ -5469,26 +5222,11 @@
           <a:p>
             <a:pPr algn="ctr"/>
             <a:r>
-              <a:rPr lang="en-US" altLang="zh-CN" sz="1300" b="1" dirty="0" smtClean="0">
-                <a:latin typeface="Arial Black" panose="020B0A04020102020204" pitchFamily="34" charset="0"/>
-              </a:rPr>
-              <a:t>Evolution </a:t>
-            </a:r>
-            <a:r>
               <a:rPr lang="en-US" altLang="zh-CN" sz="1300" b="1" dirty="0">
                 <a:latin typeface="Arial Black" panose="020B0A04020102020204" pitchFamily="34" charset="0"/>
               </a:rPr>
-              <a:t>Strategies (ES</a:t>
-            </a:r>
-            <a:r>
-              <a:rPr lang="en-US" altLang="zh-CN" sz="1300" b="1" dirty="0" smtClean="0">
-                <a:latin typeface="Arial Black" panose="020B0A04020102020204" pitchFamily="34" charset="0"/>
-              </a:rPr>
-              <a:t>)</a:t>
-            </a:r>
-            <a:endParaRPr lang="en-US" altLang="zh-CN" sz="1300" b="1" dirty="0">
-              <a:latin typeface="Arial Black" panose="020B0A04020102020204" pitchFamily="34" charset="0"/>
-            </a:endParaRPr>
+              <a:t>Evolution Strategies (ES)</a:t>
+            </a:r>
           </a:p>
         </p:txBody>
       </p:sp>
@@ -5520,14 +5258,11 @@
           <a:p>
             <a:pPr algn="ctr"/>
             <a:r>
-              <a:rPr lang="en-US" altLang="zh-CN" sz="1300" b="1" dirty="0" smtClean="0">
+              <a:rPr lang="en-US" altLang="zh-CN" sz="1300" b="1" dirty="0">
                 <a:latin typeface="Arial Black" panose="020B0A04020102020204" pitchFamily="34" charset="0"/>
               </a:rPr>
               <a:t>Particle Swarm Optimizers (PSO)</a:t>
             </a:r>
-            <a:endParaRPr lang="en-US" altLang="zh-CN" sz="1300" b="1" dirty="0">
-              <a:latin typeface="Arial Black" panose="020B0A04020102020204" pitchFamily="34" charset="0"/>
-            </a:endParaRPr>
           </a:p>
         </p:txBody>
       </p:sp>
@@ -5559,26 +5294,11 @@
           <a:p>
             <a:pPr algn="ctr"/>
             <a:r>
-              <a:rPr lang="en-US" altLang="zh-CN" sz="1300" b="1" dirty="0" smtClean="0">
-                <a:latin typeface="Arial Black" panose="020B0A04020102020204" pitchFamily="34" charset="0"/>
-              </a:rPr>
-              <a:t>Differential </a:t>
-            </a:r>
-            <a:r>
               <a:rPr lang="en-US" altLang="zh-CN" sz="1300" b="1" dirty="0">
                 <a:latin typeface="Arial Black" panose="020B0A04020102020204" pitchFamily="34" charset="0"/>
               </a:rPr>
-              <a:t>Evolution (DE</a:t>
-            </a:r>
-            <a:r>
-              <a:rPr lang="en-US" altLang="zh-CN" sz="1300" b="1" dirty="0" smtClean="0">
-                <a:latin typeface="Arial Black" panose="020B0A04020102020204" pitchFamily="34" charset="0"/>
-              </a:rPr>
-              <a:t>)</a:t>
-            </a:r>
-            <a:endParaRPr lang="en-US" altLang="zh-CN" sz="1300" b="1" dirty="0">
-              <a:latin typeface="Arial Black" panose="020B0A04020102020204" pitchFamily="34" charset="0"/>
-            </a:endParaRPr>
+              <a:t>Differential Evolution (DE)</a:t>
+            </a:r>
           </a:p>
         </p:txBody>
       </p:sp>
@@ -5604,7 +5324,7 @@
           <a:lstStyle/>
           <a:p>
             <a:r>
-              <a:rPr lang="en-US" altLang="zh-CN" sz="1300" b="1" dirty="0" smtClean="0">
+              <a:rPr lang="en-US" altLang="zh-CN" sz="1300" b="1" dirty="0">
                 <a:solidFill>
                   <a:srgbClr val="00B050"/>
                 </a:solidFill>
@@ -5612,12 +5332,6 @@
               </a:rPr>
               <a:t>Optimizer</a:t>
             </a:r>
-            <a:endParaRPr lang="en-US" altLang="zh-CN" sz="1300" b="1" dirty="0">
-              <a:solidFill>
-                <a:srgbClr val="00B050"/>
-              </a:solidFill>
-              <a:latin typeface="Arial Black" panose="020B0A04020102020204" pitchFamily="34" charset="0"/>
-            </a:endParaRPr>
           </a:p>
         </p:txBody>
       </p:sp>
@@ -5643,34 +5357,10 @@
           <a:lstStyle/>
           <a:p>
             <a:r>
-              <a:rPr lang="en-US" altLang="zh-CN" sz="800" b="1" dirty="0" smtClean="0">
-                <a:latin typeface="Arial Black" panose="020B0A04020102020204" pitchFamily="34" charset="0"/>
-              </a:rPr>
-              <a:t>(as </a:t>
-            </a:r>
-            <a:r>
               <a:rPr lang="en-US" altLang="zh-CN" sz="800" b="1" dirty="0">
                 <a:latin typeface="Arial Black" panose="020B0A04020102020204" pitchFamily="34" charset="0"/>
               </a:rPr>
-              <a:t>an </a:t>
-            </a:r>
-            <a:r>
-              <a:rPr lang="en-US" altLang="zh-CN" sz="800" b="1" dirty="0" smtClean="0">
-                <a:latin typeface="Arial Black" panose="020B0A04020102020204" pitchFamily="34" charset="0"/>
-              </a:rPr>
-              <a:t>open interface </a:t>
-            </a:r>
-            <a:r>
-              <a:rPr lang="en-US" altLang="zh-CN" sz="800" b="1" dirty="0">
-                <a:latin typeface="Arial Black" panose="020B0A04020102020204" pitchFamily="34" charset="0"/>
-              </a:rPr>
-              <a:t>to add new/missed </a:t>
-            </a:r>
-            <a:r>
-              <a:rPr lang="en-US" altLang="zh-CN" sz="800" b="1" dirty="0" smtClean="0">
-                <a:latin typeface="Arial Black" panose="020B0A04020102020204" pitchFamily="34" charset="0"/>
-              </a:rPr>
-              <a:t>BBO)</a:t>
+              <a:t>(as an open interface to add new/missed BBO)</a:t>
             </a:r>
             <a:endParaRPr lang="zh-CN" altLang="en-US" sz="800" dirty="0"/>
           </a:p>
@@ -5704,26 +5394,11 @@
           <a:p>
             <a:pPr algn="ctr"/>
             <a:r>
-              <a:rPr lang="en-US" altLang="zh-CN" sz="1300" b="1" dirty="0" smtClean="0">
-                <a:latin typeface="Arial Black" panose="020B0A04020102020204" pitchFamily="34" charset="0"/>
-              </a:rPr>
-              <a:t>Natural </a:t>
-            </a:r>
-            <a:r>
               <a:rPr lang="en-US" altLang="zh-CN" sz="1300" b="1" dirty="0">
                 <a:latin typeface="Arial Black" panose="020B0A04020102020204" pitchFamily="34" charset="0"/>
               </a:rPr>
-              <a:t>Evolution Strategies (</a:t>
-            </a:r>
-            <a:r>
-              <a:rPr lang="en-US" altLang="zh-CN" sz="1300" b="1" dirty="0" smtClean="0">
-                <a:latin typeface="Arial Black" panose="020B0A04020102020204" pitchFamily="34" charset="0"/>
-              </a:rPr>
-              <a:t>NES)</a:t>
-            </a:r>
-            <a:endParaRPr lang="en-US" altLang="zh-CN" sz="1300" b="1" dirty="0">
-              <a:latin typeface="Arial Black" panose="020B0A04020102020204" pitchFamily="34" charset="0"/>
-            </a:endParaRPr>
+              <a:t>Natural Evolution Strategies (NES)</a:t>
+            </a:r>
           </a:p>
         </p:txBody>
       </p:sp>
@@ -5755,7 +5430,7 @@
           <a:p>
             <a:pPr algn="ctr"/>
             <a:r>
-              <a:rPr lang="en-US" altLang="zh-CN" sz="1300" b="1" dirty="0" smtClean="0">
+              <a:rPr lang="en-US" altLang="zh-CN" sz="1300" b="1" dirty="0">
                 <a:latin typeface="Arial Black" panose="020B0A04020102020204" pitchFamily="34" charset="0"/>
               </a:rPr>
               <a:t>Genetic Algorithms</a:t>
@@ -5764,14 +5439,11 @@
           <a:p>
             <a:pPr algn="ctr"/>
             <a:r>
-              <a:rPr lang="en-US" altLang="zh-CN" sz="1300" b="1" dirty="0" smtClean="0">
+              <a:rPr lang="en-US" altLang="zh-CN" sz="1300" b="1" dirty="0">
                 <a:latin typeface="Arial Black" panose="020B0A04020102020204" pitchFamily="34" charset="0"/>
               </a:rPr>
               <a:t>(GA)</a:t>
             </a:r>
-            <a:endParaRPr lang="en-US" altLang="zh-CN" sz="1300" b="1" dirty="0">
-              <a:latin typeface="Arial Black" panose="020B0A04020102020204" pitchFamily="34" charset="0"/>
-            </a:endParaRPr>
           </a:p>
         </p:txBody>
       </p:sp>
@@ -5814,7 +5486,7 @@
           <a:p>
             <a:pPr algn="ctr"/>
             <a:r>
-              <a:rPr lang="en-US" altLang="zh-CN" dirty="0" smtClean="0"/>
+              <a:rPr lang="en-US" altLang="zh-CN" dirty="0"/>
               <a:t>  </a:t>
             </a:r>
             <a:endParaRPr lang="zh-CN" altLang="en-US" dirty="0"/>
@@ -5860,7 +5532,7 @@
           <a:p>
             <a:pPr algn="ctr"/>
             <a:r>
-              <a:rPr lang="en-US" altLang="zh-CN" dirty="0" smtClean="0"/>
+              <a:rPr lang="en-US" altLang="zh-CN" dirty="0"/>
               <a:t>  </a:t>
             </a:r>
             <a:endParaRPr lang="zh-CN" altLang="en-US" dirty="0"/>
@@ -5906,7 +5578,7 @@
           <a:p>
             <a:pPr algn="ctr"/>
             <a:r>
-              <a:rPr lang="en-US" altLang="zh-CN" dirty="0" smtClean="0"/>
+              <a:rPr lang="en-US" altLang="zh-CN" dirty="0"/>
               <a:t>  </a:t>
             </a:r>
             <a:endParaRPr lang="zh-CN" altLang="en-US" dirty="0"/>
@@ -5952,7 +5624,7 @@
           <a:p>
             <a:pPr algn="ctr"/>
             <a:r>
-              <a:rPr lang="en-US" altLang="zh-CN" dirty="0" smtClean="0"/>
+              <a:rPr lang="en-US" altLang="zh-CN" dirty="0"/>
               <a:t>  </a:t>
             </a:r>
             <a:endParaRPr lang="zh-CN" altLang="en-US" dirty="0"/>
@@ -5998,7 +5670,7 @@
           <a:p>
             <a:pPr algn="ctr"/>
             <a:r>
-              <a:rPr lang="en-US" altLang="zh-CN" dirty="0" smtClean="0"/>
+              <a:rPr lang="en-US" altLang="zh-CN" dirty="0"/>
               <a:t>  </a:t>
             </a:r>
             <a:endParaRPr lang="zh-CN" altLang="en-US" dirty="0"/>
@@ -6165,7 +5837,7 @@
           <a:p>
             <a:pPr algn="ctr"/>
             <a:r>
-              <a:rPr lang="en-US" altLang="zh-CN" dirty="0" smtClean="0"/>
+              <a:rPr lang="en-US" altLang="zh-CN" dirty="0"/>
               <a:t>  </a:t>
             </a:r>
             <a:endParaRPr lang="zh-CN" altLang="en-US" dirty="0"/>
@@ -6218,7 +5890,7 @@
           <a:p>
             <a:pPr algn="ctr"/>
             <a:r>
-              <a:rPr lang="en-US" altLang="zh-CN" dirty="0" smtClean="0"/>
+              <a:rPr lang="en-US" altLang="zh-CN" dirty="0"/>
               <a:t>  </a:t>
             </a:r>
             <a:endParaRPr lang="zh-CN" altLang="en-US" dirty="0"/>
@@ -6264,7 +5936,7 @@
           <a:p>
             <a:pPr algn="ctr"/>
             <a:r>
-              <a:rPr lang="en-US" altLang="zh-CN" dirty="0" smtClean="0"/>
+              <a:rPr lang="en-US" altLang="zh-CN" dirty="0"/>
               <a:t>  </a:t>
             </a:r>
             <a:endParaRPr lang="zh-CN" altLang="en-US" dirty="0"/>
@@ -6307,7 +5979,7 @@
             <a:lstStyle/>
             <a:p>
               <a:r>
-                <a:rPr lang="en-US" altLang="zh-CN" sz="1600" b="1" dirty="0" smtClean="0">
+                <a:rPr lang="en-US" altLang="zh-CN" sz="1600" b="1" dirty="0">
                   <a:solidFill>
                     <a:srgbClr val="F37F40"/>
                   </a:solidFill>
@@ -6315,12 +5987,6 @@
                 </a:rPr>
                 <a:t>SHADE</a:t>
               </a:r>
-              <a:endParaRPr lang="en-US" altLang="zh-CN" sz="1600" b="1" dirty="0">
-                <a:solidFill>
-                  <a:srgbClr val="F37F40"/>
-                </a:solidFill>
-                <a:latin typeface="Arial Black" panose="020B0A04020102020204" pitchFamily="34" charset="0"/>
-              </a:endParaRPr>
             </a:p>
           </p:txBody>
         </p:sp>
@@ -6346,7 +6012,7 @@
             <a:lstStyle/>
             <a:p>
               <a:r>
-                <a:rPr lang="en-US" altLang="zh-CN" sz="1600" b="1" dirty="0" smtClean="0">
+                <a:rPr lang="en-US" altLang="zh-CN" sz="1600" b="1" dirty="0">
                   <a:solidFill>
                     <a:srgbClr val="F37F40"/>
                   </a:solidFill>
@@ -6354,12 +6020,6 @@
                 </a:rPr>
                 <a:t>JADE</a:t>
               </a:r>
-              <a:endParaRPr lang="en-US" altLang="zh-CN" sz="1600" b="1" dirty="0">
-                <a:solidFill>
-                  <a:srgbClr val="F37F40"/>
-                </a:solidFill>
-                <a:latin typeface="Arial Black" panose="020B0A04020102020204" pitchFamily="34" charset="0"/>
-              </a:endParaRPr>
             </a:p>
           </p:txBody>
         </p:sp>
@@ -6385,7 +6045,7 @@
             <a:lstStyle/>
             <a:p>
               <a:r>
-                <a:rPr lang="en-US" altLang="zh-CN" sz="1600" b="1" dirty="0" smtClean="0">
+                <a:rPr lang="en-US" altLang="zh-CN" sz="1600" b="1" dirty="0">
                   <a:solidFill>
                     <a:srgbClr val="0375B6"/>
                   </a:solidFill>
@@ -6393,12 +6053,6 @@
                 </a:rPr>
                 <a:t>CDE</a:t>
               </a:r>
-              <a:endParaRPr lang="en-US" altLang="zh-CN" sz="1600" b="1" dirty="0">
-                <a:solidFill>
-                  <a:srgbClr val="0375B6"/>
-                </a:solidFill>
-                <a:latin typeface="Arial Black" panose="020B0A04020102020204" pitchFamily="34" charset="0"/>
-              </a:endParaRPr>
             </a:p>
           </p:txBody>
         </p:sp>
@@ -6424,7 +6078,7 @@
             <a:lstStyle/>
             <a:p>
               <a:r>
-                <a:rPr lang="en-US" altLang="zh-CN" sz="1600" b="1" dirty="0" smtClean="0">
+                <a:rPr lang="en-US" altLang="zh-CN" sz="1600" b="1" dirty="0">
                   <a:solidFill>
                     <a:srgbClr val="0375B6"/>
                   </a:solidFill>
@@ -6432,12 +6086,6 @@
                 </a:rPr>
                 <a:t>TDE</a:t>
               </a:r>
-              <a:endParaRPr lang="en-US" altLang="zh-CN" sz="1600" b="1" dirty="0">
-                <a:solidFill>
-                  <a:srgbClr val="0375B6"/>
-                </a:solidFill>
-                <a:latin typeface="Arial Black" panose="020B0A04020102020204" pitchFamily="34" charset="0"/>
-              </a:endParaRPr>
             </a:p>
           </p:txBody>
         </p:sp>
@@ -6478,7 +6126,7 @@
             <a:lstStyle/>
             <a:p>
               <a:r>
-                <a:rPr lang="en-US" altLang="zh-CN" sz="1600" b="1" dirty="0" smtClean="0">
+                <a:rPr lang="en-US" altLang="zh-CN" sz="1600" b="1" dirty="0">
                   <a:solidFill>
                     <a:srgbClr val="F37F40"/>
                   </a:solidFill>
@@ -6486,12 +6134,6 @@
                 </a:rPr>
                 <a:t>CPSO</a:t>
               </a:r>
-              <a:endParaRPr lang="en-US" altLang="zh-CN" sz="1600" b="1" dirty="0">
-                <a:solidFill>
-                  <a:srgbClr val="F37F40"/>
-                </a:solidFill>
-                <a:latin typeface="Arial Black" panose="020B0A04020102020204" pitchFamily="34" charset="0"/>
-              </a:endParaRPr>
             </a:p>
           </p:txBody>
         </p:sp>
@@ -6517,7 +6159,7 @@
             <a:lstStyle/>
             <a:p>
               <a:r>
-                <a:rPr lang="en-US" altLang="zh-CN" sz="1600" b="1" dirty="0" smtClean="0">
+                <a:rPr lang="en-US" altLang="zh-CN" sz="1600" b="1" dirty="0">
                   <a:solidFill>
                     <a:srgbClr val="F37F40"/>
                   </a:solidFill>
@@ -6525,12 +6167,6 @@
                 </a:rPr>
                 <a:t>CCPSO2</a:t>
               </a:r>
-              <a:endParaRPr lang="en-US" altLang="zh-CN" sz="1600" b="1" dirty="0">
-                <a:solidFill>
-                  <a:srgbClr val="F37F40"/>
-                </a:solidFill>
-                <a:latin typeface="Arial Black" panose="020B0A04020102020204" pitchFamily="34" charset="0"/>
-              </a:endParaRPr>
             </a:p>
           </p:txBody>
         </p:sp>
@@ -6556,7 +6192,7 @@
             <a:lstStyle/>
             <a:p>
               <a:r>
-                <a:rPr lang="en-US" altLang="zh-CN" sz="1600" b="1" dirty="0" smtClean="0">
+                <a:rPr lang="en-US" altLang="zh-CN" sz="1600" b="1" dirty="0">
                   <a:solidFill>
                     <a:srgbClr val="F37F40"/>
                   </a:solidFill>
@@ -6564,12 +6200,6 @@
                 </a:rPr>
                 <a:t>CLPSO</a:t>
               </a:r>
-              <a:endParaRPr lang="en-US" altLang="zh-CN" sz="1600" b="1" dirty="0">
-                <a:solidFill>
-                  <a:srgbClr val="F37F40"/>
-                </a:solidFill>
-                <a:latin typeface="Arial Black" panose="020B0A04020102020204" pitchFamily="34" charset="0"/>
-              </a:endParaRPr>
             </a:p>
           </p:txBody>
         </p:sp>
@@ -6595,7 +6225,7 @@
             <a:lstStyle/>
             <a:p>
               <a:r>
-                <a:rPr lang="en-US" altLang="zh-CN" sz="1600" b="1" dirty="0" smtClean="0">
+                <a:rPr lang="en-US" altLang="zh-CN" sz="1600" b="1" dirty="0">
                   <a:solidFill>
                     <a:srgbClr val="F37F40"/>
                   </a:solidFill>
@@ -6603,12 +6233,6 @@
                 </a:rPr>
                 <a:t>IPSO</a:t>
               </a:r>
-              <a:endParaRPr lang="en-US" altLang="zh-CN" sz="1600" b="1" dirty="0">
-                <a:solidFill>
-                  <a:srgbClr val="F37F40"/>
-                </a:solidFill>
-                <a:latin typeface="Arial Black" panose="020B0A04020102020204" pitchFamily="34" charset="0"/>
-              </a:endParaRPr>
             </a:p>
           </p:txBody>
         </p:sp>
@@ -6634,7 +6258,7 @@
             <a:lstStyle/>
             <a:p>
               <a:r>
-                <a:rPr lang="en-US" altLang="zh-CN" sz="1600" b="1" dirty="0" smtClean="0">
+                <a:rPr lang="en-US" altLang="zh-CN" sz="1600" b="1" dirty="0">
                   <a:solidFill>
                     <a:srgbClr val="0375B6"/>
                   </a:solidFill>
@@ -6642,12 +6266,6 @@
                 </a:rPr>
                 <a:t>SPSO</a:t>
               </a:r>
-              <a:endParaRPr lang="en-US" altLang="zh-CN" sz="1600" b="1" dirty="0">
-                <a:solidFill>
-                  <a:srgbClr val="0375B6"/>
-                </a:solidFill>
-                <a:latin typeface="Arial Black" panose="020B0A04020102020204" pitchFamily="34" charset="0"/>
-              </a:endParaRPr>
             </a:p>
           </p:txBody>
         </p:sp>
@@ -6673,7 +6291,7 @@
             <a:lstStyle/>
             <a:p>
               <a:r>
-                <a:rPr lang="en-US" altLang="zh-CN" sz="1600" b="1" dirty="0" smtClean="0">
+                <a:rPr lang="en-US" altLang="zh-CN" sz="1600" b="1" dirty="0">
                   <a:solidFill>
                     <a:srgbClr val="0375B6"/>
                   </a:solidFill>
@@ -6681,12 +6299,6 @@
                 </a:rPr>
                 <a:t>SPSOL</a:t>
               </a:r>
-              <a:endParaRPr lang="en-US" altLang="zh-CN" sz="1600" b="1" dirty="0">
-                <a:solidFill>
-                  <a:srgbClr val="0375B6"/>
-                </a:solidFill>
-                <a:latin typeface="Arial Black" panose="020B0A04020102020204" pitchFamily="34" charset="0"/>
-              </a:endParaRPr>
             </a:p>
           </p:txBody>
         </p:sp>
@@ -6741,7 +6353,7 @@
               <a:lstStyle/>
               <a:p>
                 <a:r>
-                  <a:rPr lang="en-US" altLang="zh-CN" sz="1600" b="1" dirty="0" smtClean="0">
+                  <a:rPr lang="en-US" altLang="zh-CN" sz="1600" b="1" dirty="0">
                     <a:solidFill>
                       <a:srgbClr val="F37F40"/>
                     </a:solidFill>
@@ -6749,12 +6361,6 @@
                   </a:rPr>
                   <a:t>GL25</a:t>
                 </a:r>
-                <a:endParaRPr lang="en-US" altLang="zh-CN" sz="1600" b="1" dirty="0">
-                  <a:solidFill>
-                    <a:srgbClr val="F37F40"/>
-                  </a:solidFill>
-                  <a:latin typeface="Arial Black" panose="020B0A04020102020204" pitchFamily="34" charset="0"/>
-                </a:endParaRPr>
               </a:p>
             </p:txBody>
           </p:sp>
@@ -6780,7 +6386,7 @@
               <a:lstStyle/>
               <a:p>
                 <a:r>
-                  <a:rPr lang="en-US" altLang="zh-CN" sz="1600" b="1" dirty="0" smtClean="0">
+                  <a:rPr lang="en-US" altLang="zh-CN" sz="1600" b="1" dirty="0">
                     <a:solidFill>
                       <a:srgbClr val="F37F40"/>
                     </a:solidFill>
@@ -6788,12 +6394,6 @@
                   </a:rPr>
                   <a:t>G3PCX</a:t>
                 </a:r>
-                <a:endParaRPr lang="en-US" altLang="zh-CN" sz="1600" b="1" dirty="0">
-                  <a:solidFill>
-                    <a:srgbClr val="F37F40"/>
-                  </a:solidFill>
-                  <a:latin typeface="Arial Black" panose="020B0A04020102020204" pitchFamily="34" charset="0"/>
-                </a:endParaRPr>
               </a:p>
             </p:txBody>
           </p:sp>
@@ -6820,7 +6420,7 @@
             <a:lstStyle/>
             <a:p>
               <a:r>
-                <a:rPr lang="en-US" altLang="zh-CN" sz="1600" b="1" dirty="0" smtClean="0">
+                <a:rPr lang="en-US" altLang="zh-CN" sz="1600" b="1" dirty="0">
                   <a:solidFill>
                     <a:srgbClr val="0375B6"/>
                   </a:solidFill>
@@ -6828,12 +6428,6 @@
                 </a:rPr>
                 <a:t>GENITOR</a:t>
               </a:r>
-              <a:endParaRPr lang="en-US" altLang="zh-CN" sz="1600" b="1" dirty="0">
-                <a:solidFill>
-                  <a:srgbClr val="0375B6"/>
-                </a:solidFill>
-                <a:latin typeface="Arial Black" panose="020B0A04020102020204" pitchFamily="34" charset="0"/>
-              </a:endParaRPr>
             </a:p>
           </p:txBody>
         </p:sp>
@@ -6875,7 +6469,7 @@
             <a:p>
               <a:pPr algn="ctr"/>
               <a:r>
-                <a:rPr lang="en-US" altLang="zh-CN" sz="1600" b="1" dirty="0" smtClean="0">
+                <a:rPr lang="en-US" altLang="zh-CN" sz="1600" b="1" dirty="0">
                   <a:solidFill>
                     <a:srgbClr val="F37F40"/>
                   </a:solidFill>
@@ -6883,12 +6477,6 @@
                 </a:rPr>
                 <a:t>VDCMA</a:t>
               </a:r>
-              <a:endParaRPr lang="en-US" altLang="zh-CN" sz="1600" b="1" dirty="0">
-                <a:solidFill>
-                  <a:srgbClr val="F37F40"/>
-                </a:solidFill>
-                <a:latin typeface="Arial Black" panose="020B0A04020102020204" pitchFamily="34" charset="0"/>
-              </a:endParaRPr>
             </a:p>
           </p:txBody>
         </p:sp>
@@ -6914,7 +6502,7 @@
             <a:lstStyle/>
             <a:p>
               <a:r>
-                <a:rPr lang="en-US" altLang="zh-CN" sz="1600" b="1" dirty="0" smtClean="0">
+                <a:rPr lang="en-US" altLang="zh-CN" sz="1600" b="1" dirty="0">
                   <a:solidFill>
                     <a:srgbClr val="F37F40"/>
                   </a:solidFill>
@@ -6922,12 +6510,6 @@
                 </a:rPr>
                 <a:t>VKDCMA</a:t>
               </a:r>
-              <a:endParaRPr lang="en-US" altLang="zh-CN" sz="1600" b="1" dirty="0">
-                <a:solidFill>
-                  <a:srgbClr val="F37F40"/>
-                </a:solidFill>
-                <a:latin typeface="Arial Black" panose="020B0A04020102020204" pitchFamily="34" charset="0"/>
-              </a:endParaRPr>
             </a:p>
           </p:txBody>
         </p:sp>
@@ -6953,7 +6535,7 @@
             <a:lstStyle/>
             <a:p>
               <a:r>
-                <a:rPr lang="en-US" altLang="zh-CN" sz="1600" b="1" dirty="0" smtClean="0">
+                <a:rPr lang="en-US" altLang="zh-CN" sz="1600" b="1" dirty="0">
                   <a:solidFill>
                     <a:srgbClr val="F37F40"/>
                   </a:solidFill>
@@ -6961,12 +6543,6 @@
                 </a:rPr>
                 <a:t>SNES</a:t>
               </a:r>
-              <a:endParaRPr lang="en-US" altLang="zh-CN" sz="1600" b="1" dirty="0">
-                <a:solidFill>
-                  <a:srgbClr val="F37F40"/>
-                </a:solidFill>
-                <a:latin typeface="Arial Black" panose="020B0A04020102020204" pitchFamily="34" charset="0"/>
-              </a:endParaRPr>
             </a:p>
           </p:txBody>
         </p:sp>
@@ -6992,7 +6568,7 @@
             <a:lstStyle/>
             <a:p>
               <a:r>
-                <a:rPr lang="en-US" altLang="zh-CN" sz="1600" b="1" dirty="0" smtClean="0">
+                <a:rPr lang="en-US" altLang="zh-CN" sz="1600" b="1" dirty="0">
                   <a:solidFill>
                     <a:srgbClr val="F37F40"/>
                   </a:solidFill>
@@ -7000,12 +6576,6 @@
                 </a:rPr>
                 <a:t>R1NES</a:t>
               </a:r>
-              <a:endParaRPr lang="en-US" altLang="zh-CN" sz="1600" b="1" dirty="0">
-                <a:solidFill>
-                  <a:srgbClr val="F37F40"/>
-                </a:solidFill>
-                <a:latin typeface="Arial Black" panose="020B0A04020102020204" pitchFamily="34" charset="0"/>
-              </a:endParaRPr>
             </a:p>
           </p:txBody>
         </p:sp>
@@ -7031,7 +6601,7 @@
             <a:lstStyle/>
             <a:p>
               <a:r>
-                <a:rPr lang="en-US" altLang="zh-CN" sz="1600" b="1" dirty="0" smtClean="0">
+                <a:rPr lang="en-US" altLang="zh-CN" sz="1600" b="1" dirty="0">
                   <a:solidFill>
                     <a:srgbClr val="0375B6"/>
                   </a:solidFill>
@@ -7039,12 +6609,6 @@
                 </a:rPr>
                 <a:t>XNES</a:t>
               </a:r>
-              <a:endParaRPr lang="en-US" altLang="zh-CN" sz="1600" b="1" dirty="0">
-                <a:solidFill>
-                  <a:srgbClr val="0375B6"/>
-                </a:solidFill>
-                <a:latin typeface="Arial Black" panose="020B0A04020102020204" pitchFamily="34" charset="0"/>
-              </a:endParaRPr>
             </a:p>
           </p:txBody>
         </p:sp>
@@ -7076,23 +6640,8 @@
                   </a:solidFill>
                   <a:latin typeface="Arial Black" panose="020B0A04020102020204" pitchFamily="34" charset="0"/>
                 </a:rPr>
-                <a:t>E</a:t>
+                <a:t>ENES</a:t>
               </a:r>
-              <a:r>
-                <a:rPr lang="en-US" altLang="zh-CN" sz="1600" b="1" dirty="0" smtClean="0">
-                  <a:solidFill>
-                    <a:srgbClr val="0375B6"/>
-                  </a:solidFill>
-                  <a:latin typeface="Arial Black" panose="020B0A04020102020204" pitchFamily="34" charset="0"/>
-                </a:rPr>
-                <a:t>NES</a:t>
-              </a:r>
-              <a:endParaRPr lang="en-US" altLang="zh-CN" sz="1600" b="1" dirty="0">
-                <a:solidFill>
-                  <a:srgbClr val="0375B6"/>
-                </a:solidFill>
-                <a:latin typeface="Arial Black" panose="020B0A04020102020204" pitchFamily="34" charset="0"/>
-              </a:endParaRPr>
             </a:p>
           </p:txBody>
         </p:sp>
@@ -7134,7 +6683,7 @@
             <a:p>
               <a:pPr algn="ctr"/>
               <a:r>
-                <a:rPr lang="en-US" altLang="zh-CN" sz="1600" b="1" dirty="0" smtClean="0">
+                <a:rPr lang="en-US" altLang="zh-CN" sz="1600" b="1" dirty="0">
                   <a:solidFill>
                     <a:srgbClr val="F37F40"/>
                   </a:solidFill>
@@ -7142,12 +6691,6 @@
                 </a:rPr>
                 <a:t>MMES</a:t>
               </a:r>
-              <a:endParaRPr lang="en-US" altLang="zh-CN" sz="1600" b="1" dirty="0">
-                <a:solidFill>
-                  <a:srgbClr val="F37F40"/>
-                </a:solidFill>
-                <a:latin typeface="Arial Black" panose="020B0A04020102020204" pitchFamily="34" charset="0"/>
-              </a:endParaRPr>
             </a:p>
           </p:txBody>
         </p:sp>
@@ -7173,7 +6716,7 @@
             <a:lstStyle/>
             <a:p>
               <a:r>
-                <a:rPr lang="en-US" altLang="zh-CN" sz="1600" b="1" dirty="0" smtClean="0">
+                <a:rPr lang="en-US" altLang="zh-CN" sz="1600" b="1" dirty="0">
                   <a:solidFill>
                     <a:srgbClr val="F37F40"/>
                   </a:solidFill>
@@ -7181,12 +6724,6 @@
                 </a:rPr>
                 <a:t>LMMAES</a:t>
               </a:r>
-              <a:endParaRPr lang="en-US" altLang="zh-CN" sz="1600" b="1" dirty="0">
-                <a:solidFill>
-                  <a:srgbClr val="F37F40"/>
-                </a:solidFill>
-                <a:latin typeface="Arial Black" panose="020B0A04020102020204" pitchFamily="34" charset="0"/>
-              </a:endParaRPr>
             </a:p>
           </p:txBody>
         </p:sp>
@@ -7212,7 +6749,7 @@
             <a:lstStyle/>
             <a:p>
               <a:r>
-                <a:rPr lang="en-US" altLang="zh-CN" sz="1600" b="1" dirty="0" smtClean="0">
+                <a:rPr lang="en-US" altLang="zh-CN" sz="1600" b="1" dirty="0">
                   <a:solidFill>
                     <a:srgbClr val="F37F40"/>
                   </a:solidFill>
@@ -7220,12 +6757,6 @@
                 </a:rPr>
                 <a:t>LMCMA</a:t>
               </a:r>
-              <a:endParaRPr lang="en-US" altLang="zh-CN" sz="1600" b="1" dirty="0">
-                <a:solidFill>
-                  <a:srgbClr val="F37F40"/>
-                </a:solidFill>
-                <a:latin typeface="Arial Black" panose="020B0A04020102020204" pitchFamily="34" charset="0"/>
-              </a:endParaRPr>
             </a:p>
           </p:txBody>
         </p:sp>
@@ -7251,7 +6782,7 @@
             <a:lstStyle/>
             <a:p>
               <a:r>
-                <a:rPr lang="en-US" altLang="zh-CN" sz="1600" b="1" dirty="0" smtClean="0">
+                <a:rPr lang="en-US" altLang="zh-CN" sz="1600" b="1" dirty="0">
                   <a:solidFill>
                     <a:srgbClr val="F37F40"/>
                   </a:solidFill>
@@ -7259,12 +6790,6 @@
                 </a:rPr>
                 <a:t>LMCMAES</a:t>
               </a:r>
-              <a:endParaRPr lang="en-US" altLang="zh-CN" sz="1600" b="1" dirty="0">
-                <a:solidFill>
-                  <a:srgbClr val="F37F40"/>
-                </a:solidFill>
-                <a:latin typeface="Arial Black" panose="020B0A04020102020204" pitchFamily="34" charset="0"/>
-              </a:endParaRPr>
             </a:p>
           </p:txBody>
         </p:sp>
@@ -7290,7 +6815,7 @@
             <a:lstStyle/>
             <a:p>
               <a:r>
-                <a:rPr lang="en-US" altLang="zh-CN" sz="1600" b="1" dirty="0" smtClean="0">
+                <a:rPr lang="en-US" altLang="zh-CN" sz="1600" b="1" dirty="0">
                   <a:solidFill>
                     <a:srgbClr val="F37F40"/>
                   </a:solidFill>
@@ -7298,12 +6823,6 @@
                 </a:rPr>
                 <a:t>RMES</a:t>
               </a:r>
-              <a:endParaRPr lang="en-US" altLang="zh-CN" sz="1600" b="1" dirty="0">
-                <a:solidFill>
-                  <a:srgbClr val="F37F40"/>
-                </a:solidFill>
-                <a:latin typeface="Arial Black" panose="020B0A04020102020204" pitchFamily="34" charset="0"/>
-              </a:endParaRPr>
             </a:p>
           </p:txBody>
         </p:sp>
@@ -7396,7 +6915,7 @@
             <a:p>
               <a:pPr algn="ctr"/>
               <a:r>
-                <a:rPr lang="en-US" altLang="zh-CN" sz="1600" b="1" dirty="0" smtClean="0">
+                <a:rPr lang="en-US" altLang="zh-CN" sz="1600" b="1" dirty="0">
                   <a:solidFill>
                     <a:srgbClr val="F37F40"/>
                   </a:solidFill>
@@ -7404,12 +6923,6 @@
                 </a:rPr>
                 <a:t>CCMAES</a:t>
               </a:r>
-              <a:endParaRPr lang="en-US" altLang="zh-CN" sz="1600" b="1" dirty="0">
-                <a:solidFill>
-                  <a:srgbClr val="F37F40"/>
-                </a:solidFill>
-                <a:latin typeface="Arial Black" panose="020B0A04020102020204" pitchFamily="34" charset="0"/>
-              </a:endParaRPr>
             </a:p>
           </p:txBody>
         </p:sp>
@@ -7435,7 +6948,7 @@
             <a:lstStyle/>
             <a:p>
               <a:r>
-                <a:rPr lang="en-US" altLang="zh-CN" sz="1600" b="1" dirty="0" smtClean="0">
+                <a:rPr lang="en-US" altLang="zh-CN" sz="1600" b="1" dirty="0">
                   <a:solidFill>
                     <a:srgbClr val="0375B6"/>
                   </a:solidFill>
@@ -7443,12 +6956,6 @@
                 </a:rPr>
                 <a:t>DDCMA</a:t>
               </a:r>
-              <a:endParaRPr lang="en-US" altLang="zh-CN" sz="1600" b="1" dirty="0">
-                <a:solidFill>
-                  <a:srgbClr val="0375B6"/>
-                </a:solidFill>
-                <a:latin typeface="Arial Black" panose="020B0A04020102020204" pitchFamily="34" charset="0"/>
-              </a:endParaRPr>
             </a:p>
           </p:txBody>
         </p:sp>
@@ -7480,23 +6987,8 @@
                   </a:solidFill>
                   <a:latin typeface="Arial Black" panose="020B0A04020102020204" pitchFamily="34" charset="0"/>
                 </a:rPr>
-                <a:t>F</a:t>
+                <a:t>FMAES</a:t>
               </a:r>
-              <a:r>
-                <a:rPr lang="en-US" altLang="zh-CN" sz="1600" b="1" dirty="0" smtClean="0">
-                  <a:solidFill>
-                    <a:srgbClr val="0375B6"/>
-                  </a:solidFill>
-                  <a:latin typeface="Arial Black" panose="020B0A04020102020204" pitchFamily="34" charset="0"/>
-                </a:rPr>
-                <a:t>MAES</a:t>
-              </a:r>
-              <a:endParaRPr lang="en-US" altLang="zh-CN" sz="1600" b="1" dirty="0">
-                <a:solidFill>
-                  <a:srgbClr val="0375B6"/>
-                </a:solidFill>
-                <a:latin typeface="Arial Black" panose="020B0A04020102020204" pitchFamily="34" charset="0"/>
-              </a:endParaRPr>
             </a:p>
           </p:txBody>
         </p:sp>
@@ -7522,7 +7014,7 @@
             <a:lstStyle/>
             <a:p>
               <a:r>
-                <a:rPr lang="en-US" altLang="zh-CN" sz="1600" b="1" dirty="0" smtClean="0">
+                <a:rPr lang="en-US" altLang="zh-CN" sz="1600" b="1" dirty="0">
                   <a:solidFill>
                     <a:srgbClr val="0375B6"/>
                   </a:solidFill>
@@ -7530,12 +7022,6 @@
                 </a:rPr>
                 <a:t>CMAES</a:t>
               </a:r>
-              <a:endParaRPr lang="en-US" altLang="zh-CN" sz="1600" b="1" dirty="0">
-                <a:solidFill>
-                  <a:srgbClr val="0375B6"/>
-                </a:solidFill>
-                <a:latin typeface="Arial Black" panose="020B0A04020102020204" pitchFamily="34" charset="0"/>
-              </a:endParaRPr>
             </a:p>
           </p:txBody>
         </p:sp>
@@ -7561,7 +7047,7 @@
             <a:lstStyle/>
             <a:p>
               <a:r>
-                <a:rPr lang="en-US" altLang="zh-CN" sz="1600" b="1" dirty="0" smtClean="0">
+                <a:rPr lang="en-US" altLang="zh-CN" sz="1600" b="1" dirty="0">
                   <a:solidFill>
                     <a:srgbClr val="0375B6"/>
                   </a:solidFill>
@@ -7569,12 +7055,6 @@
                 </a:rPr>
                 <a:t>… …</a:t>
               </a:r>
-              <a:endParaRPr lang="en-US" altLang="zh-CN" sz="1600" b="1" dirty="0">
-                <a:solidFill>
-                  <a:srgbClr val="0375B6"/>
-                </a:solidFill>
-                <a:latin typeface="Arial Black" panose="020B0A04020102020204" pitchFamily="34" charset="0"/>
-              </a:endParaRPr>
             </a:p>
           </p:txBody>
         </p:sp>
@@ -7616,7 +7096,7 @@
             <a:p>
               <a:pPr algn="ctr"/>
               <a:r>
-                <a:rPr lang="en-US" altLang="zh-CN" sz="1600" b="1" dirty="0" smtClean="0">
+                <a:rPr lang="en-US" altLang="zh-CN" sz="1600" b="1" dirty="0">
                   <a:solidFill>
                     <a:srgbClr val="F37F40"/>
                   </a:solidFill>
@@ -7624,12 +7104,6 @@
                 </a:rPr>
                 <a:t>BES</a:t>
               </a:r>
-              <a:endParaRPr lang="en-US" altLang="zh-CN" sz="1600" b="1" dirty="0">
-                <a:solidFill>
-                  <a:srgbClr val="F37F40"/>
-                </a:solidFill>
-                <a:latin typeface="Arial Black" panose="020B0A04020102020204" pitchFamily="34" charset="0"/>
-              </a:endParaRPr>
             </a:p>
           </p:txBody>
         </p:sp>
@@ -7656,7 +7130,7 @@
             <a:p>
               <a:pPr algn="ctr"/>
               <a:r>
-                <a:rPr lang="en-US" altLang="zh-CN" sz="1600" b="1" dirty="0" smtClean="0">
+                <a:rPr lang="en-US" altLang="zh-CN" sz="1600" b="1" dirty="0">
                   <a:solidFill>
                     <a:srgbClr val="F37F40"/>
                   </a:solidFill>
@@ -7664,12 +7138,6 @@
                 </a:rPr>
                 <a:t>GS</a:t>
               </a:r>
-              <a:endParaRPr lang="en-US" altLang="zh-CN" sz="1600" b="1" dirty="0">
-                <a:solidFill>
-                  <a:srgbClr val="F37F40"/>
-                </a:solidFill>
-                <a:latin typeface="Arial Black" panose="020B0A04020102020204" pitchFamily="34" charset="0"/>
-              </a:endParaRPr>
             </a:p>
           </p:txBody>
         </p:sp>
@@ -7695,7 +7163,7 @@
             <a:lstStyle/>
             <a:p>
               <a:r>
-                <a:rPr lang="en-US" altLang="zh-CN" sz="1600" b="1" dirty="0" smtClean="0">
+                <a:rPr lang="en-US" altLang="zh-CN" sz="1600" b="1" dirty="0">
                   <a:solidFill>
                     <a:srgbClr val="0375B6"/>
                   </a:solidFill>
@@ -7703,12 +7171,6 @@
                 </a:rPr>
                 <a:t>SRS</a:t>
               </a:r>
-              <a:endParaRPr lang="en-US" altLang="zh-CN" sz="1600" b="1" dirty="0">
-                <a:solidFill>
-                  <a:srgbClr val="0375B6"/>
-                </a:solidFill>
-                <a:latin typeface="Arial Black" panose="020B0A04020102020204" pitchFamily="34" charset="0"/>
-              </a:endParaRPr>
             </a:p>
           </p:txBody>
         </p:sp>
@@ -7734,7 +7196,7 @@
             <a:lstStyle/>
             <a:p>
               <a:r>
-                <a:rPr lang="en-US" altLang="zh-CN" sz="1600" b="1" dirty="0" smtClean="0">
+                <a:rPr lang="en-US" altLang="zh-CN" sz="1600" b="1" dirty="0">
                   <a:solidFill>
                     <a:srgbClr val="0375B6"/>
                   </a:solidFill>
@@ -7742,12 +7204,6 @@
                 </a:rPr>
                 <a:t>PRS</a:t>
               </a:r>
-              <a:endParaRPr lang="en-US" altLang="zh-CN" sz="1600" b="1" dirty="0">
-                <a:solidFill>
-                  <a:srgbClr val="0375B6"/>
-                </a:solidFill>
-                <a:latin typeface="Arial Black" panose="020B0A04020102020204" pitchFamily="34" charset="0"/>
-              </a:endParaRPr>
             </a:p>
           </p:txBody>
         </p:sp>
@@ -7789,7 +7245,7 @@
             <a:p>
               <a:pPr algn="ctr"/>
               <a:r>
-                <a:rPr lang="en-US" altLang="zh-CN" sz="1600" b="1" dirty="0" smtClean="0">
+                <a:rPr lang="en-US" altLang="zh-CN" sz="1600" b="1" dirty="0">
                   <a:solidFill>
                     <a:srgbClr val="F37F40"/>
                   </a:solidFill>
@@ -7797,12 +7253,6 @@
                 </a:rPr>
                 <a:t>POWELL</a:t>
               </a:r>
-              <a:endParaRPr lang="en-US" altLang="zh-CN" sz="1600" b="1" dirty="0">
-                <a:solidFill>
-                  <a:srgbClr val="F37F40"/>
-                </a:solidFill>
-                <a:latin typeface="Arial Black" panose="020B0A04020102020204" pitchFamily="34" charset="0"/>
-              </a:endParaRPr>
             </a:p>
           </p:txBody>
         </p:sp>
@@ -7829,7 +7279,7 @@
             <a:p>
               <a:pPr algn="ctr"/>
               <a:r>
-                <a:rPr lang="en-US" altLang="zh-CN" sz="1600" b="1" dirty="0" smtClean="0">
+                <a:rPr lang="en-US" altLang="zh-CN" sz="1600" b="1" dirty="0">
                   <a:solidFill>
                     <a:srgbClr val="F37F40"/>
                   </a:solidFill>
@@ -7837,12 +7287,6 @@
                 </a:rPr>
                 <a:t>NM</a:t>
               </a:r>
-              <a:endParaRPr lang="en-US" altLang="zh-CN" sz="1600" b="1" dirty="0">
-                <a:solidFill>
-                  <a:srgbClr val="F37F40"/>
-                </a:solidFill>
-                <a:latin typeface="Arial Black" panose="020B0A04020102020204" pitchFamily="34" charset="0"/>
-              </a:endParaRPr>
             </a:p>
           </p:txBody>
         </p:sp>
@@ -7869,7 +7313,7 @@
             <a:p>
               <a:pPr algn="ctr"/>
               <a:r>
-                <a:rPr lang="en-US" altLang="zh-CN" sz="1600" b="1" dirty="0" smtClean="0">
+                <a:rPr lang="en-US" altLang="zh-CN" sz="1600" b="1" dirty="0">
                   <a:solidFill>
                     <a:srgbClr val="0375B6"/>
                   </a:solidFill>
@@ -7877,12 +7321,6 @@
                 </a:rPr>
                 <a:t>HJ</a:t>
               </a:r>
-              <a:endParaRPr lang="en-US" altLang="zh-CN" sz="1600" b="1" dirty="0">
-                <a:solidFill>
-                  <a:srgbClr val="0375B6"/>
-                </a:solidFill>
-                <a:latin typeface="Arial Black" panose="020B0A04020102020204" pitchFamily="34" charset="0"/>
-              </a:endParaRPr>
             </a:p>
           </p:txBody>
         </p:sp>
@@ -7909,7 +7347,7 @@
             <a:p>
               <a:pPr algn="ctr"/>
               <a:r>
-                <a:rPr lang="en-US" altLang="zh-CN" sz="1600" b="1" dirty="0" smtClean="0">
+                <a:rPr lang="en-US" altLang="zh-CN" sz="1600" b="1" dirty="0">
                   <a:solidFill>
                     <a:srgbClr val="0375B6"/>
                   </a:solidFill>
@@ -7917,12 +7355,6 @@
                 </a:rPr>
                 <a:t>CS</a:t>
               </a:r>
-              <a:endParaRPr lang="en-US" altLang="zh-CN" sz="1600" b="1" dirty="0">
-                <a:solidFill>
-                  <a:srgbClr val="0375B6"/>
-                </a:solidFill>
-                <a:latin typeface="Arial Black" panose="020B0A04020102020204" pitchFamily="34" charset="0"/>
-              </a:endParaRPr>
             </a:p>
           </p:txBody>
         </p:sp>
@@ -7964,7 +7396,7 @@
             <a:p>
               <a:pPr algn="ctr"/>
               <a:r>
-                <a:rPr lang="en-US" altLang="zh-CN" sz="1600" b="1" dirty="0" smtClean="0">
+                <a:rPr lang="en-US" altLang="zh-CN" sz="1600" b="1" dirty="0">
                   <a:solidFill>
                     <a:srgbClr val="F37F40"/>
                   </a:solidFill>
@@ -7972,12 +7404,6 @@
                 </a:rPr>
                 <a:t>HCC</a:t>
               </a:r>
-              <a:endParaRPr lang="en-US" altLang="zh-CN" sz="1600" b="1" dirty="0">
-                <a:solidFill>
-                  <a:srgbClr val="F37F40"/>
-                </a:solidFill>
-                <a:latin typeface="Arial Black" panose="020B0A04020102020204" pitchFamily="34" charset="0"/>
-              </a:endParaRPr>
             </a:p>
           </p:txBody>
         </p:sp>
@@ -8004,7 +7430,7 @@
             <a:p>
               <a:pPr algn="ctr"/>
               <a:r>
-                <a:rPr lang="en-US" altLang="zh-CN" sz="1600" b="1" dirty="0" smtClean="0">
+                <a:rPr lang="en-US" altLang="zh-CN" sz="1600" b="1" dirty="0">
                   <a:solidFill>
                     <a:srgbClr val="F37F40"/>
                   </a:solidFill>
@@ -8012,12 +7438,6 @@
                 </a:rPr>
                 <a:t>COCMA</a:t>
               </a:r>
-              <a:endParaRPr lang="en-US" altLang="zh-CN" sz="1600" b="1" dirty="0">
-                <a:solidFill>
-                  <a:srgbClr val="F37F40"/>
-                </a:solidFill>
-                <a:latin typeface="Arial Black" panose="020B0A04020102020204" pitchFamily="34" charset="0"/>
-              </a:endParaRPr>
             </a:p>
           </p:txBody>
         </p:sp>
@@ -8043,7 +7463,7 @@
             <a:lstStyle/>
             <a:p>
               <a:r>
-                <a:rPr lang="en-US" altLang="zh-CN" sz="1600" b="1" dirty="0" smtClean="0">
+                <a:rPr lang="en-US" altLang="zh-CN" sz="1600" b="1" dirty="0">
                   <a:solidFill>
                     <a:srgbClr val="0375B6"/>
                   </a:solidFill>
@@ -8051,12 +7471,6 @@
                 </a:rPr>
                 <a:t>COSYNE</a:t>
               </a:r>
-              <a:endParaRPr lang="en-US" altLang="zh-CN" sz="1600" b="1" dirty="0">
-                <a:solidFill>
-                  <a:srgbClr val="0375B6"/>
-                </a:solidFill>
-                <a:latin typeface="Arial Black" panose="020B0A04020102020204" pitchFamily="34" charset="0"/>
-              </a:endParaRPr>
             </a:p>
           </p:txBody>
         </p:sp>
@@ -8083,7 +7497,7 @@
             <a:p>
               <a:pPr algn="ctr"/>
               <a:r>
-                <a:rPr lang="en-US" altLang="zh-CN" sz="1600" b="1" dirty="0" smtClean="0">
+                <a:rPr lang="en-US" altLang="zh-CN" sz="1600" b="1" dirty="0">
                   <a:solidFill>
                     <a:srgbClr val="0375B6"/>
                   </a:solidFill>
@@ -8091,12 +7505,6 @@
                 </a:rPr>
                 <a:t>COEA</a:t>
               </a:r>
-              <a:endParaRPr lang="en-US" altLang="zh-CN" sz="1600" b="1" dirty="0">
-                <a:solidFill>
-                  <a:srgbClr val="0375B6"/>
-                </a:solidFill>
-                <a:latin typeface="Arial Black" panose="020B0A04020102020204" pitchFamily="34" charset="0"/>
-              </a:endParaRPr>
             </a:p>
           </p:txBody>
         </p:sp>
@@ -8152,7 +7560,7 @@
               <a:p>
                 <a:pPr algn="ctr"/>
                 <a:r>
-                  <a:rPr lang="en-US" altLang="zh-CN" sz="1600" b="1" dirty="0" smtClean="0">
+                  <a:rPr lang="en-US" altLang="zh-CN" sz="1600" b="1" dirty="0">
                     <a:solidFill>
                       <a:srgbClr val="F37F40"/>
                     </a:solidFill>
@@ -8160,12 +7568,6 @@
                   </a:rPr>
                   <a:t>DSCEM</a:t>
                 </a:r>
-                <a:endParaRPr lang="en-US" altLang="zh-CN" sz="1600" b="1" dirty="0">
-                  <a:solidFill>
-                    <a:srgbClr val="F37F40"/>
-                  </a:solidFill>
-                  <a:latin typeface="Arial Black" panose="020B0A04020102020204" pitchFamily="34" charset="0"/>
-                </a:endParaRPr>
               </a:p>
             </p:txBody>
           </p:sp>
@@ -8191,7 +7593,7 @@
               <a:lstStyle/>
               <a:p>
                 <a:r>
-                  <a:rPr lang="en-US" altLang="zh-CN" sz="1600" b="1" dirty="0" smtClean="0">
+                  <a:rPr lang="en-US" altLang="zh-CN" sz="1600" b="1" dirty="0">
                     <a:solidFill>
                       <a:srgbClr val="F37F40"/>
                     </a:solidFill>
@@ -8199,12 +7601,6 @@
                   </a:rPr>
                   <a:t>MRAS</a:t>
                 </a:r>
-                <a:endParaRPr lang="en-US" altLang="zh-CN" sz="1600" b="1" dirty="0">
-                  <a:solidFill>
-                    <a:srgbClr val="F37F40"/>
-                  </a:solidFill>
-                  <a:latin typeface="Arial Black" panose="020B0A04020102020204" pitchFamily="34" charset="0"/>
-                </a:endParaRPr>
               </a:p>
             </p:txBody>
           </p:sp>
@@ -8232,7 +7628,7 @@
             <a:p>
               <a:pPr algn="ctr"/>
               <a:r>
-                <a:rPr lang="en-US" altLang="zh-CN" sz="1600" b="1" dirty="0" smtClean="0">
+                <a:rPr lang="en-US" altLang="zh-CN" sz="1600" b="1" dirty="0">
                   <a:solidFill>
                     <a:srgbClr val="0375B6"/>
                   </a:solidFill>
@@ -8240,12 +7636,6 @@
                 </a:rPr>
                 <a:t>SCEM</a:t>
               </a:r>
-              <a:endParaRPr lang="en-US" altLang="zh-CN" sz="1600" b="1" dirty="0">
-                <a:solidFill>
-                  <a:srgbClr val="0375B6"/>
-                </a:solidFill>
-                <a:latin typeface="Arial Black" panose="020B0A04020102020204" pitchFamily="34" charset="0"/>
-              </a:endParaRPr>
             </a:p>
           </p:txBody>
         </p:sp>
@@ -8307,23 +7697,8 @@
                     </a:solidFill>
                     <a:latin typeface="Arial Black" panose="020B0A04020102020204" pitchFamily="34" charset="0"/>
                   </a:rPr>
-                  <a:t>L</a:t>
+                  <a:t>LEP</a:t>
                 </a:r>
-                <a:r>
-                  <a:rPr lang="en-US" altLang="zh-CN" sz="1600" b="1" dirty="0" smtClean="0">
-                    <a:solidFill>
-                      <a:srgbClr val="F37F40"/>
-                    </a:solidFill>
-                    <a:latin typeface="Arial Black" panose="020B0A04020102020204" pitchFamily="34" charset="0"/>
-                  </a:rPr>
-                  <a:t>EP</a:t>
-                </a:r>
-                <a:endParaRPr lang="en-US" altLang="zh-CN" sz="1600" b="1" dirty="0">
-                  <a:solidFill>
-                    <a:srgbClr val="F37F40"/>
-                  </a:solidFill>
-                  <a:latin typeface="Arial Black" panose="020B0A04020102020204" pitchFamily="34" charset="0"/>
-                </a:endParaRPr>
               </a:p>
             </p:txBody>
           </p:sp>
@@ -8349,7 +7724,7 @@
               <a:lstStyle/>
               <a:p>
                 <a:r>
-                  <a:rPr lang="en-US" altLang="zh-CN" sz="1600" b="1" dirty="0" smtClean="0">
+                  <a:rPr lang="en-US" altLang="zh-CN" sz="1600" b="1" dirty="0">
                     <a:solidFill>
                       <a:srgbClr val="F37F40"/>
                     </a:solidFill>
@@ -8357,12 +7732,6 @@
                   </a:rPr>
                   <a:t>FEP</a:t>
                 </a:r>
-                <a:endParaRPr lang="en-US" altLang="zh-CN" sz="1600" b="1" dirty="0">
-                  <a:solidFill>
-                    <a:srgbClr val="F37F40"/>
-                  </a:solidFill>
-                  <a:latin typeface="Arial Black" panose="020B0A04020102020204" pitchFamily="34" charset="0"/>
-                </a:endParaRPr>
               </a:p>
             </p:txBody>
           </p:sp>
@@ -8390,7 +7759,7 @@
             <a:p>
               <a:pPr algn="ctr"/>
               <a:r>
-                <a:rPr lang="en-US" altLang="zh-CN" sz="1600" b="1" dirty="0" smtClean="0">
+                <a:rPr lang="en-US" altLang="zh-CN" sz="1600" b="1" dirty="0">
                   <a:solidFill>
                     <a:srgbClr val="0375B6"/>
                   </a:solidFill>
@@ -8398,12 +7767,6 @@
                 </a:rPr>
                 <a:t>CEP</a:t>
               </a:r>
-              <a:endParaRPr lang="en-US" altLang="zh-CN" sz="1600" b="1" dirty="0">
-                <a:solidFill>
-                  <a:srgbClr val="0375B6"/>
-                </a:solidFill>
-                <a:latin typeface="Arial Black" panose="020B0A04020102020204" pitchFamily="34" charset="0"/>
-              </a:endParaRPr>
             </a:p>
           </p:txBody>
         </p:sp>
@@ -8445,7 +7808,7 @@
             <a:p>
               <a:pPr algn="ctr"/>
               <a:r>
-                <a:rPr lang="en-US" altLang="zh-CN" sz="1600" b="1" dirty="0" smtClean="0">
+                <a:rPr lang="en-US" altLang="zh-CN" sz="1600" b="1" dirty="0">
                   <a:solidFill>
                     <a:srgbClr val="F37F40"/>
                   </a:solidFill>
@@ -8453,12 +7816,6 @@
                 </a:rPr>
                 <a:t>RPEDA</a:t>
               </a:r>
-              <a:endParaRPr lang="en-US" altLang="zh-CN" sz="1600" b="1" dirty="0">
-                <a:solidFill>
-                  <a:srgbClr val="F37F40"/>
-                </a:solidFill>
-                <a:latin typeface="Arial Black" panose="020B0A04020102020204" pitchFamily="34" charset="0"/>
-              </a:endParaRPr>
             </a:p>
           </p:txBody>
         </p:sp>
@@ -8485,7 +7842,7 @@
             <a:p>
               <a:pPr algn="ctr"/>
               <a:r>
-                <a:rPr lang="en-US" altLang="zh-CN" sz="1600" b="1" dirty="0" smtClean="0">
+                <a:rPr lang="en-US" altLang="zh-CN" sz="1600" b="1" dirty="0">
                   <a:solidFill>
                     <a:srgbClr val="F37F40"/>
                   </a:solidFill>
@@ -8493,12 +7850,6 @@
                 </a:rPr>
                 <a:t>UMDA</a:t>
               </a:r>
-              <a:endParaRPr lang="en-US" altLang="zh-CN" sz="1600" b="1" dirty="0">
-                <a:solidFill>
-                  <a:srgbClr val="F37F40"/>
-                </a:solidFill>
-                <a:latin typeface="Arial Black" panose="020B0A04020102020204" pitchFamily="34" charset="0"/>
-              </a:endParaRPr>
             </a:p>
           </p:txBody>
         </p:sp>
@@ -8524,7 +7875,7 @@
             <a:lstStyle/>
             <a:p>
               <a:r>
-                <a:rPr lang="en-US" altLang="zh-CN" sz="1600" b="1" dirty="0" smtClean="0">
+                <a:rPr lang="en-US" altLang="zh-CN" sz="1600" b="1" dirty="0">
                   <a:solidFill>
                     <a:srgbClr val="0375B6"/>
                   </a:solidFill>
@@ -8532,12 +7883,6 @@
                 </a:rPr>
                 <a:t>AEMNA</a:t>
               </a:r>
-              <a:endParaRPr lang="en-US" altLang="zh-CN" sz="1600" b="1" dirty="0">
-                <a:solidFill>
-                  <a:srgbClr val="0375B6"/>
-                </a:solidFill>
-                <a:latin typeface="Arial Black" panose="020B0A04020102020204" pitchFamily="34" charset="0"/>
-              </a:endParaRPr>
             </a:p>
           </p:txBody>
         </p:sp>
@@ -8564,7 +7909,7 @@
             <a:p>
               <a:pPr algn="ctr"/>
               <a:r>
-                <a:rPr lang="en-US" altLang="zh-CN" sz="1600" b="1" dirty="0" smtClean="0">
+                <a:rPr lang="en-US" altLang="zh-CN" sz="1600" b="1" dirty="0">
                   <a:solidFill>
                     <a:srgbClr val="0375B6"/>
                   </a:solidFill>
@@ -8572,12 +7917,6 @@
                 </a:rPr>
                 <a:t>EMNA</a:t>
               </a:r>
-              <a:endParaRPr lang="en-US" altLang="zh-CN" sz="1600" b="1" dirty="0">
-                <a:solidFill>
-                  <a:srgbClr val="0375B6"/>
-                </a:solidFill>
-                <a:latin typeface="Arial Black" panose="020B0A04020102020204" pitchFamily="34" charset="0"/>
-              </a:endParaRPr>
             </a:p>
           </p:txBody>
         </p:sp>
@@ -8592,13 +7931,6 @@
   <p:clrMapOvr>
     <a:masterClrMapping/>
   </p:clrMapOvr>
-  <p:timing>
-    <p:tnLst>
-      <p:par>
-        <p:cTn id="1" dur="indefinite" restart="never" nodeType="tmRoot"/>
-      </p:par>
-    </p:tnLst>
-  </p:timing>
 </p:sld>
 </file>
 

--- a/docs/logo/A-PPT-Report-on-PyPop7.pptx
+++ b/docs/logo/A-PPT-Report-on-PyPop7.pptx
@@ -198,7 +198,7 @@
           <a:p>
             <a:fld id="{5398EAA6-5116-48C0-894F-5197E4875B5A}" type="datetimeFigureOut">
               <a:rPr lang="zh-CN" altLang="en-US" smtClean="0"/>
-              <a:t>2024/6/24</a:t>
+              <a:t>2024/6/26</a:t>
             </a:fld>
             <a:endParaRPr lang="zh-CN" altLang="en-US"/>
           </a:p>
@@ -678,7 +678,7 @@
           <a:p>
             <a:fld id="{7F547CA2-D8AE-4990-8773-D5839667DDCD}" type="datetimeFigureOut">
               <a:rPr lang="zh-CN" altLang="en-US" smtClean="0"/>
-              <a:t>2024/6/24</a:t>
+              <a:t>2024/6/26</a:t>
             </a:fld>
             <a:endParaRPr lang="zh-CN" altLang="en-US"/>
           </a:p>
@@ -846,7 +846,7 @@
           <a:p>
             <a:fld id="{7F547CA2-D8AE-4990-8773-D5839667DDCD}" type="datetimeFigureOut">
               <a:rPr lang="zh-CN" altLang="en-US" smtClean="0"/>
-              <a:t>2024/6/24</a:t>
+              <a:t>2024/6/26</a:t>
             </a:fld>
             <a:endParaRPr lang="zh-CN" altLang="en-US"/>
           </a:p>
@@ -1024,7 +1024,7 @@
           <a:p>
             <a:fld id="{7F547CA2-D8AE-4990-8773-D5839667DDCD}" type="datetimeFigureOut">
               <a:rPr lang="zh-CN" altLang="en-US" smtClean="0"/>
-              <a:t>2024/6/24</a:t>
+              <a:t>2024/6/26</a:t>
             </a:fld>
             <a:endParaRPr lang="zh-CN" altLang="en-US"/>
           </a:p>
@@ -1192,7 +1192,7 @@
           <a:p>
             <a:fld id="{7F547CA2-D8AE-4990-8773-D5839667DDCD}" type="datetimeFigureOut">
               <a:rPr lang="zh-CN" altLang="en-US" smtClean="0"/>
-              <a:t>2024/6/24</a:t>
+              <a:t>2024/6/26</a:t>
             </a:fld>
             <a:endParaRPr lang="zh-CN" altLang="en-US"/>
           </a:p>
@@ -1437,7 +1437,7 @@
           <a:p>
             <a:fld id="{7F547CA2-D8AE-4990-8773-D5839667DDCD}" type="datetimeFigureOut">
               <a:rPr lang="zh-CN" altLang="en-US" smtClean="0"/>
-              <a:t>2024/6/24</a:t>
+              <a:t>2024/6/26</a:t>
             </a:fld>
             <a:endParaRPr lang="zh-CN" altLang="en-US"/>
           </a:p>
@@ -1666,7 +1666,7 @@
           <a:p>
             <a:fld id="{7F547CA2-D8AE-4990-8773-D5839667DDCD}" type="datetimeFigureOut">
               <a:rPr lang="zh-CN" altLang="en-US" smtClean="0"/>
-              <a:t>2024/6/24</a:t>
+              <a:t>2024/6/26</a:t>
             </a:fld>
             <a:endParaRPr lang="zh-CN" altLang="en-US"/>
           </a:p>
@@ -2030,7 +2030,7 @@
           <a:p>
             <a:fld id="{7F547CA2-D8AE-4990-8773-D5839667DDCD}" type="datetimeFigureOut">
               <a:rPr lang="zh-CN" altLang="en-US" smtClean="0"/>
-              <a:t>2024/6/24</a:t>
+              <a:t>2024/6/26</a:t>
             </a:fld>
             <a:endParaRPr lang="zh-CN" altLang="en-US"/>
           </a:p>
@@ -2147,7 +2147,7 @@
           <a:p>
             <a:fld id="{7F547CA2-D8AE-4990-8773-D5839667DDCD}" type="datetimeFigureOut">
               <a:rPr lang="zh-CN" altLang="en-US" smtClean="0"/>
-              <a:t>2024/6/24</a:t>
+              <a:t>2024/6/26</a:t>
             </a:fld>
             <a:endParaRPr lang="zh-CN" altLang="en-US"/>
           </a:p>
@@ -2242,7 +2242,7 @@
           <a:p>
             <a:fld id="{7F547CA2-D8AE-4990-8773-D5839667DDCD}" type="datetimeFigureOut">
               <a:rPr lang="zh-CN" altLang="en-US" smtClean="0"/>
-              <a:t>2024/6/24</a:t>
+              <a:t>2024/6/26</a:t>
             </a:fld>
             <a:endParaRPr lang="zh-CN" altLang="en-US"/>
           </a:p>
@@ -2517,7 +2517,7 @@
           <a:p>
             <a:fld id="{7F547CA2-D8AE-4990-8773-D5839667DDCD}" type="datetimeFigureOut">
               <a:rPr lang="zh-CN" altLang="en-US" smtClean="0"/>
-              <a:t>2024/6/24</a:t>
+              <a:t>2024/6/26</a:t>
             </a:fld>
             <a:endParaRPr lang="zh-CN" altLang="en-US"/>
           </a:p>
@@ -2769,7 +2769,7 @@
           <a:p>
             <a:fld id="{7F547CA2-D8AE-4990-8773-D5839667DDCD}" type="datetimeFigureOut">
               <a:rPr lang="zh-CN" altLang="en-US" smtClean="0"/>
-              <a:t>2024/6/24</a:t>
+              <a:t>2024/6/26</a:t>
             </a:fld>
             <a:endParaRPr lang="zh-CN" altLang="en-US"/>
           </a:p>
@@ -2980,7 +2980,7 @@
           <a:p>
             <a:fld id="{7F547CA2-D8AE-4990-8773-D5839667DDCD}" type="datetimeFigureOut">
               <a:rPr lang="zh-CN" altLang="en-US" smtClean="0"/>
-              <a:t>2024/6/24</a:t>
+              <a:t>2024/6/26</a:t>
             </a:fld>
             <a:endParaRPr lang="zh-CN" altLang="en-US"/>
           </a:p>
@@ -5852,8 +5852,8 @@
         </p:nvSpPr>
         <p:spPr>
           <a:xfrm>
-            <a:off x="4245753" y="5095922"/>
-            <a:ext cx="2350705" cy="1090697"/>
+            <a:off x="4245753" y="5090368"/>
+            <a:ext cx="2350705" cy="1096252"/>
           </a:xfrm>
           <a:prstGeom prst="rect">
             <a:avLst/>

--- a/docs/logo/A-PPT-Report-on-PyPop7.pptx
+++ b/docs/logo/A-PPT-Report-on-PyPop7.pptx
@@ -198,7 +198,7 @@
           <a:p>
             <a:fld id="{5398EAA6-5116-48C0-894F-5197E4875B5A}" type="datetimeFigureOut">
               <a:rPr lang="zh-CN" altLang="en-US" smtClean="0"/>
-              <a:t>2024/6/26</a:t>
+              <a:t>2024/6/27</a:t>
             </a:fld>
             <a:endParaRPr lang="zh-CN" altLang="en-US"/>
           </a:p>
@@ -678,7 +678,7 @@
           <a:p>
             <a:fld id="{7F547CA2-D8AE-4990-8773-D5839667DDCD}" type="datetimeFigureOut">
               <a:rPr lang="zh-CN" altLang="en-US" smtClean="0"/>
-              <a:t>2024/6/26</a:t>
+              <a:t>2024/6/27</a:t>
             </a:fld>
             <a:endParaRPr lang="zh-CN" altLang="en-US"/>
           </a:p>
@@ -846,7 +846,7 @@
           <a:p>
             <a:fld id="{7F547CA2-D8AE-4990-8773-D5839667DDCD}" type="datetimeFigureOut">
               <a:rPr lang="zh-CN" altLang="en-US" smtClean="0"/>
-              <a:t>2024/6/26</a:t>
+              <a:t>2024/6/27</a:t>
             </a:fld>
             <a:endParaRPr lang="zh-CN" altLang="en-US"/>
           </a:p>
@@ -1024,7 +1024,7 @@
           <a:p>
             <a:fld id="{7F547CA2-D8AE-4990-8773-D5839667DDCD}" type="datetimeFigureOut">
               <a:rPr lang="zh-CN" altLang="en-US" smtClean="0"/>
-              <a:t>2024/6/26</a:t>
+              <a:t>2024/6/27</a:t>
             </a:fld>
             <a:endParaRPr lang="zh-CN" altLang="en-US"/>
           </a:p>
@@ -1192,7 +1192,7 @@
           <a:p>
             <a:fld id="{7F547CA2-D8AE-4990-8773-D5839667DDCD}" type="datetimeFigureOut">
               <a:rPr lang="zh-CN" altLang="en-US" smtClean="0"/>
-              <a:t>2024/6/26</a:t>
+              <a:t>2024/6/27</a:t>
             </a:fld>
             <a:endParaRPr lang="zh-CN" altLang="en-US"/>
           </a:p>
@@ -1437,7 +1437,7 @@
           <a:p>
             <a:fld id="{7F547CA2-D8AE-4990-8773-D5839667DDCD}" type="datetimeFigureOut">
               <a:rPr lang="zh-CN" altLang="en-US" smtClean="0"/>
-              <a:t>2024/6/26</a:t>
+              <a:t>2024/6/27</a:t>
             </a:fld>
             <a:endParaRPr lang="zh-CN" altLang="en-US"/>
           </a:p>
@@ -1666,7 +1666,7 @@
           <a:p>
             <a:fld id="{7F547CA2-D8AE-4990-8773-D5839667DDCD}" type="datetimeFigureOut">
               <a:rPr lang="zh-CN" altLang="en-US" smtClean="0"/>
-              <a:t>2024/6/26</a:t>
+              <a:t>2024/6/27</a:t>
             </a:fld>
             <a:endParaRPr lang="zh-CN" altLang="en-US"/>
           </a:p>
@@ -2030,7 +2030,7 @@
           <a:p>
             <a:fld id="{7F547CA2-D8AE-4990-8773-D5839667DDCD}" type="datetimeFigureOut">
               <a:rPr lang="zh-CN" altLang="en-US" smtClean="0"/>
-              <a:t>2024/6/26</a:t>
+              <a:t>2024/6/27</a:t>
             </a:fld>
             <a:endParaRPr lang="zh-CN" altLang="en-US"/>
           </a:p>
@@ -2147,7 +2147,7 @@
           <a:p>
             <a:fld id="{7F547CA2-D8AE-4990-8773-D5839667DDCD}" type="datetimeFigureOut">
               <a:rPr lang="zh-CN" altLang="en-US" smtClean="0"/>
-              <a:t>2024/6/26</a:t>
+              <a:t>2024/6/27</a:t>
             </a:fld>
             <a:endParaRPr lang="zh-CN" altLang="en-US"/>
           </a:p>
@@ -2242,7 +2242,7 @@
           <a:p>
             <a:fld id="{7F547CA2-D8AE-4990-8773-D5839667DDCD}" type="datetimeFigureOut">
               <a:rPr lang="zh-CN" altLang="en-US" smtClean="0"/>
-              <a:t>2024/6/26</a:t>
+              <a:t>2024/6/27</a:t>
             </a:fld>
             <a:endParaRPr lang="zh-CN" altLang="en-US"/>
           </a:p>
@@ -2517,7 +2517,7 @@
           <a:p>
             <a:fld id="{7F547CA2-D8AE-4990-8773-D5839667DDCD}" type="datetimeFigureOut">
               <a:rPr lang="zh-CN" altLang="en-US" smtClean="0"/>
-              <a:t>2024/6/26</a:t>
+              <a:t>2024/6/27</a:t>
             </a:fld>
             <a:endParaRPr lang="zh-CN" altLang="en-US"/>
           </a:p>
@@ -2769,7 +2769,7 @@
           <a:p>
             <a:fld id="{7F547CA2-D8AE-4990-8773-D5839667DDCD}" type="datetimeFigureOut">
               <a:rPr lang="zh-CN" altLang="en-US" smtClean="0"/>
-              <a:t>2024/6/26</a:t>
+              <a:t>2024/6/27</a:t>
             </a:fld>
             <a:endParaRPr lang="zh-CN" altLang="en-US"/>
           </a:p>
@@ -2980,7 +2980,7 @@
           <a:p>
             <a:fld id="{7F547CA2-D8AE-4990-8773-D5839667DDCD}" type="datetimeFigureOut">
               <a:rPr lang="zh-CN" altLang="en-US" smtClean="0"/>
-              <a:t>2024/6/26</a:t>
+              <a:t>2024/6/27</a:t>
             </a:fld>
             <a:endParaRPr lang="zh-CN" altLang="en-US"/>
           </a:p>
@@ -5360,7 +5360,22 @@
               <a:rPr lang="en-US" altLang="zh-CN" sz="800" b="1" dirty="0">
                 <a:latin typeface="Arial Black" panose="020B0A04020102020204" pitchFamily="34" charset="0"/>
               </a:rPr>
-              <a:t>(as an open interface to add new/missed BBO)</a:t>
+              <a:t>(as an open </a:t>
+            </a:r>
+            <a:r>
+              <a:rPr lang="en-US" altLang="zh-CN" sz="800" b="1" dirty="0">
+                <a:solidFill>
+                  <a:srgbClr val="00B050"/>
+                </a:solidFill>
+                <a:latin typeface="Arial Black" panose="020B0A04020102020204" pitchFamily="34" charset="0"/>
+              </a:rPr>
+              <a:t>interface</a:t>
+            </a:r>
+            <a:r>
+              <a:rPr lang="en-US" altLang="zh-CN" sz="800" b="1" dirty="0">
+                <a:latin typeface="Arial Black" panose="020B0A04020102020204" pitchFamily="34" charset="0"/>
+              </a:rPr>
+              <a:t> to add new/missed BBO)</a:t>
             </a:r>
             <a:endParaRPr lang="zh-CN" altLang="en-US" sz="800" dirty="0"/>
           </a:p>
@@ -5723,7 +5738,7 @@
         </p:nvCxnSpPr>
         <p:spPr>
           <a:xfrm flipH="1">
-            <a:off x="6604444" y="1103703"/>
+            <a:off x="6604444" y="1093543"/>
             <a:ext cx="4104817" cy="6946"/>
           </a:xfrm>
           <a:prstGeom prst="line">

--- a/docs/logo/A-PPT-Report-on-PyPop7.pptx
+++ b/docs/logo/A-PPT-Report-on-PyPop7.pptx
@@ -3607,7 +3607,7 @@
         </p:nvCxnSpPr>
         <p:spPr>
           <a:xfrm flipH="1">
-            <a:off x="6613832" y="5086188"/>
+            <a:off x="6613832" y="5076028"/>
             <a:ext cx="4104817" cy="6946"/>
           </a:xfrm>
           <a:prstGeom prst="line">
@@ -3645,7 +3645,7 @@
         </p:nvCxnSpPr>
         <p:spPr>
           <a:xfrm flipH="1">
-            <a:off x="6609769" y="3808296"/>
+            <a:off x="6609769" y="3798136"/>
             <a:ext cx="4104817" cy="6946"/>
           </a:xfrm>
           <a:prstGeom prst="line">
@@ -3899,7 +3899,7 @@
         </p:nvCxnSpPr>
         <p:spPr>
           <a:xfrm flipH="1">
-            <a:off x="6605110" y="2589765"/>
+            <a:off x="6605110" y="2579605"/>
             <a:ext cx="4104817" cy="6946"/>
           </a:xfrm>
           <a:prstGeom prst="line">
@@ -5738,7 +5738,7 @@
         </p:nvCxnSpPr>
         <p:spPr>
           <a:xfrm flipH="1">
-            <a:off x="6604444" y="1093543"/>
+            <a:off x="6604444" y="1083383"/>
             <a:ext cx="4104817" cy="6946"/>
           </a:xfrm>
           <a:prstGeom prst="line">
@@ -6455,8 +6455,8 @@
         </p:nvGrpSpPr>
         <p:grpSpPr>
           <a:xfrm>
-            <a:off x="4306773" y="4116885"/>
-            <a:ext cx="2226917" cy="1015662"/>
+            <a:off x="4306773" y="4116884"/>
+            <a:ext cx="2226917" cy="1023321"/>
             <a:chOff x="3576473" y="2362693"/>
             <a:chExt cx="2226917" cy="1015662"/>
           </a:xfrm>

--- a/docs/logo/A-PPT-Report-on-PyPop7.pptx
+++ b/docs/logo/A-PPT-Report-on-PyPop7.pptx
@@ -3599,530 +3599,909 @@
           <a:chExt cx="0" cy="0"/>
         </a:xfrm>
       </p:grpSpPr>
-      <p:cxnSp>
-        <p:nvCxnSpPr>
-          <p:cNvPr id="139" name="直接连接符 138"/>
-          <p:cNvCxnSpPr/>
-          <p:nvPr/>
-        </p:nvCxnSpPr>
-        <p:spPr>
-          <a:xfrm flipH="1">
-            <a:off x="6613832" y="5076028"/>
-            <a:ext cx="4104817" cy="6946"/>
-          </a:xfrm>
-          <a:prstGeom prst="line">
-            <a:avLst/>
-          </a:prstGeom>
-          <a:ln w="19050">
-            <a:solidFill>
-              <a:schemeClr val="bg1">
-                <a:lumMod val="75000"/>
-              </a:schemeClr>
-            </a:solidFill>
-            <a:prstDash val="sysDash"/>
-          </a:ln>
-        </p:spPr>
-        <p:style>
-          <a:lnRef idx="1">
-            <a:schemeClr val="accent1"/>
-          </a:lnRef>
-          <a:fillRef idx="0">
-            <a:schemeClr val="accent1"/>
-          </a:fillRef>
-          <a:effectRef idx="0">
-            <a:schemeClr val="accent1"/>
-          </a:effectRef>
-          <a:fontRef idx="minor">
-            <a:schemeClr val="tx1"/>
-          </a:fontRef>
-        </p:style>
-      </p:cxnSp>
-      <p:cxnSp>
-        <p:nvCxnSpPr>
-          <p:cNvPr id="138" name="直接连接符 137"/>
-          <p:cNvCxnSpPr/>
-          <p:nvPr/>
-        </p:nvCxnSpPr>
-        <p:spPr>
-          <a:xfrm flipH="1">
-            <a:off x="6609769" y="3798136"/>
-            <a:ext cx="4104817" cy="6946"/>
-          </a:xfrm>
-          <a:prstGeom prst="line">
-            <a:avLst/>
-          </a:prstGeom>
-          <a:ln w="19050">
-            <a:solidFill>
-              <a:schemeClr val="bg1">
-                <a:lumMod val="75000"/>
-              </a:schemeClr>
-            </a:solidFill>
-            <a:prstDash val="sysDash"/>
-          </a:ln>
-        </p:spPr>
-        <p:style>
-          <a:lnRef idx="1">
-            <a:schemeClr val="accent1"/>
-          </a:lnRef>
-          <a:fillRef idx="0">
-            <a:schemeClr val="accent1"/>
-          </a:fillRef>
-          <a:effectRef idx="0">
-            <a:schemeClr val="accent1"/>
-          </a:effectRef>
-          <a:fontRef idx="minor">
-            <a:schemeClr val="tx1"/>
-          </a:fontRef>
-        </p:style>
-      </p:cxnSp>
-      <p:sp>
-        <p:nvSpPr>
-          <p:cNvPr id="130" name="矩形 129"/>
-          <p:cNvSpPr/>
-          <p:nvPr/>
-        </p:nvSpPr>
-        <p:spPr>
-          <a:xfrm>
-            <a:off x="8774618" y="2601805"/>
-            <a:ext cx="1928092" cy="492443"/>
-          </a:xfrm>
-          <a:prstGeom prst="rect">
-            <a:avLst/>
-          </a:prstGeom>
-          <a:solidFill>
-            <a:schemeClr val="bg1">
-              <a:lumMod val="85000"/>
-            </a:schemeClr>
-          </a:solidFill>
-        </p:spPr>
-        <p:txBody>
-          <a:bodyPr wrap="square">
-            <a:spAutoFit/>
-          </a:bodyPr>
-          <a:lstStyle/>
-          <a:p>
-            <a:pPr algn="ctr"/>
-            <a:r>
-              <a:rPr lang="en-US" altLang="zh-CN" sz="1300" b="1" dirty="0">
-                <a:latin typeface="Arial Black" panose="020B0A04020102020204" pitchFamily="34" charset="0"/>
-              </a:rPr>
-              <a:t>Cross-Entropy Method (CEM)</a:t>
-            </a:r>
-          </a:p>
-        </p:txBody>
-      </p:sp>
-      <p:sp>
-        <p:nvSpPr>
-          <p:cNvPr id="134" name="矩形 133"/>
-          <p:cNvSpPr/>
-          <p:nvPr/>
-        </p:nvSpPr>
-        <p:spPr>
-          <a:xfrm>
-            <a:off x="8780721" y="5096618"/>
-            <a:ext cx="1928092" cy="492443"/>
-          </a:xfrm>
-          <a:prstGeom prst="rect">
-            <a:avLst/>
-          </a:prstGeom>
-          <a:solidFill>
-            <a:schemeClr val="bg1">
-              <a:lumMod val="85000"/>
-            </a:schemeClr>
-          </a:solidFill>
-        </p:spPr>
-        <p:txBody>
-          <a:bodyPr wrap="square">
-            <a:spAutoFit/>
-          </a:bodyPr>
-          <a:lstStyle/>
-          <a:p>
-            <a:pPr algn="ctr"/>
-            <a:r>
-              <a:rPr lang="en-US" altLang="zh-CN" sz="1300" b="1" dirty="0">
-                <a:latin typeface="Arial Black" panose="020B0A04020102020204" pitchFamily="34" charset="0"/>
-              </a:rPr>
-              <a:t>Random Search (RS)</a:t>
-            </a:r>
-          </a:p>
-        </p:txBody>
-      </p:sp>
-      <p:sp>
-        <p:nvSpPr>
-          <p:cNvPr id="135" name="矩形 134"/>
-          <p:cNvSpPr/>
-          <p:nvPr/>
-        </p:nvSpPr>
-        <p:spPr>
-          <a:xfrm>
-            <a:off x="6613699" y="5101499"/>
-            <a:ext cx="2157347" cy="492443"/>
-          </a:xfrm>
-          <a:prstGeom prst="rect">
-            <a:avLst/>
-          </a:prstGeom>
-          <a:solidFill>
-            <a:schemeClr val="bg1">
-              <a:lumMod val="85000"/>
-            </a:schemeClr>
-          </a:solidFill>
-        </p:spPr>
-        <p:txBody>
-          <a:bodyPr wrap="square">
-            <a:spAutoFit/>
-          </a:bodyPr>
-          <a:lstStyle/>
-          <a:p>
-            <a:pPr algn="ctr"/>
-            <a:r>
-              <a:rPr lang="en-US" altLang="zh-CN" sz="1300" b="1" dirty="0">
-                <a:latin typeface="Arial Black" panose="020B0A04020102020204" pitchFamily="34" charset="0"/>
-              </a:rPr>
-              <a:t>Direct/Pattern Search (DS)</a:t>
-            </a:r>
-          </a:p>
-        </p:txBody>
-      </p:sp>
-      <p:sp>
-        <p:nvSpPr>
-          <p:cNvPr id="133" name="矩形 132"/>
-          <p:cNvSpPr/>
-          <p:nvPr/>
-        </p:nvSpPr>
-        <p:spPr>
-          <a:xfrm>
-            <a:off x="8772868" y="3818259"/>
-            <a:ext cx="1928092" cy="492443"/>
-          </a:xfrm>
-          <a:prstGeom prst="rect">
-            <a:avLst/>
-          </a:prstGeom>
-          <a:solidFill>
-            <a:schemeClr val="bg1">
-              <a:lumMod val="85000"/>
-            </a:schemeClr>
-          </a:solidFill>
-        </p:spPr>
-        <p:txBody>
-          <a:bodyPr wrap="square">
-            <a:spAutoFit/>
-          </a:bodyPr>
-          <a:lstStyle/>
-          <a:p>
-            <a:pPr algn="ctr"/>
-            <a:r>
-              <a:rPr lang="en-US" altLang="zh-CN" sz="1300" b="1" dirty="0">
-                <a:latin typeface="Arial Black" panose="020B0A04020102020204" pitchFamily="34" charset="0"/>
-              </a:rPr>
-              <a:t>Evolutionary Programming (EP)</a:t>
-            </a:r>
-          </a:p>
-        </p:txBody>
-      </p:sp>
-      <p:sp>
-        <p:nvSpPr>
-          <p:cNvPr id="132" name="矩形 131"/>
-          <p:cNvSpPr/>
-          <p:nvPr/>
-        </p:nvSpPr>
-        <p:spPr>
-          <a:xfrm>
-            <a:off x="6609839" y="3823140"/>
-            <a:ext cx="2157347" cy="492443"/>
-          </a:xfrm>
-          <a:prstGeom prst="rect">
-            <a:avLst/>
-          </a:prstGeom>
-          <a:solidFill>
-            <a:schemeClr val="bg1">
-              <a:lumMod val="85000"/>
-            </a:schemeClr>
-          </a:solidFill>
-        </p:spPr>
-        <p:txBody>
-          <a:bodyPr wrap="square">
-            <a:spAutoFit/>
-          </a:bodyPr>
-          <a:lstStyle/>
-          <a:p>
-            <a:pPr algn="ctr"/>
-            <a:r>
-              <a:rPr lang="en-US" altLang="zh-CN" sz="1300" b="1" dirty="0">
-                <a:latin typeface="Arial Black" panose="020B0A04020102020204" pitchFamily="34" charset="0"/>
-              </a:rPr>
-              <a:t>Cooperative Co-evolution (CC)</a:t>
-            </a:r>
-          </a:p>
-        </p:txBody>
-      </p:sp>
-      <p:sp>
-        <p:nvSpPr>
-          <p:cNvPr id="129" name="矩形 128"/>
-          <p:cNvSpPr/>
-          <p:nvPr/>
-        </p:nvSpPr>
-        <p:spPr>
-          <a:xfrm>
-            <a:off x="6607596" y="2602693"/>
-            <a:ext cx="2157347" cy="492443"/>
-          </a:xfrm>
-          <a:prstGeom prst="rect">
-            <a:avLst/>
-          </a:prstGeom>
-          <a:solidFill>
-            <a:schemeClr val="bg1">
-              <a:lumMod val="85000"/>
-            </a:schemeClr>
-          </a:solidFill>
-        </p:spPr>
-        <p:txBody>
-          <a:bodyPr wrap="square">
-            <a:spAutoFit/>
-          </a:bodyPr>
-          <a:lstStyle/>
-          <a:p>
-            <a:pPr algn="ctr"/>
-            <a:r>
-              <a:rPr lang="en-US" altLang="zh-CN" sz="1300" b="1" dirty="0">
-                <a:latin typeface="Arial Black" panose="020B0A04020102020204" pitchFamily="34" charset="0"/>
-              </a:rPr>
-              <a:t>Estimation of Distribution (EDA)</a:t>
-            </a:r>
-          </a:p>
-        </p:txBody>
-      </p:sp>
-      <p:cxnSp>
-        <p:nvCxnSpPr>
-          <p:cNvPr id="79" name="直接连接符 78"/>
-          <p:cNvCxnSpPr/>
-          <p:nvPr/>
-        </p:nvCxnSpPr>
-        <p:spPr>
-          <a:xfrm flipH="1">
-            <a:off x="6605110" y="2579605"/>
-            <a:ext cx="4104817" cy="6946"/>
-          </a:xfrm>
-          <a:prstGeom prst="line">
-            <a:avLst/>
-          </a:prstGeom>
-          <a:ln w="19050">
-            <a:solidFill>
-              <a:schemeClr val="bg1">
-                <a:lumMod val="75000"/>
-              </a:schemeClr>
-            </a:solidFill>
-            <a:prstDash val="sysDash"/>
-          </a:ln>
-        </p:spPr>
-        <p:style>
-          <a:lnRef idx="1">
-            <a:schemeClr val="accent1"/>
-          </a:lnRef>
-          <a:fillRef idx="0">
-            <a:schemeClr val="accent1"/>
-          </a:fillRef>
-          <a:effectRef idx="0">
-            <a:schemeClr val="accent1"/>
-          </a:effectRef>
-          <a:fontRef idx="minor">
-            <a:schemeClr val="tx1"/>
-          </a:fontRef>
-        </p:style>
-      </p:cxnSp>
       <p:grpSp>
         <p:nvGrpSpPr>
-          <p:cNvPr id="21" name="组合 20"/>
+          <p:cNvPr id="40" name="组合 39">
+            <a:extLst>
+              <a:ext uri="{FF2B5EF4-FFF2-40B4-BE49-F238E27FC236}">
+                <a16:creationId xmlns:a16="http://schemas.microsoft.com/office/drawing/2014/main" id="{32B4DAF5-17B8-00D5-F318-87A1CAE0A324}"/>
+              </a:ext>
+            </a:extLst>
+          </p:cNvPr>
           <p:cNvGrpSpPr/>
           <p:nvPr/>
         </p:nvGrpSpPr>
         <p:grpSpPr>
           <a:xfrm>
-            <a:off x="895877" y="6200034"/>
-            <a:ext cx="9081817" cy="489749"/>
-            <a:chOff x="906314" y="6200034"/>
-            <a:chExt cx="9071380" cy="489749"/>
+            <a:off x="895877" y="100428"/>
+            <a:ext cx="9864027" cy="6589355"/>
+            <a:chOff x="895877" y="100428"/>
+            <a:chExt cx="9864027" cy="6589355"/>
           </a:xfrm>
         </p:grpSpPr>
-        <p:pic>
-          <p:nvPicPr>
-            <p:cNvPr id="4" name="图片 3"/>
-            <p:cNvPicPr>
-              <a:picLocks noChangeAspect="1"/>
-            </p:cNvPicPr>
+        <p:cxnSp>
+          <p:nvCxnSpPr>
+            <p:cNvPr id="139" name="直接连接符 138"/>
+            <p:cNvCxnSpPr/>
             <p:nvPr/>
-          </p:nvPicPr>
-          <p:blipFill>
-            <a:blip r:embed="rId3" cstate="print">
-              <a:extLst>
-                <a:ext uri="{28A0092B-C50C-407E-A947-70E740481C1C}">
-                  <a14:useLocalDpi xmlns:a14="http://schemas.microsoft.com/office/drawing/2010/main" val="0"/>
-                </a:ext>
-              </a:extLst>
-            </a:blip>
-            <a:stretch>
-              <a:fillRect/>
-            </a:stretch>
-          </p:blipFill>
+          </p:nvCxnSpPr>
           <p:spPr>
-            <a:xfrm>
-              <a:off x="2916260" y="6246909"/>
-              <a:ext cx="1331039" cy="360000"/>
+            <a:xfrm flipH="1">
+              <a:off x="6613832" y="5076028"/>
+              <a:ext cx="4104817" cy="6946"/>
             </a:xfrm>
-            <a:prstGeom prst="rect">
+            <a:prstGeom prst="line">
               <a:avLst/>
             </a:prstGeom>
+            <a:ln w="19050">
+              <a:solidFill>
+                <a:schemeClr val="bg1">
+                  <a:lumMod val="75000"/>
+                </a:schemeClr>
+              </a:solidFill>
+              <a:prstDash val="sysDash"/>
+            </a:ln>
           </p:spPr>
-        </p:pic>
+          <p:style>
+            <a:lnRef idx="1">
+              <a:schemeClr val="accent1"/>
+            </a:lnRef>
+            <a:fillRef idx="0">
+              <a:schemeClr val="accent1"/>
+            </a:fillRef>
+            <a:effectRef idx="0">
+              <a:schemeClr val="accent1"/>
+            </a:effectRef>
+            <a:fontRef idx="minor">
+              <a:schemeClr val="tx1"/>
+            </a:fontRef>
+          </p:style>
+        </p:cxnSp>
+        <p:cxnSp>
+          <p:nvCxnSpPr>
+            <p:cNvPr id="138" name="直接连接符 137"/>
+            <p:cNvCxnSpPr/>
+            <p:nvPr/>
+          </p:nvCxnSpPr>
+          <p:spPr>
+            <a:xfrm flipH="1">
+              <a:off x="6609769" y="3798136"/>
+              <a:ext cx="4104817" cy="6946"/>
+            </a:xfrm>
+            <a:prstGeom prst="line">
+              <a:avLst/>
+            </a:prstGeom>
+            <a:ln w="19050">
+              <a:solidFill>
+                <a:schemeClr val="bg1">
+                  <a:lumMod val="75000"/>
+                </a:schemeClr>
+              </a:solidFill>
+              <a:prstDash val="sysDash"/>
+            </a:ln>
+          </p:spPr>
+          <p:style>
+            <a:lnRef idx="1">
+              <a:schemeClr val="accent1"/>
+            </a:lnRef>
+            <a:fillRef idx="0">
+              <a:schemeClr val="accent1"/>
+            </a:fillRef>
+            <a:effectRef idx="0">
+              <a:schemeClr val="accent1"/>
+            </a:effectRef>
+            <a:fontRef idx="minor">
+              <a:schemeClr val="tx1"/>
+            </a:fontRef>
+          </p:style>
+        </p:cxnSp>
         <p:sp>
           <p:nvSpPr>
-            <p:cNvPr id="5" name="矩形 4"/>
+            <p:cNvPr id="130" name="矩形 129"/>
             <p:cNvSpPr/>
             <p:nvPr/>
           </p:nvSpPr>
           <p:spPr>
             <a:xfrm>
-              <a:off x="906314" y="6200034"/>
-              <a:ext cx="1544012" cy="489749"/>
+              <a:off x="8774618" y="2601805"/>
+              <a:ext cx="1928092" cy="492443"/>
             </a:xfrm>
             <a:prstGeom prst="rect">
               <a:avLst/>
             </a:prstGeom>
             <a:solidFill>
               <a:schemeClr val="bg1">
-                <a:lumMod val="75000"/>
+                <a:lumMod val="85000"/>
               </a:schemeClr>
             </a:solidFill>
-            <a:ln>
+          </p:spPr>
+          <p:txBody>
+            <a:bodyPr wrap="square">
+              <a:spAutoFit/>
+            </a:bodyPr>
+            <a:lstStyle/>
+            <a:p>
+              <a:pPr algn="ctr"/>
+              <a:r>
+                <a:rPr lang="en-US" altLang="zh-CN" sz="1300" b="1" dirty="0">
+                  <a:latin typeface="Arial Black" panose="020B0A04020102020204" pitchFamily="34" charset="0"/>
+                </a:rPr>
+                <a:t>Cross-Entropy Method (CEM)</a:t>
+              </a:r>
+            </a:p>
+          </p:txBody>
+        </p:sp>
+        <p:sp>
+          <p:nvSpPr>
+            <p:cNvPr id="134" name="矩形 133"/>
+            <p:cNvSpPr/>
+            <p:nvPr/>
+          </p:nvSpPr>
+          <p:spPr>
+            <a:xfrm>
+              <a:off x="8780721" y="5096618"/>
+              <a:ext cx="1928092" cy="492443"/>
+            </a:xfrm>
+            <a:prstGeom prst="rect">
+              <a:avLst/>
+            </a:prstGeom>
+            <a:solidFill>
+              <a:schemeClr val="bg1">
+                <a:lumMod val="85000"/>
+              </a:schemeClr>
+            </a:solidFill>
+          </p:spPr>
+          <p:txBody>
+            <a:bodyPr wrap="square">
+              <a:spAutoFit/>
+            </a:bodyPr>
+            <a:lstStyle/>
+            <a:p>
+              <a:pPr algn="ctr"/>
+              <a:r>
+                <a:rPr lang="en-US" altLang="zh-CN" sz="1300" b="1" dirty="0">
+                  <a:latin typeface="Arial Black" panose="020B0A04020102020204" pitchFamily="34" charset="0"/>
+                </a:rPr>
+                <a:t>Random Search (RS)</a:t>
+              </a:r>
+            </a:p>
+          </p:txBody>
+        </p:sp>
+        <p:sp>
+          <p:nvSpPr>
+            <p:cNvPr id="135" name="矩形 134"/>
+            <p:cNvSpPr/>
+            <p:nvPr/>
+          </p:nvSpPr>
+          <p:spPr>
+            <a:xfrm>
+              <a:off x="6613699" y="5101499"/>
+              <a:ext cx="2157347" cy="492443"/>
+            </a:xfrm>
+            <a:prstGeom prst="rect">
+              <a:avLst/>
+            </a:prstGeom>
+            <a:solidFill>
+              <a:schemeClr val="bg1">
+                <a:lumMod val="85000"/>
+              </a:schemeClr>
+            </a:solidFill>
+          </p:spPr>
+          <p:txBody>
+            <a:bodyPr wrap="square">
+              <a:spAutoFit/>
+            </a:bodyPr>
+            <a:lstStyle/>
+            <a:p>
+              <a:pPr algn="ctr"/>
+              <a:r>
+                <a:rPr lang="en-US" altLang="zh-CN" sz="1300" b="1" dirty="0">
+                  <a:latin typeface="Arial Black" panose="020B0A04020102020204" pitchFamily="34" charset="0"/>
+                </a:rPr>
+                <a:t>Direct/Pattern Search (DS)</a:t>
+              </a:r>
+            </a:p>
+          </p:txBody>
+        </p:sp>
+        <p:sp>
+          <p:nvSpPr>
+            <p:cNvPr id="133" name="矩形 132"/>
+            <p:cNvSpPr/>
+            <p:nvPr/>
+          </p:nvSpPr>
+          <p:spPr>
+            <a:xfrm>
+              <a:off x="8772868" y="3818259"/>
+              <a:ext cx="1928092" cy="492443"/>
+            </a:xfrm>
+            <a:prstGeom prst="rect">
+              <a:avLst/>
+            </a:prstGeom>
+            <a:solidFill>
+              <a:schemeClr val="bg1">
+                <a:lumMod val="85000"/>
+              </a:schemeClr>
+            </a:solidFill>
+          </p:spPr>
+          <p:txBody>
+            <a:bodyPr wrap="square">
+              <a:spAutoFit/>
+            </a:bodyPr>
+            <a:lstStyle/>
+            <a:p>
+              <a:pPr algn="ctr"/>
+              <a:r>
+                <a:rPr lang="en-US" altLang="zh-CN" sz="1300" b="1" dirty="0">
+                  <a:latin typeface="Arial Black" panose="020B0A04020102020204" pitchFamily="34" charset="0"/>
+                </a:rPr>
+                <a:t>Evolutionary Programming (EP)</a:t>
+              </a:r>
+            </a:p>
+          </p:txBody>
+        </p:sp>
+        <p:sp>
+          <p:nvSpPr>
+            <p:cNvPr id="132" name="矩形 131"/>
+            <p:cNvSpPr/>
+            <p:nvPr/>
+          </p:nvSpPr>
+          <p:spPr>
+            <a:xfrm>
+              <a:off x="6609839" y="3823140"/>
+              <a:ext cx="2157347" cy="492443"/>
+            </a:xfrm>
+            <a:prstGeom prst="rect">
+              <a:avLst/>
+            </a:prstGeom>
+            <a:solidFill>
+              <a:schemeClr val="bg1">
+                <a:lumMod val="85000"/>
+              </a:schemeClr>
+            </a:solidFill>
+          </p:spPr>
+          <p:txBody>
+            <a:bodyPr wrap="square">
+              <a:spAutoFit/>
+            </a:bodyPr>
+            <a:lstStyle/>
+            <a:p>
+              <a:pPr algn="ctr"/>
+              <a:r>
+                <a:rPr lang="en-US" altLang="zh-CN" sz="1300" b="1" dirty="0">
+                  <a:latin typeface="Arial Black" panose="020B0A04020102020204" pitchFamily="34" charset="0"/>
+                </a:rPr>
+                <a:t>Cooperative Co-evolution (CC)</a:t>
+              </a:r>
+            </a:p>
+          </p:txBody>
+        </p:sp>
+        <p:sp>
+          <p:nvSpPr>
+            <p:cNvPr id="129" name="矩形 128"/>
+            <p:cNvSpPr/>
+            <p:nvPr/>
+          </p:nvSpPr>
+          <p:spPr>
+            <a:xfrm>
+              <a:off x="6607596" y="2602693"/>
+              <a:ext cx="2157347" cy="492443"/>
+            </a:xfrm>
+            <a:prstGeom prst="rect">
+              <a:avLst/>
+            </a:prstGeom>
+            <a:solidFill>
+              <a:schemeClr val="bg1">
+                <a:lumMod val="85000"/>
+              </a:schemeClr>
+            </a:solidFill>
+          </p:spPr>
+          <p:txBody>
+            <a:bodyPr wrap="square">
+              <a:spAutoFit/>
+            </a:bodyPr>
+            <a:lstStyle/>
+            <a:p>
+              <a:pPr algn="ctr"/>
+              <a:r>
+                <a:rPr lang="en-US" altLang="zh-CN" sz="1300" b="1" dirty="0">
+                  <a:latin typeface="Arial Black" panose="020B0A04020102020204" pitchFamily="34" charset="0"/>
+                </a:rPr>
+                <a:t>Estimation of Distribution (EDA)</a:t>
+              </a:r>
+            </a:p>
+          </p:txBody>
+        </p:sp>
+        <p:cxnSp>
+          <p:nvCxnSpPr>
+            <p:cNvPr id="79" name="直接连接符 78"/>
+            <p:cNvCxnSpPr/>
+            <p:nvPr/>
+          </p:nvCxnSpPr>
+          <p:spPr>
+            <a:xfrm flipH="1">
+              <a:off x="6605110" y="2579605"/>
+              <a:ext cx="4104817" cy="6946"/>
+            </a:xfrm>
+            <a:prstGeom prst="line">
+              <a:avLst/>
+            </a:prstGeom>
+            <a:ln w="19050">
               <a:solidFill>
                 <a:schemeClr val="bg1">
                   <a:lumMod val="75000"/>
                 </a:schemeClr>
               </a:solidFill>
+              <a:prstDash val="sysDash"/>
             </a:ln>
           </p:spPr>
-          <p:txBody>
-            <a:bodyPr wrap="none">
-              <a:spAutoFit/>
-            </a:bodyPr>
-            <a:lstStyle/>
-            <a:p>
-              <a:pPr algn="ctr">
-                <a:lnSpc>
-                  <a:spcPts val="1500"/>
-                </a:lnSpc>
-              </a:pPr>
-              <a:r>
-                <a:rPr lang="en-US" altLang="zh-CN" b="1" dirty="0">
+          <p:style>
+            <a:lnRef idx="1">
+              <a:schemeClr val="accent1"/>
+            </a:lnRef>
+            <a:fillRef idx="0">
+              <a:schemeClr val="accent1"/>
+            </a:fillRef>
+            <a:effectRef idx="0">
+              <a:schemeClr val="accent1"/>
+            </a:effectRef>
+            <a:fontRef idx="minor">
+              <a:schemeClr val="tx1"/>
+            </a:fontRef>
+          </p:style>
+        </p:cxnSp>
+        <p:grpSp>
+          <p:nvGrpSpPr>
+            <p:cNvPr id="21" name="组合 20"/>
+            <p:cNvGrpSpPr/>
+            <p:nvPr/>
+          </p:nvGrpSpPr>
+          <p:grpSpPr>
+            <a:xfrm>
+              <a:off x="895877" y="6200034"/>
+              <a:ext cx="9081817" cy="489749"/>
+              <a:chOff x="906314" y="6200034"/>
+              <a:chExt cx="9071380" cy="489749"/>
+            </a:xfrm>
+          </p:grpSpPr>
+          <p:pic>
+            <p:nvPicPr>
+              <p:cNvPr id="4" name="图片 3"/>
+              <p:cNvPicPr>
+                <a:picLocks noChangeAspect="1"/>
+              </p:cNvPicPr>
+              <p:nvPr/>
+            </p:nvPicPr>
+            <p:blipFill>
+              <a:blip r:embed="rId3" cstate="print">
+                <a:extLst>
+                  <a:ext uri="{28A0092B-C50C-407E-A947-70E740481C1C}">
+                    <a14:useLocalDpi xmlns:a14="http://schemas.microsoft.com/office/drawing/2010/main" val="0"/>
+                  </a:ext>
+                </a:extLst>
+              </a:blip>
+              <a:stretch>
+                <a:fillRect/>
+              </a:stretch>
+            </p:blipFill>
+            <p:spPr>
+              <a:xfrm>
+                <a:off x="2916260" y="6246909"/>
+                <a:ext cx="1331039" cy="360000"/>
+              </a:xfrm>
+              <a:prstGeom prst="rect">
+                <a:avLst/>
+              </a:prstGeom>
+            </p:spPr>
+          </p:pic>
+          <p:sp>
+            <p:nvSpPr>
+              <p:cNvPr id="5" name="矩形 4"/>
+              <p:cNvSpPr/>
+              <p:nvPr/>
+            </p:nvSpPr>
+            <p:spPr>
+              <a:xfrm>
+                <a:off x="906314" y="6200034"/>
+                <a:ext cx="1544012" cy="489749"/>
+              </a:xfrm>
+              <a:prstGeom prst="rect">
+                <a:avLst/>
+              </a:prstGeom>
+              <a:solidFill>
+                <a:schemeClr val="bg1">
+                  <a:lumMod val="75000"/>
+                </a:schemeClr>
+              </a:solidFill>
+              <a:ln>
+                <a:solidFill>
+                  <a:schemeClr val="bg1">
+                    <a:lumMod val="75000"/>
+                  </a:schemeClr>
+                </a:solidFill>
+              </a:ln>
+            </p:spPr>
+            <p:txBody>
+              <a:bodyPr wrap="none">
+                <a:spAutoFit/>
+              </a:bodyPr>
+              <a:lstStyle/>
+              <a:p>
+                <a:pPr algn="ctr">
+                  <a:lnSpc>
+                    <a:spcPts val="1500"/>
+                  </a:lnSpc>
+                </a:pPr>
+                <a:r>
+                  <a:rPr lang="en-US" altLang="zh-CN" b="1" dirty="0">
+                    <a:latin typeface="Arial Black" panose="020B0A04020102020204" pitchFamily="34" charset="0"/>
+                    <a:cs typeface="Times New Roman" panose="02020603050405020304" pitchFamily="18" charset="0"/>
+                  </a:rPr>
+                  <a:t>Computing</a:t>
+                </a:r>
+              </a:p>
+              <a:p>
+                <a:pPr algn="ctr">
+                  <a:lnSpc>
+                    <a:spcPts val="1500"/>
+                  </a:lnSpc>
+                </a:pPr>
+                <a:r>
+                  <a:rPr lang="en-US" altLang="zh-CN" b="1" dirty="0">
+                    <a:latin typeface="Arial Black" panose="020B0A04020102020204" pitchFamily="34" charset="0"/>
+                    <a:cs typeface="Times New Roman" panose="02020603050405020304" pitchFamily="18" charset="0"/>
+                  </a:rPr>
+                  <a:t>Engine </a:t>
+                </a:r>
+                <a:endParaRPr lang="zh-CN" altLang="en-US" b="1" dirty="0">
                   <a:latin typeface="Arial Black" panose="020B0A04020102020204" pitchFamily="34" charset="0"/>
-                  <a:cs typeface="Times New Roman" panose="02020603050405020304" pitchFamily="18" charset="0"/>
-                </a:rPr>
-                <a:t>Computing</a:t>
-              </a:r>
-            </a:p>
-            <a:p>
-              <a:pPr algn="ctr">
-                <a:lnSpc>
-                  <a:spcPts val="1500"/>
-                </a:lnSpc>
-              </a:pPr>
-              <a:r>
-                <a:rPr lang="en-US" altLang="zh-CN" b="1" dirty="0">
+                </a:endParaRPr>
+              </a:p>
+            </p:txBody>
+          </p:sp>
+          <p:pic>
+            <p:nvPicPr>
+              <p:cNvPr id="6" name="图片 5"/>
+              <p:cNvPicPr>
+                <a:picLocks noChangeAspect="1"/>
+              </p:cNvPicPr>
+              <p:nvPr/>
+            </p:nvPicPr>
+            <p:blipFill>
+              <a:blip r:embed="rId4" cstate="print">
+                <a:extLst>
+                  <a:ext uri="{28A0092B-C50C-407E-A947-70E740481C1C}">
+                    <a14:useLocalDpi xmlns:a14="http://schemas.microsoft.com/office/drawing/2010/main" val="0"/>
+                  </a:ext>
+                </a:extLst>
+              </a:blip>
+              <a:stretch>
+                <a:fillRect/>
+              </a:stretch>
+            </p:blipFill>
+            <p:spPr>
+              <a:xfrm>
+                <a:off x="5885936" y="6246909"/>
+                <a:ext cx="1068796" cy="396000"/>
+              </a:xfrm>
+              <a:prstGeom prst="rect">
+                <a:avLst/>
+              </a:prstGeom>
+            </p:spPr>
+          </p:pic>
+          <p:pic>
+            <p:nvPicPr>
+              <p:cNvPr id="8" name="图片 7"/>
+              <p:cNvPicPr>
+                <a:picLocks noChangeAspect="1"/>
+              </p:cNvPicPr>
+              <p:nvPr/>
+            </p:nvPicPr>
+            <p:blipFill>
+              <a:blip r:embed="rId5" cstate="print">
+                <a:extLst>
+                  <a:ext uri="{28A0092B-C50C-407E-A947-70E740481C1C}">
+                    <a14:useLocalDpi xmlns:a14="http://schemas.microsoft.com/office/drawing/2010/main" val="0"/>
+                  </a:ext>
+                </a:extLst>
+              </a:blip>
+              <a:stretch>
+                <a:fillRect/>
+              </a:stretch>
+            </p:blipFill>
+            <p:spPr>
+              <a:xfrm>
+                <a:off x="8593369" y="6246909"/>
+                <a:ext cx="1384325" cy="360000"/>
+              </a:xfrm>
+              <a:prstGeom prst="rect">
+                <a:avLst/>
+              </a:prstGeom>
+            </p:spPr>
+          </p:pic>
+        </p:grpSp>
+        <p:grpSp>
+          <p:nvGrpSpPr>
+            <p:cNvPr id="20" name="组合 19"/>
+            <p:cNvGrpSpPr/>
+            <p:nvPr/>
+          </p:nvGrpSpPr>
+          <p:grpSpPr>
+            <a:xfrm>
+              <a:off x="895878" y="100428"/>
+              <a:ext cx="9813384" cy="484407"/>
+              <a:chOff x="906314" y="100428"/>
+              <a:chExt cx="9802947" cy="484407"/>
+            </a:xfrm>
+          </p:grpSpPr>
+          <p:sp>
+            <p:nvSpPr>
+              <p:cNvPr id="7" name="矩形 6"/>
+              <p:cNvSpPr/>
+              <p:nvPr/>
+            </p:nvSpPr>
+            <p:spPr>
+              <a:xfrm>
+                <a:off x="906314" y="107781"/>
+                <a:ext cx="1535979" cy="477054"/>
+              </a:xfrm>
+              <a:prstGeom prst="rect">
+                <a:avLst/>
+              </a:prstGeom>
+              <a:solidFill>
+                <a:schemeClr val="bg1">
+                  <a:lumMod val="75000"/>
+                </a:schemeClr>
+              </a:solidFill>
+              <a:ln>
+                <a:solidFill>
+                  <a:schemeClr val="bg1">
+                    <a:lumMod val="75000"/>
+                  </a:schemeClr>
+                </a:solidFill>
+              </a:ln>
+            </p:spPr>
+            <p:txBody>
+              <a:bodyPr wrap="square">
+                <a:spAutoFit/>
+              </a:bodyPr>
+              <a:lstStyle/>
+              <a:p>
+                <a:pPr algn="ctr">
+                  <a:lnSpc>
+                    <a:spcPts val="1500"/>
+                  </a:lnSpc>
+                </a:pPr>
+                <a:r>
+                  <a:rPr lang="en-US" altLang="zh-CN" b="1" dirty="0">
+                    <a:latin typeface="Arial Black" panose="020B0A04020102020204" pitchFamily="34" charset="0"/>
+                    <a:cs typeface="Times New Roman" panose="02020603050405020304" pitchFamily="18" charset="0"/>
+                  </a:rPr>
+                  <a:t>Online</a:t>
+                </a:r>
+              </a:p>
+              <a:p>
+                <a:pPr algn="ctr">
+                  <a:lnSpc>
+                    <a:spcPts val="1500"/>
+                  </a:lnSpc>
+                </a:pPr>
+                <a:r>
+                  <a:rPr lang="en-US" altLang="zh-CN" b="1" dirty="0">
+                    <a:latin typeface="Arial Black" panose="020B0A04020102020204" pitchFamily="34" charset="0"/>
+                    <a:cs typeface="Times New Roman" panose="02020603050405020304" pitchFamily="18" charset="0"/>
+                  </a:rPr>
+                  <a:t>Docs </a:t>
+                </a:r>
+                <a:endParaRPr lang="zh-CN" altLang="en-US" b="1" dirty="0">
                   <a:latin typeface="Arial Black" panose="020B0A04020102020204" pitchFamily="34" charset="0"/>
-                  <a:cs typeface="Times New Roman" panose="02020603050405020304" pitchFamily="18" charset="0"/>
-                </a:rPr>
-                <a:t>Engine </a:t>
-              </a:r>
-              <a:endParaRPr lang="zh-CN" altLang="en-US" b="1" dirty="0">
-                <a:latin typeface="Arial Black" panose="020B0A04020102020204" pitchFamily="34" charset="0"/>
-              </a:endParaRPr>
-            </a:p>
-          </p:txBody>
-        </p:sp>
-        <p:pic>
-          <p:nvPicPr>
-            <p:cNvPr id="6" name="图片 5"/>
-            <p:cNvPicPr>
-              <a:picLocks noChangeAspect="1"/>
-            </p:cNvPicPr>
-            <p:nvPr/>
-          </p:nvPicPr>
-          <p:blipFill>
-            <a:blip r:embed="rId4" cstate="print">
-              <a:extLst>
-                <a:ext uri="{28A0092B-C50C-407E-A947-70E740481C1C}">
-                  <a14:useLocalDpi xmlns:a14="http://schemas.microsoft.com/office/drawing/2010/main" val="0"/>
-                </a:ext>
-              </a:extLst>
-            </a:blip>
-            <a:stretch>
-              <a:fillRect/>
-            </a:stretch>
-          </p:blipFill>
-          <p:spPr>
-            <a:xfrm>
-              <a:off x="5885936" y="6246909"/>
-              <a:ext cx="1068796" cy="396000"/>
-            </a:xfrm>
-            <a:prstGeom prst="rect">
-              <a:avLst/>
-            </a:prstGeom>
-          </p:spPr>
-        </p:pic>
-        <p:pic>
-          <p:nvPicPr>
-            <p:cNvPr id="8" name="图片 7"/>
-            <p:cNvPicPr>
-              <a:picLocks noChangeAspect="1"/>
-            </p:cNvPicPr>
-            <p:nvPr/>
-          </p:nvPicPr>
-          <p:blipFill>
-            <a:blip r:embed="rId5" cstate="print">
-              <a:extLst>
-                <a:ext uri="{28A0092B-C50C-407E-A947-70E740481C1C}">
-                  <a14:useLocalDpi xmlns:a14="http://schemas.microsoft.com/office/drawing/2010/main" val="0"/>
-                </a:ext>
-              </a:extLst>
-            </a:blip>
-            <a:stretch>
-              <a:fillRect/>
-            </a:stretch>
-          </p:blipFill>
-          <p:spPr>
-            <a:xfrm>
-              <a:off x="8593369" y="6246909"/>
-              <a:ext cx="1384325" cy="360000"/>
-            </a:xfrm>
-            <a:prstGeom prst="rect">
-              <a:avLst/>
-            </a:prstGeom>
-          </p:spPr>
-        </p:pic>
-      </p:grpSp>
-      <p:grpSp>
-        <p:nvGrpSpPr>
-          <p:cNvPr id="20" name="组合 19"/>
-          <p:cNvGrpSpPr/>
-          <p:nvPr/>
-        </p:nvGrpSpPr>
-        <p:grpSpPr>
-          <a:xfrm>
-            <a:off x="895878" y="100428"/>
-            <a:ext cx="9813384" cy="484407"/>
-            <a:chOff x="906314" y="100428"/>
-            <a:chExt cx="9802947" cy="484407"/>
-          </a:xfrm>
-        </p:grpSpPr>
+                </a:endParaRPr>
+              </a:p>
+            </p:txBody>
+          </p:sp>
+          <p:sp>
+            <p:nvSpPr>
+              <p:cNvPr id="10" name="矩形 9"/>
+              <p:cNvSpPr/>
+              <p:nvPr/>
+            </p:nvSpPr>
+            <p:spPr>
+              <a:xfrm>
+                <a:off x="2450326" y="107779"/>
+                <a:ext cx="1131454" cy="469487"/>
+              </a:xfrm>
+              <a:prstGeom prst="rect">
+                <a:avLst/>
+              </a:prstGeom>
+              <a:solidFill>
+                <a:schemeClr val="bg1">
+                  <a:lumMod val="95000"/>
+                </a:schemeClr>
+              </a:solidFill>
+            </p:spPr>
+            <p:txBody>
+              <a:bodyPr wrap="square">
+                <a:spAutoFit/>
+              </a:bodyPr>
+              <a:lstStyle/>
+              <a:p>
+                <a:pPr algn="ctr">
+                  <a:lnSpc>
+                    <a:spcPts val="1500"/>
+                  </a:lnSpc>
+                </a:pPr>
+                <a:r>
+                  <a:rPr lang="en-US" altLang="zh-CN" sz="1200" b="1" dirty="0">
+                    <a:latin typeface="Arial Black" panose="020B0A04020102020204" pitchFamily="34" charset="0"/>
+                  </a:rPr>
+                  <a:t>PyPI Installation</a:t>
+                </a:r>
+                <a:endParaRPr lang="zh-CN" altLang="en-US" sz="1200" b="1" dirty="0">
+                  <a:latin typeface="Arial Black" panose="020B0A04020102020204" pitchFamily="34" charset="0"/>
+                </a:endParaRPr>
+              </a:p>
+            </p:txBody>
+          </p:sp>
+          <p:sp>
+            <p:nvSpPr>
+              <p:cNvPr id="12" name="矩形 11"/>
+              <p:cNvSpPr/>
+              <p:nvPr/>
+            </p:nvSpPr>
+            <p:spPr>
+              <a:xfrm>
+                <a:off x="3581780" y="107778"/>
+                <a:ext cx="1131454" cy="469487"/>
+              </a:xfrm>
+              <a:prstGeom prst="rect">
+                <a:avLst/>
+              </a:prstGeom>
+            </p:spPr>
+            <p:txBody>
+              <a:bodyPr wrap="square">
+                <a:spAutoFit/>
+              </a:bodyPr>
+              <a:lstStyle/>
+              <a:p>
+                <a:pPr algn="ctr">
+                  <a:lnSpc>
+                    <a:spcPts val="1500"/>
+                  </a:lnSpc>
+                </a:pPr>
+                <a:r>
+                  <a:rPr lang="en-US" altLang="zh-CN" sz="1200" b="1" dirty="0">
+                    <a:latin typeface="Arial Black" panose="020B0A04020102020204" pitchFamily="34" charset="0"/>
+                  </a:rPr>
+                  <a:t>Design Philosophy</a:t>
+                </a:r>
+                <a:endParaRPr lang="zh-CN" altLang="en-US" sz="1200" b="1" dirty="0">
+                  <a:latin typeface="Arial Black" panose="020B0A04020102020204" pitchFamily="34" charset="0"/>
+                </a:endParaRPr>
+              </a:p>
+            </p:txBody>
+          </p:sp>
+          <p:sp>
+            <p:nvSpPr>
+              <p:cNvPr id="13" name="矩形 12"/>
+              <p:cNvSpPr/>
+              <p:nvPr/>
+            </p:nvSpPr>
+            <p:spPr>
+              <a:xfrm>
+                <a:off x="4713234" y="103751"/>
+                <a:ext cx="1131454" cy="469487"/>
+              </a:xfrm>
+              <a:prstGeom prst="rect">
+                <a:avLst/>
+              </a:prstGeom>
+              <a:solidFill>
+                <a:schemeClr val="bg1">
+                  <a:lumMod val="95000"/>
+                </a:schemeClr>
+              </a:solidFill>
+            </p:spPr>
+            <p:txBody>
+              <a:bodyPr wrap="square">
+                <a:spAutoFit/>
+              </a:bodyPr>
+              <a:lstStyle/>
+              <a:p>
+                <a:pPr algn="ctr">
+                  <a:lnSpc>
+                    <a:spcPts val="1500"/>
+                  </a:lnSpc>
+                </a:pPr>
+                <a:r>
+                  <a:rPr lang="en-US" altLang="zh-CN" sz="1200" b="1" dirty="0">
+                    <a:latin typeface="Arial Black" panose="020B0A04020102020204" pitchFamily="34" charset="0"/>
+                  </a:rPr>
+                  <a:t>User</a:t>
+                </a:r>
+              </a:p>
+              <a:p>
+                <a:pPr algn="ctr">
+                  <a:lnSpc>
+                    <a:spcPts val="1500"/>
+                  </a:lnSpc>
+                </a:pPr>
+                <a:r>
+                  <a:rPr lang="en-US" altLang="zh-CN" sz="1200" b="1" dirty="0">
+                    <a:latin typeface="Arial Black" panose="020B0A04020102020204" pitchFamily="34" charset="0"/>
+                  </a:rPr>
+                  <a:t>Guide</a:t>
+                </a:r>
+                <a:endParaRPr lang="zh-CN" altLang="en-US" sz="1200" b="1" dirty="0">
+                  <a:latin typeface="Arial Black" panose="020B0A04020102020204" pitchFamily="34" charset="0"/>
+                </a:endParaRPr>
+              </a:p>
+            </p:txBody>
+          </p:sp>
+          <p:sp>
+            <p:nvSpPr>
+              <p:cNvPr id="15" name="矩形 14"/>
+              <p:cNvSpPr/>
+              <p:nvPr/>
+            </p:nvSpPr>
+            <p:spPr>
+              <a:xfrm>
+                <a:off x="5854607" y="103578"/>
+                <a:ext cx="1131454" cy="469487"/>
+              </a:xfrm>
+              <a:prstGeom prst="rect">
+                <a:avLst/>
+              </a:prstGeom>
+            </p:spPr>
+            <p:txBody>
+              <a:bodyPr wrap="square">
+                <a:spAutoFit/>
+              </a:bodyPr>
+              <a:lstStyle/>
+              <a:p>
+                <a:pPr algn="ctr">
+                  <a:lnSpc>
+                    <a:spcPts val="1500"/>
+                  </a:lnSpc>
+                </a:pPr>
+                <a:r>
+                  <a:rPr lang="en-US" altLang="zh-CN" sz="1200" b="1" dirty="0">
+                    <a:latin typeface="Arial Black" panose="020B0A04020102020204" pitchFamily="34" charset="0"/>
+                  </a:rPr>
+                  <a:t>Online Tutorials</a:t>
+                </a:r>
+              </a:p>
+            </p:txBody>
+          </p:sp>
+          <p:sp>
+            <p:nvSpPr>
+              <p:cNvPr id="16" name="矩形 15"/>
+              <p:cNvSpPr/>
+              <p:nvPr/>
+            </p:nvSpPr>
+            <p:spPr>
+              <a:xfrm>
+                <a:off x="6988121" y="100428"/>
+                <a:ext cx="1178658" cy="477054"/>
+              </a:xfrm>
+              <a:prstGeom prst="rect">
+                <a:avLst/>
+              </a:prstGeom>
+              <a:solidFill>
+                <a:schemeClr val="bg1">
+                  <a:lumMod val="95000"/>
+                </a:schemeClr>
+              </a:solidFill>
+            </p:spPr>
+            <p:txBody>
+              <a:bodyPr wrap="square">
+                <a:spAutoFit/>
+              </a:bodyPr>
+              <a:lstStyle/>
+              <a:p>
+                <a:pPr algn="ctr">
+                  <a:lnSpc>
+                    <a:spcPts val="1500"/>
+                  </a:lnSpc>
+                </a:pPr>
+                <a:r>
+                  <a:rPr lang="en-US" altLang="zh-CN" sz="1200" b="1" dirty="0">
+                    <a:latin typeface="Arial Black" panose="020B0A04020102020204" pitchFamily="34" charset="0"/>
+                  </a:rPr>
+                  <a:t>API Docs of Optimizers</a:t>
+                </a:r>
+                <a:endParaRPr lang="zh-CN" altLang="en-US" sz="1200" b="1" dirty="0">
+                  <a:latin typeface="Arial Black" panose="020B0A04020102020204" pitchFamily="34" charset="0"/>
+                </a:endParaRPr>
+              </a:p>
+            </p:txBody>
+          </p:sp>
+          <p:sp>
+            <p:nvSpPr>
+              <p:cNvPr id="17" name="矩形 16"/>
+              <p:cNvSpPr/>
+              <p:nvPr/>
+            </p:nvSpPr>
+            <p:spPr>
+              <a:xfrm>
+                <a:off x="8174765" y="100428"/>
+                <a:ext cx="1272704" cy="477054"/>
+              </a:xfrm>
+              <a:prstGeom prst="rect">
+                <a:avLst/>
+              </a:prstGeom>
+            </p:spPr>
+            <p:txBody>
+              <a:bodyPr wrap="square">
+                <a:spAutoFit/>
+              </a:bodyPr>
+              <a:lstStyle/>
+              <a:p>
+                <a:pPr algn="ctr">
+                  <a:lnSpc>
+                    <a:spcPts val="1500"/>
+                  </a:lnSpc>
+                </a:pPr>
+                <a:r>
+                  <a:rPr lang="en-US" altLang="zh-CN" sz="1200" b="1" dirty="0">
+                    <a:latin typeface="Arial Black" panose="020B0A04020102020204" pitchFamily="34" charset="0"/>
+                  </a:rPr>
+                  <a:t>Development Guide</a:t>
+                </a:r>
+              </a:p>
+            </p:txBody>
+          </p:sp>
+          <p:sp>
+            <p:nvSpPr>
+              <p:cNvPr id="19" name="矩形 18"/>
+              <p:cNvSpPr/>
+              <p:nvPr/>
+            </p:nvSpPr>
+            <p:spPr>
+              <a:xfrm>
+                <a:off x="9455455" y="103788"/>
+                <a:ext cx="1253806" cy="477054"/>
+              </a:xfrm>
+              <a:prstGeom prst="rect">
+                <a:avLst/>
+              </a:prstGeom>
+              <a:solidFill>
+                <a:schemeClr val="bg1">
+                  <a:lumMod val="95000"/>
+                </a:schemeClr>
+              </a:solidFill>
+            </p:spPr>
+            <p:txBody>
+              <a:bodyPr wrap="square">
+                <a:spAutoFit/>
+              </a:bodyPr>
+              <a:lstStyle/>
+              <a:p>
+                <a:pPr algn="ctr">
+                  <a:lnSpc>
+                    <a:spcPts val="1500"/>
+                  </a:lnSpc>
+                </a:pPr>
+                <a:r>
+                  <a:rPr lang="en-US" altLang="zh-CN" sz="1200" b="1" dirty="0">
+                    <a:latin typeface="Arial Black" panose="020B0A04020102020204" pitchFamily="34" charset="0"/>
+                  </a:rPr>
+                  <a:t>Applications &amp; Citations</a:t>
+                </a:r>
+                <a:endParaRPr lang="zh-CN" altLang="en-US" sz="1200" b="1" dirty="0">
+                  <a:latin typeface="Arial Black" panose="020B0A04020102020204" pitchFamily="34" charset="0"/>
+                </a:endParaRPr>
+              </a:p>
+            </p:txBody>
+          </p:sp>
+        </p:grpSp>
         <p:sp>
           <p:nvSpPr>
-            <p:cNvPr id="7" name="矩形 6"/>
+            <p:cNvPr id="22" name="矩形 21"/>
             <p:cNvSpPr/>
             <p:nvPr/>
           </p:nvSpPr>
           <p:spPr>
             <a:xfrm>
-              <a:off x="906314" y="107781"/>
-              <a:ext cx="1535979" cy="477054"/>
+              <a:off x="906315" y="615559"/>
+              <a:ext cx="2040530" cy="284693"/>
             </a:xfrm>
             <a:prstGeom prst="rect">
               <a:avLst/>
@@ -4156,21 +4535,7 @@
                   <a:latin typeface="Arial Black" panose="020B0A04020102020204" pitchFamily="34" charset="0"/>
                   <a:cs typeface="Times New Roman" panose="02020603050405020304" pitchFamily="18" charset="0"/>
                 </a:rPr>
-                <a:t>Online</a:t>
-              </a:r>
-            </a:p>
-            <a:p>
-              <a:pPr algn="ctr">
-                <a:lnSpc>
-                  <a:spcPts val="1500"/>
-                </a:lnSpc>
-              </a:pPr>
-              <a:r>
-                <a:rPr lang="en-US" altLang="zh-CN" b="1" dirty="0">
-                  <a:latin typeface="Arial Black" panose="020B0A04020102020204" pitchFamily="34" charset="0"/>
-                  <a:cs typeface="Times New Roman" panose="02020603050405020304" pitchFamily="18" charset="0"/>
-                </a:rPr>
-                <a:t>Docs </a:t>
+                <a:t>Benchmarking </a:t>
               </a:r>
               <a:endParaRPr lang="zh-CN" altLang="en-US" b="1" dirty="0">
                 <a:latin typeface="Arial Black" panose="020B0A04020102020204" pitchFamily="34" charset="0"/>
@@ -4180,23 +4545,30 @@
         </p:sp>
         <p:sp>
           <p:nvSpPr>
-            <p:cNvPr id="10" name="矩形 9"/>
+            <p:cNvPr id="23" name="矩形 22"/>
             <p:cNvSpPr/>
             <p:nvPr/>
           </p:nvSpPr>
           <p:spPr>
             <a:xfrm>
-              <a:off x="2450326" y="107779"/>
-              <a:ext cx="1131454" cy="469487"/>
+              <a:off x="902321" y="4518482"/>
+              <a:ext cx="2040531" cy="284693"/>
             </a:xfrm>
             <a:prstGeom prst="rect">
               <a:avLst/>
             </a:prstGeom>
             <a:solidFill>
               <a:schemeClr val="bg1">
-                <a:lumMod val="95000"/>
+                <a:lumMod val="75000"/>
               </a:schemeClr>
             </a:solidFill>
+            <a:ln>
+              <a:solidFill>
+                <a:schemeClr val="bg1">
+                  <a:lumMod val="75000"/>
+                </a:schemeClr>
+              </a:solidFill>
+            </a:ln>
           </p:spPr>
           <p:txBody>
             <a:bodyPr wrap="square">
@@ -4210,10 +4582,154 @@
                 </a:lnSpc>
               </a:pPr>
               <a:r>
+                <a:rPr lang="en-US" altLang="zh-CN" b="1" dirty="0">
+                  <a:latin typeface="Arial Black" panose="020B0A04020102020204" pitchFamily="34" charset="0"/>
+                  <a:cs typeface="Times New Roman" panose="02020603050405020304" pitchFamily="18" charset="0"/>
+                </a:rPr>
+                <a:t>Util Functions </a:t>
+              </a:r>
+              <a:endParaRPr lang="zh-CN" altLang="en-US" b="1" dirty="0">
+                <a:latin typeface="Arial Black" panose="020B0A04020102020204" pitchFamily="34" charset="0"/>
+              </a:endParaRPr>
+            </a:p>
+          </p:txBody>
+        </p:sp>
+        <p:sp>
+          <p:nvSpPr>
+            <p:cNvPr id="24" name="文本框 23"/>
+            <p:cNvSpPr txBox="1"/>
+            <p:nvPr/>
+          </p:nvSpPr>
+          <p:spPr>
+            <a:xfrm>
+              <a:off x="902321" y="4808496"/>
+              <a:ext cx="3340985" cy="1384995"/>
+            </a:xfrm>
+            <a:prstGeom prst="rect">
+              <a:avLst/>
+            </a:prstGeom>
+            <a:noFill/>
+          </p:spPr>
+          <p:txBody>
+            <a:bodyPr wrap="square" rtlCol="0">
+              <a:spAutoFit/>
+            </a:bodyPr>
+            <a:lstStyle/>
+            <a:p>
+              <a:pPr marL="285750" indent="-285750">
+                <a:buFont typeface="Wingdings" panose="05000000000000000000" pitchFamily="2" charset="2"/>
+                <a:buChar char="l"/>
+              </a:pPr>
+              <a:r>
                 <a:rPr lang="en-US" altLang="zh-CN" sz="1200" b="1" dirty="0">
                   <a:latin typeface="Arial Black" panose="020B0A04020102020204" pitchFamily="34" charset="0"/>
                 </a:rPr>
-                <a:t>PyPI Installation</a:t>
+                <a:t>Plot 2-D/3-D landscapes</a:t>
+              </a:r>
+            </a:p>
+            <a:p>
+              <a:pPr marL="285750" indent="-285750">
+                <a:buFont typeface="Wingdings" panose="05000000000000000000" pitchFamily="2" charset="2"/>
+                <a:buChar char="l"/>
+              </a:pPr>
+              <a:r>
+                <a:rPr lang="en-US" altLang="zh-CN" sz="1200" b="1" dirty="0">
+                  <a:latin typeface="Arial Black" panose="020B0A04020102020204" pitchFamily="34" charset="0"/>
+                </a:rPr>
+                <a:t>Save optimization data (</a:t>
+              </a:r>
+              <a:r>
+                <a:rPr lang="en-US" altLang="zh-CN" sz="1200" b="1" dirty="0">
+                  <a:solidFill>
+                    <a:srgbClr val="4786B9"/>
+                  </a:solidFill>
+                  <a:latin typeface="Arial Black" panose="020B0A04020102020204" pitchFamily="34" charset="0"/>
+                </a:rPr>
+                <a:t>pickle</a:t>
+              </a:r>
+              <a:r>
+                <a:rPr lang="en-US" altLang="zh-CN" sz="1200" b="1" dirty="0">
+                  <a:latin typeface="Arial Black" panose="020B0A04020102020204" pitchFamily="34" charset="0"/>
+                </a:rPr>
+                <a:t>)</a:t>
+              </a:r>
+            </a:p>
+            <a:p>
+              <a:pPr marL="285750" indent="-285750">
+                <a:buFont typeface="Wingdings" panose="05000000000000000000" pitchFamily="2" charset="2"/>
+                <a:buChar char="l"/>
+              </a:pPr>
+              <a:r>
+                <a:rPr lang="en-US" altLang="zh-CN" sz="1200" b="1" dirty="0">
+                  <a:latin typeface="Arial Black" panose="020B0A04020102020204" pitchFamily="34" charset="0"/>
+                </a:rPr>
+                <a:t>Check optimization results</a:t>
+              </a:r>
+            </a:p>
+            <a:p>
+              <a:pPr marL="285750" indent="-285750">
+                <a:buFont typeface="Wingdings" panose="05000000000000000000" pitchFamily="2" charset="2"/>
+                <a:buChar char="l"/>
+              </a:pPr>
+              <a:r>
+                <a:rPr lang="en-US" altLang="zh-CN" sz="1200" b="1" dirty="0">
+                  <a:latin typeface="Arial Black" panose="020B0A04020102020204" pitchFamily="34" charset="0"/>
+                </a:rPr>
+                <a:t>Plot convergence curves (</a:t>
+              </a:r>
+              <a:r>
+                <a:rPr lang="en-US" altLang="zh-CN" sz="1200" b="1" dirty="0">
+                  <a:solidFill>
+                    <a:srgbClr val="1F5F84"/>
+                  </a:solidFill>
+                  <a:latin typeface="Arial Black" panose="020B0A04020102020204" pitchFamily="34" charset="0"/>
+                </a:rPr>
+                <a:t>matplotlib</a:t>
+              </a:r>
+              <a:r>
+                <a:rPr lang="en-US" altLang="zh-CN" sz="1200" b="1" dirty="0">
+                  <a:latin typeface="Arial Black" panose="020B0A04020102020204" pitchFamily="34" charset="0"/>
+                </a:rPr>
+                <a:t>)</a:t>
+              </a:r>
+            </a:p>
+            <a:p>
+              <a:pPr marL="285750" indent="-285750">
+                <a:buFont typeface="Wingdings" panose="05000000000000000000" pitchFamily="2" charset="2"/>
+                <a:buChar char="l"/>
+              </a:pPr>
+              <a:r>
+                <a:rPr lang="en-US" altLang="zh-CN" sz="1200" b="1" dirty="0">
+                  <a:latin typeface="Arial Black" panose="020B0A04020102020204" pitchFamily="34" charset="0"/>
+                </a:rPr>
+                <a:t>Compare multiple optimizers</a:t>
+              </a:r>
+            </a:p>
+            <a:p>
+              <a:pPr marL="285750" indent="-285750">
+                <a:buFont typeface="Wingdings" panose="05000000000000000000" pitchFamily="2" charset="2"/>
+                <a:buChar char="l"/>
+              </a:pPr>
+              <a:r>
+                <a:rPr lang="en-US" altLang="zh-CN" sz="1200" b="1" dirty="0">
+                  <a:latin typeface="Arial Black" panose="020B0A04020102020204" pitchFamily="34" charset="0"/>
+                </a:rPr>
+                <a:t>Accelerate computation (</a:t>
+              </a:r>
+              <a:r>
+                <a:rPr lang="en-US" altLang="zh-CN" sz="1200" b="1" dirty="0">
+                  <a:solidFill>
+                    <a:srgbClr val="00A3E0"/>
+                  </a:solidFill>
+                  <a:latin typeface="Arial Black" panose="020B0A04020102020204" pitchFamily="34" charset="0"/>
+                </a:rPr>
+                <a:t>Numba</a:t>
+              </a:r>
+              <a:r>
+                <a:rPr lang="en-US" altLang="zh-CN" sz="1200" b="1" dirty="0">
+                  <a:latin typeface="Arial Black" panose="020B0A04020102020204" pitchFamily="34" charset="0"/>
+                </a:rPr>
+                <a:t>)</a:t>
               </a:r>
               <a:endParaRPr lang="zh-CN" altLang="en-US" sz="1200" b="1" dirty="0">
                 <a:latin typeface="Arial Black" panose="020B0A04020102020204" pitchFamily="34" charset="0"/>
@@ -4223,18 +4739,30 @@
         </p:sp>
         <p:sp>
           <p:nvSpPr>
-            <p:cNvPr id="12" name="矩形 11"/>
+            <p:cNvPr id="25" name="矩形 24"/>
             <p:cNvSpPr/>
             <p:nvPr/>
           </p:nvSpPr>
           <p:spPr>
             <a:xfrm>
-              <a:off x="3581780" y="107778"/>
-              <a:ext cx="1131454" cy="469487"/>
+              <a:off x="902322" y="3763625"/>
+              <a:ext cx="2040530" cy="297389"/>
             </a:xfrm>
             <a:prstGeom prst="rect">
               <a:avLst/>
             </a:prstGeom>
+            <a:solidFill>
+              <a:schemeClr val="bg1">
+                <a:lumMod val="75000"/>
+              </a:schemeClr>
+            </a:solidFill>
+            <a:ln>
+              <a:solidFill>
+                <a:schemeClr val="bg1">
+                  <a:lumMod val="75000"/>
+                </a:schemeClr>
+              </a:solidFill>
+            </a:ln>
           </p:spPr>
           <p:txBody>
             <a:bodyPr wrap="square">
@@ -4248,12 +4776,13 @@
                 </a:lnSpc>
               </a:pPr>
               <a:r>
-                <a:rPr lang="en-US" altLang="zh-CN" sz="1200" b="1" dirty="0">
+                <a:rPr lang="en-US" altLang="zh-CN" b="1" dirty="0">
                   <a:latin typeface="Arial Black" panose="020B0A04020102020204" pitchFamily="34" charset="0"/>
+                  <a:cs typeface="Times New Roman" panose="02020603050405020304" pitchFamily="18" charset="0"/>
                 </a:rPr>
-                <a:t>Design Philosophy</a:t>
+                <a:t>Test Protocols</a:t>
               </a:r>
-              <a:endParaRPr lang="zh-CN" altLang="en-US" sz="1200" b="1" dirty="0">
+              <a:endParaRPr lang="zh-CN" altLang="en-US" b="1" dirty="0">
                 <a:latin typeface="Arial Black" panose="020B0A04020102020204" pitchFamily="34" charset="0"/>
               </a:endParaRPr>
             </a:p>
@@ -4261,23 +4790,406 @@
         </p:sp>
         <p:sp>
           <p:nvSpPr>
-            <p:cNvPr id="13" name="矩形 12"/>
+            <p:cNvPr id="26" name="文本框 25"/>
+            <p:cNvSpPr txBox="1"/>
+            <p:nvPr/>
+          </p:nvSpPr>
+          <p:spPr>
+            <a:xfrm>
+              <a:off x="902987" y="4034520"/>
+              <a:ext cx="3340985" cy="461665"/>
+            </a:xfrm>
+            <a:prstGeom prst="rect">
+              <a:avLst/>
+            </a:prstGeom>
+            <a:noFill/>
+          </p:spPr>
+          <p:txBody>
+            <a:bodyPr wrap="square" rtlCol="0">
+              <a:spAutoFit/>
+            </a:bodyPr>
+            <a:lstStyle/>
+            <a:p>
+              <a:pPr marL="285750" indent="-285750">
+                <a:buFont typeface="Wingdings" panose="05000000000000000000" pitchFamily="2" charset="2"/>
+                <a:buChar char="l"/>
+              </a:pPr>
+              <a:r>
+                <a:rPr lang="en-US" altLang="zh-CN" sz="1200" b="1" dirty="0">
+                  <a:latin typeface="Arial Black" panose="020B0A04020102020204" pitchFamily="34" charset="0"/>
+                </a:rPr>
+                <a:t>Repeatability reports</a:t>
+              </a:r>
+            </a:p>
+            <a:p>
+              <a:pPr marL="285750" indent="-285750">
+                <a:buFont typeface="Wingdings" panose="05000000000000000000" pitchFamily="2" charset="2"/>
+                <a:buChar char="l"/>
+              </a:pPr>
+              <a:r>
+                <a:rPr lang="en-US" altLang="zh-CN" sz="1200" b="1" dirty="0">
+                  <a:latin typeface="Arial Black" panose="020B0A04020102020204" pitchFamily="34" charset="0"/>
+                </a:rPr>
+                <a:t>Automatic testing (</a:t>
+              </a:r>
+              <a:r>
+                <a:rPr lang="en-US" altLang="zh-CN" sz="1200" b="1" dirty="0">
+                  <a:solidFill>
+                    <a:srgbClr val="FF0000"/>
+                  </a:solidFill>
+                  <a:latin typeface="Arial Black" panose="020B0A04020102020204" pitchFamily="34" charset="0"/>
+                </a:rPr>
+                <a:t>pytest</a:t>
+              </a:r>
+              <a:r>
+                <a:rPr lang="en-US" altLang="zh-CN" sz="1200" b="1" dirty="0">
+                  <a:latin typeface="Arial Black" panose="020B0A04020102020204" pitchFamily="34" charset="0"/>
+                </a:rPr>
+                <a:t>)</a:t>
+              </a:r>
+            </a:p>
+          </p:txBody>
+        </p:sp>
+        <p:pic>
+          <p:nvPicPr>
+            <p:cNvPr id="27" name="图片 26"/>
+            <p:cNvPicPr>
+              <a:picLocks noChangeAspect="1"/>
+            </p:cNvPicPr>
+            <p:nvPr/>
+          </p:nvPicPr>
+          <p:blipFill>
+            <a:blip r:embed="rId6" cstate="print">
+              <a:extLst>
+                <a:ext uri="{28A0092B-C50C-407E-A947-70E740481C1C}">
+                  <a14:useLocalDpi xmlns:a14="http://schemas.microsoft.com/office/drawing/2010/main" val="0"/>
+                </a:ext>
+              </a:extLst>
+            </a:blip>
+            <a:stretch>
+              <a:fillRect/>
+            </a:stretch>
+          </p:blipFill>
+          <p:spPr>
+            <a:xfrm>
+              <a:off x="3678994" y="3764520"/>
+              <a:ext cx="569003" cy="540000"/>
+            </a:xfrm>
+            <a:prstGeom prst="rect">
+              <a:avLst/>
+            </a:prstGeom>
+          </p:spPr>
+        </p:pic>
+        <p:sp>
+          <p:nvSpPr>
+            <p:cNvPr id="28" name="文本框 27"/>
+            <p:cNvSpPr txBox="1"/>
+            <p:nvPr/>
+          </p:nvSpPr>
+          <p:spPr>
+            <a:xfrm>
+              <a:off x="899870" y="909190"/>
+              <a:ext cx="3340985" cy="3046988"/>
+            </a:xfrm>
+            <a:prstGeom prst="rect">
+              <a:avLst/>
+            </a:prstGeom>
+            <a:noFill/>
+            <a:ln>
+              <a:noFill/>
+            </a:ln>
+          </p:spPr>
+          <p:txBody>
+            <a:bodyPr wrap="square" rtlCol="0">
+              <a:spAutoFit/>
+            </a:bodyPr>
+            <a:lstStyle/>
+            <a:p>
+              <a:pPr marL="285750" indent="-285750">
+                <a:buFont typeface="Wingdings" panose="05000000000000000000" pitchFamily="2" charset="2"/>
+                <a:buChar char="l"/>
+              </a:pPr>
+              <a:r>
+                <a:rPr lang="en-US" altLang="zh-CN" sz="1200" b="1" dirty="0">
+                  <a:solidFill>
+                    <a:srgbClr val="00B050"/>
+                  </a:solidFill>
+                  <a:latin typeface="Arial Black" panose="020B0A04020102020204" pitchFamily="34" charset="0"/>
+                </a:rPr>
+                <a:t>Large-scale BBO:</a:t>
+              </a:r>
+            </a:p>
+            <a:p>
+              <a:pPr marL="628650" lvl="1" indent="-171450">
+                <a:buFont typeface="Arial" panose="020B0604020202020204" pitchFamily="34" charset="0"/>
+                <a:buChar char="•"/>
+              </a:pPr>
+              <a:r>
+                <a:rPr lang="en-US" altLang="zh-CN" sz="1200" b="1" dirty="0">
+                  <a:latin typeface="Arial Black" panose="020B0A04020102020204" pitchFamily="34" charset="0"/>
+                </a:rPr>
+                <a:t>Test local search abilities</a:t>
+              </a:r>
+            </a:p>
+            <a:p>
+              <a:pPr marL="628650" lvl="1" indent="-171450">
+                <a:buFont typeface="Arial" panose="020B0604020202020204" pitchFamily="34" charset="0"/>
+                <a:buChar char="•"/>
+              </a:pPr>
+              <a:r>
+                <a:rPr lang="en-US" altLang="zh-CN" sz="1200" b="1" dirty="0">
+                  <a:latin typeface="Arial Black" panose="020B0A04020102020204" pitchFamily="34" charset="0"/>
+                </a:rPr>
+                <a:t>Test global search abilities</a:t>
+              </a:r>
+            </a:p>
+            <a:p>
+              <a:pPr marL="285750" indent="-285750">
+                <a:buFont typeface="Wingdings" panose="05000000000000000000" pitchFamily="2" charset="2"/>
+                <a:buChar char="l"/>
+              </a:pPr>
+              <a:r>
+                <a:rPr lang="en-US" altLang="zh-CN" sz="1200" b="1" dirty="0">
+                  <a:solidFill>
+                    <a:srgbClr val="00B050"/>
+                  </a:solidFill>
+                  <a:latin typeface="Arial Black" panose="020B0A04020102020204" pitchFamily="34" charset="0"/>
+                </a:rPr>
+                <a:t>Black-box classification:</a:t>
+              </a:r>
+            </a:p>
+            <a:p>
+              <a:pPr marL="628650" lvl="1" indent="-171450">
+                <a:buFont typeface="Arial" panose="020B0604020202020204" pitchFamily="34" charset="0"/>
+                <a:buChar char="•"/>
+              </a:pPr>
+              <a:r>
+                <a:rPr lang="en-US" altLang="zh-CN" sz="1200" b="1" dirty="0">
+                  <a:latin typeface="Arial Black" panose="020B0A04020102020204" pitchFamily="34" charset="0"/>
+                </a:rPr>
+                <a:t>Test on 25 cases (=5 datasets * 5 loss functions)</a:t>
+              </a:r>
+              <a:endParaRPr lang="en-US" altLang="zh-CN" sz="1200" b="1" i="1" dirty="0">
+                <a:latin typeface="Arial Black" panose="020B0A04020102020204" pitchFamily="34" charset="0"/>
+              </a:endParaRPr>
+            </a:p>
+            <a:p>
+              <a:pPr marL="285750" indent="-285750">
+                <a:buFont typeface="Wingdings" panose="05000000000000000000" pitchFamily="2" charset="2"/>
+                <a:buChar char="l"/>
+              </a:pPr>
+              <a:r>
+                <a:rPr lang="en-US" altLang="zh-CN" sz="1200" b="1" dirty="0">
+                  <a:solidFill>
+                    <a:srgbClr val="00A3E0"/>
+                  </a:solidFill>
+                  <a:latin typeface="Arial Black" panose="020B0A04020102020204" pitchFamily="34" charset="0"/>
+                </a:rPr>
+                <a:t>COCO/BBOB interface:</a:t>
+              </a:r>
+            </a:p>
+            <a:p>
+              <a:pPr marL="628650" lvl="1" indent="-171450">
+                <a:buFont typeface="Arial" panose="020B0604020202020204" pitchFamily="34" charset="0"/>
+                <a:buChar char="•"/>
+              </a:pPr>
+              <a:r>
+                <a:rPr lang="en-US" altLang="zh-CN" sz="1200" b="1" dirty="0">
+                  <a:latin typeface="Arial Black" panose="020B0A04020102020204" pitchFamily="34" charset="0"/>
+                </a:rPr>
+                <a:t>Test on 24 different functions</a:t>
+              </a:r>
+            </a:p>
+            <a:p>
+              <a:pPr marL="285750" indent="-285750">
+                <a:buFont typeface="Wingdings" panose="05000000000000000000" pitchFamily="2" charset="2"/>
+                <a:buChar char="l"/>
+              </a:pPr>
+              <a:r>
+                <a:rPr lang="en-US" altLang="zh-CN" sz="1200" b="1" dirty="0">
+                  <a:solidFill>
+                    <a:srgbClr val="00A3E0"/>
+                  </a:solidFill>
+                  <a:latin typeface="Arial Black" panose="020B0A04020102020204" pitchFamily="34" charset="0"/>
+                </a:rPr>
+                <a:t>NeverGrad interface:</a:t>
+              </a:r>
+            </a:p>
+            <a:p>
+              <a:pPr marL="628650" lvl="1" indent="-171450">
+                <a:buFont typeface="Arial" panose="020B0604020202020204" pitchFamily="34" charset="0"/>
+                <a:buChar char="•"/>
+              </a:pPr>
+              <a:r>
+                <a:rPr lang="en-US" altLang="zh-CN" sz="1200" b="1" dirty="0">
+                  <a:latin typeface="Arial Black" panose="020B0A04020102020204" pitchFamily="34" charset="0"/>
+                </a:rPr>
+                <a:t>Test on photonics problems</a:t>
+              </a:r>
+            </a:p>
+            <a:p>
+              <a:pPr marL="285750" indent="-285750">
+                <a:buFont typeface="Wingdings" panose="05000000000000000000" pitchFamily="2" charset="2"/>
+                <a:buChar char="l"/>
+              </a:pPr>
+              <a:r>
+                <a:rPr lang="en-US" altLang="zh-CN" sz="1200" b="1" dirty="0">
+                  <a:latin typeface="Arial Black" panose="020B0A04020102020204" pitchFamily="34" charset="0"/>
+                </a:rPr>
+                <a:t>Direct (neural) policy search:</a:t>
+              </a:r>
+            </a:p>
+            <a:p>
+              <a:pPr marL="628650" lvl="1" indent="-171450">
+                <a:buFont typeface="Arial" panose="020B0604020202020204" pitchFamily="34" charset="0"/>
+                <a:buChar char="•"/>
+              </a:pPr>
+              <a:r>
+                <a:rPr lang="en-US" altLang="zh-CN" sz="1200" b="1" dirty="0">
+                  <a:latin typeface="Arial Black" panose="020B0A04020102020204" pitchFamily="34" charset="0"/>
+                </a:rPr>
+                <a:t>Test on 6 simulation robotics (from </a:t>
+              </a:r>
+              <a:r>
+                <a:rPr lang="en-US" altLang="zh-CN" sz="1200" b="1" dirty="0">
+                  <a:solidFill>
+                    <a:srgbClr val="00A3E0"/>
+                  </a:solidFill>
+                  <a:latin typeface="Arial Black" panose="020B0A04020102020204" pitchFamily="34" charset="0"/>
+                </a:rPr>
+                <a:t>gymnasium</a:t>
+              </a:r>
+              <a:r>
+                <a:rPr lang="en-US" altLang="zh-CN" sz="1200" b="1" dirty="0">
+                  <a:latin typeface="Arial Black" panose="020B0A04020102020204" pitchFamily="34" charset="0"/>
+                </a:rPr>
+                <a:t>)</a:t>
+              </a:r>
+            </a:p>
+            <a:p>
+              <a:pPr marL="285750" indent="-285750">
+                <a:buFont typeface="Wingdings" panose="05000000000000000000" pitchFamily="2" charset="2"/>
+                <a:buChar char="l"/>
+              </a:pPr>
+              <a:r>
+                <a:rPr lang="en-US" altLang="zh-CN" sz="1200" b="1" dirty="0">
+                  <a:latin typeface="Arial Black" panose="020B0A04020102020204" pitchFamily="34" charset="0"/>
+                </a:rPr>
+                <a:t>Global trajectory optimization (from </a:t>
+              </a:r>
+              <a:r>
+                <a:rPr lang="en-US" altLang="zh-CN" sz="1200" b="1" dirty="0">
+                  <a:solidFill>
+                    <a:srgbClr val="00A3E0"/>
+                  </a:solidFill>
+                  <a:latin typeface="Arial Black" panose="020B0A04020102020204" pitchFamily="34" charset="0"/>
+                </a:rPr>
+                <a:t>pykep</a:t>
+              </a:r>
+              <a:r>
+                <a:rPr lang="en-US" altLang="zh-CN" sz="1200" b="1" dirty="0">
+                  <a:latin typeface="Arial Black" panose="020B0A04020102020204" pitchFamily="34" charset="0"/>
+                </a:rPr>
+                <a:t>)</a:t>
+              </a:r>
+            </a:p>
+            <a:p>
+              <a:pPr marL="285750" indent="-285750">
+                <a:buFont typeface="Wingdings" panose="05000000000000000000" pitchFamily="2" charset="2"/>
+                <a:buChar char="l"/>
+              </a:pPr>
+              <a:endParaRPr lang="en-US" altLang="zh-CN" sz="1200" b="1" dirty="0">
+                <a:latin typeface="Arial Black" panose="020B0A04020102020204" pitchFamily="34" charset="0"/>
+              </a:endParaRPr>
+            </a:p>
+          </p:txBody>
+        </p:sp>
+        <p:pic>
+          <p:nvPicPr>
+            <p:cNvPr id="29" name="图片 28"/>
+            <p:cNvPicPr>
+              <a:picLocks noChangeAspect="1"/>
+            </p:cNvPicPr>
+            <p:nvPr/>
+          </p:nvPicPr>
+          <p:blipFill>
+            <a:blip r:embed="rId7" cstate="print">
+              <a:extLst>
+                <a:ext uri="{28A0092B-C50C-407E-A947-70E740481C1C}">
+                  <a14:useLocalDpi xmlns:a14="http://schemas.microsoft.com/office/drawing/2010/main" val="0"/>
+                </a:ext>
+              </a:extLst>
+            </a:blip>
+            <a:stretch>
+              <a:fillRect/>
+            </a:stretch>
+          </p:blipFill>
+          <p:spPr>
+            <a:xfrm>
+              <a:off x="3158292" y="4493352"/>
+              <a:ext cx="1093731" cy="252000"/>
+            </a:xfrm>
+            <a:prstGeom prst="rect">
+              <a:avLst/>
+            </a:prstGeom>
+          </p:spPr>
+        </p:pic>
+        <p:pic>
+          <p:nvPicPr>
+            <p:cNvPr id="30" name="图片 29"/>
+            <p:cNvPicPr>
+              <a:picLocks noChangeAspect="1"/>
+            </p:cNvPicPr>
+            <p:nvPr/>
+          </p:nvPicPr>
+          <p:blipFill>
+            <a:blip r:embed="rId8" cstate="print">
+              <a:extLst>
+                <a:ext uri="{28A0092B-C50C-407E-A947-70E740481C1C}">
+                  <a14:useLocalDpi xmlns:a14="http://schemas.microsoft.com/office/drawing/2010/main" val="0"/>
+                </a:ext>
+              </a:extLst>
+            </a:blip>
+            <a:stretch>
+              <a:fillRect/>
+            </a:stretch>
+          </p:blipFill>
+          <p:spPr>
+            <a:xfrm>
+              <a:off x="3443044" y="597870"/>
+              <a:ext cx="804255" cy="360000"/>
+            </a:xfrm>
+            <a:prstGeom prst="rect">
+              <a:avLst/>
+            </a:prstGeom>
+          </p:spPr>
+        </p:pic>
+        <p:sp>
+          <p:nvSpPr>
+            <p:cNvPr id="31" name="矩形 30"/>
             <p:cNvSpPr/>
             <p:nvPr/>
           </p:nvSpPr>
           <p:spPr>
             <a:xfrm>
-              <a:off x="4713234" y="103751"/>
-              <a:ext cx="1131454" cy="469487"/>
+              <a:off x="4240854" y="611565"/>
+              <a:ext cx="2358755" cy="477054"/>
             </a:xfrm>
             <a:prstGeom prst="rect">
               <a:avLst/>
             </a:prstGeom>
             <a:solidFill>
               <a:schemeClr val="bg1">
-                <a:lumMod val="95000"/>
+                <a:lumMod val="75000"/>
               </a:schemeClr>
             </a:solidFill>
+            <a:ln>
+              <a:solidFill>
+                <a:schemeClr val="bg1">
+                  <a:lumMod val="75000"/>
+                </a:schemeClr>
+              </a:solidFill>
+            </a:ln>
           </p:spPr>
           <p:txBody>
             <a:bodyPr wrap="square">
@@ -4291,25 +5203,12 @@
                 </a:lnSpc>
               </a:pPr>
               <a:r>
-                <a:rPr lang="en-US" altLang="zh-CN" sz="1200" b="1" dirty="0">
+                <a:rPr lang="en-US" altLang="zh-CN" b="1" dirty="0">
                   <a:latin typeface="Arial Black" panose="020B0A04020102020204" pitchFamily="34" charset="0"/>
                 </a:rPr>
-                <a:t>User</a:t>
+                <a:t>Black-Box Optimizers (BBO)</a:t>
               </a:r>
-            </a:p>
-            <a:p>
-              <a:pPr algn="ctr">
-                <a:lnSpc>
-                  <a:spcPts val="1500"/>
-                </a:lnSpc>
-              </a:pPr>
-              <a:r>
-                <a:rPr lang="en-US" altLang="zh-CN" sz="1200" b="1" dirty="0">
-                  <a:latin typeface="Arial Black" panose="020B0A04020102020204" pitchFamily="34" charset="0"/>
-                </a:rPr>
-                <a:t>Guide</a:t>
-              </a:r>
-              <a:endParaRPr lang="zh-CN" altLang="en-US" sz="1200" b="1" dirty="0">
+              <a:endParaRPr lang="zh-CN" altLang="en-US" b="1" dirty="0">
                 <a:latin typeface="Arial Black" panose="020B0A04020102020204" pitchFamily="34" charset="0"/>
               </a:endParaRPr>
             </a:p>
@@ -4317,56 +5216,21 @@
         </p:sp>
         <p:sp>
           <p:nvSpPr>
-            <p:cNvPr id="15" name="矩形 14"/>
+            <p:cNvPr id="3" name="矩形 2"/>
             <p:cNvSpPr/>
             <p:nvPr/>
           </p:nvSpPr>
           <p:spPr>
             <a:xfrm>
-              <a:off x="5854607" y="103578"/>
-              <a:ext cx="1131454" cy="469487"/>
-            </a:xfrm>
-            <a:prstGeom prst="rect">
-              <a:avLst/>
-            </a:prstGeom>
-          </p:spPr>
-          <p:txBody>
-            <a:bodyPr wrap="square">
-              <a:spAutoFit/>
-            </a:bodyPr>
-            <a:lstStyle/>
-            <a:p>
-              <a:pPr algn="ctr">
-                <a:lnSpc>
-                  <a:spcPts val="1500"/>
-                </a:lnSpc>
-              </a:pPr>
-              <a:r>
-                <a:rPr lang="en-US" altLang="zh-CN" sz="1200" b="1" dirty="0">
-                  <a:latin typeface="Arial Black" panose="020B0A04020102020204" pitchFamily="34" charset="0"/>
-                </a:rPr>
-                <a:t>Online Tutorials</a:t>
-              </a:r>
-            </a:p>
-          </p:txBody>
-        </p:sp>
-        <p:sp>
-          <p:nvSpPr>
-            <p:cNvPr id="16" name="矩形 15"/>
-            <p:cNvSpPr/>
-            <p:nvPr/>
-          </p:nvSpPr>
-          <p:spPr>
-            <a:xfrm>
-              <a:off x="6988121" y="100428"/>
-              <a:ext cx="1178658" cy="477054"/>
+              <a:off x="4240855" y="1120698"/>
+              <a:ext cx="2363589" cy="492443"/>
             </a:xfrm>
             <a:prstGeom prst="rect">
               <a:avLst/>
             </a:prstGeom>
             <a:solidFill>
               <a:schemeClr val="bg1">
-                <a:lumMod val="95000"/>
+                <a:lumMod val="85000"/>
               </a:schemeClr>
             </a:solidFill>
           </p:spPr>
@@ -4376,75 +5240,33 @@
             </a:bodyPr>
             <a:lstStyle/>
             <a:p>
-              <a:pPr algn="ctr">
-                <a:lnSpc>
-                  <a:spcPts val="1500"/>
-                </a:lnSpc>
-              </a:pPr>
+              <a:pPr algn="ctr"/>
               <a:r>
-                <a:rPr lang="en-US" altLang="zh-CN" sz="1200" b="1" dirty="0">
+                <a:rPr lang="en-US" altLang="zh-CN" sz="1300" b="1" dirty="0">
                   <a:latin typeface="Arial Black" panose="020B0A04020102020204" pitchFamily="34" charset="0"/>
                 </a:rPr>
-                <a:t>API Docs of Optimizers</a:t>
-              </a:r>
-              <a:endParaRPr lang="zh-CN" altLang="en-US" sz="1200" b="1" dirty="0">
-                <a:latin typeface="Arial Black" panose="020B0A04020102020204" pitchFamily="34" charset="0"/>
-              </a:endParaRPr>
-            </a:p>
-          </p:txBody>
-        </p:sp>
-        <p:sp>
-          <p:nvSpPr>
-            <p:cNvPr id="17" name="矩形 16"/>
-            <p:cNvSpPr/>
-            <p:nvPr/>
-          </p:nvSpPr>
-          <p:spPr>
-            <a:xfrm>
-              <a:off x="8174765" y="100428"/>
-              <a:ext cx="1272704" cy="477054"/>
-            </a:xfrm>
-            <a:prstGeom prst="rect">
-              <a:avLst/>
-            </a:prstGeom>
-          </p:spPr>
-          <p:txBody>
-            <a:bodyPr wrap="square">
-              <a:spAutoFit/>
-            </a:bodyPr>
-            <a:lstStyle/>
-            <a:p>
-              <a:pPr algn="ctr">
-                <a:lnSpc>
-                  <a:spcPts val="1500"/>
-                </a:lnSpc>
-              </a:pPr>
-              <a:r>
-                <a:rPr lang="en-US" altLang="zh-CN" sz="1200" b="1" dirty="0">
-                  <a:latin typeface="Arial Black" panose="020B0A04020102020204" pitchFamily="34" charset="0"/>
-                </a:rPr>
-                <a:t>Development Guide</a:t>
+                <a:t>Evolution Strategies (ES)</a:t>
               </a:r>
             </a:p>
           </p:txBody>
         </p:sp>
         <p:sp>
           <p:nvSpPr>
-            <p:cNvPr id="19" name="矩形 18"/>
+            <p:cNvPr id="32" name="矩形 31"/>
             <p:cNvSpPr/>
             <p:nvPr/>
           </p:nvSpPr>
           <p:spPr>
             <a:xfrm>
-              <a:off x="9455455" y="103788"/>
-              <a:ext cx="1253806" cy="477054"/>
+              <a:off x="6614148" y="1112577"/>
+              <a:ext cx="2157347" cy="492443"/>
             </a:xfrm>
             <a:prstGeom prst="rect">
               <a:avLst/>
             </a:prstGeom>
             <a:solidFill>
               <a:schemeClr val="bg1">
-                <a:lumMod val="95000"/>
+                <a:lumMod val="85000"/>
               </a:schemeClr>
             </a:solidFill>
           </p:spPr>
@@ -4454,1534 +5276,62 @@
             </a:bodyPr>
             <a:lstStyle/>
             <a:p>
-              <a:pPr algn="ctr">
-                <a:lnSpc>
-                  <a:spcPts val="1500"/>
-                </a:lnSpc>
-              </a:pPr>
+              <a:pPr algn="ctr"/>
               <a:r>
-                <a:rPr lang="en-US" altLang="zh-CN" sz="1200" b="1" dirty="0">
+                <a:rPr lang="en-US" altLang="zh-CN" sz="1300" b="1" dirty="0">
                   <a:latin typeface="Arial Black" panose="020B0A04020102020204" pitchFamily="34" charset="0"/>
                 </a:rPr>
-                <a:t>Applications &amp; Citations</a:t>
+                <a:t>Particle Swarm Optimizers (PSO)</a:t>
               </a:r>
-              <a:endParaRPr lang="zh-CN" altLang="en-US" sz="1200" b="1" dirty="0">
-                <a:latin typeface="Arial Black" panose="020B0A04020102020204" pitchFamily="34" charset="0"/>
-              </a:endParaRPr>
             </a:p>
           </p:txBody>
         </p:sp>
-      </p:grpSp>
-      <p:sp>
-        <p:nvSpPr>
-          <p:cNvPr id="22" name="矩形 21"/>
-          <p:cNvSpPr/>
-          <p:nvPr/>
-        </p:nvSpPr>
-        <p:spPr>
-          <a:xfrm>
-            <a:off x="906315" y="615559"/>
-            <a:ext cx="2040530" cy="284693"/>
-          </a:xfrm>
-          <a:prstGeom prst="rect">
-            <a:avLst/>
-          </a:prstGeom>
-          <a:solidFill>
-            <a:schemeClr val="bg1">
-              <a:lumMod val="75000"/>
-            </a:schemeClr>
-          </a:solidFill>
-          <a:ln>
-            <a:solidFill>
-              <a:schemeClr val="bg1">
-                <a:lumMod val="75000"/>
-              </a:schemeClr>
-            </a:solidFill>
-          </a:ln>
-        </p:spPr>
-        <p:txBody>
-          <a:bodyPr wrap="square">
-            <a:spAutoFit/>
-          </a:bodyPr>
-          <a:lstStyle/>
-          <a:p>
-            <a:pPr algn="ctr">
-              <a:lnSpc>
-                <a:spcPts val="1500"/>
-              </a:lnSpc>
-            </a:pPr>
-            <a:r>
-              <a:rPr lang="en-US" altLang="zh-CN" b="1" dirty="0">
-                <a:latin typeface="Arial Black" panose="020B0A04020102020204" pitchFamily="34" charset="0"/>
-                <a:cs typeface="Times New Roman" panose="02020603050405020304" pitchFamily="18" charset="0"/>
-              </a:rPr>
-              <a:t>Benchmarking </a:t>
-            </a:r>
-            <a:endParaRPr lang="zh-CN" altLang="en-US" b="1" dirty="0">
-              <a:latin typeface="Arial Black" panose="020B0A04020102020204" pitchFamily="34" charset="0"/>
-            </a:endParaRPr>
-          </a:p>
-        </p:txBody>
-      </p:sp>
-      <p:sp>
-        <p:nvSpPr>
-          <p:cNvPr id="23" name="矩形 22"/>
-          <p:cNvSpPr/>
-          <p:nvPr/>
-        </p:nvSpPr>
-        <p:spPr>
-          <a:xfrm>
-            <a:off x="902321" y="4518482"/>
-            <a:ext cx="2040531" cy="284693"/>
-          </a:xfrm>
-          <a:prstGeom prst="rect">
-            <a:avLst/>
-          </a:prstGeom>
-          <a:solidFill>
-            <a:schemeClr val="bg1">
-              <a:lumMod val="75000"/>
-            </a:schemeClr>
-          </a:solidFill>
-          <a:ln>
-            <a:solidFill>
-              <a:schemeClr val="bg1">
-                <a:lumMod val="75000"/>
-              </a:schemeClr>
-            </a:solidFill>
-          </a:ln>
-        </p:spPr>
-        <p:txBody>
-          <a:bodyPr wrap="square">
-            <a:spAutoFit/>
-          </a:bodyPr>
-          <a:lstStyle/>
-          <a:p>
-            <a:pPr algn="ctr">
-              <a:lnSpc>
-                <a:spcPts val="1500"/>
-              </a:lnSpc>
-            </a:pPr>
-            <a:r>
-              <a:rPr lang="en-US" altLang="zh-CN" b="1" dirty="0">
-                <a:latin typeface="Arial Black" panose="020B0A04020102020204" pitchFamily="34" charset="0"/>
-                <a:cs typeface="Times New Roman" panose="02020603050405020304" pitchFamily="18" charset="0"/>
-              </a:rPr>
-              <a:t>Util Functions </a:t>
-            </a:r>
-            <a:endParaRPr lang="zh-CN" altLang="en-US" b="1" dirty="0">
-              <a:latin typeface="Arial Black" panose="020B0A04020102020204" pitchFamily="34" charset="0"/>
-            </a:endParaRPr>
-          </a:p>
-        </p:txBody>
-      </p:sp>
-      <p:sp>
-        <p:nvSpPr>
-          <p:cNvPr id="24" name="文本框 23"/>
-          <p:cNvSpPr txBox="1"/>
-          <p:nvPr/>
-        </p:nvSpPr>
-        <p:spPr>
-          <a:xfrm>
-            <a:off x="902321" y="4808496"/>
-            <a:ext cx="3340985" cy="1384995"/>
-          </a:xfrm>
-          <a:prstGeom prst="rect">
-            <a:avLst/>
-          </a:prstGeom>
-          <a:noFill/>
-        </p:spPr>
-        <p:txBody>
-          <a:bodyPr wrap="square" rtlCol="0">
-            <a:spAutoFit/>
-          </a:bodyPr>
-          <a:lstStyle/>
-          <a:p>
-            <a:pPr marL="285750" indent="-285750">
-              <a:buFont typeface="Wingdings" panose="05000000000000000000" pitchFamily="2" charset="2"/>
-              <a:buChar char="l"/>
-            </a:pPr>
-            <a:r>
-              <a:rPr lang="en-US" altLang="zh-CN" sz="1200" b="1" dirty="0">
-                <a:latin typeface="Arial Black" panose="020B0A04020102020204" pitchFamily="34" charset="0"/>
-              </a:rPr>
-              <a:t>Plot 2-D/3-D landscapes</a:t>
-            </a:r>
-          </a:p>
-          <a:p>
-            <a:pPr marL="285750" indent="-285750">
-              <a:buFont typeface="Wingdings" panose="05000000000000000000" pitchFamily="2" charset="2"/>
-              <a:buChar char="l"/>
-            </a:pPr>
-            <a:r>
-              <a:rPr lang="en-US" altLang="zh-CN" sz="1200" b="1" dirty="0">
-                <a:latin typeface="Arial Black" panose="020B0A04020102020204" pitchFamily="34" charset="0"/>
-              </a:rPr>
-              <a:t>Save optimization data (</a:t>
-            </a:r>
-            <a:r>
-              <a:rPr lang="en-US" altLang="zh-CN" sz="1200" b="1" dirty="0">
-                <a:solidFill>
-                  <a:srgbClr val="4786B9"/>
-                </a:solidFill>
-                <a:latin typeface="Arial Black" panose="020B0A04020102020204" pitchFamily="34" charset="0"/>
-              </a:rPr>
-              <a:t>pickle</a:t>
-            </a:r>
-            <a:r>
-              <a:rPr lang="en-US" altLang="zh-CN" sz="1200" b="1" dirty="0">
-                <a:latin typeface="Arial Black" panose="020B0A04020102020204" pitchFamily="34" charset="0"/>
-              </a:rPr>
-              <a:t>)</a:t>
-            </a:r>
-          </a:p>
-          <a:p>
-            <a:pPr marL="285750" indent="-285750">
-              <a:buFont typeface="Wingdings" panose="05000000000000000000" pitchFamily="2" charset="2"/>
-              <a:buChar char="l"/>
-            </a:pPr>
-            <a:r>
-              <a:rPr lang="en-US" altLang="zh-CN" sz="1200" b="1" dirty="0">
-                <a:latin typeface="Arial Black" panose="020B0A04020102020204" pitchFamily="34" charset="0"/>
-              </a:rPr>
-              <a:t>Check optimization results</a:t>
-            </a:r>
-          </a:p>
-          <a:p>
-            <a:pPr marL="285750" indent="-285750">
-              <a:buFont typeface="Wingdings" panose="05000000000000000000" pitchFamily="2" charset="2"/>
-              <a:buChar char="l"/>
-            </a:pPr>
-            <a:r>
-              <a:rPr lang="en-US" altLang="zh-CN" sz="1200" b="1" dirty="0">
-                <a:latin typeface="Arial Black" panose="020B0A04020102020204" pitchFamily="34" charset="0"/>
-              </a:rPr>
-              <a:t>Plot convergence curves (</a:t>
-            </a:r>
-            <a:r>
-              <a:rPr lang="en-US" altLang="zh-CN" sz="1200" b="1" dirty="0">
-                <a:solidFill>
-                  <a:srgbClr val="1F5F84"/>
-                </a:solidFill>
-                <a:latin typeface="Arial Black" panose="020B0A04020102020204" pitchFamily="34" charset="0"/>
-              </a:rPr>
-              <a:t>matplotlib</a:t>
-            </a:r>
-            <a:r>
-              <a:rPr lang="en-US" altLang="zh-CN" sz="1200" b="1" dirty="0">
-                <a:latin typeface="Arial Black" panose="020B0A04020102020204" pitchFamily="34" charset="0"/>
-              </a:rPr>
-              <a:t>)</a:t>
-            </a:r>
-          </a:p>
-          <a:p>
-            <a:pPr marL="285750" indent="-285750">
-              <a:buFont typeface="Wingdings" panose="05000000000000000000" pitchFamily="2" charset="2"/>
-              <a:buChar char="l"/>
-            </a:pPr>
-            <a:r>
-              <a:rPr lang="en-US" altLang="zh-CN" sz="1200" b="1" dirty="0">
-                <a:latin typeface="Arial Black" panose="020B0A04020102020204" pitchFamily="34" charset="0"/>
-              </a:rPr>
-              <a:t>Compare multiple optimizers</a:t>
-            </a:r>
-          </a:p>
-          <a:p>
-            <a:pPr marL="285750" indent="-285750">
-              <a:buFont typeface="Wingdings" panose="05000000000000000000" pitchFamily="2" charset="2"/>
-              <a:buChar char="l"/>
-            </a:pPr>
-            <a:r>
-              <a:rPr lang="en-US" altLang="zh-CN" sz="1200" b="1" dirty="0">
-                <a:latin typeface="Arial Black" panose="020B0A04020102020204" pitchFamily="34" charset="0"/>
-              </a:rPr>
-              <a:t>Accelerate computation (</a:t>
-            </a:r>
-            <a:r>
-              <a:rPr lang="en-US" altLang="zh-CN" sz="1200" b="1" dirty="0">
-                <a:solidFill>
-                  <a:srgbClr val="00A3E0"/>
-                </a:solidFill>
-                <a:latin typeface="Arial Black" panose="020B0A04020102020204" pitchFamily="34" charset="0"/>
-              </a:rPr>
-              <a:t>Numba</a:t>
-            </a:r>
-            <a:r>
-              <a:rPr lang="en-US" altLang="zh-CN" sz="1200" b="1" dirty="0">
-                <a:latin typeface="Arial Black" panose="020B0A04020102020204" pitchFamily="34" charset="0"/>
-              </a:rPr>
-              <a:t>)</a:t>
-            </a:r>
-            <a:endParaRPr lang="zh-CN" altLang="en-US" sz="1200" b="1" dirty="0">
-              <a:latin typeface="Arial Black" panose="020B0A04020102020204" pitchFamily="34" charset="0"/>
-            </a:endParaRPr>
-          </a:p>
-        </p:txBody>
-      </p:sp>
-      <p:sp>
-        <p:nvSpPr>
-          <p:cNvPr id="25" name="矩形 24"/>
-          <p:cNvSpPr/>
-          <p:nvPr/>
-        </p:nvSpPr>
-        <p:spPr>
-          <a:xfrm>
-            <a:off x="902322" y="3763625"/>
-            <a:ext cx="2040530" cy="297389"/>
-          </a:xfrm>
-          <a:prstGeom prst="rect">
-            <a:avLst/>
-          </a:prstGeom>
-          <a:solidFill>
-            <a:schemeClr val="bg1">
-              <a:lumMod val="75000"/>
-            </a:schemeClr>
-          </a:solidFill>
-          <a:ln>
-            <a:solidFill>
-              <a:schemeClr val="bg1">
-                <a:lumMod val="75000"/>
-              </a:schemeClr>
-            </a:solidFill>
-          </a:ln>
-        </p:spPr>
-        <p:txBody>
-          <a:bodyPr wrap="square">
-            <a:spAutoFit/>
-          </a:bodyPr>
-          <a:lstStyle/>
-          <a:p>
-            <a:pPr algn="ctr">
-              <a:lnSpc>
-                <a:spcPts val="1500"/>
-              </a:lnSpc>
-            </a:pPr>
-            <a:r>
-              <a:rPr lang="en-US" altLang="zh-CN" b="1" dirty="0">
-                <a:latin typeface="Arial Black" panose="020B0A04020102020204" pitchFamily="34" charset="0"/>
-                <a:cs typeface="Times New Roman" panose="02020603050405020304" pitchFamily="18" charset="0"/>
-              </a:rPr>
-              <a:t>Test Protocols</a:t>
-            </a:r>
-            <a:endParaRPr lang="zh-CN" altLang="en-US" b="1" dirty="0">
-              <a:latin typeface="Arial Black" panose="020B0A04020102020204" pitchFamily="34" charset="0"/>
-            </a:endParaRPr>
-          </a:p>
-        </p:txBody>
-      </p:sp>
-      <p:sp>
-        <p:nvSpPr>
-          <p:cNvPr id="26" name="文本框 25"/>
-          <p:cNvSpPr txBox="1"/>
-          <p:nvPr/>
-        </p:nvSpPr>
-        <p:spPr>
-          <a:xfrm>
-            <a:off x="902987" y="4034520"/>
-            <a:ext cx="3340985" cy="461665"/>
-          </a:xfrm>
-          <a:prstGeom prst="rect">
-            <a:avLst/>
-          </a:prstGeom>
-          <a:noFill/>
-        </p:spPr>
-        <p:txBody>
-          <a:bodyPr wrap="square" rtlCol="0">
-            <a:spAutoFit/>
-          </a:bodyPr>
-          <a:lstStyle/>
-          <a:p>
-            <a:pPr marL="285750" indent="-285750">
-              <a:buFont typeface="Wingdings" panose="05000000000000000000" pitchFamily="2" charset="2"/>
-              <a:buChar char="l"/>
-            </a:pPr>
-            <a:r>
-              <a:rPr lang="en-US" altLang="zh-CN" sz="1200" b="1" dirty="0">
-                <a:latin typeface="Arial Black" panose="020B0A04020102020204" pitchFamily="34" charset="0"/>
-              </a:rPr>
-              <a:t>Repeatability reports</a:t>
-            </a:r>
-          </a:p>
-          <a:p>
-            <a:pPr marL="285750" indent="-285750">
-              <a:buFont typeface="Wingdings" panose="05000000000000000000" pitchFamily="2" charset="2"/>
-              <a:buChar char="l"/>
-            </a:pPr>
-            <a:r>
-              <a:rPr lang="en-US" altLang="zh-CN" sz="1200" b="1" dirty="0">
-                <a:latin typeface="Arial Black" panose="020B0A04020102020204" pitchFamily="34" charset="0"/>
-              </a:rPr>
-              <a:t>Automatic testing (</a:t>
-            </a:r>
-            <a:r>
-              <a:rPr lang="en-US" altLang="zh-CN" sz="1200" b="1" dirty="0">
-                <a:solidFill>
-                  <a:srgbClr val="FF0000"/>
-                </a:solidFill>
-                <a:latin typeface="Arial Black" panose="020B0A04020102020204" pitchFamily="34" charset="0"/>
-              </a:rPr>
-              <a:t>pytest</a:t>
-            </a:r>
-            <a:r>
-              <a:rPr lang="en-US" altLang="zh-CN" sz="1200" b="1" dirty="0">
-                <a:latin typeface="Arial Black" panose="020B0A04020102020204" pitchFamily="34" charset="0"/>
-              </a:rPr>
-              <a:t>)</a:t>
-            </a:r>
-          </a:p>
-        </p:txBody>
-      </p:sp>
-      <p:pic>
-        <p:nvPicPr>
-          <p:cNvPr id="27" name="图片 26"/>
-          <p:cNvPicPr>
-            <a:picLocks noChangeAspect="1"/>
-          </p:cNvPicPr>
-          <p:nvPr/>
-        </p:nvPicPr>
-        <p:blipFill>
-          <a:blip r:embed="rId6" cstate="print">
-            <a:extLst>
-              <a:ext uri="{28A0092B-C50C-407E-A947-70E740481C1C}">
-                <a14:useLocalDpi xmlns:a14="http://schemas.microsoft.com/office/drawing/2010/main" val="0"/>
-              </a:ext>
-            </a:extLst>
-          </a:blip>
-          <a:stretch>
-            <a:fillRect/>
-          </a:stretch>
-        </p:blipFill>
-        <p:spPr>
-          <a:xfrm>
-            <a:off x="3678994" y="3764520"/>
-            <a:ext cx="569003" cy="540000"/>
-          </a:xfrm>
-          <a:prstGeom prst="rect">
-            <a:avLst/>
-          </a:prstGeom>
-        </p:spPr>
-      </p:pic>
-      <p:sp>
-        <p:nvSpPr>
-          <p:cNvPr id="28" name="文本框 27"/>
-          <p:cNvSpPr txBox="1"/>
-          <p:nvPr/>
-        </p:nvSpPr>
-        <p:spPr>
-          <a:xfrm>
-            <a:off x="899870" y="909190"/>
-            <a:ext cx="3340985" cy="3046988"/>
-          </a:xfrm>
-          <a:prstGeom prst="rect">
-            <a:avLst/>
-          </a:prstGeom>
-          <a:noFill/>
-          <a:ln>
-            <a:noFill/>
-          </a:ln>
-        </p:spPr>
-        <p:txBody>
-          <a:bodyPr wrap="square" rtlCol="0">
-            <a:spAutoFit/>
-          </a:bodyPr>
-          <a:lstStyle/>
-          <a:p>
-            <a:pPr marL="285750" indent="-285750">
-              <a:buFont typeface="Wingdings" panose="05000000000000000000" pitchFamily="2" charset="2"/>
-              <a:buChar char="l"/>
-            </a:pPr>
-            <a:r>
-              <a:rPr lang="en-US" altLang="zh-CN" sz="1200" b="1" dirty="0">
-                <a:solidFill>
-                  <a:srgbClr val="00B050"/>
-                </a:solidFill>
-                <a:latin typeface="Arial Black" panose="020B0A04020102020204" pitchFamily="34" charset="0"/>
-              </a:rPr>
-              <a:t>Large-scale BBO:</a:t>
-            </a:r>
-          </a:p>
-          <a:p>
-            <a:pPr marL="628650" lvl="1" indent="-171450">
-              <a:buFont typeface="Arial" panose="020B0604020202020204" pitchFamily="34" charset="0"/>
-              <a:buChar char="•"/>
-            </a:pPr>
-            <a:r>
-              <a:rPr lang="en-US" altLang="zh-CN" sz="1200" b="1" dirty="0">
-                <a:latin typeface="Arial Black" panose="020B0A04020102020204" pitchFamily="34" charset="0"/>
-              </a:rPr>
-              <a:t>Test local search abilities</a:t>
-            </a:r>
-          </a:p>
-          <a:p>
-            <a:pPr marL="628650" lvl="1" indent="-171450">
-              <a:buFont typeface="Arial" panose="020B0604020202020204" pitchFamily="34" charset="0"/>
-              <a:buChar char="•"/>
-            </a:pPr>
-            <a:r>
-              <a:rPr lang="en-US" altLang="zh-CN" sz="1200" b="1" dirty="0">
-                <a:latin typeface="Arial Black" panose="020B0A04020102020204" pitchFamily="34" charset="0"/>
-              </a:rPr>
-              <a:t>Test global search abilities</a:t>
-            </a:r>
-          </a:p>
-          <a:p>
-            <a:pPr marL="285750" indent="-285750">
-              <a:buFont typeface="Wingdings" panose="05000000000000000000" pitchFamily="2" charset="2"/>
-              <a:buChar char="l"/>
-            </a:pPr>
-            <a:r>
-              <a:rPr lang="en-US" altLang="zh-CN" sz="1200" b="1" dirty="0">
-                <a:solidFill>
-                  <a:srgbClr val="00B050"/>
-                </a:solidFill>
-                <a:latin typeface="Arial Black" panose="020B0A04020102020204" pitchFamily="34" charset="0"/>
-              </a:rPr>
-              <a:t>Black-box classification:</a:t>
-            </a:r>
-          </a:p>
-          <a:p>
-            <a:pPr marL="628650" lvl="1" indent="-171450">
-              <a:buFont typeface="Arial" panose="020B0604020202020204" pitchFamily="34" charset="0"/>
-              <a:buChar char="•"/>
-            </a:pPr>
-            <a:r>
-              <a:rPr lang="en-US" altLang="zh-CN" sz="1200" b="1" dirty="0">
-                <a:latin typeface="Arial Black" panose="020B0A04020102020204" pitchFamily="34" charset="0"/>
-              </a:rPr>
-              <a:t>Test on 25 cases (=5 datasets * 5 loss functions)</a:t>
-            </a:r>
-            <a:endParaRPr lang="en-US" altLang="zh-CN" sz="1200" b="1" i="1" dirty="0">
-              <a:latin typeface="Arial Black" panose="020B0A04020102020204" pitchFamily="34" charset="0"/>
-            </a:endParaRPr>
-          </a:p>
-          <a:p>
-            <a:pPr marL="285750" indent="-285750">
-              <a:buFont typeface="Wingdings" panose="05000000000000000000" pitchFamily="2" charset="2"/>
-              <a:buChar char="l"/>
-            </a:pPr>
-            <a:r>
-              <a:rPr lang="en-US" altLang="zh-CN" sz="1200" b="1" dirty="0">
-                <a:solidFill>
-                  <a:srgbClr val="00A3E0"/>
-                </a:solidFill>
-                <a:latin typeface="Arial Black" panose="020B0A04020102020204" pitchFamily="34" charset="0"/>
-              </a:rPr>
-              <a:t>COCO/BBOB interface:</a:t>
-            </a:r>
-          </a:p>
-          <a:p>
-            <a:pPr marL="628650" lvl="1" indent="-171450">
-              <a:buFont typeface="Arial" panose="020B0604020202020204" pitchFamily="34" charset="0"/>
-              <a:buChar char="•"/>
-            </a:pPr>
-            <a:r>
-              <a:rPr lang="en-US" altLang="zh-CN" sz="1200" b="1" dirty="0">
-                <a:latin typeface="Arial Black" panose="020B0A04020102020204" pitchFamily="34" charset="0"/>
-              </a:rPr>
-              <a:t>Test on 24 different functions</a:t>
-            </a:r>
-          </a:p>
-          <a:p>
-            <a:pPr marL="285750" indent="-285750">
-              <a:buFont typeface="Wingdings" panose="05000000000000000000" pitchFamily="2" charset="2"/>
-              <a:buChar char="l"/>
-            </a:pPr>
-            <a:r>
-              <a:rPr lang="en-US" altLang="zh-CN" sz="1200" b="1" dirty="0">
-                <a:solidFill>
-                  <a:srgbClr val="00A3E0"/>
-                </a:solidFill>
-                <a:latin typeface="Arial Black" panose="020B0A04020102020204" pitchFamily="34" charset="0"/>
-              </a:rPr>
-              <a:t>NeverGrad interface:</a:t>
-            </a:r>
-          </a:p>
-          <a:p>
-            <a:pPr marL="628650" lvl="1" indent="-171450">
-              <a:buFont typeface="Arial" panose="020B0604020202020204" pitchFamily="34" charset="0"/>
-              <a:buChar char="•"/>
-            </a:pPr>
-            <a:r>
-              <a:rPr lang="en-US" altLang="zh-CN" sz="1200" b="1" dirty="0">
-                <a:latin typeface="Arial Black" panose="020B0A04020102020204" pitchFamily="34" charset="0"/>
-              </a:rPr>
-              <a:t>Test on photonics problems</a:t>
-            </a:r>
-          </a:p>
-          <a:p>
-            <a:pPr marL="285750" indent="-285750">
-              <a:buFont typeface="Wingdings" panose="05000000000000000000" pitchFamily="2" charset="2"/>
-              <a:buChar char="l"/>
-            </a:pPr>
-            <a:r>
-              <a:rPr lang="en-US" altLang="zh-CN" sz="1200" b="1" dirty="0">
-                <a:latin typeface="Arial Black" panose="020B0A04020102020204" pitchFamily="34" charset="0"/>
-              </a:rPr>
-              <a:t>Direct (neural) policy search:</a:t>
-            </a:r>
-          </a:p>
-          <a:p>
-            <a:pPr marL="628650" lvl="1" indent="-171450">
-              <a:buFont typeface="Arial" panose="020B0604020202020204" pitchFamily="34" charset="0"/>
-              <a:buChar char="•"/>
-            </a:pPr>
-            <a:r>
-              <a:rPr lang="en-US" altLang="zh-CN" sz="1200" b="1" dirty="0">
-                <a:latin typeface="Arial Black" panose="020B0A04020102020204" pitchFamily="34" charset="0"/>
-              </a:rPr>
-              <a:t>Test on 6 simulation robotics (from </a:t>
-            </a:r>
-            <a:r>
-              <a:rPr lang="en-US" altLang="zh-CN" sz="1200" b="1" dirty="0">
-                <a:solidFill>
-                  <a:srgbClr val="00A3E0"/>
-                </a:solidFill>
-                <a:latin typeface="Arial Black" panose="020B0A04020102020204" pitchFamily="34" charset="0"/>
-              </a:rPr>
-              <a:t>gymnasium</a:t>
-            </a:r>
-            <a:r>
-              <a:rPr lang="en-US" altLang="zh-CN" sz="1200" b="1" dirty="0">
-                <a:latin typeface="Arial Black" panose="020B0A04020102020204" pitchFamily="34" charset="0"/>
-              </a:rPr>
-              <a:t>)</a:t>
-            </a:r>
-          </a:p>
-          <a:p>
-            <a:pPr marL="285750" indent="-285750">
-              <a:buFont typeface="Wingdings" panose="05000000000000000000" pitchFamily="2" charset="2"/>
-              <a:buChar char="l"/>
-            </a:pPr>
-            <a:r>
-              <a:rPr lang="en-US" altLang="zh-CN" sz="1200" b="1" dirty="0">
-                <a:latin typeface="Arial Black" panose="020B0A04020102020204" pitchFamily="34" charset="0"/>
-              </a:rPr>
-              <a:t>Global trajectory optimization (from </a:t>
-            </a:r>
-            <a:r>
-              <a:rPr lang="en-US" altLang="zh-CN" sz="1200" b="1" dirty="0">
-                <a:solidFill>
-                  <a:srgbClr val="00A3E0"/>
-                </a:solidFill>
-                <a:latin typeface="Arial Black" panose="020B0A04020102020204" pitchFamily="34" charset="0"/>
-              </a:rPr>
-              <a:t>pykep</a:t>
-            </a:r>
-            <a:r>
-              <a:rPr lang="en-US" altLang="zh-CN" sz="1200" b="1" dirty="0">
-                <a:latin typeface="Arial Black" panose="020B0A04020102020204" pitchFamily="34" charset="0"/>
-              </a:rPr>
-              <a:t>)</a:t>
-            </a:r>
-          </a:p>
-          <a:p>
-            <a:pPr marL="285750" indent="-285750">
-              <a:buFont typeface="Wingdings" panose="05000000000000000000" pitchFamily="2" charset="2"/>
-              <a:buChar char="l"/>
-            </a:pPr>
-            <a:endParaRPr lang="en-US" altLang="zh-CN" sz="1200" b="1" dirty="0">
-              <a:latin typeface="Arial Black" panose="020B0A04020102020204" pitchFamily="34" charset="0"/>
-            </a:endParaRPr>
-          </a:p>
-        </p:txBody>
-      </p:sp>
-      <p:pic>
-        <p:nvPicPr>
-          <p:cNvPr id="29" name="图片 28"/>
-          <p:cNvPicPr>
-            <a:picLocks noChangeAspect="1"/>
-          </p:cNvPicPr>
-          <p:nvPr/>
-        </p:nvPicPr>
-        <p:blipFill>
-          <a:blip r:embed="rId7" cstate="print">
-            <a:extLst>
-              <a:ext uri="{28A0092B-C50C-407E-A947-70E740481C1C}">
-                <a14:useLocalDpi xmlns:a14="http://schemas.microsoft.com/office/drawing/2010/main" val="0"/>
-              </a:ext>
-            </a:extLst>
-          </a:blip>
-          <a:stretch>
-            <a:fillRect/>
-          </a:stretch>
-        </p:blipFill>
-        <p:spPr>
-          <a:xfrm>
-            <a:off x="3158292" y="4493352"/>
-            <a:ext cx="1093731" cy="252000"/>
-          </a:xfrm>
-          <a:prstGeom prst="rect">
-            <a:avLst/>
-          </a:prstGeom>
-        </p:spPr>
-      </p:pic>
-      <p:pic>
-        <p:nvPicPr>
-          <p:cNvPr id="30" name="图片 29"/>
-          <p:cNvPicPr>
-            <a:picLocks noChangeAspect="1"/>
-          </p:cNvPicPr>
-          <p:nvPr/>
-        </p:nvPicPr>
-        <p:blipFill>
-          <a:blip r:embed="rId8" cstate="print">
-            <a:extLst>
-              <a:ext uri="{28A0092B-C50C-407E-A947-70E740481C1C}">
-                <a14:useLocalDpi xmlns:a14="http://schemas.microsoft.com/office/drawing/2010/main" val="0"/>
-              </a:ext>
-            </a:extLst>
-          </a:blip>
-          <a:stretch>
-            <a:fillRect/>
-          </a:stretch>
-        </p:blipFill>
-        <p:spPr>
-          <a:xfrm>
-            <a:off x="3443044" y="597870"/>
-            <a:ext cx="804255" cy="360000"/>
-          </a:xfrm>
-          <a:prstGeom prst="rect">
-            <a:avLst/>
-          </a:prstGeom>
-        </p:spPr>
-      </p:pic>
-      <p:sp>
-        <p:nvSpPr>
-          <p:cNvPr id="31" name="矩形 30"/>
-          <p:cNvSpPr/>
-          <p:nvPr/>
-        </p:nvSpPr>
-        <p:spPr>
-          <a:xfrm>
-            <a:off x="4240854" y="611565"/>
-            <a:ext cx="2358755" cy="477054"/>
-          </a:xfrm>
-          <a:prstGeom prst="rect">
-            <a:avLst/>
-          </a:prstGeom>
-          <a:solidFill>
-            <a:schemeClr val="bg1">
-              <a:lumMod val="75000"/>
-            </a:schemeClr>
-          </a:solidFill>
-          <a:ln>
-            <a:solidFill>
-              <a:schemeClr val="bg1">
-                <a:lumMod val="75000"/>
-              </a:schemeClr>
-            </a:solidFill>
-          </a:ln>
-        </p:spPr>
-        <p:txBody>
-          <a:bodyPr wrap="square">
-            <a:spAutoFit/>
-          </a:bodyPr>
-          <a:lstStyle/>
-          <a:p>
-            <a:pPr algn="ctr">
-              <a:lnSpc>
-                <a:spcPts val="1500"/>
-              </a:lnSpc>
-            </a:pPr>
-            <a:r>
-              <a:rPr lang="en-US" altLang="zh-CN" b="1" dirty="0">
-                <a:latin typeface="Arial Black" panose="020B0A04020102020204" pitchFamily="34" charset="0"/>
-              </a:rPr>
-              <a:t>Black-Box Optimizers (BBO)</a:t>
-            </a:r>
-            <a:endParaRPr lang="zh-CN" altLang="en-US" b="1" dirty="0">
-              <a:latin typeface="Arial Black" panose="020B0A04020102020204" pitchFamily="34" charset="0"/>
-            </a:endParaRPr>
-          </a:p>
-        </p:txBody>
-      </p:sp>
-      <p:sp>
-        <p:nvSpPr>
-          <p:cNvPr id="3" name="矩形 2"/>
-          <p:cNvSpPr/>
-          <p:nvPr/>
-        </p:nvSpPr>
-        <p:spPr>
-          <a:xfrm>
-            <a:off x="4240855" y="1120698"/>
-            <a:ext cx="2363589" cy="492443"/>
-          </a:xfrm>
-          <a:prstGeom prst="rect">
-            <a:avLst/>
-          </a:prstGeom>
-          <a:solidFill>
-            <a:schemeClr val="bg1">
-              <a:lumMod val="85000"/>
-            </a:schemeClr>
-          </a:solidFill>
-        </p:spPr>
-        <p:txBody>
-          <a:bodyPr wrap="square">
-            <a:spAutoFit/>
-          </a:bodyPr>
-          <a:lstStyle/>
-          <a:p>
-            <a:pPr algn="ctr"/>
-            <a:r>
-              <a:rPr lang="en-US" altLang="zh-CN" sz="1300" b="1" dirty="0">
-                <a:latin typeface="Arial Black" panose="020B0A04020102020204" pitchFamily="34" charset="0"/>
-              </a:rPr>
-              <a:t>Evolution Strategies (ES)</a:t>
-            </a:r>
-          </a:p>
-        </p:txBody>
-      </p:sp>
-      <p:sp>
-        <p:nvSpPr>
-          <p:cNvPr id="32" name="矩形 31"/>
-          <p:cNvSpPr/>
-          <p:nvPr/>
-        </p:nvSpPr>
-        <p:spPr>
-          <a:xfrm>
-            <a:off x="6614148" y="1112577"/>
-            <a:ext cx="2157347" cy="492443"/>
-          </a:xfrm>
-          <a:prstGeom prst="rect">
-            <a:avLst/>
-          </a:prstGeom>
-          <a:solidFill>
-            <a:schemeClr val="bg1">
-              <a:lumMod val="85000"/>
-            </a:schemeClr>
-          </a:solidFill>
-        </p:spPr>
-        <p:txBody>
-          <a:bodyPr wrap="square">
-            <a:spAutoFit/>
-          </a:bodyPr>
-          <a:lstStyle/>
-          <a:p>
-            <a:pPr algn="ctr"/>
-            <a:r>
-              <a:rPr lang="en-US" altLang="zh-CN" sz="1300" b="1" dirty="0">
-                <a:latin typeface="Arial Black" panose="020B0A04020102020204" pitchFamily="34" charset="0"/>
-              </a:rPr>
-              <a:t>Particle Swarm Optimizers (PSO)</a:t>
-            </a:r>
-          </a:p>
-        </p:txBody>
-      </p:sp>
-      <p:sp>
-        <p:nvSpPr>
-          <p:cNvPr id="33" name="矩形 32"/>
-          <p:cNvSpPr/>
-          <p:nvPr/>
-        </p:nvSpPr>
-        <p:spPr>
-          <a:xfrm>
-            <a:off x="8777177" y="1107696"/>
-            <a:ext cx="1928092" cy="492443"/>
-          </a:xfrm>
-          <a:prstGeom prst="rect">
-            <a:avLst/>
-          </a:prstGeom>
-          <a:solidFill>
-            <a:schemeClr val="bg1">
-              <a:lumMod val="85000"/>
-            </a:schemeClr>
-          </a:solidFill>
-        </p:spPr>
-        <p:txBody>
-          <a:bodyPr wrap="square">
-            <a:spAutoFit/>
-          </a:bodyPr>
-          <a:lstStyle/>
-          <a:p>
-            <a:pPr algn="ctr"/>
-            <a:r>
-              <a:rPr lang="en-US" altLang="zh-CN" sz="1300" b="1" dirty="0">
-                <a:latin typeface="Arial Black" panose="020B0A04020102020204" pitchFamily="34" charset="0"/>
-              </a:rPr>
-              <a:t>Differential Evolution (DE)</a:t>
-            </a:r>
-          </a:p>
-        </p:txBody>
-      </p:sp>
-      <p:sp>
-        <p:nvSpPr>
-          <p:cNvPr id="9" name="矩形 8"/>
-          <p:cNvSpPr/>
-          <p:nvPr/>
-        </p:nvSpPr>
-        <p:spPr>
-          <a:xfrm>
-            <a:off x="6552533" y="727856"/>
-            <a:ext cx="1089202" cy="292388"/>
-          </a:xfrm>
-          <a:prstGeom prst="rect">
-            <a:avLst/>
-          </a:prstGeom>
-        </p:spPr>
-        <p:txBody>
-          <a:bodyPr wrap="square">
-            <a:spAutoFit/>
-          </a:bodyPr>
-          <a:lstStyle/>
-          <a:p>
-            <a:r>
-              <a:rPr lang="en-US" altLang="zh-CN" sz="1300" b="1" dirty="0">
-                <a:solidFill>
-                  <a:srgbClr val="00B050"/>
-                </a:solidFill>
-                <a:latin typeface="Arial Black" panose="020B0A04020102020204" pitchFamily="34" charset="0"/>
-              </a:rPr>
-              <a:t>Optimizer</a:t>
-            </a:r>
-          </a:p>
-        </p:txBody>
-      </p:sp>
-      <p:sp>
-        <p:nvSpPr>
-          <p:cNvPr id="11" name="矩形 10"/>
-          <p:cNvSpPr/>
-          <p:nvPr/>
-        </p:nvSpPr>
-        <p:spPr>
-          <a:xfrm>
-            <a:off x="7477981" y="766328"/>
-            <a:ext cx="3259231" cy="215444"/>
-          </a:xfrm>
-          <a:prstGeom prst="rect">
-            <a:avLst/>
-          </a:prstGeom>
-        </p:spPr>
-        <p:txBody>
-          <a:bodyPr wrap="square">
-            <a:spAutoFit/>
-          </a:bodyPr>
-          <a:lstStyle/>
-          <a:p>
-            <a:r>
-              <a:rPr lang="en-US" altLang="zh-CN" sz="800" b="1" dirty="0">
-                <a:latin typeface="Arial Black" panose="020B0A04020102020204" pitchFamily="34" charset="0"/>
-              </a:rPr>
-              <a:t>(as an open </a:t>
-            </a:r>
-            <a:r>
-              <a:rPr lang="en-US" altLang="zh-CN" sz="800" b="1" dirty="0">
-                <a:solidFill>
-                  <a:srgbClr val="00B050"/>
-                </a:solidFill>
-                <a:latin typeface="Arial Black" panose="020B0A04020102020204" pitchFamily="34" charset="0"/>
-              </a:rPr>
-              <a:t>interface</a:t>
-            </a:r>
-            <a:r>
-              <a:rPr lang="en-US" altLang="zh-CN" sz="800" b="1" dirty="0">
-                <a:latin typeface="Arial Black" panose="020B0A04020102020204" pitchFamily="34" charset="0"/>
-              </a:rPr>
-              <a:t> to add new/missed BBO)</a:t>
-            </a:r>
-            <a:endParaRPr lang="zh-CN" altLang="en-US" sz="800" dirty="0"/>
-          </a:p>
-        </p:txBody>
-      </p:sp>
-      <p:sp>
-        <p:nvSpPr>
-          <p:cNvPr id="43" name="矩形 42"/>
-          <p:cNvSpPr/>
-          <p:nvPr/>
-        </p:nvSpPr>
-        <p:spPr>
-          <a:xfrm>
-            <a:off x="4240855" y="3617899"/>
-            <a:ext cx="2358755" cy="492443"/>
-          </a:xfrm>
-          <a:prstGeom prst="rect">
-            <a:avLst/>
-          </a:prstGeom>
-          <a:solidFill>
-            <a:schemeClr val="bg1">
-              <a:lumMod val="85000"/>
-            </a:schemeClr>
-          </a:solidFill>
-        </p:spPr>
-        <p:txBody>
-          <a:bodyPr wrap="square">
-            <a:spAutoFit/>
-          </a:bodyPr>
-          <a:lstStyle/>
-          <a:p>
-            <a:pPr algn="ctr"/>
-            <a:r>
-              <a:rPr lang="en-US" altLang="zh-CN" sz="1300" b="1" dirty="0">
-                <a:latin typeface="Arial Black" panose="020B0A04020102020204" pitchFamily="34" charset="0"/>
-              </a:rPr>
-              <a:t>Natural Evolution Strategies (NES)</a:t>
-            </a:r>
-          </a:p>
-        </p:txBody>
-      </p:sp>
-      <p:sp>
-        <p:nvSpPr>
-          <p:cNvPr id="53" name="矩形 52"/>
-          <p:cNvSpPr/>
-          <p:nvPr/>
-        </p:nvSpPr>
-        <p:spPr>
-          <a:xfrm>
-            <a:off x="4247299" y="5097991"/>
-            <a:ext cx="2352311" cy="492443"/>
-          </a:xfrm>
-          <a:prstGeom prst="rect">
-            <a:avLst/>
-          </a:prstGeom>
-          <a:solidFill>
-            <a:schemeClr val="bg1">
-              <a:lumMod val="85000"/>
-            </a:schemeClr>
-          </a:solidFill>
-        </p:spPr>
-        <p:txBody>
-          <a:bodyPr wrap="square">
-            <a:spAutoFit/>
-          </a:bodyPr>
-          <a:lstStyle/>
-          <a:p>
-            <a:pPr algn="ctr"/>
-            <a:r>
-              <a:rPr lang="en-US" altLang="zh-CN" sz="1300" b="1" dirty="0">
-                <a:latin typeface="Arial Black" panose="020B0A04020102020204" pitchFamily="34" charset="0"/>
-              </a:rPr>
-              <a:t>Genetic Algorithms</a:t>
-            </a:r>
-          </a:p>
-          <a:p>
-            <a:pPr algn="ctr"/>
-            <a:r>
-              <a:rPr lang="en-US" altLang="zh-CN" sz="1300" b="1" dirty="0">
-                <a:latin typeface="Arial Black" panose="020B0A04020102020204" pitchFamily="34" charset="0"/>
-              </a:rPr>
-              <a:t>(GA)</a:t>
-            </a:r>
-          </a:p>
-        </p:txBody>
-      </p:sp>
-      <p:sp>
-        <p:nvSpPr>
-          <p:cNvPr id="2" name="矩形 1"/>
-          <p:cNvSpPr/>
-          <p:nvPr/>
-        </p:nvSpPr>
-        <p:spPr>
-          <a:xfrm>
-            <a:off x="895877" y="6193163"/>
-            <a:ext cx="9813384" cy="496620"/>
-          </a:xfrm>
-          <a:prstGeom prst="rect">
-            <a:avLst/>
-          </a:prstGeom>
-          <a:noFill/>
-          <a:ln w="28575"/>
-        </p:spPr>
-        <p:style>
-          <a:lnRef idx="2">
-            <a:schemeClr val="accent1">
-              <a:shade val="50000"/>
-            </a:schemeClr>
-          </a:lnRef>
-          <a:fillRef idx="1">
-            <a:schemeClr val="accent1"/>
-          </a:fillRef>
-          <a:effectRef idx="0">
-            <a:schemeClr val="accent1"/>
-          </a:effectRef>
-          <a:fontRef idx="minor">
-            <a:schemeClr val="lt1"/>
-          </a:fontRef>
-        </p:style>
-        <p:txBody>
-          <a:bodyPr rtlCol="0" anchor="ctr"/>
-          <a:lstStyle/>
-          <a:p>
-            <a:pPr algn="ctr"/>
-            <a:r>
-              <a:rPr lang="en-US" altLang="zh-CN" dirty="0"/>
-              <a:t>  </a:t>
-            </a:r>
-            <a:endParaRPr lang="zh-CN" altLang="en-US" dirty="0"/>
-          </a:p>
-        </p:txBody>
-      </p:sp>
-      <p:sp>
-        <p:nvSpPr>
-          <p:cNvPr id="60" name="矩形 59"/>
-          <p:cNvSpPr/>
-          <p:nvPr/>
-        </p:nvSpPr>
-        <p:spPr>
-          <a:xfrm>
-            <a:off x="895878" y="4505405"/>
-            <a:ext cx="3351421" cy="1687757"/>
-          </a:xfrm>
-          <a:prstGeom prst="rect">
-            <a:avLst/>
-          </a:prstGeom>
-          <a:noFill/>
-          <a:ln w="28575"/>
-        </p:spPr>
-        <p:style>
-          <a:lnRef idx="2">
-            <a:schemeClr val="accent1">
-              <a:shade val="50000"/>
-            </a:schemeClr>
-          </a:lnRef>
-          <a:fillRef idx="1">
-            <a:schemeClr val="accent1"/>
-          </a:fillRef>
-          <a:effectRef idx="0">
-            <a:schemeClr val="accent1"/>
-          </a:effectRef>
-          <a:fontRef idx="minor">
-            <a:schemeClr val="lt1"/>
-          </a:fontRef>
-        </p:style>
-        <p:txBody>
-          <a:bodyPr rtlCol="0" anchor="ctr"/>
-          <a:lstStyle/>
-          <a:p>
-            <a:pPr algn="ctr"/>
-            <a:r>
-              <a:rPr lang="en-US" altLang="zh-CN" dirty="0"/>
-              <a:t>  </a:t>
-            </a:r>
-            <a:endParaRPr lang="zh-CN" altLang="en-US" dirty="0"/>
-          </a:p>
-        </p:txBody>
-      </p:sp>
-      <p:sp>
-        <p:nvSpPr>
-          <p:cNvPr id="61" name="矩形 60"/>
-          <p:cNvSpPr/>
-          <p:nvPr/>
-        </p:nvSpPr>
-        <p:spPr>
-          <a:xfrm>
-            <a:off x="895877" y="3770660"/>
-            <a:ext cx="3348095" cy="725431"/>
-          </a:xfrm>
-          <a:prstGeom prst="rect">
-            <a:avLst/>
-          </a:prstGeom>
-          <a:noFill/>
-          <a:ln w="28575"/>
-        </p:spPr>
-        <p:style>
-          <a:lnRef idx="2">
-            <a:schemeClr val="accent1">
-              <a:shade val="50000"/>
-            </a:schemeClr>
-          </a:lnRef>
-          <a:fillRef idx="1">
-            <a:schemeClr val="accent1"/>
-          </a:fillRef>
-          <a:effectRef idx="0">
-            <a:schemeClr val="accent1"/>
-          </a:effectRef>
-          <a:fontRef idx="minor">
-            <a:schemeClr val="lt1"/>
-          </a:fontRef>
-        </p:style>
-        <p:txBody>
-          <a:bodyPr rtlCol="0" anchor="ctr"/>
-          <a:lstStyle/>
-          <a:p>
-            <a:pPr algn="ctr"/>
-            <a:r>
-              <a:rPr lang="en-US" altLang="zh-CN" dirty="0"/>
-              <a:t>  </a:t>
-            </a:r>
-            <a:endParaRPr lang="zh-CN" altLang="en-US" dirty="0"/>
-          </a:p>
-        </p:txBody>
-      </p:sp>
-      <p:sp>
-        <p:nvSpPr>
-          <p:cNvPr id="62" name="矩形 61"/>
-          <p:cNvSpPr/>
-          <p:nvPr/>
-        </p:nvSpPr>
-        <p:spPr>
-          <a:xfrm>
-            <a:off x="895877" y="596888"/>
-            <a:ext cx="3346860" cy="3166643"/>
-          </a:xfrm>
-          <a:prstGeom prst="rect">
-            <a:avLst/>
-          </a:prstGeom>
-          <a:noFill/>
-          <a:ln w="28575"/>
-        </p:spPr>
-        <p:style>
-          <a:lnRef idx="2">
-            <a:schemeClr val="accent1">
-              <a:shade val="50000"/>
-            </a:schemeClr>
-          </a:lnRef>
-          <a:fillRef idx="1">
-            <a:schemeClr val="accent1"/>
-          </a:fillRef>
-          <a:effectRef idx="0">
-            <a:schemeClr val="accent1"/>
-          </a:effectRef>
-          <a:fontRef idx="minor">
-            <a:schemeClr val="lt1"/>
-          </a:fontRef>
-        </p:style>
-        <p:txBody>
-          <a:bodyPr rtlCol="0" anchor="ctr"/>
-          <a:lstStyle/>
-          <a:p>
-            <a:pPr algn="ctr"/>
-            <a:r>
-              <a:rPr lang="en-US" altLang="zh-CN" dirty="0"/>
-              <a:t>  </a:t>
-            </a:r>
-            <a:endParaRPr lang="zh-CN" altLang="en-US" dirty="0"/>
-          </a:p>
-        </p:txBody>
-      </p:sp>
-      <p:sp>
-        <p:nvSpPr>
-          <p:cNvPr id="63" name="矩形 62"/>
-          <p:cNvSpPr/>
-          <p:nvPr/>
-        </p:nvSpPr>
-        <p:spPr>
-          <a:xfrm>
-            <a:off x="895878" y="106408"/>
-            <a:ext cx="9813384" cy="483127"/>
-          </a:xfrm>
-          <a:prstGeom prst="rect">
-            <a:avLst/>
-          </a:prstGeom>
-          <a:noFill/>
-          <a:ln w="28575"/>
-        </p:spPr>
-        <p:style>
-          <a:lnRef idx="2">
-            <a:schemeClr val="accent1">
-              <a:shade val="50000"/>
-            </a:schemeClr>
-          </a:lnRef>
-          <a:fillRef idx="1">
-            <a:schemeClr val="accent1"/>
-          </a:fillRef>
-          <a:effectRef idx="0">
-            <a:schemeClr val="accent1"/>
-          </a:effectRef>
-          <a:fontRef idx="minor">
-            <a:schemeClr val="lt1"/>
-          </a:fontRef>
-        </p:style>
-        <p:txBody>
-          <a:bodyPr rtlCol="0" anchor="ctr"/>
-          <a:lstStyle/>
-          <a:p>
-            <a:pPr algn="ctr"/>
-            <a:r>
-              <a:rPr lang="en-US" altLang="zh-CN" dirty="0"/>
-              <a:t>  </a:t>
-            </a:r>
-            <a:endParaRPr lang="zh-CN" altLang="en-US" dirty="0"/>
-          </a:p>
-        </p:txBody>
-      </p:sp>
-      <p:cxnSp>
-        <p:nvCxnSpPr>
-          <p:cNvPr id="36" name="直接连接符 35"/>
-          <p:cNvCxnSpPr/>
-          <p:nvPr/>
-        </p:nvCxnSpPr>
-        <p:spPr>
-          <a:xfrm flipH="1">
-            <a:off x="6599611" y="3603398"/>
-            <a:ext cx="5743" cy="1485980"/>
-          </a:xfrm>
-          <a:prstGeom prst="line">
-            <a:avLst/>
-          </a:prstGeom>
-          <a:ln w="19050">
-            <a:solidFill>
-              <a:schemeClr val="bg1">
-                <a:lumMod val="75000"/>
-              </a:schemeClr>
-            </a:solidFill>
-            <a:prstDash val="sysDash"/>
-          </a:ln>
-        </p:spPr>
-        <p:style>
-          <a:lnRef idx="1">
-            <a:schemeClr val="accent1"/>
-          </a:lnRef>
-          <a:fillRef idx="0">
-            <a:schemeClr val="accent1"/>
-          </a:fillRef>
-          <a:effectRef idx="0">
-            <a:schemeClr val="accent1"/>
-          </a:effectRef>
-          <a:fontRef idx="minor">
-            <a:schemeClr val="tx1"/>
-          </a:fontRef>
-        </p:style>
-      </p:cxnSp>
-      <p:cxnSp>
-        <p:nvCxnSpPr>
-          <p:cNvPr id="69" name="直接连接符 68"/>
-          <p:cNvCxnSpPr/>
-          <p:nvPr/>
-        </p:nvCxnSpPr>
-        <p:spPr>
-          <a:xfrm flipH="1">
-            <a:off x="6604444" y="1083383"/>
-            <a:ext cx="4104817" cy="6946"/>
-          </a:xfrm>
-          <a:prstGeom prst="line">
-            <a:avLst/>
-          </a:prstGeom>
-          <a:ln w="19050">
-            <a:solidFill>
-              <a:schemeClr val="bg1">
-                <a:lumMod val="75000"/>
-              </a:schemeClr>
-            </a:solidFill>
-            <a:prstDash val="sysDash"/>
-          </a:ln>
-        </p:spPr>
-        <p:style>
-          <a:lnRef idx="1">
-            <a:schemeClr val="accent1"/>
-          </a:lnRef>
-          <a:fillRef idx="0">
-            <a:schemeClr val="accent1"/>
-          </a:fillRef>
-          <a:effectRef idx="0">
-            <a:schemeClr val="accent1"/>
-          </a:effectRef>
-          <a:fontRef idx="minor">
-            <a:schemeClr val="tx1"/>
-          </a:fontRef>
-        </p:style>
-      </p:cxnSp>
-      <p:cxnSp>
-        <p:nvCxnSpPr>
-          <p:cNvPr id="80" name="直接连接符 79"/>
-          <p:cNvCxnSpPr/>
-          <p:nvPr/>
-        </p:nvCxnSpPr>
-        <p:spPr>
-          <a:xfrm>
-            <a:off x="8768412" y="1120698"/>
-            <a:ext cx="12309" cy="5065921"/>
-          </a:xfrm>
-          <a:prstGeom prst="line">
-            <a:avLst/>
-          </a:prstGeom>
-          <a:ln w="19050">
-            <a:solidFill>
-              <a:schemeClr val="bg1">
-                <a:lumMod val="75000"/>
-              </a:schemeClr>
-            </a:solidFill>
-            <a:prstDash val="sysDash"/>
-          </a:ln>
-        </p:spPr>
-        <p:style>
-          <a:lnRef idx="1">
-            <a:schemeClr val="accent1"/>
-          </a:lnRef>
-          <a:fillRef idx="0">
-            <a:schemeClr val="accent1"/>
-          </a:fillRef>
-          <a:effectRef idx="0">
-            <a:schemeClr val="accent1"/>
-          </a:effectRef>
-          <a:fontRef idx="minor">
-            <a:schemeClr val="tx1"/>
-          </a:fontRef>
-        </p:style>
-      </p:cxnSp>
-      <p:sp>
-        <p:nvSpPr>
-          <p:cNvPr id="65" name="矩形 64"/>
-          <p:cNvSpPr/>
-          <p:nvPr/>
-        </p:nvSpPr>
-        <p:spPr>
-          <a:xfrm>
-            <a:off x="4245753" y="1110649"/>
-            <a:ext cx="2355608" cy="2495042"/>
-          </a:xfrm>
-          <a:prstGeom prst="rect">
-            <a:avLst/>
-          </a:prstGeom>
-          <a:noFill/>
-          <a:ln w="19050">
-            <a:solidFill>
-              <a:schemeClr val="bg1">
-                <a:lumMod val="75000"/>
-              </a:schemeClr>
-            </a:solidFill>
-            <a:prstDash val="sysDash"/>
-          </a:ln>
-        </p:spPr>
-        <p:style>
-          <a:lnRef idx="2">
-            <a:schemeClr val="accent1">
-              <a:shade val="50000"/>
-            </a:schemeClr>
-          </a:lnRef>
-          <a:fillRef idx="1">
-            <a:schemeClr val="accent1"/>
-          </a:fillRef>
-          <a:effectRef idx="0">
-            <a:schemeClr val="accent1"/>
-          </a:effectRef>
-          <a:fontRef idx="minor">
-            <a:schemeClr val="lt1"/>
-          </a:fontRef>
-        </p:style>
-        <p:txBody>
-          <a:bodyPr rtlCol="0" anchor="ctr"/>
-          <a:lstStyle/>
-          <a:p>
-            <a:pPr algn="ctr"/>
-            <a:r>
-              <a:rPr lang="en-US" altLang="zh-CN" dirty="0"/>
-              <a:t>  </a:t>
-            </a:r>
-            <a:endParaRPr lang="zh-CN" altLang="en-US" dirty="0"/>
-          </a:p>
-        </p:txBody>
-      </p:sp>
-      <p:sp>
-        <p:nvSpPr>
-          <p:cNvPr id="67" name="矩形 66"/>
-          <p:cNvSpPr/>
-          <p:nvPr/>
-        </p:nvSpPr>
-        <p:spPr>
-          <a:xfrm>
-            <a:off x="4245753" y="5090368"/>
-            <a:ext cx="2350705" cy="1096252"/>
-          </a:xfrm>
-          <a:prstGeom prst="rect">
-            <a:avLst/>
-          </a:prstGeom>
-          <a:noFill/>
-          <a:ln w="19050">
-            <a:solidFill>
-              <a:schemeClr val="bg1">
-                <a:lumMod val="75000"/>
-              </a:schemeClr>
-            </a:solidFill>
-            <a:prstDash val="sysDash"/>
-          </a:ln>
-        </p:spPr>
-        <p:style>
-          <a:lnRef idx="2">
-            <a:schemeClr val="accent1">
-              <a:shade val="50000"/>
-            </a:schemeClr>
-          </a:lnRef>
-          <a:fillRef idx="1">
-            <a:schemeClr val="accent1"/>
-          </a:fillRef>
-          <a:effectRef idx="0">
-            <a:schemeClr val="accent1"/>
-          </a:effectRef>
-          <a:fontRef idx="minor">
-            <a:schemeClr val="lt1"/>
-          </a:fontRef>
-        </p:style>
-        <p:txBody>
-          <a:bodyPr rtlCol="0" anchor="ctr"/>
-          <a:lstStyle/>
-          <a:p>
-            <a:pPr algn="ctr"/>
-            <a:r>
-              <a:rPr lang="en-US" altLang="zh-CN" dirty="0"/>
-              <a:t>  </a:t>
-            </a:r>
-            <a:endParaRPr lang="zh-CN" altLang="en-US" dirty="0"/>
-          </a:p>
-        </p:txBody>
-      </p:sp>
-      <p:sp>
-        <p:nvSpPr>
-          <p:cNvPr id="64" name="矩形 63"/>
-          <p:cNvSpPr/>
-          <p:nvPr/>
-        </p:nvSpPr>
-        <p:spPr>
-          <a:xfrm>
-            <a:off x="4242737" y="595515"/>
-            <a:ext cx="6466523" cy="5591105"/>
-          </a:xfrm>
-          <a:prstGeom prst="rect">
-            <a:avLst/>
-          </a:prstGeom>
-          <a:noFill/>
-          <a:ln w="28575"/>
-        </p:spPr>
-        <p:style>
-          <a:lnRef idx="2">
-            <a:schemeClr val="accent1">
-              <a:shade val="50000"/>
-            </a:schemeClr>
-          </a:lnRef>
-          <a:fillRef idx="1">
-            <a:schemeClr val="accent1"/>
-          </a:fillRef>
-          <a:effectRef idx="0">
-            <a:schemeClr val="accent1"/>
-          </a:effectRef>
-          <a:fontRef idx="minor">
-            <a:schemeClr val="lt1"/>
-          </a:fontRef>
-        </p:style>
-        <p:txBody>
-          <a:bodyPr rtlCol="0" anchor="ctr"/>
-          <a:lstStyle/>
-          <a:p>
-            <a:pPr algn="ctr"/>
-            <a:r>
-              <a:rPr lang="en-US" altLang="zh-CN" dirty="0"/>
-              <a:t>  </a:t>
-            </a:r>
-            <a:endParaRPr lang="zh-CN" altLang="en-US" dirty="0"/>
-          </a:p>
-        </p:txBody>
-      </p:sp>
-      <p:grpSp>
-        <p:nvGrpSpPr>
-          <p:cNvPr id="92" name="组合 91"/>
-          <p:cNvGrpSpPr/>
-          <p:nvPr/>
-        </p:nvGrpSpPr>
-        <p:grpSpPr>
-          <a:xfrm>
-            <a:off x="8862705" y="1742797"/>
-            <a:ext cx="1752262" cy="677108"/>
-            <a:chOff x="3931506" y="2165790"/>
-            <a:chExt cx="1752262" cy="677108"/>
-          </a:xfrm>
-        </p:grpSpPr>
         <p:sp>
           <p:nvSpPr>
-            <p:cNvPr id="93" name="矩形 92"/>
+            <p:cNvPr id="33" name="矩形 32"/>
             <p:cNvSpPr/>
             <p:nvPr/>
           </p:nvSpPr>
           <p:spPr>
             <a:xfrm>
-              <a:off x="3931506" y="2165790"/>
-              <a:ext cx="969406" cy="338554"/>
+              <a:off x="8777177" y="1107696"/>
+              <a:ext cx="1928092" cy="492443"/>
+            </a:xfrm>
+            <a:prstGeom prst="rect">
+              <a:avLst/>
+            </a:prstGeom>
+            <a:solidFill>
+              <a:schemeClr val="bg1">
+                <a:lumMod val="85000"/>
+              </a:schemeClr>
+            </a:solidFill>
+          </p:spPr>
+          <p:txBody>
+            <a:bodyPr wrap="square">
+              <a:spAutoFit/>
+            </a:bodyPr>
+            <a:lstStyle/>
+            <a:p>
+              <a:pPr algn="ctr"/>
+              <a:r>
+                <a:rPr lang="en-US" altLang="zh-CN" sz="1300" b="1" dirty="0">
+                  <a:latin typeface="Arial Black" panose="020B0A04020102020204" pitchFamily="34" charset="0"/>
+                </a:rPr>
+                <a:t>Differential Evolution (DE)</a:t>
+              </a:r>
+            </a:p>
+          </p:txBody>
+        </p:sp>
+        <p:sp>
+          <p:nvSpPr>
+            <p:cNvPr id="9" name="矩形 8"/>
+            <p:cNvSpPr/>
+            <p:nvPr/>
+          </p:nvSpPr>
+          <p:spPr>
+            <a:xfrm>
+              <a:off x="6552533" y="727856"/>
+              <a:ext cx="1089202" cy="292388"/>
             </a:xfrm>
             <a:prstGeom prst="rect">
               <a:avLst/>
@@ -5994,27 +5344,27 @@
             <a:lstStyle/>
             <a:p>
               <a:r>
-                <a:rPr lang="en-US" altLang="zh-CN" sz="1600" b="1" dirty="0">
+                <a:rPr lang="en-US" altLang="zh-CN" sz="1300" b="1" dirty="0">
                   <a:solidFill>
-                    <a:srgbClr val="F37F40"/>
+                    <a:srgbClr val="00B050"/>
                   </a:solidFill>
                   <a:latin typeface="Arial Black" panose="020B0A04020102020204" pitchFamily="34" charset="0"/>
                 </a:rPr>
-                <a:t>SHADE</a:t>
+                <a:t>Optimizer</a:t>
               </a:r>
             </a:p>
           </p:txBody>
         </p:sp>
         <p:sp>
           <p:nvSpPr>
-            <p:cNvPr id="94" name="矩形 93"/>
+            <p:cNvPr id="11" name="矩形 10"/>
             <p:cNvSpPr/>
             <p:nvPr/>
           </p:nvSpPr>
           <p:spPr>
             <a:xfrm>
-              <a:off x="4900912" y="2165790"/>
-              <a:ext cx="782856" cy="338554"/>
+              <a:off x="7477981" y="766328"/>
+              <a:ext cx="3259231" cy="215444"/>
             </a:xfrm>
             <a:prstGeom prst="rect">
               <a:avLst/>
@@ -6027,31 +5377,49 @@
             <a:lstStyle/>
             <a:p>
               <a:r>
-                <a:rPr lang="en-US" altLang="zh-CN" sz="1600" b="1" dirty="0">
+                <a:rPr lang="en-US" altLang="zh-CN" sz="800" b="1" dirty="0">
+                  <a:latin typeface="Arial Black" panose="020B0A04020102020204" pitchFamily="34" charset="0"/>
+                </a:rPr>
+                <a:t>(as an open </a:t>
+              </a:r>
+              <a:r>
+                <a:rPr lang="en-US" altLang="zh-CN" sz="800" b="1" dirty="0">
                   <a:solidFill>
-                    <a:srgbClr val="F37F40"/>
+                    <a:srgbClr val="00B050"/>
                   </a:solidFill>
                   <a:latin typeface="Arial Black" panose="020B0A04020102020204" pitchFamily="34" charset="0"/>
                 </a:rPr>
-                <a:t>JADE</a:t>
+                <a:t>interface</a:t>
               </a:r>
+              <a:r>
+                <a:rPr lang="en-US" altLang="zh-CN" sz="800" b="1" dirty="0">
+                  <a:latin typeface="Arial Black" panose="020B0A04020102020204" pitchFamily="34" charset="0"/>
+                </a:rPr>
+                <a:t> to add new/missed BBO)</a:t>
+              </a:r>
+              <a:endParaRPr lang="zh-CN" altLang="en-US" sz="800" dirty="0"/>
             </a:p>
           </p:txBody>
         </p:sp>
         <p:sp>
           <p:nvSpPr>
-            <p:cNvPr id="95" name="矩形 94"/>
+            <p:cNvPr id="43" name="矩形 42"/>
             <p:cNvSpPr/>
             <p:nvPr/>
           </p:nvSpPr>
           <p:spPr>
             <a:xfrm>
-              <a:off x="4087265" y="2504344"/>
-              <a:ext cx="657888" cy="338554"/>
+              <a:off x="4240855" y="3617899"/>
+              <a:ext cx="2358755" cy="492443"/>
             </a:xfrm>
             <a:prstGeom prst="rect">
               <a:avLst/>
             </a:prstGeom>
+            <a:solidFill>
+              <a:schemeClr val="bg1">
+                <a:lumMod val="85000"/>
+              </a:schemeClr>
+            </a:solidFill>
           </p:spPr>
           <p:txBody>
             <a:bodyPr wrap="square">
@@ -6059,32 +5427,35 @@
             </a:bodyPr>
             <a:lstStyle/>
             <a:p>
+              <a:pPr algn="ctr"/>
               <a:r>
-                <a:rPr lang="en-US" altLang="zh-CN" sz="1600" b="1" dirty="0">
-                  <a:solidFill>
-                    <a:srgbClr val="0375B6"/>
-                  </a:solidFill>
+                <a:rPr lang="en-US" altLang="zh-CN" sz="1300" b="1" dirty="0">
                   <a:latin typeface="Arial Black" panose="020B0A04020102020204" pitchFamily="34" charset="0"/>
                 </a:rPr>
-                <a:t>CDE</a:t>
+                <a:t>Natural Evolution Strategies (NES)</a:t>
               </a:r>
             </a:p>
           </p:txBody>
         </p:sp>
         <p:sp>
           <p:nvSpPr>
-            <p:cNvPr id="96" name="矩形 95"/>
+            <p:cNvPr id="53" name="矩形 52"/>
             <p:cNvSpPr/>
             <p:nvPr/>
           </p:nvSpPr>
           <p:spPr>
             <a:xfrm>
-              <a:off x="4969648" y="2504344"/>
-              <a:ext cx="645383" cy="338554"/>
+              <a:off x="4247299" y="5097991"/>
+              <a:ext cx="2352311" cy="492443"/>
             </a:xfrm>
             <a:prstGeom prst="rect">
               <a:avLst/>
             </a:prstGeom>
+            <a:solidFill>
+              <a:schemeClr val="bg1">
+                <a:lumMod val="85000"/>
+              </a:schemeClr>
+            </a:solidFill>
           </p:spPr>
           <p:txBody>
             <a:bodyPr wrap="square">
@@ -6092,270 +5463,545 @@
             </a:bodyPr>
             <a:lstStyle/>
             <a:p>
+              <a:pPr algn="ctr"/>
               <a:r>
-                <a:rPr lang="en-US" altLang="zh-CN" sz="1600" b="1" dirty="0">
-                  <a:solidFill>
-                    <a:srgbClr val="0375B6"/>
-                  </a:solidFill>
+                <a:rPr lang="en-US" altLang="zh-CN" sz="1300" b="1" dirty="0">
                   <a:latin typeface="Arial Black" panose="020B0A04020102020204" pitchFamily="34" charset="0"/>
                 </a:rPr>
-                <a:t>TDE</a:t>
+                <a:t>Genetic Algorithms</a:t>
               </a:r>
             </a:p>
-          </p:txBody>
-        </p:sp>
-      </p:grpSp>
-      <p:grpSp>
-        <p:nvGrpSpPr>
-          <p:cNvPr id="97" name="组合 96"/>
-          <p:cNvGrpSpPr/>
-          <p:nvPr/>
-        </p:nvGrpSpPr>
-        <p:grpSpPr>
-          <a:xfrm>
-            <a:off x="6644841" y="1612554"/>
-            <a:ext cx="2072927" cy="1019983"/>
-            <a:chOff x="2459556" y="2119960"/>
-            <a:chExt cx="2072927" cy="1019983"/>
-          </a:xfrm>
-        </p:grpSpPr>
-        <p:sp>
-          <p:nvSpPr>
-            <p:cNvPr id="98" name="矩形 97"/>
-            <p:cNvSpPr/>
-            <p:nvPr/>
-          </p:nvSpPr>
-          <p:spPr>
-            <a:xfrm>
-              <a:off x="2530205" y="2119960"/>
-              <a:ext cx="827919" cy="338554"/>
-            </a:xfrm>
-            <a:prstGeom prst="rect">
-              <a:avLst/>
-            </a:prstGeom>
-          </p:spPr>
-          <p:txBody>
-            <a:bodyPr wrap="square">
-              <a:spAutoFit/>
-            </a:bodyPr>
-            <a:lstStyle/>
             <a:p>
+              <a:pPr algn="ctr"/>
               <a:r>
-                <a:rPr lang="en-US" altLang="zh-CN" sz="1600" b="1" dirty="0">
-                  <a:solidFill>
-                    <a:srgbClr val="F37F40"/>
-                  </a:solidFill>
+                <a:rPr lang="en-US" altLang="zh-CN" sz="1300" b="1" dirty="0">
                   <a:latin typeface="Arial Black" panose="020B0A04020102020204" pitchFamily="34" charset="0"/>
                 </a:rPr>
-                <a:t>CPSO</a:t>
+                <a:t>(GA)</a:t>
               </a:r>
             </a:p>
           </p:txBody>
         </p:sp>
         <p:sp>
           <p:nvSpPr>
-            <p:cNvPr id="99" name="矩形 98"/>
+            <p:cNvPr id="2" name="矩形 1"/>
             <p:cNvSpPr/>
             <p:nvPr/>
           </p:nvSpPr>
           <p:spPr>
             <a:xfrm>
-              <a:off x="3428772" y="2119960"/>
-              <a:ext cx="1103711" cy="338554"/>
+              <a:off x="895877" y="6193163"/>
+              <a:ext cx="9813384" cy="496620"/>
             </a:xfrm>
             <a:prstGeom prst="rect">
               <a:avLst/>
             </a:prstGeom>
+            <a:noFill/>
+            <a:ln w="28575"/>
           </p:spPr>
+          <p:style>
+            <a:lnRef idx="2">
+              <a:schemeClr val="accent1">
+                <a:shade val="50000"/>
+              </a:schemeClr>
+            </a:lnRef>
+            <a:fillRef idx="1">
+              <a:schemeClr val="accent1"/>
+            </a:fillRef>
+            <a:effectRef idx="0">
+              <a:schemeClr val="accent1"/>
+            </a:effectRef>
+            <a:fontRef idx="minor">
+              <a:schemeClr val="lt1"/>
+            </a:fontRef>
+          </p:style>
           <p:txBody>
-            <a:bodyPr wrap="square">
-              <a:spAutoFit/>
-            </a:bodyPr>
+            <a:bodyPr rtlCol="0" anchor="ctr"/>
             <a:lstStyle/>
             <a:p>
+              <a:pPr algn="ctr"/>
               <a:r>
-                <a:rPr lang="en-US" altLang="zh-CN" sz="1600" b="1" dirty="0">
-                  <a:solidFill>
-                    <a:srgbClr val="F37F40"/>
-                  </a:solidFill>
-                  <a:latin typeface="Arial Black" panose="020B0A04020102020204" pitchFamily="34" charset="0"/>
-                </a:rPr>
-                <a:t>CCPSO2</a:t>
+                <a:rPr lang="en-US" altLang="zh-CN" dirty="0"/>
+                <a:t>  </a:t>
               </a:r>
+              <a:endParaRPr lang="zh-CN" altLang="en-US" dirty="0"/>
             </a:p>
           </p:txBody>
         </p:sp>
         <p:sp>
           <p:nvSpPr>
-            <p:cNvPr id="100" name="矩形 99"/>
+            <p:cNvPr id="60" name="矩形 59"/>
             <p:cNvSpPr/>
             <p:nvPr/>
           </p:nvSpPr>
           <p:spPr>
             <a:xfrm>
-              <a:off x="2459556" y="2458514"/>
-              <a:ext cx="969216" cy="345822"/>
+              <a:off x="895878" y="4505405"/>
+              <a:ext cx="3351421" cy="1687757"/>
             </a:xfrm>
             <a:prstGeom prst="rect">
               <a:avLst/>
             </a:prstGeom>
+            <a:noFill/>
+            <a:ln w="28575"/>
           </p:spPr>
+          <p:style>
+            <a:lnRef idx="2">
+              <a:schemeClr val="accent1">
+                <a:shade val="50000"/>
+              </a:schemeClr>
+            </a:lnRef>
+            <a:fillRef idx="1">
+              <a:schemeClr val="accent1"/>
+            </a:fillRef>
+            <a:effectRef idx="0">
+              <a:schemeClr val="accent1"/>
+            </a:effectRef>
+            <a:fontRef idx="minor">
+              <a:schemeClr val="lt1"/>
+            </a:fontRef>
+          </p:style>
           <p:txBody>
-            <a:bodyPr wrap="square">
-              <a:spAutoFit/>
-            </a:bodyPr>
+            <a:bodyPr rtlCol="0" anchor="ctr"/>
             <a:lstStyle/>
             <a:p>
+              <a:pPr algn="ctr"/>
               <a:r>
-                <a:rPr lang="en-US" altLang="zh-CN" sz="1600" b="1" dirty="0">
-                  <a:solidFill>
-                    <a:srgbClr val="F37F40"/>
-                  </a:solidFill>
-                  <a:latin typeface="Arial Black" panose="020B0A04020102020204" pitchFamily="34" charset="0"/>
-                </a:rPr>
-                <a:t>CLPSO</a:t>
+                <a:rPr lang="en-US" altLang="zh-CN" dirty="0"/>
+                <a:t>  </a:t>
               </a:r>
+              <a:endParaRPr lang="zh-CN" altLang="en-US" dirty="0"/>
             </a:p>
           </p:txBody>
         </p:sp>
         <p:sp>
           <p:nvSpPr>
-            <p:cNvPr id="101" name="矩形 100"/>
+            <p:cNvPr id="61" name="矩形 60"/>
             <p:cNvSpPr/>
             <p:nvPr/>
           </p:nvSpPr>
           <p:spPr>
             <a:xfrm>
-              <a:off x="3614446" y="2458514"/>
-              <a:ext cx="732362" cy="338554"/>
+              <a:off x="895877" y="3770660"/>
+              <a:ext cx="3348095" cy="725431"/>
             </a:xfrm>
             <a:prstGeom prst="rect">
               <a:avLst/>
             </a:prstGeom>
+            <a:noFill/>
+            <a:ln w="28575"/>
           </p:spPr>
+          <p:style>
+            <a:lnRef idx="2">
+              <a:schemeClr val="accent1">
+                <a:shade val="50000"/>
+              </a:schemeClr>
+            </a:lnRef>
+            <a:fillRef idx="1">
+              <a:schemeClr val="accent1"/>
+            </a:fillRef>
+            <a:effectRef idx="0">
+              <a:schemeClr val="accent1"/>
+            </a:effectRef>
+            <a:fontRef idx="minor">
+              <a:schemeClr val="lt1"/>
+            </a:fontRef>
+          </p:style>
           <p:txBody>
-            <a:bodyPr wrap="square">
-              <a:spAutoFit/>
-            </a:bodyPr>
+            <a:bodyPr rtlCol="0" anchor="ctr"/>
             <a:lstStyle/>
             <a:p>
+              <a:pPr algn="ctr"/>
               <a:r>
-                <a:rPr lang="en-US" altLang="zh-CN" sz="1600" b="1" dirty="0">
-                  <a:solidFill>
-                    <a:srgbClr val="F37F40"/>
-                  </a:solidFill>
-                  <a:latin typeface="Arial Black" panose="020B0A04020102020204" pitchFamily="34" charset="0"/>
-                </a:rPr>
-                <a:t>IPSO</a:t>
+                <a:rPr lang="en-US" altLang="zh-CN" dirty="0"/>
+                <a:t>  </a:t>
               </a:r>
+              <a:endParaRPr lang="zh-CN" altLang="en-US" dirty="0"/>
             </a:p>
           </p:txBody>
         </p:sp>
         <p:sp>
           <p:nvSpPr>
-            <p:cNvPr id="102" name="矩形 101"/>
+            <p:cNvPr id="62" name="矩形 61"/>
             <p:cNvSpPr/>
             <p:nvPr/>
           </p:nvSpPr>
           <p:spPr>
             <a:xfrm>
-              <a:off x="2524445" y="2801389"/>
-              <a:ext cx="833679" cy="338554"/>
+              <a:off x="895877" y="596888"/>
+              <a:ext cx="3346860" cy="3166643"/>
             </a:xfrm>
             <a:prstGeom prst="rect">
               <a:avLst/>
             </a:prstGeom>
+            <a:noFill/>
+            <a:ln w="28575"/>
           </p:spPr>
+          <p:style>
+            <a:lnRef idx="2">
+              <a:schemeClr val="accent1">
+                <a:shade val="50000"/>
+              </a:schemeClr>
+            </a:lnRef>
+            <a:fillRef idx="1">
+              <a:schemeClr val="accent1"/>
+            </a:fillRef>
+            <a:effectRef idx="0">
+              <a:schemeClr val="accent1"/>
+            </a:effectRef>
+            <a:fontRef idx="minor">
+              <a:schemeClr val="lt1"/>
+            </a:fontRef>
+          </p:style>
           <p:txBody>
-            <a:bodyPr wrap="square">
-              <a:spAutoFit/>
-            </a:bodyPr>
+            <a:bodyPr rtlCol="0" anchor="ctr"/>
             <a:lstStyle/>
             <a:p>
+              <a:pPr algn="ctr"/>
               <a:r>
-                <a:rPr lang="en-US" altLang="zh-CN" sz="1600" b="1" dirty="0">
-                  <a:solidFill>
-                    <a:srgbClr val="0375B6"/>
-                  </a:solidFill>
-                  <a:latin typeface="Arial Black" panose="020B0A04020102020204" pitchFamily="34" charset="0"/>
-                </a:rPr>
-                <a:t>SPSO</a:t>
+                <a:rPr lang="en-US" altLang="zh-CN" dirty="0"/>
+                <a:t>  </a:t>
               </a:r>
+              <a:endParaRPr lang="zh-CN" altLang="en-US" dirty="0"/>
             </a:p>
           </p:txBody>
         </p:sp>
         <p:sp>
           <p:nvSpPr>
-            <p:cNvPr id="103" name="矩形 102"/>
+            <p:cNvPr id="63" name="矩形 62"/>
             <p:cNvSpPr/>
             <p:nvPr/>
           </p:nvSpPr>
           <p:spPr>
             <a:xfrm>
-              <a:off x="3510627" y="2797068"/>
-              <a:ext cx="939999" cy="338554"/>
+              <a:off x="895878" y="106408"/>
+              <a:ext cx="9813384" cy="483127"/>
             </a:xfrm>
             <a:prstGeom prst="rect">
               <a:avLst/>
             </a:prstGeom>
+            <a:noFill/>
+            <a:ln w="28575"/>
           </p:spPr>
+          <p:style>
+            <a:lnRef idx="2">
+              <a:schemeClr val="accent1">
+                <a:shade val="50000"/>
+              </a:schemeClr>
+            </a:lnRef>
+            <a:fillRef idx="1">
+              <a:schemeClr val="accent1"/>
+            </a:fillRef>
+            <a:effectRef idx="0">
+              <a:schemeClr val="accent1"/>
+            </a:effectRef>
+            <a:fontRef idx="minor">
+              <a:schemeClr val="lt1"/>
+            </a:fontRef>
+          </p:style>
           <p:txBody>
-            <a:bodyPr wrap="square">
-              <a:spAutoFit/>
-            </a:bodyPr>
+            <a:bodyPr rtlCol="0" anchor="ctr"/>
             <a:lstStyle/>
             <a:p>
+              <a:pPr algn="ctr"/>
               <a:r>
-                <a:rPr lang="en-US" altLang="zh-CN" sz="1600" b="1" dirty="0">
-                  <a:solidFill>
-                    <a:srgbClr val="0375B6"/>
-                  </a:solidFill>
-                  <a:latin typeface="Arial Black" panose="020B0A04020102020204" pitchFamily="34" charset="0"/>
-                </a:rPr>
-                <a:t>SPSOL</a:t>
+                <a:rPr lang="en-US" altLang="zh-CN" dirty="0"/>
+                <a:t>  </a:t>
               </a:r>
+              <a:endParaRPr lang="zh-CN" altLang="en-US" dirty="0"/>
             </a:p>
           </p:txBody>
         </p:sp>
-      </p:grpSp>
-      <p:grpSp>
-        <p:nvGrpSpPr>
-          <p:cNvPr id="104" name="组合 103"/>
-          <p:cNvGrpSpPr/>
-          <p:nvPr/>
-        </p:nvGrpSpPr>
-        <p:grpSpPr>
-          <a:xfrm>
-            <a:off x="4501309" y="5574920"/>
-            <a:ext cx="1730875" cy="680149"/>
-            <a:chOff x="3978225" y="2663240"/>
-            <a:chExt cx="1730875" cy="680149"/>
-          </a:xfrm>
-        </p:grpSpPr>
+        <p:cxnSp>
+          <p:nvCxnSpPr>
+            <p:cNvPr id="36" name="直接连接符 35"/>
+            <p:cNvCxnSpPr/>
+            <p:nvPr/>
+          </p:nvCxnSpPr>
+          <p:spPr>
+            <a:xfrm flipH="1">
+              <a:off x="6599611" y="3603398"/>
+              <a:ext cx="5743" cy="1485980"/>
+            </a:xfrm>
+            <a:prstGeom prst="line">
+              <a:avLst/>
+            </a:prstGeom>
+            <a:ln w="19050">
+              <a:solidFill>
+                <a:schemeClr val="bg1">
+                  <a:lumMod val="75000"/>
+                </a:schemeClr>
+              </a:solidFill>
+              <a:prstDash val="sysDash"/>
+            </a:ln>
+          </p:spPr>
+          <p:style>
+            <a:lnRef idx="1">
+              <a:schemeClr val="accent1"/>
+            </a:lnRef>
+            <a:fillRef idx="0">
+              <a:schemeClr val="accent1"/>
+            </a:fillRef>
+            <a:effectRef idx="0">
+              <a:schemeClr val="accent1"/>
+            </a:effectRef>
+            <a:fontRef idx="minor">
+              <a:schemeClr val="tx1"/>
+            </a:fontRef>
+          </p:style>
+        </p:cxnSp>
+        <p:cxnSp>
+          <p:nvCxnSpPr>
+            <p:cNvPr id="69" name="直接连接符 68"/>
+            <p:cNvCxnSpPr/>
+            <p:nvPr/>
+          </p:nvCxnSpPr>
+          <p:spPr>
+            <a:xfrm flipH="1">
+              <a:off x="6604444" y="1083383"/>
+              <a:ext cx="4104817" cy="6946"/>
+            </a:xfrm>
+            <a:prstGeom prst="line">
+              <a:avLst/>
+            </a:prstGeom>
+            <a:ln w="19050">
+              <a:solidFill>
+                <a:schemeClr val="bg1">
+                  <a:lumMod val="75000"/>
+                </a:schemeClr>
+              </a:solidFill>
+              <a:prstDash val="sysDash"/>
+            </a:ln>
+          </p:spPr>
+          <p:style>
+            <a:lnRef idx="1">
+              <a:schemeClr val="accent1"/>
+            </a:lnRef>
+            <a:fillRef idx="0">
+              <a:schemeClr val="accent1"/>
+            </a:fillRef>
+            <a:effectRef idx="0">
+              <a:schemeClr val="accent1"/>
+            </a:effectRef>
+            <a:fontRef idx="minor">
+              <a:schemeClr val="tx1"/>
+            </a:fontRef>
+          </p:style>
+        </p:cxnSp>
+        <p:cxnSp>
+          <p:nvCxnSpPr>
+            <p:cNvPr id="80" name="直接连接符 79"/>
+            <p:cNvCxnSpPr/>
+            <p:nvPr/>
+          </p:nvCxnSpPr>
+          <p:spPr>
+            <a:xfrm>
+              <a:off x="8768412" y="1120698"/>
+              <a:ext cx="12309" cy="5065921"/>
+            </a:xfrm>
+            <a:prstGeom prst="line">
+              <a:avLst/>
+            </a:prstGeom>
+            <a:ln w="19050">
+              <a:solidFill>
+                <a:schemeClr val="bg1">
+                  <a:lumMod val="75000"/>
+                </a:schemeClr>
+              </a:solidFill>
+              <a:prstDash val="sysDash"/>
+            </a:ln>
+          </p:spPr>
+          <p:style>
+            <a:lnRef idx="1">
+              <a:schemeClr val="accent1"/>
+            </a:lnRef>
+            <a:fillRef idx="0">
+              <a:schemeClr val="accent1"/>
+            </a:fillRef>
+            <a:effectRef idx="0">
+              <a:schemeClr val="accent1"/>
+            </a:effectRef>
+            <a:fontRef idx="minor">
+              <a:schemeClr val="tx1"/>
+            </a:fontRef>
+          </p:style>
+        </p:cxnSp>
+        <p:sp>
+          <p:nvSpPr>
+            <p:cNvPr id="65" name="矩形 64"/>
+            <p:cNvSpPr/>
+            <p:nvPr/>
+          </p:nvSpPr>
+          <p:spPr>
+            <a:xfrm>
+              <a:off x="4245753" y="1110649"/>
+              <a:ext cx="2355608" cy="2484136"/>
+            </a:xfrm>
+            <a:prstGeom prst="rect">
+              <a:avLst/>
+            </a:prstGeom>
+            <a:noFill/>
+            <a:ln w="19050">
+              <a:solidFill>
+                <a:schemeClr val="bg1">
+                  <a:lumMod val="75000"/>
+                </a:schemeClr>
+              </a:solidFill>
+              <a:prstDash val="sysDash"/>
+            </a:ln>
+          </p:spPr>
+          <p:style>
+            <a:lnRef idx="2">
+              <a:schemeClr val="accent1">
+                <a:shade val="50000"/>
+              </a:schemeClr>
+            </a:lnRef>
+            <a:fillRef idx="1">
+              <a:schemeClr val="accent1"/>
+            </a:fillRef>
+            <a:effectRef idx="0">
+              <a:schemeClr val="accent1"/>
+            </a:effectRef>
+            <a:fontRef idx="minor">
+              <a:schemeClr val="lt1"/>
+            </a:fontRef>
+          </p:style>
+          <p:txBody>
+            <a:bodyPr rtlCol="0" anchor="ctr"/>
+            <a:lstStyle/>
+            <a:p>
+              <a:pPr algn="ctr"/>
+              <a:r>
+                <a:rPr lang="en-US" altLang="zh-CN" dirty="0"/>
+                <a:t>  </a:t>
+              </a:r>
+              <a:endParaRPr lang="zh-CN" altLang="en-US" dirty="0"/>
+            </a:p>
+          </p:txBody>
+        </p:sp>
+        <p:sp>
+          <p:nvSpPr>
+            <p:cNvPr id="67" name="矩形 66"/>
+            <p:cNvSpPr/>
+            <p:nvPr/>
+          </p:nvSpPr>
+          <p:spPr>
+            <a:xfrm>
+              <a:off x="4245753" y="5082974"/>
+              <a:ext cx="2350705" cy="1103646"/>
+            </a:xfrm>
+            <a:prstGeom prst="rect">
+              <a:avLst/>
+            </a:prstGeom>
+            <a:noFill/>
+            <a:ln w="19050">
+              <a:solidFill>
+                <a:schemeClr val="bg1">
+                  <a:lumMod val="75000"/>
+                </a:schemeClr>
+              </a:solidFill>
+              <a:prstDash val="sysDash"/>
+            </a:ln>
+          </p:spPr>
+          <p:style>
+            <a:lnRef idx="2">
+              <a:schemeClr val="accent1">
+                <a:shade val="50000"/>
+              </a:schemeClr>
+            </a:lnRef>
+            <a:fillRef idx="1">
+              <a:schemeClr val="accent1"/>
+            </a:fillRef>
+            <a:effectRef idx="0">
+              <a:schemeClr val="accent1"/>
+            </a:effectRef>
+            <a:fontRef idx="minor">
+              <a:schemeClr val="lt1"/>
+            </a:fontRef>
+          </p:style>
+          <p:txBody>
+            <a:bodyPr rtlCol="0" anchor="ctr"/>
+            <a:lstStyle/>
+            <a:p>
+              <a:pPr algn="ctr"/>
+              <a:r>
+                <a:rPr lang="en-US" altLang="zh-CN" dirty="0"/>
+                <a:t>  </a:t>
+              </a:r>
+              <a:endParaRPr lang="zh-CN" altLang="en-US" dirty="0"/>
+            </a:p>
+          </p:txBody>
+        </p:sp>
+        <p:sp>
+          <p:nvSpPr>
+            <p:cNvPr id="64" name="矩形 63"/>
+            <p:cNvSpPr/>
+            <p:nvPr/>
+          </p:nvSpPr>
+          <p:spPr>
+            <a:xfrm>
+              <a:off x="4242737" y="595515"/>
+              <a:ext cx="6466523" cy="5591105"/>
+            </a:xfrm>
+            <a:prstGeom prst="rect">
+              <a:avLst/>
+            </a:prstGeom>
+            <a:noFill/>
+            <a:ln w="28575"/>
+          </p:spPr>
+          <p:style>
+            <a:lnRef idx="2">
+              <a:schemeClr val="accent1">
+                <a:shade val="50000"/>
+              </a:schemeClr>
+            </a:lnRef>
+            <a:fillRef idx="1">
+              <a:schemeClr val="accent1"/>
+            </a:fillRef>
+            <a:effectRef idx="0">
+              <a:schemeClr val="accent1"/>
+            </a:effectRef>
+            <a:fontRef idx="minor">
+              <a:schemeClr val="lt1"/>
+            </a:fontRef>
+          </p:style>
+          <p:txBody>
+            <a:bodyPr rtlCol="0" anchor="ctr"/>
+            <a:lstStyle/>
+            <a:p>
+              <a:pPr algn="ctr"/>
+              <a:r>
+                <a:rPr lang="en-US" altLang="zh-CN" dirty="0"/>
+                <a:t>  </a:t>
+              </a:r>
+              <a:endParaRPr lang="zh-CN" altLang="en-US" dirty="0"/>
+            </a:p>
+          </p:txBody>
+        </p:sp>
         <p:grpSp>
           <p:nvGrpSpPr>
-            <p:cNvPr id="105" name="组合 104"/>
+            <p:cNvPr id="92" name="组合 91"/>
             <p:cNvGrpSpPr/>
             <p:nvPr/>
           </p:nvGrpSpPr>
           <p:grpSpPr>
             <a:xfrm>
-              <a:off x="3978225" y="2663240"/>
-              <a:ext cx="1730875" cy="338554"/>
-              <a:chOff x="3978225" y="2663240"/>
-              <a:chExt cx="1730875" cy="338554"/>
+              <a:off x="8862705" y="1742797"/>
+              <a:ext cx="1752262" cy="677108"/>
+              <a:chOff x="3931506" y="2165790"/>
+              <a:chExt cx="1752262" cy="677108"/>
             </a:xfrm>
           </p:grpSpPr>
           <p:sp>
             <p:nvSpPr>
-              <p:cNvPr id="107" name="矩形 106"/>
+              <p:cNvPr id="93" name="矩形 92"/>
               <p:cNvSpPr/>
               <p:nvPr/>
             </p:nvSpPr>
             <p:spPr>
               <a:xfrm>
-                <a:off x="3978225" y="2663240"/>
-                <a:ext cx="765475" cy="338554"/>
+                <a:off x="3931506" y="2165790"/>
+                <a:ext cx="969406" cy="338554"/>
               </a:xfrm>
               <a:prstGeom prst="rect">
                 <a:avLst/>
@@ -6374,21 +6020,21 @@
                     </a:solidFill>
                     <a:latin typeface="Arial Black" panose="020B0A04020102020204" pitchFamily="34" charset="0"/>
                   </a:rPr>
-                  <a:t>GL25</a:t>
+                  <a:t>SHADE</a:t>
                 </a:r>
               </a:p>
             </p:txBody>
           </p:sp>
           <p:sp>
             <p:nvSpPr>
-              <p:cNvPr id="108" name="矩形 107"/>
+              <p:cNvPr id="94" name="矩形 93"/>
               <p:cNvSpPr/>
               <p:nvPr/>
             </p:nvSpPr>
             <p:spPr>
               <a:xfrm>
-                <a:off x="4743700" y="2663240"/>
-                <a:ext cx="965400" cy="338554"/>
+                <a:off x="4900912" y="2165790"/>
+                <a:ext cx="782856" cy="338554"/>
               </a:xfrm>
               <a:prstGeom prst="rect">
                 <a:avLst/>
@@ -6407,1161 +6053,444 @@
                     </a:solidFill>
                     <a:latin typeface="Arial Black" panose="020B0A04020102020204" pitchFamily="34" charset="0"/>
                   </a:rPr>
-                  <a:t>G3PCX</a:t>
+                  <a:t>JADE</a:t>
+                </a:r>
+              </a:p>
+            </p:txBody>
+          </p:sp>
+          <p:sp>
+            <p:nvSpPr>
+              <p:cNvPr id="95" name="矩形 94"/>
+              <p:cNvSpPr/>
+              <p:nvPr/>
+            </p:nvSpPr>
+            <p:spPr>
+              <a:xfrm>
+                <a:off x="4087265" y="2504344"/>
+                <a:ext cx="657888" cy="338554"/>
+              </a:xfrm>
+              <a:prstGeom prst="rect">
+                <a:avLst/>
+              </a:prstGeom>
+            </p:spPr>
+            <p:txBody>
+              <a:bodyPr wrap="square">
+                <a:spAutoFit/>
+              </a:bodyPr>
+              <a:lstStyle/>
+              <a:p>
+                <a:r>
+                  <a:rPr lang="en-US" altLang="zh-CN" sz="1600" b="1" dirty="0">
+                    <a:solidFill>
+                      <a:srgbClr val="0375B6"/>
+                    </a:solidFill>
+                    <a:latin typeface="Arial Black" panose="020B0A04020102020204" pitchFamily="34" charset="0"/>
+                  </a:rPr>
+                  <a:t>CDE</a:t>
+                </a:r>
+              </a:p>
+            </p:txBody>
+          </p:sp>
+          <p:sp>
+            <p:nvSpPr>
+              <p:cNvPr id="96" name="矩形 95"/>
+              <p:cNvSpPr/>
+              <p:nvPr/>
+            </p:nvSpPr>
+            <p:spPr>
+              <a:xfrm>
+                <a:off x="4969648" y="2504344"/>
+                <a:ext cx="645383" cy="338554"/>
+              </a:xfrm>
+              <a:prstGeom prst="rect">
+                <a:avLst/>
+              </a:prstGeom>
+            </p:spPr>
+            <p:txBody>
+              <a:bodyPr wrap="square">
+                <a:spAutoFit/>
+              </a:bodyPr>
+              <a:lstStyle/>
+              <a:p>
+                <a:r>
+                  <a:rPr lang="en-US" altLang="zh-CN" sz="1600" b="1" dirty="0">
+                    <a:solidFill>
+                      <a:srgbClr val="0375B6"/>
+                    </a:solidFill>
+                    <a:latin typeface="Arial Black" panose="020B0A04020102020204" pitchFamily="34" charset="0"/>
+                  </a:rPr>
+                  <a:t>TDE</a:t>
                 </a:r>
               </a:p>
             </p:txBody>
           </p:sp>
         </p:grpSp>
-        <p:sp>
-          <p:nvSpPr>
-            <p:cNvPr id="106" name="矩形 105"/>
-            <p:cNvSpPr/>
-            <p:nvPr/>
-          </p:nvSpPr>
-          <p:spPr>
-            <a:xfrm>
-              <a:off x="4217806" y="3004835"/>
-              <a:ext cx="1252622" cy="338554"/>
-            </a:xfrm>
-            <a:prstGeom prst="rect">
-              <a:avLst/>
-            </a:prstGeom>
-          </p:spPr>
-          <p:txBody>
-            <a:bodyPr wrap="square">
-              <a:spAutoFit/>
-            </a:bodyPr>
-            <a:lstStyle/>
-            <a:p>
-              <a:r>
-                <a:rPr lang="en-US" altLang="zh-CN" sz="1600" b="1" dirty="0">
-                  <a:solidFill>
-                    <a:srgbClr val="0375B6"/>
-                  </a:solidFill>
-                  <a:latin typeface="Arial Black" panose="020B0A04020102020204" pitchFamily="34" charset="0"/>
-                </a:rPr>
-                <a:t>GENITOR</a:t>
-              </a:r>
-            </a:p>
-          </p:txBody>
-        </p:sp>
-      </p:grpSp>
-      <p:grpSp>
-        <p:nvGrpSpPr>
-          <p:cNvPr id="109" name="组合 108"/>
-          <p:cNvGrpSpPr/>
-          <p:nvPr/>
-        </p:nvGrpSpPr>
-        <p:grpSpPr>
-          <a:xfrm>
-            <a:off x="4306773" y="4116884"/>
-            <a:ext cx="2226917" cy="1023321"/>
-            <a:chOff x="3576473" y="2362693"/>
-            <a:chExt cx="2226917" cy="1015662"/>
-          </a:xfrm>
-        </p:grpSpPr>
-        <p:sp>
-          <p:nvSpPr>
-            <p:cNvPr id="110" name="矩形 109"/>
-            <p:cNvSpPr/>
-            <p:nvPr/>
-          </p:nvSpPr>
-          <p:spPr>
-            <a:xfrm>
-              <a:off x="3576473" y="2362693"/>
-              <a:ext cx="1023478" cy="338554"/>
-            </a:xfrm>
-            <a:prstGeom prst="rect">
-              <a:avLst/>
-            </a:prstGeom>
-          </p:spPr>
-          <p:txBody>
-            <a:bodyPr wrap="square">
-              <a:spAutoFit/>
-            </a:bodyPr>
-            <a:lstStyle/>
-            <a:p>
-              <a:pPr algn="ctr"/>
-              <a:r>
-                <a:rPr lang="en-US" altLang="zh-CN" sz="1600" b="1" dirty="0">
-                  <a:solidFill>
-                    <a:srgbClr val="F37F40"/>
-                  </a:solidFill>
-                  <a:latin typeface="Arial Black" panose="020B0A04020102020204" pitchFamily="34" charset="0"/>
-                </a:rPr>
-                <a:t>VDCMA</a:t>
-              </a:r>
-            </a:p>
-          </p:txBody>
-        </p:sp>
-        <p:sp>
-          <p:nvSpPr>
-            <p:cNvPr id="111" name="矩形 110"/>
-            <p:cNvSpPr/>
-            <p:nvPr/>
-          </p:nvSpPr>
-          <p:spPr>
-            <a:xfrm>
-              <a:off x="4599951" y="2362693"/>
-              <a:ext cx="1203439" cy="338554"/>
-            </a:xfrm>
-            <a:prstGeom prst="rect">
-              <a:avLst/>
-            </a:prstGeom>
-          </p:spPr>
-          <p:txBody>
-            <a:bodyPr wrap="square">
-              <a:spAutoFit/>
-            </a:bodyPr>
-            <a:lstStyle/>
-            <a:p>
-              <a:r>
-                <a:rPr lang="en-US" altLang="zh-CN" sz="1600" b="1" dirty="0">
-                  <a:solidFill>
-                    <a:srgbClr val="F37F40"/>
-                  </a:solidFill>
-                  <a:latin typeface="Arial Black" panose="020B0A04020102020204" pitchFamily="34" charset="0"/>
-                </a:rPr>
-                <a:t>VKDCMA</a:t>
-              </a:r>
-            </a:p>
-          </p:txBody>
-        </p:sp>
-        <p:sp>
-          <p:nvSpPr>
-            <p:cNvPr id="112" name="矩形 111"/>
-            <p:cNvSpPr/>
-            <p:nvPr/>
-          </p:nvSpPr>
-          <p:spPr>
-            <a:xfrm>
-              <a:off x="3687506" y="2701247"/>
-              <a:ext cx="801412" cy="338554"/>
-            </a:xfrm>
-            <a:prstGeom prst="rect">
-              <a:avLst/>
-            </a:prstGeom>
-          </p:spPr>
-          <p:txBody>
-            <a:bodyPr wrap="square">
-              <a:spAutoFit/>
-            </a:bodyPr>
-            <a:lstStyle/>
-            <a:p>
-              <a:r>
-                <a:rPr lang="en-US" altLang="zh-CN" sz="1600" b="1" dirty="0">
-                  <a:solidFill>
-                    <a:srgbClr val="F37F40"/>
-                  </a:solidFill>
-                  <a:latin typeface="Arial Black" panose="020B0A04020102020204" pitchFamily="34" charset="0"/>
-                </a:rPr>
-                <a:t>SNES</a:t>
-              </a:r>
-            </a:p>
-          </p:txBody>
-        </p:sp>
-        <p:sp>
-          <p:nvSpPr>
-            <p:cNvPr id="113" name="矩形 112"/>
-            <p:cNvSpPr/>
-            <p:nvPr/>
-          </p:nvSpPr>
-          <p:spPr>
-            <a:xfrm>
-              <a:off x="4723734" y="2701247"/>
-              <a:ext cx="955873" cy="338554"/>
-            </a:xfrm>
-            <a:prstGeom prst="rect">
-              <a:avLst/>
-            </a:prstGeom>
-          </p:spPr>
-          <p:txBody>
-            <a:bodyPr wrap="square">
-              <a:spAutoFit/>
-            </a:bodyPr>
-            <a:lstStyle/>
-            <a:p>
-              <a:r>
-                <a:rPr lang="en-US" altLang="zh-CN" sz="1600" b="1" dirty="0">
-                  <a:solidFill>
-                    <a:srgbClr val="F37F40"/>
-                  </a:solidFill>
-                  <a:latin typeface="Arial Black" panose="020B0A04020102020204" pitchFamily="34" charset="0"/>
-                </a:rPr>
-                <a:t>R1NES</a:t>
-              </a:r>
-            </a:p>
-          </p:txBody>
-        </p:sp>
-        <p:sp>
-          <p:nvSpPr>
-            <p:cNvPr id="114" name="矩形 113"/>
-            <p:cNvSpPr/>
-            <p:nvPr/>
-          </p:nvSpPr>
-          <p:spPr>
-            <a:xfrm>
-              <a:off x="3675527" y="3039801"/>
-              <a:ext cx="825370" cy="338554"/>
-            </a:xfrm>
-            <a:prstGeom prst="rect">
-              <a:avLst/>
-            </a:prstGeom>
-          </p:spPr>
-          <p:txBody>
-            <a:bodyPr wrap="square">
-              <a:spAutoFit/>
-            </a:bodyPr>
-            <a:lstStyle/>
-            <a:p>
-              <a:r>
-                <a:rPr lang="en-US" altLang="zh-CN" sz="1600" b="1" dirty="0">
-                  <a:solidFill>
-                    <a:srgbClr val="0375B6"/>
-                  </a:solidFill>
-                  <a:latin typeface="Arial Black" panose="020B0A04020102020204" pitchFamily="34" charset="0"/>
-                </a:rPr>
-                <a:t>XNES</a:t>
-              </a:r>
-            </a:p>
-          </p:txBody>
-        </p:sp>
-        <p:sp>
-          <p:nvSpPr>
-            <p:cNvPr id="115" name="矩形 114"/>
-            <p:cNvSpPr/>
-            <p:nvPr/>
-          </p:nvSpPr>
-          <p:spPr>
-            <a:xfrm>
-              <a:off x="4797604" y="3039801"/>
-              <a:ext cx="808132" cy="338554"/>
-            </a:xfrm>
-            <a:prstGeom prst="rect">
-              <a:avLst/>
-            </a:prstGeom>
-          </p:spPr>
-          <p:txBody>
-            <a:bodyPr wrap="square">
-              <a:spAutoFit/>
-            </a:bodyPr>
-            <a:lstStyle/>
-            <a:p>
-              <a:r>
-                <a:rPr lang="en-US" altLang="zh-CN" sz="1600" b="1" dirty="0">
-                  <a:solidFill>
-                    <a:srgbClr val="0375B6"/>
-                  </a:solidFill>
-                  <a:latin typeface="Arial Black" panose="020B0A04020102020204" pitchFamily="34" charset="0"/>
-                </a:rPr>
-                <a:t>ENES</a:t>
-              </a:r>
-            </a:p>
-          </p:txBody>
-        </p:sp>
-      </p:grpSp>
-      <p:grpSp>
-        <p:nvGrpSpPr>
-          <p:cNvPr id="116" name="组合 115"/>
-          <p:cNvGrpSpPr/>
-          <p:nvPr/>
-        </p:nvGrpSpPr>
-        <p:grpSpPr>
-          <a:xfrm>
-            <a:off x="4201479" y="1625686"/>
-            <a:ext cx="2437916" cy="1936928"/>
-            <a:chOff x="1443749" y="1612529"/>
-            <a:chExt cx="2437916" cy="1936928"/>
-          </a:xfrm>
-        </p:grpSpPr>
-        <p:sp>
-          <p:nvSpPr>
-            <p:cNvPr id="117" name="矩形 116"/>
-            <p:cNvSpPr/>
-            <p:nvPr/>
-          </p:nvSpPr>
-          <p:spPr>
-            <a:xfrm>
-              <a:off x="1537585" y="1612529"/>
-              <a:ext cx="862216" cy="338554"/>
-            </a:xfrm>
-            <a:prstGeom prst="rect">
-              <a:avLst/>
-            </a:prstGeom>
-          </p:spPr>
-          <p:txBody>
-            <a:bodyPr wrap="square">
-              <a:spAutoFit/>
-            </a:bodyPr>
-            <a:lstStyle/>
-            <a:p>
-              <a:pPr algn="ctr"/>
-              <a:r>
-                <a:rPr lang="en-US" altLang="zh-CN" sz="1600" b="1" dirty="0">
-                  <a:solidFill>
-                    <a:srgbClr val="F37F40"/>
-                  </a:solidFill>
-                  <a:latin typeface="Arial Black" panose="020B0A04020102020204" pitchFamily="34" charset="0"/>
-                </a:rPr>
-                <a:t>MMES</a:t>
-              </a:r>
-            </a:p>
-          </p:txBody>
-        </p:sp>
-        <p:sp>
-          <p:nvSpPr>
-            <p:cNvPr id="118" name="矩形 117"/>
-            <p:cNvSpPr/>
-            <p:nvPr/>
-          </p:nvSpPr>
-          <p:spPr>
-            <a:xfrm>
-              <a:off x="2587474" y="1612529"/>
-              <a:ext cx="1162878" cy="338554"/>
-            </a:xfrm>
-            <a:prstGeom prst="rect">
-              <a:avLst/>
-            </a:prstGeom>
-          </p:spPr>
-          <p:txBody>
-            <a:bodyPr wrap="square">
-              <a:spAutoFit/>
-            </a:bodyPr>
-            <a:lstStyle/>
-            <a:p>
-              <a:r>
-                <a:rPr lang="en-US" altLang="zh-CN" sz="1600" b="1" dirty="0">
-                  <a:solidFill>
-                    <a:srgbClr val="F37F40"/>
-                  </a:solidFill>
-                  <a:latin typeface="Arial Black" panose="020B0A04020102020204" pitchFamily="34" charset="0"/>
-                </a:rPr>
-                <a:t>LMMAES</a:t>
-              </a:r>
-            </a:p>
-          </p:txBody>
-        </p:sp>
-        <p:sp>
-          <p:nvSpPr>
-            <p:cNvPr id="119" name="矩形 118"/>
-            <p:cNvSpPr/>
-            <p:nvPr/>
-          </p:nvSpPr>
-          <p:spPr>
-            <a:xfrm>
-              <a:off x="1443749" y="1903885"/>
-              <a:ext cx="1049889" cy="338554"/>
-            </a:xfrm>
-            <a:prstGeom prst="rect">
-              <a:avLst/>
-            </a:prstGeom>
-          </p:spPr>
-          <p:txBody>
-            <a:bodyPr wrap="square">
-              <a:spAutoFit/>
-            </a:bodyPr>
-            <a:lstStyle/>
-            <a:p>
-              <a:r>
-                <a:rPr lang="en-US" altLang="zh-CN" sz="1600" b="1" dirty="0">
-                  <a:solidFill>
-                    <a:srgbClr val="F37F40"/>
-                  </a:solidFill>
-                  <a:latin typeface="Arial Black" panose="020B0A04020102020204" pitchFamily="34" charset="0"/>
-                </a:rPr>
-                <a:t>LMCMA</a:t>
-              </a:r>
-            </a:p>
-          </p:txBody>
-        </p:sp>
-        <p:sp>
-          <p:nvSpPr>
-            <p:cNvPr id="120" name="矩形 119"/>
-            <p:cNvSpPr/>
-            <p:nvPr/>
-          </p:nvSpPr>
-          <p:spPr>
-            <a:xfrm>
-              <a:off x="2506680" y="1903885"/>
-              <a:ext cx="1324465" cy="338554"/>
-            </a:xfrm>
-            <a:prstGeom prst="rect">
-              <a:avLst/>
-            </a:prstGeom>
-          </p:spPr>
-          <p:txBody>
-            <a:bodyPr wrap="square">
-              <a:spAutoFit/>
-            </a:bodyPr>
-            <a:lstStyle/>
-            <a:p>
-              <a:r>
-                <a:rPr lang="en-US" altLang="zh-CN" sz="1600" b="1" dirty="0">
-                  <a:solidFill>
-                    <a:srgbClr val="F37F40"/>
-                  </a:solidFill>
-                  <a:latin typeface="Arial Black" panose="020B0A04020102020204" pitchFamily="34" charset="0"/>
-                </a:rPr>
-                <a:t>LMCMAES</a:t>
-              </a:r>
-            </a:p>
-          </p:txBody>
-        </p:sp>
-        <p:sp>
-          <p:nvSpPr>
-            <p:cNvPr id="121" name="矩形 120"/>
-            <p:cNvSpPr/>
-            <p:nvPr/>
-          </p:nvSpPr>
-          <p:spPr>
-            <a:xfrm>
-              <a:off x="1550790" y="2242439"/>
-              <a:ext cx="835806" cy="338554"/>
-            </a:xfrm>
-            <a:prstGeom prst="rect">
-              <a:avLst/>
-            </a:prstGeom>
-          </p:spPr>
-          <p:txBody>
-            <a:bodyPr wrap="square">
-              <a:spAutoFit/>
-            </a:bodyPr>
-            <a:lstStyle/>
-            <a:p>
-              <a:r>
-                <a:rPr lang="en-US" altLang="zh-CN" sz="1600" b="1" dirty="0">
-                  <a:solidFill>
-                    <a:srgbClr val="F37F40"/>
-                  </a:solidFill>
-                  <a:latin typeface="Arial Black" panose="020B0A04020102020204" pitchFamily="34" charset="0"/>
-                </a:rPr>
-                <a:t>RMES</a:t>
-              </a:r>
-            </a:p>
-          </p:txBody>
-        </p:sp>
-        <p:sp>
-          <p:nvSpPr>
-            <p:cNvPr id="122" name="矩形 121"/>
-            <p:cNvSpPr/>
-            <p:nvPr/>
-          </p:nvSpPr>
-          <p:spPr>
-            <a:xfrm>
-              <a:off x="2429761" y="2530322"/>
-              <a:ext cx="1425781" cy="338554"/>
-            </a:xfrm>
-            <a:prstGeom prst="rect">
-              <a:avLst/>
-            </a:prstGeom>
-          </p:spPr>
-          <p:txBody>
-            <a:bodyPr wrap="square">
-              <a:spAutoFit/>
-            </a:bodyPr>
-            <a:lstStyle/>
-            <a:p>
-              <a:r>
-                <a:rPr lang="en-US" altLang="zh-CN" sz="1600" b="1" dirty="0">
-                  <a:solidFill>
-                    <a:srgbClr val="F37F40"/>
-                  </a:solidFill>
-                  <a:latin typeface="Arial Black" panose="020B0A04020102020204" pitchFamily="34" charset="0"/>
-                </a:rPr>
-                <a:t>SEPCMAES</a:t>
-              </a:r>
-            </a:p>
-          </p:txBody>
-        </p:sp>
-        <p:sp>
-          <p:nvSpPr>
-            <p:cNvPr id="123" name="矩形 122"/>
-            <p:cNvSpPr/>
-            <p:nvPr/>
-          </p:nvSpPr>
-          <p:spPr>
-            <a:xfrm>
-              <a:off x="1570754" y="2533795"/>
-              <a:ext cx="795877" cy="338554"/>
-            </a:xfrm>
-            <a:prstGeom prst="rect">
-              <a:avLst/>
-            </a:prstGeom>
-          </p:spPr>
-          <p:txBody>
-            <a:bodyPr wrap="square">
-              <a:spAutoFit/>
-            </a:bodyPr>
-            <a:lstStyle/>
-            <a:p>
-              <a:r>
-                <a:rPr lang="en-US" altLang="zh-CN" sz="1600" b="1" dirty="0">
-                  <a:solidFill>
-                    <a:srgbClr val="F37F40"/>
-                  </a:solidFill>
-                  <a:latin typeface="Arial Black" panose="020B0A04020102020204" pitchFamily="34" charset="0"/>
-                </a:rPr>
-                <a:t>R1ES</a:t>
-              </a:r>
-            </a:p>
-          </p:txBody>
-        </p:sp>
-        <p:sp>
-          <p:nvSpPr>
-            <p:cNvPr id="124" name="矩形 123"/>
-            <p:cNvSpPr/>
-            <p:nvPr/>
-          </p:nvSpPr>
-          <p:spPr>
-            <a:xfrm>
-              <a:off x="2456158" y="2242439"/>
-              <a:ext cx="1425507" cy="338554"/>
-            </a:xfrm>
-            <a:prstGeom prst="rect">
-              <a:avLst/>
-            </a:prstGeom>
-          </p:spPr>
-          <p:txBody>
-            <a:bodyPr wrap="square">
-              <a:spAutoFit/>
-            </a:bodyPr>
-            <a:lstStyle/>
-            <a:p>
-              <a:pPr algn="ctr"/>
-              <a:r>
-                <a:rPr lang="en-US" altLang="zh-CN" sz="1600" b="1" dirty="0">
-                  <a:solidFill>
-                    <a:srgbClr val="F37F40"/>
-                  </a:solidFill>
-                  <a:latin typeface="Arial Black" panose="020B0A04020102020204" pitchFamily="34" charset="0"/>
-                </a:rPr>
-                <a:t>CCMAES</a:t>
-              </a:r>
-            </a:p>
-          </p:txBody>
-        </p:sp>
-        <p:sp>
-          <p:nvSpPr>
-            <p:cNvPr id="125" name="矩形 124"/>
-            <p:cNvSpPr/>
-            <p:nvPr/>
-          </p:nvSpPr>
-          <p:spPr>
-            <a:xfrm>
-              <a:off x="1461717" y="2872349"/>
-              <a:ext cx="1013950" cy="338554"/>
-            </a:xfrm>
-            <a:prstGeom prst="rect">
-              <a:avLst/>
-            </a:prstGeom>
-          </p:spPr>
-          <p:txBody>
-            <a:bodyPr wrap="square">
-              <a:spAutoFit/>
-            </a:bodyPr>
-            <a:lstStyle/>
-            <a:p>
-              <a:r>
-                <a:rPr lang="en-US" altLang="zh-CN" sz="1600" b="1" dirty="0">
-                  <a:solidFill>
-                    <a:srgbClr val="0375B6"/>
-                  </a:solidFill>
-                  <a:latin typeface="Arial Black" panose="020B0A04020102020204" pitchFamily="34" charset="0"/>
-                </a:rPr>
-                <a:t>DDCMA</a:t>
-              </a:r>
-            </a:p>
-          </p:txBody>
-        </p:sp>
-        <p:sp>
-          <p:nvSpPr>
-            <p:cNvPr id="126" name="矩形 125"/>
-            <p:cNvSpPr/>
-            <p:nvPr/>
-          </p:nvSpPr>
-          <p:spPr>
-            <a:xfrm>
-              <a:off x="2661935" y="2872349"/>
-              <a:ext cx="1013951" cy="338554"/>
-            </a:xfrm>
-            <a:prstGeom prst="rect">
-              <a:avLst/>
-            </a:prstGeom>
-          </p:spPr>
-          <p:txBody>
-            <a:bodyPr wrap="square">
-              <a:spAutoFit/>
-            </a:bodyPr>
-            <a:lstStyle/>
-            <a:p>
-              <a:r>
-                <a:rPr lang="en-US" altLang="zh-CN" sz="1600" b="1" dirty="0">
-                  <a:solidFill>
-                    <a:srgbClr val="0375B6"/>
-                  </a:solidFill>
-                  <a:latin typeface="Arial Black" panose="020B0A04020102020204" pitchFamily="34" charset="0"/>
-                </a:rPr>
-                <a:t>FMAES</a:t>
-              </a:r>
-            </a:p>
-          </p:txBody>
-        </p:sp>
-        <p:sp>
-          <p:nvSpPr>
-            <p:cNvPr id="127" name="矩形 126"/>
-            <p:cNvSpPr/>
-            <p:nvPr/>
-          </p:nvSpPr>
-          <p:spPr>
-            <a:xfrm>
-              <a:off x="1461717" y="3210903"/>
-              <a:ext cx="1013950" cy="338554"/>
-            </a:xfrm>
-            <a:prstGeom prst="rect">
-              <a:avLst/>
-            </a:prstGeom>
-          </p:spPr>
-          <p:txBody>
-            <a:bodyPr wrap="square">
-              <a:spAutoFit/>
-            </a:bodyPr>
-            <a:lstStyle/>
-            <a:p>
-              <a:r>
-                <a:rPr lang="en-US" altLang="zh-CN" sz="1600" b="1" dirty="0">
-                  <a:solidFill>
-                    <a:srgbClr val="0375B6"/>
-                  </a:solidFill>
-                  <a:latin typeface="Arial Black" panose="020B0A04020102020204" pitchFamily="34" charset="0"/>
-                </a:rPr>
-                <a:t>CMAES</a:t>
-              </a:r>
-            </a:p>
-          </p:txBody>
-        </p:sp>
-        <p:sp>
-          <p:nvSpPr>
-            <p:cNvPr id="128" name="矩形 127"/>
-            <p:cNvSpPr/>
-            <p:nvPr/>
-          </p:nvSpPr>
-          <p:spPr>
-            <a:xfrm>
-              <a:off x="2809538" y="3210903"/>
-              <a:ext cx="718743" cy="338554"/>
-            </a:xfrm>
-            <a:prstGeom prst="rect">
-              <a:avLst/>
-            </a:prstGeom>
-          </p:spPr>
-          <p:txBody>
-            <a:bodyPr wrap="square">
-              <a:spAutoFit/>
-            </a:bodyPr>
-            <a:lstStyle/>
-            <a:p>
-              <a:r>
-                <a:rPr lang="en-US" altLang="zh-CN" sz="1600" b="1" dirty="0">
-                  <a:solidFill>
-                    <a:srgbClr val="0375B6"/>
-                  </a:solidFill>
-                  <a:latin typeface="Arial Black" panose="020B0A04020102020204" pitchFamily="34" charset="0"/>
-                </a:rPr>
-                <a:t>… …</a:t>
-              </a:r>
-            </a:p>
-          </p:txBody>
-        </p:sp>
-      </p:grpSp>
-      <p:grpSp>
-        <p:nvGrpSpPr>
-          <p:cNvPr id="140" name="组合 139"/>
-          <p:cNvGrpSpPr/>
-          <p:nvPr/>
-        </p:nvGrpSpPr>
-        <p:grpSpPr>
-          <a:xfrm>
-            <a:off x="8855034" y="5549286"/>
-            <a:ext cx="1752262" cy="677108"/>
-            <a:chOff x="3931506" y="2165790"/>
-            <a:chExt cx="1752262" cy="677108"/>
-          </a:xfrm>
-        </p:grpSpPr>
-        <p:sp>
-          <p:nvSpPr>
-            <p:cNvPr id="141" name="矩形 140"/>
-            <p:cNvSpPr/>
-            <p:nvPr/>
-          </p:nvSpPr>
-          <p:spPr>
-            <a:xfrm>
-              <a:off x="3931506" y="2165790"/>
-              <a:ext cx="969406" cy="338554"/>
-            </a:xfrm>
-            <a:prstGeom prst="rect">
-              <a:avLst/>
-            </a:prstGeom>
-          </p:spPr>
-          <p:txBody>
-            <a:bodyPr wrap="square">
-              <a:spAutoFit/>
-            </a:bodyPr>
-            <a:lstStyle/>
-            <a:p>
-              <a:pPr algn="ctr"/>
-              <a:r>
-                <a:rPr lang="en-US" altLang="zh-CN" sz="1600" b="1" dirty="0">
-                  <a:solidFill>
-                    <a:srgbClr val="F37F40"/>
-                  </a:solidFill>
-                  <a:latin typeface="Arial Black" panose="020B0A04020102020204" pitchFamily="34" charset="0"/>
-                </a:rPr>
-                <a:t>BES</a:t>
-              </a:r>
-            </a:p>
-          </p:txBody>
-        </p:sp>
-        <p:sp>
-          <p:nvSpPr>
-            <p:cNvPr id="142" name="矩形 141"/>
-            <p:cNvSpPr/>
-            <p:nvPr/>
-          </p:nvSpPr>
-          <p:spPr>
-            <a:xfrm>
-              <a:off x="4900912" y="2165790"/>
-              <a:ext cx="782856" cy="338554"/>
-            </a:xfrm>
-            <a:prstGeom prst="rect">
-              <a:avLst/>
-            </a:prstGeom>
-          </p:spPr>
-          <p:txBody>
-            <a:bodyPr wrap="square">
-              <a:spAutoFit/>
-            </a:bodyPr>
-            <a:lstStyle/>
-            <a:p>
-              <a:pPr algn="ctr"/>
-              <a:r>
-                <a:rPr lang="en-US" altLang="zh-CN" sz="1600" b="1" dirty="0">
-                  <a:solidFill>
-                    <a:srgbClr val="F37F40"/>
-                  </a:solidFill>
-                  <a:latin typeface="Arial Black" panose="020B0A04020102020204" pitchFamily="34" charset="0"/>
-                </a:rPr>
-                <a:t>GS</a:t>
-              </a:r>
-            </a:p>
-          </p:txBody>
-        </p:sp>
-        <p:sp>
-          <p:nvSpPr>
-            <p:cNvPr id="143" name="矩形 142"/>
-            <p:cNvSpPr/>
-            <p:nvPr/>
-          </p:nvSpPr>
-          <p:spPr>
-            <a:xfrm>
-              <a:off x="4087265" y="2504344"/>
-              <a:ext cx="657888" cy="338554"/>
-            </a:xfrm>
-            <a:prstGeom prst="rect">
-              <a:avLst/>
-            </a:prstGeom>
-          </p:spPr>
-          <p:txBody>
-            <a:bodyPr wrap="square">
-              <a:spAutoFit/>
-            </a:bodyPr>
-            <a:lstStyle/>
-            <a:p>
-              <a:r>
-                <a:rPr lang="en-US" altLang="zh-CN" sz="1600" b="1" dirty="0">
-                  <a:solidFill>
-                    <a:srgbClr val="0375B6"/>
-                  </a:solidFill>
-                  <a:latin typeface="Arial Black" panose="020B0A04020102020204" pitchFamily="34" charset="0"/>
-                </a:rPr>
-                <a:t>SRS</a:t>
-              </a:r>
-            </a:p>
-          </p:txBody>
-        </p:sp>
-        <p:sp>
-          <p:nvSpPr>
-            <p:cNvPr id="144" name="矩形 143"/>
-            <p:cNvSpPr/>
-            <p:nvPr/>
-          </p:nvSpPr>
-          <p:spPr>
-            <a:xfrm>
-              <a:off x="4969648" y="2504344"/>
-              <a:ext cx="645383" cy="338554"/>
-            </a:xfrm>
-            <a:prstGeom prst="rect">
-              <a:avLst/>
-            </a:prstGeom>
-          </p:spPr>
-          <p:txBody>
-            <a:bodyPr wrap="square">
-              <a:spAutoFit/>
-            </a:bodyPr>
-            <a:lstStyle/>
-            <a:p>
-              <a:r>
-                <a:rPr lang="en-US" altLang="zh-CN" sz="1600" b="1" dirty="0">
-                  <a:solidFill>
-                    <a:srgbClr val="0375B6"/>
-                  </a:solidFill>
-                  <a:latin typeface="Arial Black" panose="020B0A04020102020204" pitchFamily="34" charset="0"/>
-                </a:rPr>
-                <a:t>PRS</a:t>
-              </a:r>
-            </a:p>
-          </p:txBody>
-        </p:sp>
-      </p:grpSp>
-      <p:grpSp>
-        <p:nvGrpSpPr>
-          <p:cNvPr id="145" name="组合 144"/>
-          <p:cNvGrpSpPr/>
-          <p:nvPr/>
-        </p:nvGrpSpPr>
-        <p:grpSpPr>
-          <a:xfrm>
-            <a:off x="6721980" y="5564948"/>
-            <a:ext cx="1834246" cy="677108"/>
-            <a:chOff x="3849522" y="2165790"/>
-            <a:chExt cx="1834246" cy="677108"/>
-          </a:xfrm>
-        </p:grpSpPr>
-        <p:sp>
-          <p:nvSpPr>
-            <p:cNvPr id="146" name="矩形 145"/>
-            <p:cNvSpPr/>
-            <p:nvPr/>
-          </p:nvSpPr>
-          <p:spPr>
-            <a:xfrm>
-              <a:off x="3849522" y="2173349"/>
-              <a:ext cx="1131493" cy="338554"/>
-            </a:xfrm>
-            <a:prstGeom prst="rect">
-              <a:avLst/>
-            </a:prstGeom>
-          </p:spPr>
-          <p:txBody>
-            <a:bodyPr wrap="square">
-              <a:spAutoFit/>
-            </a:bodyPr>
-            <a:lstStyle/>
-            <a:p>
-              <a:pPr algn="ctr"/>
-              <a:r>
-                <a:rPr lang="en-US" altLang="zh-CN" sz="1600" b="1" dirty="0">
-                  <a:solidFill>
-                    <a:srgbClr val="F37F40"/>
-                  </a:solidFill>
-                  <a:latin typeface="Arial Black" panose="020B0A04020102020204" pitchFamily="34" charset="0"/>
-                </a:rPr>
-                <a:t>POWELL</a:t>
-              </a:r>
-            </a:p>
-          </p:txBody>
-        </p:sp>
-        <p:sp>
-          <p:nvSpPr>
-            <p:cNvPr id="147" name="矩形 146"/>
-            <p:cNvSpPr/>
-            <p:nvPr/>
-          </p:nvSpPr>
-          <p:spPr>
-            <a:xfrm>
-              <a:off x="4900912" y="2165790"/>
-              <a:ext cx="782856" cy="338554"/>
-            </a:xfrm>
-            <a:prstGeom prst="rect">
-              <a:avLst/>
-            </a:prstGeom>
-          </p:spPr>
-          <p:txBody>
-            <a:bodyPr wrap="square">
-              <a:spAutoFit/>
-            </a:bodyPr>
-            <a:lstStyle/>
-            <a:p>
-              <a:pPr algn="ctr"/>
-              <a:r>
-                <a:rPr lang="en-US" altLang="zh-CN" sz="1600" b="1" dirty="0">
-                  <a:solidFill>
-                    <a:srgbClr val="F37F40"/>
-                  </a:solidFill>
-                  <a:latin typeface="Arial Black" panose="020B0A04020102020204" pitchFamily="34" charset="0"/>
-                </a:rPr>
-                <a:t>NM</a:t>
-              </a:r>
-            </a:p>
-          </p:txBody>
-        </p:sp>
-        <p:sp>
-          <p:nvSpPr>
-            <p:cNvPr id="148" name="矩形 147"/>
-            <p:cNvSpPr/>
-            <p:nvPr/>
-          </p:nvSpPr>
-          <p:spPr>
-            <a:xfrm>
-              <a:off x="4087265" y="2504344"/>
-              <a:ext cx="657888" cy="338554"/>
-            </a:xfrm>
-            <a:prstGeom prst="rect">
-              <a:avLst/>
-            </a:prstGeom>
-          </p:spPr>
-          <p:txBody>
-            <a:bodyPr wrap="square">
-              <a:spAutoFit/>
-            </a:bodyPr>
-            <a:lstStyle/>
-            <a:p>
-              <a:pPr algn="ctr"/>
-              <a:r>
-                <a:rPr lang="en-US" altLang="zh-CN" sz="1600" b="1" dirty="0">
-                  <a:solidFill>
-                    <a:srgbClr val="0375B6"/>
-                  </a:solidFill>
-                  <a:latin typeface="Arial Black" panose="020B0A04020102020204" pitchFamily="34" charset="0"/>
-                </a:rPr>
-                <a:t>HJ</a:t>
-              </a:r>
-            </a:p>
-          </p:txBody>
-        </p:sp>
-        <p:sp>
-          <p:nvSpPr>
-            <p:cNvPr id="149" name="矩形 148"/>
-            <p:cNvSpPr/>
-            <p:nvPr/>
-          </p:nvSpPr>
-          <p:spPr>
-            <a:xfrm>
-              <a:off x="4969648" y="2504344"/>
-              <a:ext cx="645383" cy="338554"/>
-            </a:xfrm>
-            <a:prstGeom prst="rect">
-              <a:avLst/>
-            </a:prstGeom>
-          </p:spPr>
-          <p:txBody>
-            <a:bodyPr wrap="square">
-              <a:spAutoFit/>
-            </a:bodyPr>
-            <a:lstStyle/>
-            <a:p>
-              <a:pPr algn="ctr"/>
-              <a:r>
-                <a:rPr lang="en-US" altLang="zh-CN" sz="1600" b="1" dirty="0">
-                  <a:solidFill>
-                    <a:srgbClr val="0375B6"/>
-                  </a:solidFill>
-                  <a:latin typeface="Arial Black" panose="020B0A04020102020204" pitchFamily="34" charset="0"/>
-                </a:rPr>
-                <a:t>CS</a:t>
-              </a:r>
-            </a:p>
-          </p:txBody>
-        </p:sp>
-      </p:grpSp>
-      <p:grpSp>
-        <p:nvGrpSpPr>
-          <p:cNvPr id="160" name="组合 159"/>
-          <p:cNvGrpSpPr/>
-          <p:nvPr/>
-        </p:nvGrpSpPr>
-        <p:grpSpPr>
-          <a:xfrm>
-            <a:off x="6687221" y="4360110"/>
-            <a:ext cx="1964673" cy="677108"/>
-            <a:chOff x="1796201" y="1005237"/>
-            <a:chExt cx="1964673" cy="677108"/>
-          </a:xfrm>
-        </p:grpSpPr>
-        <p:sp>
-          <p:nvSpPr>
-            <p:cNvPr id="161" name="矩形 160"/>
-            <p:cNvSpPr/>
-            <p:nvPr/>
-          </p:nvSpPr>
-          <p:spPr>
-            <a:xfrm>
-              <a:off x="2054932" y="1005237"/>
-              <a:ext cx="677885" cy="338554"/>
-            </a:xfrm>
-            <a:prstGeom prst="rect">
-              <a:avLst/>
-            </a:prstGeom>
-          </p:spPr>
-          <p:txBody>
-            <a:bodyPr wrap="square">
-              <a:spAutoFit/>
-            </a:bodyPr>
-            <a:lstStyle/>
-            <a:p>
-              <a:pPr algn="ctr"/>
-              <a:r>
-                <a:rPr lang="en-US" altLang="zh-CN" sz="1600" b="1" dirty="0">
-                  <a:solidFill>
-                    <a:srgbClr val="F37F40"/>
-                  </a:solidFill>
-                  <a:latin typeface="Arial Black" panose="020B0A04020102020204" pitchFamily="34" charset="0"/>
-                </a:rPr>
-                <a:t>HCC</a:t>
-              </a:r>
-            </a:p>
-          </p:txBody>
-        </p:sp>
-        <p:sp>
-          <p:nvSpPr>
-            <p:cNvPr id="162" name="矩形 161"/>
-            <p:cNvSpPr/>
-            <p:nvPr/>
-          </p:nvSpPr>
-          <p:spPr>
-            <a:xfrm>
-              <a:off x="2732817" y="1005237"/>
-              <a:ext cx="1028057" cy="338554"/>
-            </a:xfrm>
-            <a:prstGeom prst="rect">
-              <a:avLst/>
-            </a:prstGeom>
-          </p:spPr>
-          <p:txBody>
-            <a:bodyPr wrap="square">
-              <a:spAutoFit/>
-            </a:bodyPr>
-            <a:lstStyle/>
-            <a:p>
-              <a:pPr algn="ctr"/>
-              <a:r>
-                <a:rPr lang="en-US" altLang="zh-CN" sz="1600" b="1" dirty="0">
-                  <a:solidFill>
-                    <a:srgbClr val="F37F40"/>
-                  </a:solidFill>
-                  <a:latin typeface="Arial Black" panose="020B0A04020102020204" pitchFamily="34" charset="0"/>
-                </a:rPr>
-                <a:t>COCMA</a:t>
-              </a:r>
-            </a:p>
-          </p:txBody>
-        </p:sp>
-        <p:sp>
-          <p:nvSpPr>
-            <p:cNvPr id="163" name="矩形 162"/>
-            <p:cNvSpPr/>
-            <p:nvPr/>
-          </p:nvSpPr>
-          <p:spPr>
-            <a:xfrm>
-              <a:off x="1796201" y="1343791"/>
-              <a:ext cx="1195348" cy="338554"/>
-            </a:xfrm>
-            <a:prstGeom prst="rect">
-              <a:avLst/>
-            </a:prstGeom>
-          </p:spPr>
-          <p:txBody>
-            <a:bodyPr wrap="square">
-              <a:spAutoFit/>
-            </a:bodyPr>
-            <a:lstStyle/>
-            <a:p>
-              <a:r>
-                <a:rPr lang="en-US" altLang="zh-CN" sz="1600" b="1" dirty="0">
-                  <a:solidFill>
-                    <a:srgbClr val="0375B6"/>
-                  </a:solidFill>
-                  <a:latin typeface="Arial Black" panose="020B0A04020102020204" pitchFamily="34" charset="0"/>
-                </a:rPr>
-                <a:t>COSYNE</a:t>
-              </a:r>
-            </a:p>
-          </p:txBody>
-        </p:sp>
-        <p:sp>
-          <p:nvSpPr>
-            <p:cNvPr id="164" name="矩形 163"/>
-            <p:cNvSpPr/>
-            <p:nvPr/>
-          </p:nvSpPr>
-          <p:spPr>
-            <a:xfrm>
-              <a:off x="2800698" y="1343791"/>
-              <a:ext cx="892295" cy="338554"/>
-            </a:xfrm>
-            <a:prstGeom prst="rect">
-              <a:avLst/>
-            </a:prstGeom>
-          </p:spPr>
-          <p:txBody>
-            <a:bodyPr wrap="square">
-              <a:spAutoFit/>
-            </a:bodyPr>
-            <a:lstStyle/>
-            <a:p>
-              <a:pPr algn="ctr"/>
-              <a:r>
-                <a:rPr lang="en-US" altLang="zh-CN" sz="1600" b="1" dirty="0">
-                  <a:solidFill>
-                    <a:srgbClr val="0375B6"/>
-                  </a:solidFill>
-                  <a:latin typeface="Arial Black" panose="020B0A04020102020204" pitchFamily="34" charset="0"/>
-                </a:rPr>
-                <a:t>COEA</a:t>
-              </a:r>
-            </a:p>
-          </p:txBody>
-        </p:sp>
-      </p:grpSp>
-      <p:grpSp>
-        <p:nvGrpSpPr>
-          <p:cNvPr id="165" name="组合 164"/>
-          <p:cNvGrpSpPr/>
-          <p:nvPr/>
-        </p:nvGrpSpPr>
-        <p:grpSpPr>
-          <a:xfrm>
-            <a:off x="8831468" y="3107288"/>
-            <a:ext cx="1928436" cy="677108"/>
-            <a:chOff x="4583980" y="2767850"/>
-            <a:chExt cx="1928436" cy="677108"/>
-          </a:xfrm>
-        </p:grpSpPr>
         <p:grpSp>
           <p:nvGrpSpPr>
-            <p:cNvPr id="166" name="组合 165"/>
+            <p:cNvPr id="97" name="组合 96"/>
             <p:cNvGrpSpPr/>
             <p:nvPr/>
           </p:nvGrpSpPr>
           <p:grpSpPr>
             <a:xfrm>
-              <a:off x="4583980" y="2767850"/>
-              <a:ext cx="1928436" cy="338554"/>
-              <a:chOff x="4583980" y="2767850"/>
-              <a:chExt cx="1928436" cy="338554"/>
+              <a:off x="6644841" y="1612554"/>
+              <a:ext cx="2072927" cy="1019983"/>
+              <a:chOff x="2459556" y="2119960"/>
+              <a:chExt cx="2072927" cy="1019983"/>
             </a:xfrm>
           </p:grpSpPr>
           <p:sp>
             <p:nvSpPr>
-              <p:cNvPr id="168" name="矩形 167"/>
+              <p:cNvPr id="98" name="矩形 97"/>
               <p:cNvSpPr/>
               <p:nvPr/>
             </p:nvSpPr>
             <p:spPr>
               <a:xfrm>
-                <a:off x="4583980" y="2767850"/>
-                <a:ext cx="1002246" cy="338554"/>
+                <a:off x="2530205" y="2119960"/>
+                <a:ext cx="827919" cy="338554"/>
+              </a:xfrm>
+              <a:prstGeom prst="rect">
+                <a:avLst/>
+              </a:prstGeom>
+            </p:spPr>
+            <p:txBody>
+              <a:bodyPr wrap="square">
+                <a:spAutoFit/>
+              </a:bodyPr>
+              <a:lstStyle/>
+              <a:p>
+                <a:r>
+                  <a:rPr lang="en-US" altLang="zh-CN" sz="1600" b="1" dirty="0">
+                    <a:solidFill>
+                      <a:srgbClr val="F37F40"/>
+                    </a:solidFill>
+                    <a:latin typeface="Arial Black" panose="020B0A04020102020204" pitchFamily="34" charset="0"/>
+                  </a:rPr>
+                  <a:t>CPSO</a:t>
+                </a:r>
+              </a:p>
+            </p:txBody>
+          </p:sp>
+          <p:sp>
+            <p:nvSpPr>
+              <p:cNvPr id="99" name="矩形 98"/>
+              <p:cNvSpPr/>
+              <p:nvPr/>
+            </p:nvSpPr>
+            <p:spPr>
+              <a:xfrm>
+                <a:off x="3428772" y="2119960"/>
+                <a:ext cx="1103711" cy="338554"/>
+              </a:xfrm>
+              <a:prstGeom prst="rect">
+                <a:avLst/>
+              </a:prstGeom>
+            </p:spPr>
+            <p:txBody>
+              <a:bodyPr wrap="square">
+                <a:spAutoFit/>
+              </a:bodyPr>
+              <a:lstStyle/>
+              <a:p>
+                <a:r>
+                  <a:rPr lang="en-US" altLang="zh-CN" sz="1600" b="1" dirty="0">
+                    <a:solidFill>
+                      <a:srgbClr val="F37F40"/>
+                    </a:solidFill>
+                    <a:latin typeface="Arial Black" panose="020B0A04020102020204" pitchFamily="34" charset="0"/>
+                  </a:rPr>
+                  <a:t>CCPSO2</a:t>
+                </a:r>
+              </a:p>
+            </p:txBody>
+          </p:sp>
+          <p:sp>
+            <p:nvSpPr>
+              <p:cNvPr id="100" name="矩形 99"/>
+              <p:cNvSpPr/>
+              <p:nvPr/>
+            </p:nvSpPr>
+            <p:spPr>
+              <a:xfrm>
+                <a:off x="2459556" y="2458514"/>
+                <a:ext cx="969216" cy="345822"/>
+              </a:xfrm>
+              <a:prstGeom prst="rect">
+                <a:avLst/>
+              </a:prstGeom>
+            </p:spPr>
+            <p:txBody>
+              <a:bodyPr wrap="square">
+                <a:spAutoFit/>
+              </a:bodyPr>
+              <a:lstStyle/>
+              <a:p>
+                <a:r>
+                  <a:rPr lang="en-US" altLang="zh-CN" sz="1600" b="1" dirty="0">
+                    <a:solidFill>
+                      <a:srgbClr val="F37F40"/>
+                    </a:solidFill>
+                    <a:latin typeface="Arial Black" panose="020B0A04020102020204" pitchFamily="34" charset="0"/>
+                  </a:rPr>
+                  <a:t>CLPSO</a:t>
+                </a:r>
+              </a:p>
+            </p:txBody>
+          </p:sp>
+          <p:sp>
+            <p:nvSpPr>
+              <p:cNvPr id="101" name="矩形 100"/>
+              <p:cNvSpPr/>
+              <p:nvPr/>
+            </p:nvSpPr>
+            <p:spPr>
+              <a:xfrm>
+                <a:off x="3614446" y="2458514"/>
+                <a:ext cx="732362" cy="338554"/>
+              </a:xfrm>
+              <a:prstGeom prst="rect">
+                <a:avLst/>
+              </a:prstGeom>
+            </p:spPr>
+            <p:txBody>
+              <a:bodyPr wrap="square">
+                <a:spAutoFit/>
+              </a:bodyPr>
+              <a:lstStyle/>
+              <a:p>
+                <a:r>
+                  <a:rPr lang="en-US" altLang="zh-CN" sz="1600" b="1" dirty="0">
+                    <a:solidFill>
+                      <a:srgbClr val="F37F40"/>
+                    </a:solidFill>
+                    <a:latin typeface="Arial Black" panose="020B0A04020102020204" pitchFamily="34" charset="0"/>
+                  </a:rPr>
+                  <a:t>IPSO</a:t>
+                </a:r>
+              </a:p>
+            </p:txBody>
+          </p:sp>
+          <p:sp>
+            <p:nvSpPr>
+              <p:cNvPr id="102" name="矩形 101"/>
+              <p:cNvSpPr/>
+              <p:nvPr/>
+            </p:nvSpPr>
+            <p:spPr>
+              <a:xfrm>
+                <a:off x="2524445" y="2801389"/>
+                <a:ext cx="833679" cy="338554"/>
+              </a:xfrm>
+              <a:prstGeom prst="rect">
+                <a:avLst/>
+              </a:prstGeom>
+            </p:spPr>
+            <p:txBody>
+              <a:bodyPr wrap="square">
+                <a:spAutoFit/>
+              </a:bodyPr>
+              <a:lstStyle/>
+              <a:p>
+                <a:r>
+                  <a:rPr lang="en-US" altLang="zh-CN" sz="1600" b="1" dirty="0">
+                    <a:solidFill>
+                      <a:srgbClr val="0375B6"/>
+                    </a:solidFill>
+                    <a:latin typeface="Arial Black" panose="020B0A04020102020204" pitchFamily="34" charset="0"/>
+                  </a:rPr>
+                  <a:t>SPSO</a:t>
+                </a:r>
+              </a:p>
+            </p:txBody>
+          </p:sp>
+          <p:sp>
+            <p:nvSpPr>
+              <p:cNvPr id="103" name="矩形 102"/>
+              <p:cNvSpPr/>
+              <p:nvPr/>
+            </p:nvSpPr>
+            <p:spPr>
+              <a:xfrm>
+                <a:off x="3510627" y="2797068"/>
+                <a:ext cx="939999" cy="338554"/>
+              </a:xfrm>
+              <a:prstGeom prst="rect">
+                <a:avLst/>
+              </a:prstGeom>
+            </p:spPr>
+            <p:txBody>
+              <a:bodyPr wrap="square">
+                <a:spAutoFit/>
+              </a:bodyPr>
+              <a:lstStyle/>
+              <a:p>
+                <a:r>
+                  <a:rPr lang="en-US" altLang="zh-CN" sz="1600" b="1" dirty="0">
+                    <a:solidFill>
+                      <a:srgbClr val="0375B6"/>
+                    </a:solidFill>
+                    <a:latin typeface="Arial Black" panose="020B0A04020102020204" pitchFamily="34" charset="0"/>
+                  </a:rPr>
+                  <a:t>SPSOL</a:t>
+                </a:r>
+              </a:p>
+            </p:txBody>
+          </p:sp>
+        </p:grpSp>
+        <p:grpSp>
+          <p:nvGrpSpPr>
+            <p:cNvPr id="104" name="组合 103"/>
+            <p:cNvGrpSpPr/>
+            <p:nvPr/>
+          </p:nvGrpSpPr>
+          <p:grpSpPr>
+            <a:xfrm>
+              <a:off x="4501309" y="5574920"/>
+              <a:ext cx="1730875" cy="680149"/>
+              <a:chOff x="3978225" y="2663240"/>
+              <a:chExt cx="1730875" cy="680149"/>
+            </a:xfrm>
+          </p:grpSpPr>
+          <p:grpSp>
+            <p:nvGrpSpPr>
+              <p:cNvPr id="105" name="组合 104"/>
+              <p:cNvGrpSpPr/>
+              <p:nvPr/>
+            </p:nvGrpSpPr>
+            <p:grpSpPr>
+              <a:xfrm>
+                <a:off x="3978225" y="2663240"/>
+                <a:ext cx="1730875" cy="338554"/>
+                <a:chOff x="3978225" y="2663240"/>
+                <a:chExt cx="1730875" cy="338554"/>
+              </a:xfrm>
+            </p:grpSpPr>
+            <p:sp>
+              <p:nvSpPr>
+                <p:cNvPr id="107" name="矩形 106"/>
+                <p:cNvSpPr/>
+                <p:nvPr/>
+              </p:nvSpPr>
+              <p:spPr>
+                <a:xfrm>
+                  <a:off x="3978225" y="2663240"/>
+                  <a:ext cx="765475" cy="338554"/>
+                </a:xfrm>
+                <a:prstGeom prst="rect">
+                  <a:avLst/>
+                </a:prstGeom>
+              </p:spPr>
+              <p:txBody>
+                <a:bodyPr wrap="square">
+                  <a:spAutoFit/>
+                </a:bodyPr>
+                <a:lstStyle/>
+                <a:p>
+                  <a:r>
+                    <a:rPr lang="en-US" altLang="zh-CN" sz="1600" b="1" dirty="0">
+                      <a:solidFill>
+                        <a:srgbClr val="F37F40"/>
+                      </a:solidFill>
+                      <a:latin typeface="Arial Black" panose="020B0A04020102020204" pitchFamily="34" charset="0"/>
+                    </a:rPr>
+                    <a:t>GL25</a:t>
+                  </a:r>
+                </a:p>
+              </p:txBody>
+            </p:sp>
+            <p:sp>
+              <p:nvSpPr>
+                <p:cNvPr id="108" name="矩形 107"/>
+                <p:cNvSpPr/>
+                <p:nvPr/>
+              </p:nvSpPr>
+              <p:spPr>
+                <a:xfrm>
+                  <a:off x="4743700" y="2663240"/>
+                  <a:ext cx="965400" cy="338554"/>
+                </a:xfrm>
+                <a:prstGeom prst="rect">
+                  <a:avLst/>
+                </a:prstGeom>
+              </p:spPr>
+              <p:txBody>
+                <a:bodyPr wrap="square">
+                  <a:spAutoFit/>
+                </a:bodyPr>
+                <a:lstStyle/>
+                <a:p>
+                  <a:r>
+                    <a:rPr lang="en-US" altLang="zh-CN" sz="1600" b="1" dirty="0">
+                      <a:solidFill>
+                        <a:srgbClr val="F37F40"/>
+                      </a:solidFill>
+                      <a:latin typeface="Arial Black" panose="020B0A04020102020204" pitchFamily="34" charset="0"/>
+                    </a:rPr>
+                    <a:t>G3PCX</a:t>
+                  </a:r>
+                </a:p>
+              </p:txBody>
+            </p:sp>
+          </p:grpSp>
+          <p:sp>
+            <p:nvSpPr>
+              <p:cNvPr id="106" name="矩形 105"/>
+              <p:cNvSpPr/>
+              <p:nvPr/>
+            </p:nvSpPr>
+            <p:spPr>
+              <a:xfrm>
+                <a:off x="4217806" y="3004835"/>
+                <a:ext cx="1252622" cy="338554"/>
+              </a:xfrm>
+              <a:prstGeom prst="rect">
+                <a:avLst/>
+              </a:prstGeom>
+            </p:spPr>
+            <p:txBody>
+              <a:bodyPr wrap="square">
+                <a:spAutoFit/>
+              </a:bodyPr>
+              <a:lstStyle/>
+              <a:p>
+                <a:r>
+                  <a:rPr lang="en-US" altLang="zh-CN" sz="1600" b="1" dirty="0">
+                    <a:solidFill>
+                      <a:srgbClr val="0375B6"/>
+                    </a:solidFill>
+                    <a:latin typeface="Arial Black" panose="020B0A04020102020204" pitchFamily="34" charset="0"/>
+                  </a:rPr>
+                  <a:t>GENITOR</a:t>
+                </a:r>
+              </a:p>
+            </p:txBody>
+          </p:sp>
+        </p:grpSp>
+        <p:grpSp>
+          <p:nvGrpSpPr>
+            <p:cNvPr id="116" name="组合 115"/>
+            <p:cNvGrpSpPr/>
+            <p:nvPr/>
+          </p:nvGrpSpPr>
+          <p:grpSpPr>
+            <a:xfrm>
+              <a:off x="4201479" y="1625686"/>
+              <a:ext cx="2437916" cy="1936928"/>
+              <a:chOff x="1443749" y="1612529"/>
+              <a:chExt cx="2437916" cy="1936928"/>
+            </a:xfrm>
+          </p:grpSpPr>
+          <p:sp>
+            <p:nvSpPr>
+              <p:cNvPr id="117" name="矩形 116"/>
+              <p:cNvSpPr/>
+              <p:nvPr/>
+            </p:nvSpPr>
+            <p:spPr>
+              <a:xfrm>
+                <a:off x="1537585" y="1612529"/>
+                <a:ext cx="862216" cy="338554"/>
               </a:xfrm>
               <a:prstGeom prst="rect">
                 <a:avLst/>
@@ -7581,21 +6510,21 @@
                     </a:solidFill>
                     <a:latin typeface="Arial Black" panose="020B0A04020102020204" pitchFamily="34" charset="0"/>
                   </a:rPr>
-                  <a:t>DSCEM</a:t>
+                  <a:t>MMES</a:t>
                 </a:r>
               </a:p>
             </p:txBody>
           </p:sp>
           <p:sp>
             <p:nvSpPr>
-              <p:cNvPr id="169" name="矩形 168"/>
+              <p:cNvPr id="118" name="矩形 117"/>
               <p:cNvSpPr/>
               <p:nvPr/>
             </p:nvSpPr>
             <p:spPr>
               <a:xfrm>
-                <a:off x="5586226" y="2767850"/>
-                <a:ext cx="926190" cy="338554"/>
+                <a:off x="2587474" y="1612529"/>
+                <a:ext cx="1162878" cy="338554"/>
               </a:xfrm>
               <a:prstGeom prst="rect">
                 <a:avLst/>
@@ -7614,85 +6543,186 @@
                     </a:solidFill>
                     <a:latin typeface="Arial Black" panose="020B0A04020102020204" pitchFamily="34" charset="0"/>
                   </a:rPr>
-                  <a:t>MRAS</a:t>
+                  <a:t>LMMAES</a:t>
                 </a:r>
               </a:p>
             </p:txBody>
           </p:sp>
-        </p:grpSp>
-        <p:sp>
-          <p:nvSpPr>
-            <p:cNvPr id="167" name="矩形 166"/>
-            <p:cNvSpPr/>
-            <p:nvPr/>
-          </p:nvSpPr>
-          <p:spPr>
-            <a:xfrm>
-              <a:off x="5085103" y="3106404"/>
-              <a:ext cx="877090" cy="338554"/>
-            </a:xfrm>
-            <a:prstGeom prst="rect">
-              <a:avLst/>
-            </a:prstGeom>
-          </p:spPr>
-          <p:txBody>
-            <a:bodyPr wrap="square">
-              <a:spAutoFit/>
-            </a:bodyPr>
-            <a:lstStyle/>
-            <a:p>
-              <a:pPr algn="ctr"/>
-              <a:r>
-                <a:rPr lang="en-US" altLang="zh-CN" sz="1600" b="1" dirty="0">
-                  <a:solidFill>
-                    <a:srgbClr val="0375B6"/>
-                  </a:solidFill>
-                  <a:latin typeface="Arial Black" panose="020B0A04020102020204" pitchFamily="34" charset="0"/>
-                </a:rPr>
-                <a:t>SCEM</a:t>
-              </a:r>
-            </a:p>
-          </p:txBody>
-        </p:sp>
-      </p:grpSp>
-      <p:grpSp>
-        <p:nvGrpSpPr>
-          <p:cNvPr id="170" name="组合 169"/>
-          <p:cNvGrpSpPr/>
-          <p:nvPr/>
-        </p:nvGrpSpPr>
-        <p:grpSpPr>
-          <a:xfrm>
-            <a:off x="9126808" y="4358994"/>
-            <a:ext cx="1240265" cy="677108"/>
-            <a:chOff x="4980660" y="3199095"/>
-            <a:chExt cx="1240265" cy="677108"/>
-          </a:xfrm>
-        </p:grpSpPr>
-        <p:grpSp>
-          <p:nvGrpSpPr>
-            <p:cNvPr id="171" name="组合 170"/>
-            <p:cNvGrpSpPr/>
-            <p:nvPr/>
-          </p:nvGrpSpPr>
-          <p:grpSpPr>
-            <a:xfrm>
-              <a:off x="4980660" y="3199095"/>
-              <a:ext cx="1240265" cy="338554"/>
-              <a:chOff x="4980660" y="3199095"/>
-              <a:chExt cx="1240265" cy="338554"/>
-            </a:xfrm>
-          </p:grpSpPr>
           <p:sp>
             <p:nvSpPr>
-              <p:cNvPr id="173" name="矩形 172"/>
+              <p:cNvPr id="119" name="矩形 118"/>
               <p:cNvSpPr/>
               <p:nvPr/>
             </p:nvSpPr>
             <p:spPr>
               <a:xfrm>
-                <a:off x="4980660" y="3199095"/>
-                <a:ext cx="621538" cy="338554"/>
+                <a:off x="1443749" y="1903885"/>
+                <a:ext cx="1049889" cy="338554"/>
+              </a:xfrm>
+              <a:prstGeom prst="rect">
+                <a:avLst/>
+              </a:prstGeom>
+            </p:spPr>
+            <p:txBody>
+              <a:bodyPr wrap="square">
+                <a:spAutoFit/>
+              </a:bodyPr>
+              <a:lstStyle/>
+              <a:p>
+                <a:r>
+                  <a:rPr lang="en-US" altLang="zh-CN" sz="1600" b="1" dirty="0">
+                    <a:solidFill>
+                      <a:srgbClr val="F37F40"/>
+                    </a:solidFill>
+                    <a:latin typeface="Arial Black" panose="020B0A04020102020204" pitchFamily="34" charset="0"/>
+                  </a:rPr>
+                  <a:t>LMCMA</a:t>
+                </a:r>
+              </a:p>
+            </p:txBody>
+          </p:sp>
+          <p:sp>
+            <p:nvSpPr>
+              <p:cNvPr id="120" name="矩形 119"/>
+              <p:cNvSpPr/>
+              <p:nvPr/>
+            </p:nvSpPr>
+            <p:spPr>
+              <a:xfrm>
+                <a:off x="2506680" y="1903885"/>
+                <a:ext cx="1324465" cy="338554"/>
+              </a:xfrm>
+              <a:prstGeom prst="rect">
+                <a:avLst/>
+              </a:prstGeom>
+            </p:spPr>
+            <p:txBody>
+              <a:bodyPr wrap="square">
+                <a:spAutoFit/>
+              </a:bodyPr>
+              <a:lstStyle/>
+              <a:p>
+                <a:r>
+                  <a:rPr lang="en-US" altLang="zh-CN" sz="1600" b="1" dirty="0">
+                    <a:solidFill>
+                      <a:srgbClr val="F37F40"/>
+                    </a:solidFill>
+                    <a:latin typeface="Arial Black" panose="020B0A04020102020204" pitchFamily="34" charset="0"/>
+                  </a:rPr>
+                  <a:t>LMCMAES</a:t>
+                </a:r>
+              </a:p>
+            </p:txBody>
+          </p:sp>
+          <p:sp>
+            <p:nvSpPr>
+              <p:cNvPr id="121" name="矩形 120"/>
+              <p:cNvSpPr/>
+              <p:nvPr/>
+            </p:nvSpPr>
+            <p:spPr>
+              <a:xfrm>
+                <a:off x="1550790" y="2242439"/>
+                <a:ext cx="835806" cy="338554"/>
+              </a:xfrm>
+              <a:prstGeom prst="rect">
+                <a:avLst/>
+              </a:prstGeom>
+            </p:spPr>
+            <p:txBody>
+              <a:bodyPr wrap="square">
+                <a:spAutoFit/>
+              </a:bodyPr>
+              <a:lstStyle/>
+              <a:p>
+                <a:r>
+                  <a:rPr lang="en-US" altLang="zh-CN" sz="1600" b="1" dirty="0">
+                    <a:solidFill>
+                      <a:srgbClr val="F37F40"/>
+                    </a:solidFill>
+                    <a:latin typeface="Arial Black" panose="020B0A04020102020204" pitchFamily="34" charset="0"/>
+                  </a:rPr>
+                  <a:t>RMES</a:t>
+                </a:r>
+              </a:p>
+            </p:txBody>
+          </p:sp>
+          <p:sp>
+            <p:nvSpPr>
+              <p:cNvPr id="122" name="矩形 121"/>
+              <p:cNvSpPr/>
+              <p:nvPr/>
+            </p:nvSpPr>
+            <p:spPr>
+              <a:xfrm>
+                <a:off x="2429761" y="2530322"/>
+                <a:ext cx="1425781" cy="338554"/>
+              </a:xfrm>
+              <a:prstGeom prst="rect">
+                <a:avLst/>
+              </a:prstGeom>
+            </p:spPr>
+            <p:txBody>
+              <a:bodyPr wrap="square">
+                <a:spAutoFit/>
+              </a:bodyPr>
+              <a:lstStyle/>
+              <a:p>
+                <a:r>
+                  <a:rPr lang="en-US" altLang="zh-CN" sz="1600" b="1" dirty="0">
+                    <a:solidFill>
+                      <a:srgbClr val="F37F40"/>
+                    </a:solidFill>
+                    <a:latin typeface="Arial Black" panose="020B0A04020102020204" pitchFamily="34" charset="0"/>
+                  </a:rPr>
+                  <a:t>SEPCMAES</a:t>
+                </a:r>
+              </a:p>
+            </p:txBody>
+          </p:sp>
+          <p:sp>
+            <p:nvSpPr>
+              <p:cNvPr id="123" name="矩形 122"/>
+              <p:cNvSpPr/>
+              <p:nvPr/>
+            </p:nvSpPr>
+            <p:spPr>
+              <a:xfrm>
+                <a:off x="1570754" y="2533795"/>
+                <a:ext cx="795877" cy="338554"/>
+              </a:xfrm>
+              <a:prstGeom prst="rect">
+                <a:avLst/>
+              </a:prstGeom>
+            </p:spPr>
+            <p:txBody>
+              <a:bodyPr wrap="square">
+                <a:spAutoFit/>
+              </a:bodyPr>
+              <a:lstStyle/>
+              <a:p>
+                <a:r>
+                  <a:rPr lang="en-US" altLang="zh-CN" sz="1600" b="1" dirty="0">
+                    <a:solidFill>
+                      <a:srgbClr val="F37F40"/>
+                    </a:solidFill>
+                    <a:latin typeface="Arial Black" panose="020B0A04020102020204" pitchFamily="34" charset="0"/>
+                  </a:rPr>
+                  <a:t>R1ES</a:t>
+                </a:r>
+              </a:p>
+            </p:txBody>
+          </p:sp>
+          <p:sp>
+            <p:nvSpPr>
+              <p:cNvPr id="124" name="矩形 123"/>
+              <p:cNvSpPr/>
+              <p:nvPr/>
+            </p:nvSpPr>
+            <p:spPr>
+              <a:xfrm>
+                <a:off x="2456158" y="2242439"/>
+                <a:ext cx="1425507" cy="338554"/>
               </a:xfrm>
               <a:prstGeom prst="rect">
                 <a:avLst/>
@@ -7712,21 +6742,1064 @@
                     </a:solidFill>
                     <a:latin typeface="Arial Black" panose="020B0A04020102020204" pitchFamily="34" charset="0"/>
                   </a:rPr>
-                  <a:t>LEP</a:t>
+                  <a:t>CCMAES</a:t>
                 </a:r>
               </a:p>
             </p:txBody>
           </p:sp>
           <p:sp>
             <p:nvSpPr>
-              <p:cNvPr id="174" name="矩形 173"/>
+              <p:cNvPr id="125" name="矩形 124"/>
               <p:cNvSpPr/>
               <p:nvPr/>
             </p:nvSpPr>
             <p:spPr>
               <a:xfrm>
-                <a:off x="5602198" y="3199095"/>
-                <a:ext cx="618727" cy="338554"/>
+                <a:off x="1461717" y="2872349"/>
+                <a:ext cx="1013950" cy="338554"/>
+              </a:xfrm>
+              <a:prstGeom prst="rect">
+                <a:avLst/>
+              </a:prstGeom>
+            </p:spPr>
+            <p:txBody>
+              <a:bodyPr wrap="square">
+                <a:spAutoFit/>
+              </a:bodyPr>
+              <a:lstStyle/>
+              <a:p>
+                <a:r>
+                  <a:rPr lang="en-US" altLang="zh-CN" sz="1600" b="1" dirty="0">
+                    <a:solidFill>
+                      <a:srgbClr val="0375B6"/>
+                    </a:solidFill>
+                    <a:latin typeface="Arial Black" panose="020B0A04020102020204" pitchFamily="34" charset="0"/>
+                  </a:rPr>
+                  <a:t>DDCMA</a:t>
+                </a:r>
+              </a:p>
+            </p:txBody>
+          </p:sp>
+          <p:sp>
+            <p:nvSpPr>
+              <p:cNvPr id="126" name="矩形 125"/>
+              <p:cNvSpPr/>
+              <p:nvPr/>
+            </p:nvSpPr>
+            <p:spPr>
+              <a:xfrm>
+                <a:off x="2661935" y="2872349"/>
+                <a:ext cx="1013951" cy="338554"/>
+              </a:xfrm>
+              <a:prstGeom prst="rect">
+                <a:avLst/>
+              </a:prstGeom>
+            </p:spPr>
+            <p:txBody>
+              <a:bodyPr wrap="square">
+                <a:spAutoFit/>
+              </a:bodyPr>
+              <a:lstStyle/>
+              <a:p>
+                <a:r>
+                  <a:rPr lang="en-US" altLang="zh-CN" sz="1600" b="1" dirty="0">
+                    <a:solidFill>
+                      <a:srgbClr val="0375B6"/>
+                    </a:solidFill>
+                    <a:latin typeface="Arial Black" panose="020B0A04020102020204" pitchFamily="34" charset="0"/>
+                  </a:rPr>
+                  <a:t>FMAES</a:t>
+                </a:r>
+              </a:p>
+            </p:txBody>
+          </p:sp>
+          <p:sp>
+            <p:nvSpPr>
+              <p:cNvPr id="127" name="矩形 126"/>
+              <p:cNvSpPr/>
+              <p:nvPr/>
+            </p:nvSpPr>
+            <p:spPr>
+              <a:xfrm>
+                <a:off x="1461717" y="3210903"/>
+                <a:ext cx="1013950" cy="338554"/>
+              </a:xfrm>
+              <a:prstGeom prst="rect">
+                <a:avLst/>
+              </a:prstGeom>
+            </p:spPr>
+            <p:txBody>
+              <a:bodyPr wrap="square">
+                <a:spAutoFit/>
+              </a:bodyPr>
+              <a:lstStyle/>
+              <a:p>
+                <a:r>
+                  <a:rPr lang="en-US" altLang="zh-CN" sz="1600" b="1" dirty="0">
+                    <a:solidFill>
+                      <a:srgbClr val="0375B6"/>
+                    </a:solidFill>
+                    <a:latin typeface="Arial Black" panose="020B0A04020102020204" pitchFamily="34" charset="0"/>
+                  </a:rPr>
+                  <a:t>CMAES</a:t>
+                </a:r>
+              </a:p>
+            </p:txBody>
+          </p:sp>
+          <p:sp>
+            <p:nvSpPr>
+              <p:cNvPr id="128" name="矩形 127"/>
+              <p:cNvSpPr/>
+              <p:nvPr/>
+            </p:nvSpPr>
+            <p:spPr>
+              <a:xfrm>
+                <a:off x="2809538" y="3210903"/>
+                <a:ext cx="718743" cy="338554"/>
+              </a:xfrm>
+              <a:prstGeom prst="rect">
+                <a:avLst/>
+              </a:prstGeom>
+            </p:spPr>
+            <p:txBody>
+              <a:bodyPr wrap="square">
+                <a:spAutoFit/>
+              </a:bodyPr>
+              <a:lstStyle/>
+              <a:p>
+                <a:r>
+                  <a:rPr lang="en-US" altLang="zh-CN" sz="1600" b="1" dirty="0">
+                    <a:solidFill>
+                      <a:srgbClr val="0375B6"/>
+                    </a:solidFill>
+                    <a:latin typeface="Arial Black" panose="020B0A04020102020204" pitchFamily="34" charset="0"/>
+                  </a:rPr>
+                  <a:t>… …</a:t>
+                </a:r>
+              </a:p>
+            </p:txBody>
+          </p:sp>
+        </p:grpSp>
+        <p:grpSp>
+          <p:nvGrpSpPr>
+            <p:cNvPr id="140" name="组合 139"/>
+            <p:cNvGrpSpPr/>
+            <p:nvPr/>
+          </p:nvGrpSpPr>
+          <p:grpSpPr>
+            <a:xfrm>
+              <a:off x="8855034" y="5549286"/>
+              <a:ext cx="1752262" cy="677108"/>
+              <a:chOff x="3931506" y="2165790"/>
+              <a:chExt cx="1752262" cy="677108"/>
+            </a:xfrm>
+          </p:grpSpPr>
+          <p:sp>
+            <p:nvSpPr>
+              <p:cNvPr id="141" name="矩形 140"/>
+              <p:cNvSpPr/>
+              <p:nvPr/>
+            </p:nvSpPr>
+            <p:spPr>
+              <a:xfrm>
+                <a:off x="3931506" y="2165790"/>
+                <a:ext cx="969406" cy="338554"/>
+              </a:xfrm>
+              <a:prstGeom prst="rect">
+                <a:avLst/>
+              </a:prstGeom>
+            </p:spPr>
+            <p:txBody>
+              <a:bodyPr wrap="square">
+                <a:spAutoFit/>
+              </a:bodyPr>
+              <a:lstStyle/>
+              <a:p>
+                <a:pPr algn="ctr"/>
+                <a:r>
+                  <a:rPr lang="en-US" altLang="zh-CN" sz="1600" b="1" dirty="0">
+                    <a:solidFill>
+                      <a:srgbClr val="F37F40"/>
+                    </a:solidFill>
+                    <a:latin typeface="Arial Black" panose="020B0A04020102020204" pitchFamily="34" charset="0"/>
+                  </a:rPr>
+                  <a:t>BES</a:t>
+                </a:r>
+              </a:p>
+            </p:txBody>
+          </p:sp>
+          <p:sp>
+            <p:nvSpPr>
+              <p:cNvPr id="142" name="矩形 141"/>
+              <p:cNvSpPr/>
+              <p:nvPr/>
+            </p:nvSpPr>
+            <p:spPr>
+              <a:xfrm>
+                <a:off x="4900912" y="2165790"/>
+                <a:ext cx="782856" cy="338554"/>
+              </a:xfrm>
+              <a:prstGeom prst="rect">
+                <a:avLst/>
+              </a:prstGeom>
+            </p:spPr>
+            <p:txBody>
+              <a:bodyPr wrap="square">
+                <a:spAutoFit/>
+              </a:bodyPr>
+              <a:lstStyle/>
+              <a:p>
+                <a:pPr algn="ctr"/>
+                <a:r>
+                  <a:rPr lang="en-US" altLang="zh-CN" sz="1600" b="1" dirty="0">
+                    <a:solidFill>
+                      <a:srgbClr val="F37F40"/>
+                    </a:solidFill>
+                    <a:latin typeface="Arial Black" panose="020B0A04020102020204" pitchFamily="34" charset="0"/>
+                  </a:rPr>
+                  <a:t>GS</a:t>
+                </a:r>
+              </a:p>
+            </p:txBody>
+          </p:sp>
+          <p:sp>
+            <p:nvSpPr>
+              <p:cNvPr id="143" name="矩形 142"/>
+              <p:cNvSpPr/>
+              <p:nvPr/>
+            </p:nvSpPr>
+            <p:spPr>
+              <a:xfrm>
+                <a:off x="4087265" y="2504344"/>
+                <a:ext cx="657888" cy="338554"/>
+              </a:xfrm>
+              <a:prstGeom prst="rect">
+                <a:avLst/>
+              </a:prstGeom>
+            </p:spPr>
+            <p:txBody>
+              <a:bodyPr wrap="square">
+                <a:spAutoFit/>
+              </a:bodyPr>
+              <a:lstStyle/>
+              <a:p>
+                <a:r>
+                  <a:rPr lang="en-US" altLang="zh-CN" sz="1600" b="1" dirty="0">
+                    <a:solidFill>
+                      <a:srgbClr val="0375B6"/>
+                    </a:solidFill>
+                    <a:latin typeface="Arial Black" panose="020B0A04020102020204" pitchFamily="34" charset="0"/>
+                  </a:rPr>
+                  <a:t>SRS</a:t>
+                </a:r>
+              </a:p>
+            </p:txBody>
+          </p:sp>
+          <p:sp>
+            <p:nvSpPr>
+              <p:cNvPr id="144" name="矩形 143"/>
+              <p:cNvSpPr/>
+              <p:nvPr/>
+            </p:nvSpPr>
+            <p:spPr>
+              <a:xfrm>
+                <a:off x="4969648" y="2504344"/>
+                <a:ext cx="645383" cy="338554"/>
+              </a:xfrm>
+              <a:prstGeom prst="rect">
+                <a:avLst/>
+              </a:prstGeom>
+            </p:spPr>
+            <p:txBody>
+              <a:bodyPr wrap="square">
+                <a:spAutoFit/>
+              </a:bodyPr>
+              <a:lstStyle/>
+              <a:p>
+                <a:r>
+                  <a:rPr lang="en-US" altLang="zh-CN" sz="1600" b="1" dirty="0">
+                    <a:solidFill>
+                      <a:srgbClr val="0375B6"/>
+                    </a:solidFill>
+                    <a:latin typeface="Arial Black" panose="020B0A04020102020204" pitchFamily="34" charset="0"/>
+                  </a:rPr>
+                  <a:t>PRS</a:t>
+                </a:r>
+              </a:p>
+            </p:txBody>
+          </p:sp>
+        </p:grpSp>
+        <p:grpSp>
+          <p:nvGrpSpPr>
+            <p:cNvPr id="145" name="组合 144"/>
+            <p:cNvGrpSpPr/>
+            <p:nvPr/>
+          </p:nvGrpSpPr>
+          <p:grpSpPr>
+            <a:xfrm>
+              <a:off x="6721980" y="5564948"/>
+              <a:ext cx="1834246" cy="677108"/>
+              <a:chOff x="3849522" y="2165790"/>
+              <a:chExt cx="1834246" cy="677108"/>
+            </a:xfrm>
+          </p:grpSpPr>
+          <p:sp>
+            <p:nvSpPr>
+              <p:cNvPr id="146" name="矩形 145"/>
+              <p:cNvSpPr/>
+              <p:nvPr/>
+            </p:nvSpPr>
+            <p:spPr>
+              <a:xfrm>
+                <a:off x="3849522" y="2173349"/>
+                <a:ext cx="1131493" cy="338554"/>
+              </a:xfrm>
+              <a:prstGeom prst="rect">
+                <a:avLst/>
+              </a:prstGeom>
+            </p:spPr>
+            <p:txBody>
+              <a:bodyPr wrap="square">
+                <a:spAutoFit/>
+              </a:bodyPr>
+              <a:lstStyle/>
+              <a:p>
+                <a:pPr algn="ctr"/>
+                <a:r>
+                  <a:rPr lang="en-US" altLang="zh-CN" sz="1600" b="1" dirty="0">
+                    <a:solidFill>
+                      <a:srgbClr val="F37F40"/>
+                    </a:solidFill>
+                    <a:latin typeface="Arial Black" panose="020B0A04020102020204" pitchFamily="34" charset="0"/>
+                  </a:rPr>
+                  <a:t>POWELL</a:t>
+                </a:r>
+              </a:p>
+            </p:txBody>
+          </p:sp>
+          <p:sp>
+            <p:nvSpPr>
+              <p:cNvPr id="147" name="矩形 146"/>
+              <p:cNvSpPr/>
+              <p:nvPr/>
+            </p:nvSpPr>
+            <p:spPr>
+              <a:xfrm>
+                <a:off x="4900912" y="2165790"/>
+                <a:ext cx="782856" cy="338554"/>
+              </a:xfrm>
+              <a:prstGeom prst="rect">
+                <a:avLst/>
+              </a:prstGeom>
+            </p:spPr>
+            <p:txBody>
+              <a:bodyPr wrap="square">
+                <a:spAutoFit/>
+              </a:bodyPr>
+              <a:lstStyle/>
+              <a:p>
+                <a:pPr algn="ctr"/>
+                <a:r>
+                  <a:rPr lang="en-US" altLang="zh-CN" sz="1600" b="1" dirty="0">
+                    <a:solidFill>
+                      <a:srgbClr val="F37F40"/>
+                    </a:solidFill>
+                    <a:latin typeface="Arial Black" panose="020B0A04020102020204" pitchFamily="34" charset="0"/>
+                  </a:rPr>
+                  <a:t>NM</a:t>
+                </a:r>
+              </a:p>
+            </p:txBody>
+          </p:sp>
+          <p:sp>
+            <p:nvSpPr>
+              <p:cNvPr id="148" name="矩形 147"/>
+              <p:cNvSpPr/>
+              <p:nvPr/>
+            </p:nvSpPr>
+            <p:spPr>
+              <a:xfrm>
+                <a:off x="4087265" y="2504344"/>
+                <a:ext cx="657888" cy="338554"/>
+              </a:xfrm>
+              <a:prstGeom prst="rect">
+                <a:avLst/>
+              </a:prstGeom>
+            </p:spPr>
+            <p:txBody>
+              <a:bodyPr wrap="square">
+                <a:spAutoFit/>
+              </a:bodyPr>
+              <a:lstStyle/>
+              <a:p>
+                <a:pPr algn="ctr"/>
+                <a:r>
+                  <a:rPr lang="en-US" altLang="zh-CN" sz="1600" b="1" dirty="0">
+                    <a:solidFill>
+                      <a:srgbClr val="0375B6"/>
+                    </a:solidFill>
+                    <a:latin typeface="Arial Black" panose="020B0A04020102020204" pitchFamily="34" charset="0"/>
+                  </a:rPr>
+                  <a:t>HJ</a:t>
+                </a:r>
+              </a:p>
+            </p:txBody>
+          </p:sp>
+          <p:sp>
+            <p:nvSpPr>
+              <p:cNvPr id="149" name="矩形 148"/>
+              <p:cNvSpPr/>
+              <p:nvPr/>
+            </p:nvSpPr>
+            <p:spPr>
+              <a:xfrm>
+                <a:off x="4969648" y="2504344"/>
+                <a:ext cx="645383" cy="338554"/>
+              </a:xfrm>
+              <a:prstGeom prst="rect">
+                <a:avLst/>
+              </a:prstGeom>
+            </p:spPr>
+            <p:txBody>
+              <a:bodyPr wrap="square">
+                <a:spAutoFit/>
+              </a:bodyPr>
+              <a:lstStyle/>
+              <a:p>
+                <a:pPr algn="ctr"/>
+                <a:r>
+                  <a:rPr lang="en-US" altLang="zh-CN" sz="1600" b="1" dirty="0">
+                    <a:solidFill>
+                      <a:srgbClr val="0375B6"/>
+                    </a:solidFill>
+                    <a:latin typeface="Arial Black" panose="020B0A04020102020204" pitchFamily="34" charset="0"/>
+                  </a:rPr>
+                  <a:t>CS</a:t>
+                </a:r>
+              </a:p>
+            </p:txBody>
+          </p:sp>
+        </p:grpSp>
+        <p:grpSp>
+          <p:nvGrpSpPr>
+            <p:cNvPr id="160" name="组合 159"/>
+            <p:cNvGrpSpPr/>
+            <p:nvPr/>
+          </p:nvGrpSpPr>
+          <p:grpSpPr>
+            <a:xfrm>
+              <a:off x="6687221" y="4360110"/>
+              <a:ext cx="1964673" cy="677108"/>
+              <a:chOff x="1796201" y="1005237"/>
+              <a:chExt cx="1964673" cy="677108"/>
+            </a:xfrm>
+          </p:grpSpPr>
+          <p:sp>
+            <p:nvSpPr>
+              <p:cNvPr id="161" name="矩形 160"/>
+              <p:cNvSpPr/>
+              <p:nvPr/>
+            </p:nvSpPr>
+            <p:spPr>
+              <a:xfrm>
+                <a:off x="2054932" y="1005237"/>
+                <a:ext cx="677885" cy="338554"/>
+              </a:xfrm>
+              <a:prstGeom prst="rect">
+                <a:avLst/>
+              </a:prstGeom>
+            </p:spPr>
+            <p:txBody>
+              <a:bodyPr wrap="square">
+                <a:spAutoFit/>
+              </a:bodyPr>
+              <a:lstStyle/>
+              <a:p>
+                <a:pPr algn="ctr"/>
+                <a:r>
+                  <a:rPr lang="en-US" altLang="zh-CN" sz="1600" b="1" dirty="0">
+                    <a:solidFill>
+                      <a:srgbClr val="F37F40"/>
+                    </a:solidFill>
+                    <a:latin typeface="Arial Black" panose="020B0A04020102020204" pitchFamily="34" charset="0"/>
+                  </a:rPr>
+                  <a:t>HCC</a:t>
+                </a:r>
+              </a:p>
+            </p:txBody>
+          </p:sp>
+          <p:sp>
+            <p:nvSpPr>
+              <p:cNvPr id="162" name="矩形 161"/>
+              <p:cNvSpPr/>
+              <p:nvPr/>
+            </p:nvSpPr>
+            <p:spPr>
+              <a:xfrm>
+                <a:off x="2732817" y="1005237"/>
+                <a:ext cx="1028057" cy="338554"/>
+              </a:xfrm>
+              <a:prstGeom prst="rect">
+                <a:avLst/>
+              </a:prstGeom>
+            </p:spPr>
+            <p:txBody>
+              <a:bodyPr wrap="square">
+                <a:spAutoFit/>
+              </a:bodyPr>
+              <a:lstStyle/>
+              <a:p>
+                <a:pPr algn="ctr"/>
+                <a:r>
+                  <a:rPr lang="en-US" altLang="zh-CN" sz="1600" b="1" dirty="0">
+                    <a:solidFill>
+                      <a:srgbClr val="F37F40"/>
+                    </a:solidFill>
+                    <a:latin typeface="Arial Black" panose="020B0A04020102020204" pitchFamily="34" charset="0"/>
+                  </a:rPr>
+                  <a:t>COCMA</a:t>
+                </a:r>
+              </a:p>
+            </p:txBody>
+          </p:sp>
+          <p:sp>
+            <p:nvSpPr>
+              <p:cNvPr id="163" name="矩形 162"/>
+              <p:cNvSpPr/>
+              <p:nvPr/>
+            </p:nvSpPr>
+            <p:spPr>
+              <a:xfrm>
+                <a:off x="1796201" y="1343791"/>
+                <a:ext cx="1195348" cy="338554"/>
+              </a:xfrm>
+              <a:prstGeom prst="rect">
+                <a:avLst/>
+              </a:prstGeom>
+            </p:spPr>
+            <p:txBody>
+              <a:bodyPr wrap="square">
+                <a:spAutoFit/>
+              </a:bodyPr>
+              <a:lstStyle/>
+              <a:p>
+                <a:r>
+                  <a:rPr lang="en-US" altLang="zh-CN" sz="1600" b="1" dirty="0">
+                    <a:solidFill>
+                      <a:srgbClr val="0375B6"/>
+                    </a:solidFill>
+                    <a:latin typeface="Arial Black" panose="020B0A04020102020204" pitchFamily="34" charset="0"/>
+                  </a:rPr>
+                  <a:t>COSYNE</a:t>
+                </a:r>
+              </a:p>
+            </p:txBody>
+          </p:sp>
+          <p:sp>
+            <p:nvSpPr>
+              <p:cNvPr id="164" name="矩形 163"/>
+              <p:cNvSpPr/>
+              <p:nvPr/>
+            </p:nvSpPr>
+            <p:spPr>
+              <a:xfrm>
+                <a:off x="2800698" y="1343791"/>
+                <a:ext cx="892295" cy="338554"/>
+              </a:xfrm>
+              <a:prstGeom prst="rect">
+                <a:avLst/>
+              </a:prstGeom>
+            </p:spPr>
+            <p:txBody>
+              <a:bodyPr wrap="square">
+                <a:spAutoFit/>
+              </a:bodyPr>
+              <a:lstStyle/>
+              <a:p>
+                <a:pPr algn="ctr"/>
+                <a:r>
+                  <a:rPr lang="en-US" altLang="zh-CN" sz="1600" b="1" dirty="0">
+                    <a:solidFill>
+                      <a:srgbClr val="0375B6"/>
+                    </a:solidFill>
+                    <a:latin typeface="Arial Black" panose="020B0A04020102020204" pitchFamily="34" charset="0"/>
+                  </a:rPr>
+                  <a:t>COEA</a:t>
+                </a:r>
+              </a:p>
+            </p:txBody>
+          </p:sp>
+        </p:grpSp>
+        <p:grpSp>
+          <p:nvGrpSpPr>
+            <p:cNvPr id="165" name="组合 164"/>
+            <p:cNvGrpSpPr/>
+            <p:nvPr/>
+          </p:nvGrpSpPr>
+          <p:grpSpPr>
+            <a:xfrm>
+              <a:off x="8831468" y="3107288"/>
+              <a:ext cx="1928436" cy="677108"/>
+              <a:chOff x="4583980" y="2767850"/>
+              <a:chExt cx="1928436" cy="677108"/>
+            </a:xfrm>
+          </p:grpSpPr>
+          <p:grpSp>
+            <p:nvGrpSpPr>
+              <p:cNvPr id="166" name="组合 165"/>
+              <p:cNvGrpSpPr/>
+              <p:nvPr/>
+            </p:nvGrpSpPr>
+            <p:grpSpPr>
+              <a:xfrm>
+                <a:off x="4583980" y="2767850"/>
+                <a:ext cx="1928436" cy="338554"/>
+                <a:chOff x="4583980" y="2767850"/>
+                <a:chExt cx="1928436" cy="338554"/>
+              </a:xfrm>
+            </p:grpSpPr>
+            <p:sp>
+              <p:nvSpPr>
+                <p:cNvPr id="168" name="矩形 167"/>
+                <p:cNvSpPr/>
+                <p:nvPr/>
+              </p:nvSpPr>
+              <p:spPr>
+                <a:xfrm>
+                  <a:off x="4583980" y="2767850"/>
+                  <a:ext cx="1002246" cy="338554"/>
+                </a:xfrm>
+                <a:prstGeom prst="rect">
+                  <a:avLst/>
+                </a:prstGeom>
+              </p:spPr>
+              <p:txBody>
+                <a:bodyPr wrap="square">
+                  <a:spAutoFit/>
+                </a:bodyPr>
+                <a:lstStyle/>
+                <a:p>
+                  <a:pPr algn="ctr"/>
+                  <a:r>
+                    <a:rPr lang="en-US" altLang="zh-CN" sz="1600" b="1" dirty="0">
+                      <a:solidFill>
+                        <a:srgbClr val="F37F40"/>
+                      </a:solidFill>
+                      <a:latin typeface="Arial Black" panose="020B0A04020102020204" pitchFamily="34" charset="0"/>
+                    </a:rPr>
+                    <a:t>DSCEM</a:t>
+                  </a:r>
+                </a:p>
+              </p:txBody>
+            </p:sp>
+            <p:sp>
+              <p:nvSpPr>
+                <p:cNvPr id="169" name="矩形 168"/>
+                <p:cNvSpPr/>
+                <p:nvPr/>
+              </p:nvSpPr>
+              <p:spPr>
+                <a:xfrm>
+                  <a:off x="5586226" y="2767850"/>
+                  <a:ext cx="926190" cy="338554"/>
+                </a:xfrm>
+                <a:prstGeom prst="rect">
+                  <a:avLst/>
+                </a:prstGeom>
+              </p:spPr>
+              <p:txBody>
+                <a:bodyPr wrap="square">
+                  <a:spAutoFit/>
+                </a:bodyPr>
+                <a:lstStyle/>
+                <a:p>
+                  <a:r>
+                    <a:rPr lang="en-US" altLang="zh-CN" sz="1600" b="1" dirty="0">
+                      <a:solidFill>
+                        <a:srgbClr val="F37F40"/>
+                      </a:solidFill>
+                      <a:latin typeface="Arial Black" panose="020B0A04020102020204" pitchFamily="34" charset="0"/>
+                    </a:rPr>
+                    <a:t>MRAS</a:t>
+                  </a:r>
+                </a:p>
+              </p:txBody>
+            </p:sp>
+          </p:grpSp>
+          <p:sp>
+            <p:nvSpPr>
+              <p:cNvPr id="167" name="矩形 166"/>
+              <p:cNvSpPr/>
+              <p:nvPr/>
+            </p:nvSpPr>
+            <p:spPr>
+              <a:xfrm>
+                <a:off x="5085103" y="3106404"/>
+                <a:ext cx="877090" cy="338554"/>
+              </a:xfrm>
+              <a:prstGeom prst="rect">
+                <a:avLst/>
+              </a:prstGeom>
+            </p:spPr>
+            <p:txBody>
+              <a:bodyPr wrap="square">
+                <a:spAutoFit/>
+              </a:bodyPr>
+              <a:lstStyle/>
+              <a:p>
+                <a:pPr algn="ctr"/>
+                <a:r>
+                  <a:rPr lang="en-US" altLang="zh-CN" sz="1600" b="1" dirty="0">
+                    <a:solidFill>
+                      <a:srgbClr val="0375B6"/>
+                    </a:solidFill>
+                    <a:latin typeface="Arial Black" panose="020B0A04020102020204" pitchFamily="34" charset="0"/>
+                  </a:rPr>
+                  <a:t>SCEM</a:t>
+                </a:r>
+              </a:p>
+            </p:txBody>
+          </p:sp>
+        </p:grpSp>
+        <p:grpSp>
+          <p:nvGrpSpPr>
+            <p:cNvPr id="170" name="组合 169"/>
+            <p:cNvGrpSpPr/>
+            <p:nvPr/>
+          </p:nvGrpSpPr>
+          <p:grpSpPr>
+            <a:xfrm>
+              <a:off x="9126808" y="4358994"/>
+              <a:ext cx="1240265" cy="677108"/>
+              <a:chOff x="4980660" y="3199095"/>
+              <a:chExt cx="1240265" cy="677108"/>
+            </a:xfrm>
+          </p:grpSpPr>
+          <p:grpSp>
+            <p:nvGrpSpPr>
+              <p:cNvPr id="171" name="组合 170"/>
+              <p:cNvGrpSpPr/>
+              <p:nvPr/>
+            </p:nvGrpSpPr>
+            <p:grpSpPr>
+              <a:xfrm>
+                <a:off x="4980660" y="3199095"/>
+                <a:ext cx="1240265" cy="338554"/>
+                <a:chOff x="4980660" y="3199095"/>
+                <a:chExt cx="1240265" cy="338554"/>
+              </a:xfrm>
+            </p:grpSpPr>
+            <p:sp>
+              <p:nvSpPr>
+                <p:cNvPr id="173" name="矩形 172"/>
+                <p:cNvSpPr/>
+                <p:nvPr/>
+              </p:nvSpPr>
+              <p:spPr>
+                <a:xfrm>
+                  <a:off x="4980660" y="3199095"/>
+                  <a:ext cx="621538" cy="338554"/>
+                </a:xfrm>
+                <a:prstGeom prst="rect">
+                  <a:avLst/>
+                </a:prstGeom>
+              </p:spPr>
+              <p:txBody>
+                <a:bodyPr wrap="square">
+                  <a:spAutoFit/>
+                </a:bodyPr>
+                <a:lstStyle/>
+                <a:p>
+                  <a:pPr algn="ctr"/>
+                  <a:r>
+                    <a:rPr lang="en-US" altLang="zh-CN" sz="1600" b="1" dirty="0">
+                      <a:solidFill>
+                        <a:srgbClr val="F37F40"/>
+                      </a:solidFill>
+                      <a:latin typeface="Arial Black" panose="020B0A04020102020204" pitchFamily="34" charset="0"/>
+                    </a:rPr>
+                    <a:t>LEP</a:t>
+                  </a:r>
+                </a:p>
+              </p:txBody>
+            </p:sp>
+            <p:sp>
+              <p:nvSpPr>
+                <p:cNvPr id="174" name="矩形 173"/>
+                <p:cNvSpPr/>
+                <p:nvPr/>
+              </p:nvSpPr>
+              <p:spPr>
+                <a:xfrm>
+                  <a:off x="5602198" y="3199095"/>
+                  <a:ext cx="618727" cy="338554"/>
+                </a:xfrm>
+                <a:prstGeom prst="rect">
+                  <a:avLst/>
+                </a:prstGeom>
+              </p:spPr>
+              <p:txBody>
+                <a:bodyPr wrap="square">
+                  <a:spAutoFit/>
+                </a:bodyPr>
+                <a:lstStyle/>
+                <a:p>
+                  <a:r>
+                    <a:rPr lang="en-US" altLang="zh-CN" sz="1600" b="1" dirty="0">
+                      <a:solidFill>
+                        <a:srgbClr val="F37F40"/>
+                      </a:solidFill>
+                      <a:latin typeface="Arial Black" panose="020B0A04020102020204" pitchFamily="34" charset="0"/>
+                    </a:rPr>
+                    <a:t>FEP</a:t>
+                  </a:r>
+                </a:p>
+              </p:txBody>
+            </p:sp>
+          </p:grpSp>
+          <p:sp>
+            <p:nvSpPr>
+              <p:cNvPr id="172" name="矩形 171"/>
+              <p:cNvSpPr/>
+              <p:nvPr/>
+            </p:nvSpPr>
+            <p:spPr>
+              <a:xfrm>
+                <a:off x="5271464" y="3537649"/>
+                <a:ext cx="661468" cy="338554"/>
+              </a:xfrm>
+              <a:prstGeom prst="rect">
+                <a:avLst/>
+              </a:prstGeom>
+            </p:spPr>
+            <p:txBody>
+              <a:bodyPr wrap="square">
+                <a:spAutoFit/>
+              </a:bodyPr>
+              <a:lstStyle/>
+              <a:p>
+                <a:pPr algn="ctr"/>
+                <a:r>
+                  <a:rPr lang="en-US" altLang="zh-CN" sz="1600" b="1" dirty="0">
+                    <a:solidFill>
+                      <a:srgbClr val="0375B6"/>
+                    </a:solidFill>
+                    <a:latin typeface="Arial Black" panose="020B0A04020102020204" pitchFamily="34" charset="0"/>
+                  </a:rPr>
+                  <a:t>CEP</a:t>
+                </a:r>
+              </a:p>
+            </p:txBody>
+          </p:sp>
+        </p:grpSp>
+        <p:grpSp>
+          <p:nvGrpSpPr>
+            <p:cNvPr id="175" name="组合 174"/>
+            <p:cNvGrpSpPr/>
+            <p:nvPr/>
+          </p:nvGrpSpPr>
+          <p:grpSpPr>
+            <a:xfrm>
+              <a:off x="6750759" y="3104312"/>
+              <a:ext cx="1885115" cy="677108"/>
+              <a:chOff x="2232608" y="1301462"/>
+              <a:chExt cx="1885115" cy="677108"/>
+            </a:xfrm>
+          </p:grpSpPr>
+          <p:sp>
+            <p:nvSpPr>
+              <p:cNvPr id="176" name="矩形 175"/>
+              <p:cNvSpPr/>
+              <p:nvPr/>
+            </p:nvSpPr>
+            <p:spPr>
+              <a:xfrm>
+                <a:off x="2258155" y="1301462"/>
+                <a:ext cx="984172" cy="338554"/>
+              </a:xfrm>
+              <a:prstGeom prst="rect">
+                <a:avLst/>
+              </a:prstGeom>
+            </p:spPr>
+            <p:txBody>
+              <a:bodyPr wrap="square">
+                <a:spAutoFit/>
+              </a:bodyPr>
+              <a:lstStyle/>
+              <a:p>
+                <a:pPr algn="ctr"/>
+                <a:r>
+                  <a:rPr lang="en-US" altLang="zh-CN" sz="1600" b="1" dirty="0">
+                    <a:solidFill>
+                      <a:srgbClr val="F37F40"/>
+                    </a:solidFill>
+                    <a:latin typeface="Arial Black" panose="020B0A04020102020204" pitchFamily="34" charset="0"/>
+                  </a:rPr>
+                  <a:t>RPEDA</a:t>
+                </a:r>
+              </a:p>
+            </p:txBody>
+          </p:sp>
+          <p:sp>
+            <p:nvSpPr>
+              <p:cNvPr id="177" name="矩形 176"/>
+              <p:cNvSpPr/>
+              <p:nvPr/>
+            </p:nvSpPr>
+            <p:spPr>
+              <a:xfrm>
+                <a:off x="3242327" y="1301462"/>
+                <a:ext cx="858497" cy="338554"/>
+              </a:xfrm>
+              <a:prstGeom prst="rect">
+                <a:avLst/>
+              </a:prstGeom>
+            </p:spPr>
+            <p:txBody>
+              <a:bodyPr wrap="square">
+                <a:spAutoFit/>
+              </a:bodyPr>
+              <a:lstStyle/>
+              <a:p>
+                <a:pPr algn="ctr"/>
+                <a:r>
+                  <a:rPr lang="en-US" altLang="zh-CN" sz="1600" b="1" dirty="0">
+                    <a:solidFill>
+                      <a:srgbClr val="F37F40"/>
+                    </a:solidFill>
+                    <a:latin typeface="Arial Black" panose="020B0A04020102020204" pitchFamily="34" charset="0"/>
+                  </a:rPr>
+                  <a:t>UMDA</a:t>
+                </a:r>
+              </a:p>
+            </p:txBody>
+          </p:sp>
+          <p:sp>
+            <p:nvSpPr>
+              <p:cNvPr id="178" name="矩形 177"/>
+              <p:cNvSpPr/>
+              <p:nvPr/>
+            </p:nvSpPr>
+            <p:spPr>
+              <a:xfrm>
+                <a:off x="2232608" y="1640016"/>
+                <a:ext cx="1035266" cy="338554"/>
+              </a:xfrm>
+              <a:prstGeom prst="rect">
+                <a:avLst/>
+              </a:prstGeom>
+            </p:spPr>
+            <p:txBody>
+              <a:bodyPr wrap="square">
+                <a:spAutoFit/>
+              </a:bodyPr>
+              <a:lstStyle/>
+              <a:p>
+                <a:r>
+                  <a:rPr lang="en-US" altLang="zh-CN" sz="1600" b="1" dirty="0">
+                    <a:solidFill>
+                      <a:srgbClr val="0375B6"/>
+                    </a:solidFill>
+                    <a:latin typeface="Arial Black" panose="020B0A04020102020204" pitchFamily="34" charset="0"/>
+                  </a:rPr>
+                  <a:t>AEMNA</a:t>
+                </a:r>
+              </a:p>
+            </p:txBody>
+          </p:sp>
+          <p:sp>
+            <p:nvSpPr>
+              <p:cNvPr id="179" name="矩形 178"/>
+              <p:cNvSpPr/>
+              <p:nvPr/>
+            </p:nvSpPr>
+            <p:spPr>
+              <a:xfrm>
+                <a:off x="3225428" y="1640016"/>
+                <a:ext cx="892295" cy="338554"/>
+              </a:xfrm>
+              <a:prstGeom prst="rect">
+                <a:avLst/>
+              </a:prstGeom>
+            </p:spPr>
+            <p:txBody>
+              <a:bodyPr wrap="square">
+                <a:spAutoFit/>
+              </a:bodyPr>
+              <a:lstStyle/>
+              <a:p>
+                <a:pPr algn="ctr"/>
+                <a:r>
+                  <a:rPr lang="en-US" altLang="zh-CN" sz="1600" b="1" dirty="0">
+                    <a:solidFill>
+                      <a:srgbClr val="0375B6"/>
+                    </a:solidFill>
+                    <a:latin typeface="Arial Black" panose="020B0A04020102020204" pitchFamily="34" charset="0"/>
+                  </a:rPr>
+                  <a:t>EMNA</a:t>
+                </a:r>
+              </a:p>
+            </p:txBody>
+          </p:sp>
+        </p:grpSp>
+        <p:grpSp>
+          <p:nvGrpSpPr>
+            <p:cNvPr id="14" name="组合 13"/>
+            <p:cNvGrpSpPr/>
+            <p:nvPr/>
+          </p:nvGrpSpPr>
+          <p:grpSpPr>
+            <a:xfrm>
+              <a:off x="4306773" y="4116884"/>
+              <a:ext cx="2226917" cy="1023321"/>
+              <a:chOff x="3576473" y="2362693"/>
+              <a:chExt cx="2226917" cy="1015662"/>
+            </a:xfrm>
+          </p:grpSpPr>
+          <p:sp>
+            <p:nvSpPr>
+              <p:cNvPr id="18" name="矩形 17"/>
+              <p:cNvSpPr/>
+              <p:nvPr/>
+            </p:nvSpPr>
+            <p:spPr>
+              <a:xfrm>
+                <a:off x="3576473" y="2362693"/>
+                <a:ext cx="1023478" cy="338554"/>
+              </a:xfrm>
+              <a:prstGeom prst="rect">
+                <a:avLst/>
+              </a:prstGeom>
+            </p:spPr>
+            <p:txBody>
+              <a:bodyPr wrap="square">
+                <a:spAutoFit/>
+              </a:bodyPr>
+              <a:lstStyle/>
+              <a:p>
+                <a:pPr algn="ctr"/>
+                <a:r>
+                  <a:rPr lang="en-US" altLang="zh-CN" sz="1600" b="1" dirty="0">
+                    <a:solidFill>
+                      <a:srgbClr val="F37F40"/>
+                    </a:solidFill>
+                    <a:latin typeface="Arial Black" panose="020B0A04020102020204" pitchFamily="34" charset="0"/>
+                  </a:rPr>
+                  <a:t>VDCMA</a:t>
+                </a:r>
+              </a:p>
+            </p:txBody>
+          </p:sp>
+          <p:sp>
+            <p:nvSpPr>
+              <p:cNvPr id="34" name="矩形 33"/>
+              <p:cNvSpPr/>
+              <p:nvPr/>
+            </p:nvSpPr>
+            <p:spPr>
+              <a:xfrm>
+                <a:off x="4599951" y="2362693"/>
+                <a:ext cx="1203439" cy="338554"/>
               </a:xfrm>
               <a:prstGeom prst="rect">
                 <a:avLst/>
@@ -7745,196 +7818,144 @@
                     </a:solidFill>
                     <a:latin typeface="Arial Black" panose="020B0A04020102020204" pitchFamily="34" charset="0"/>
                   </a:rPr>
-                  <a:t>FEP</a:t>
+                  <a:t>VKDCMA</a:t>
+                </a:r>
+              </a:p>
+            </p:txBody>
+          </p:sp>
+          <p:sp>
+            <p:nvSpPr>
+              <p:cNvPr id="35" name="矩形 34"/>
+              <p:cNvSpPr/>
+              <p:nvPr/>
+            </p:nvSpPr>
+            <p:spPr>
+              <a:xfrm>
+                <a:off x="3687506" y="2701247"/>
+                <a:ext cx="801412" cy="338554"/>
+              </a:xfrm>
+              <a:prstGeom prst="rect">
+                <a:avLst/>
+              </a:prstGeom>
+            </p:spPr>
+            <p:txBody>
+              <a:bodyPr wrap="square">
+                <a:spAutoFit/>
+              </a:bodyPr>
+              <a:lstStyle/>
+              <a:p>
+                <a:r>
+                  <a:rPr lang="en-US" altLang="zh-CN" sz="1600" b="1" dirty="0">
+                    <a:solidFill>
+                      <a:srgbClr val="F37F40"/>
+                    </a:solidFill>
+                    <a:latin typeface="Arial Black" panose="020B0A04020102020204" pitchFamily="34" charset="0"/>
+                  </a:rPr>
+                  <a:t>SNES</a:t>
+                </a:r>
+              </a:p>
+            </p:txBody>
+          </p:sp>
+          <p:sp>
+            <p:nvSpPr>
+              <p:cNvPr id="37" name="矩形 36"/>
+              <p:cNvSpPr/>
+              <p:nvPr/>
+            </p:nvSpPr>
+            <p:spPr>
+              <a:xfrm>
+                <a:off x="4723734" y="2701247"/>
+                <a:ext cx="955873" cy="338554"/>
+              </a:xfrm>
+              <a:prstGeom prst="rect">
+                <a:avLst/>
+              </a:prstGeom>
+            </p:spPr>
+            <p:txBody>
+              <a:bodyPr wrap="square">
+                <a:spAutoFit/>
+              </a:bodyPr>
+              <a:lstStyle/>
+              <a:p>
+                <a:r>
+                  <a:rPr lang="en-US" altLang="zh-CN" sz="1600" b="1" dirty="0">
+                    <a:solidFill>
+                      <a:srgbClr val="F37F40"/>
+                    </a:solidFill>
+                    <a:latin typeface="Arial Black" panose="020B0A04020102020204" pitchFamily="34" charset="0"/>
+                  </a:rPr>
+                  <a:t>R1NES</a:t>
+                </a:r>
+              </a:p>
+            </p:txBody>
+          </p:sp>
+          <p:sp>
+            <p:nvSpPr>
+              <p:cNvPr id="38" name="矩形 37"/>
+              <p:cNvSpPr/>
+              <p:nvPr/>
+            </p:nvSpPr>
+            <p:spPr>
+              <a:xfrm>
+                <a:off x="3675527" y="3039801"/>
+                <a:ext cx="825370" cy="338554"/>
+              </a:xfrm>
+              <a:prstGeom prst="rect">
+                <a:avLst/>
+              </a:prstGeom>
+            </p:spPr>
+            <p:txBody>
+              <a:bodyPr wrap="square">
+                <a:spAutoFit/>
+              </a:bodyPr>
+              <a:lstStyle/>
+              <a:p>
+                <a:r>
+                  <a:rPr lang="en-US" altLang="zh-CN" sz="1600" b="1" dirty="0">
+                    <a:solidFill>
+                      <a:srgbClr val="0375B6"/>
+                    </a:solidFill>
+                    <a:latin typeface="Arial Black" panose="020B0A04020102020204" pitchFamily="34" charset="0"/>
+                  </a:rPr>
+                  <a:t>XNES</a:t>
+                </a:r>
+              </a:p>
+            </p:txBody>
+          </p:sp>
+          <p:sp>
+            <p:nvSpPr>
+              <p:cNvPr id="39" name="矩形 38"/>
+              <p:cNvSpPr/>
+              <p:nvPr/>
+            </p:nvSpPr>
+            <p:spPr>
+              <a:xfrm>
+                <a:off x="4797604" y="3039801"/>
+                <a:ext cx="808132" cy="338554"/>
+              </a:xfrm>
+              <a:prstGeom prst="rect">
+                <a:avLst/>
+              </a:prstGeom>
+            </p:spPr>
+            <p:txBody>
+              <a:bodyPr wrap="square">
+                <a:spAutoFit/>
+              </a:bodyPr>
+              <a:lstStyle/>
+              <a:p>
+                <a:r>
+                  <a:rPr lang="en-US" altLang="zh-CN" sz="1600" b="1" dirty="0">
+                    <a:solidFill>
+                      <a:srgbClr val="0375B6"/>
+                    </a:solidFill>
+                    <a:latin typeface="Arial Black" panose="020B0A04020102020204" pitchFamily="34" charset="0"/>
+                  </a:rPr>
+                  <a:t>ENES</a:t>
                 </a:r>
               </a:p>
             </p:txBody>
           </p:sp>
         </p:grpSp>
-        <p:sp>
-          <p:nvSpPr>
-            <p:cNvPr id="172" name="矩形 171"/>
-            <p:cNvSpPr/>
-            <p:nvPr/>
-          </p:nvSpPr>
-          <p:spPr>
-            <a:xfrm>
-              <a:off x="5271464" y="3537649"/>
-              <a:ext cx="661468" cy="338554"/>
-            </a:xfrm>
-            <a:prstGeom prst="rect">
-              <a:avLst/>
-            </a:prstGeom>
-          </p:spPr>
-          <p:txBody>
-            <a:bodyPr wrap="square">
-              <a:spAutoFit/>
-            </a:bodyPr>
-            <a:lstStyle/>
-            <a:p>
-              <a:pPr algn="ctr"/>
-              <a:r>
-                <a:rPr lang="en-US" altLang="zh-CN" sz="1600" b="1" dirty="0">
-                  <a:solidFill>
-                    <a:srgbClr val="0375B6"/>
-                  </a:solidFill>
-                  <a:latin typeface="Arial Black" panose="020B0A04020102020204" pitchFamily="34" charset="0"/>
-                </a:rPr>
-                <a:t>CEP</a:t>
-              </a:r>
-            </a:p>
-          </p:txBody>
-        </p:sp>
-      </p:grpSp>
-      <p:grpSp>
-        <p:nvGrpSpPr>
-          <p:cNvPr id="175" name="组合 174"/>
-          <p:cNvGrpSpPr/>
-          <p:nvPr/>
-        </p:nvGrpSpPr>
-        <p:grpSpPr>
-          <a:xfrm>
-            <a:off x="6750759" y="3104312"/>
-            <a:ext cx="1885115" cy="677108"/>
-            <a:chOff x="2232608" y="1301462"/>
-            <a:chExt cx="1885115" cy="677108"/>
-          </a:xfrm>
-        </p:grpSpPr>
-        <p:sp>
-          <p:nvSpPr>
-            <p:cNvPr id="176" name="矩形 175"/>
-            <p:cNvSpPr/>
-            <p:nvPr/>
-          </p:nvSpPr>
-          <p:spPr>
-            <a:xfrm>
-              <a:off x="2258155" y="1301462"/>
-              <a:ext cx="984172" cy="338554"/>
-            </a:xfrm>
-            <a:prstGeom prst="rect">
-              <a:avLst/>
-            </a:prstGeom>
-          </p:spPr>
-          <p:txBody>
-            <a:bodyPr wrap="square">
-              <a:spAutoFit/>
-            </a:bodyPr>
-            <a:lstStyle/>
-            <a:p>
-              <a:pPr algn="ctr"/>
-              <a:r>
-                <a:rPr lang="en-US" altLang="zh-CN" sz="1600" b="1" dirty="0">
-                  <a:solidFill>
-                    <a:srgbClr val="F37F40"/>
-                  </a:solidFill>
-                  <a:latin typeface="Arial Black" panose="020B0A04020102020204" pitchFamily="34" charset="0"/>
-                </a:rPr>
-                <a:t>RPEDA</a:t>
-              </a:r>
-            </a:p>
-          </p:txBody>
-        </p:sp>
-        <p:sp>
-          <p:nvSpPr>
-            <p:cNvPr id="177" name="矩形 176"/>
-            <p:cNvSpPr/>
-            <p:nvPr/>
-          </p:nvSpPr>
-          <p:spPr>
-            <a:xfrm>
-              <a:off x="3242327" y="1301462"/>
-              <a:ext cx="858497" cy="338554"/>
-            </a:xfrm>
-            <a:prstGeom prst="rect">
-              <a:avLst/>
-            </a:prstGeom>
-          </p:spPr>
-          <p:txBody>
-            <a:bodyPr wrap="square">
-              <a:spAutoFit/>
-            </a:bodyPr>
-            <a:lstStyle/>
-            <a:p>
-              <a:pPr algn="ctr"/>
-              <a:r>
-                <a:rPr lang="en-US" altLang="zh-CN" sz="1600" b="1" dirty="0">
-                  <a:solidFill>
-                    <a:srgbClr val="F37F40"/>
-                  </a:solidFill>
-                  <a:latin typeface="Arial Black" panose="020B0A04020102020204" pitchFamily="34" charset="0"/>
-                </a:rPr>
-                <a:t>UMDA</a:t>
-              </a:r>
-            </a:p>
-          </p:txBody>
-        </p:sp>
-        <p:sp>
-          <p:nvSpPr>
-            <p:cNvPr id="178" name="矩形 177"/>
-            <p:cNvSpPr/>
-            <p:nvPr/>
-          </p:nvSpPr>
-          <p:spPr>
-            <a:xfrm>
-              <a:off x="2232608" y="1640016"/>
-              <a:ext cx="1035266" cy="338554"/>
-            </a:xfrm>
-            <a:prstGeom prst="rect">
-              <a:avLst/>
-            </a:prstGeom>
-          </p:spPr>
-          <p:txBody>
-            <a:bodyPr wrap="square">
-              <a:spAutoFit/>
-            </a:bodyPr>
-            <a:lstStyle/>
-            <a:p>
-              <a:r>
-                <a:rPr lang="en-US" altLang="zh-CN" sz="1600" b="1" dirty="0">
-                  <a:solidFill>
-                    <a:srgbClr val="0375B6"/>
-                  </a:solidFill>
-                  <a:latin typeface="Arial Black" panose="020B0A04020102020204" pitchFamily="34" charset="0"/>
-                </a:rPr>
-                <a:t>AEMNA</a:t>
-              </a:r>
-            </a:p>
-          </p:txBody>
-        </p:sp>
-        <p:sp>
-          <p:nvSpPr>
-            <p:cNvPr id="179" name="矩形 178"/>
-            <p:cNvSpPr/>
-            <p:nvPr/>
-          </p:nvSpPr>
-          <p:spPr>
-            <a:xfrm>
-              <a:off x="3225428" y="1640016"/>
-              <a:ext cx="892295" cy="338554"/>
-            </a:xfrm>
-            <a:prstGeom prst="rect">
-              <a:avLst/>
-            </a:prstGeom>
-          </p:spPr>
-          <p:txBody>
-            <a:bodyPr wrap="square">
-              <a:spAutoFit/>
-            </a:bodyPr>
-            <a:lstStyle/>
-            <a:p>
-              <a:pPr algn="ctr"/>
-              <a:r>
-                <a:rPr lang="en-US" altLang="zh-CN" sz="1600" b="1" dirty="0">
-                  <a:solidFill>
-                    <a:srgbClr val="0375B6"/>
-                  </a:solidFill>
-                  <a:latin typeface="Arial Black" panose="020B0A04020102020204" pitchFamily="34" charset="0"/>
-                </a:rPr>
-                <a:t>EMNA</a:t>
-              </a:r>
-            </a:p>
-          </p:txBody>
-        </p:sp>
       </p:grpSp>
     </p:spTree>
     <p:extLst>

--- a/docs/logo/A-PPT-Report-on-PyPop7.pptx
+++ b/docs/logo/A-PPT-Report-on-PyPop7.pptx
@@ -198,7 +198,7 @@
           <a:p>
             <a:fld id="{5398EAA6-5116-48C0-894F-5197E4875B5A}" type="datetimeFigureOut">
               <a:rPr lang="zh-CN" altLang="en-US" smtClean="0"/>
-              <a:t>2024/6/27</a:t>
+              <a:t>2024/6/29</a:t>
             </a:fld>
             <a:endParaRPr lang="zh-CN" altLang="en-US"/>
           </a:p>
@@ -678,7 +678,7 @@
           <a:p>
             <a:fld id="{7F547CA2-D8AE-4990-8773-D5839667DDCD}" type="datetimeFigureOut">
               <a:rPr lang="zh-CN" altLang="en-US" smtClean="0"/>
-              <a:t>2024/6/27</a:t>
+              <a:t>2024/6/29</a:t>
             </a:fld>
             <a:endParaRPr lang="zh-CN" altLang="en-US"/>
           </a:p>
@@ -846,7 +846,7 @@
           <a:p>
             <a:fld id="{7F547CA2-D8AE-4990-8773-D5839667DDCD}" type="datetimeFigureOut">
               <a:rPr lang="zh-CN" altLang="en-US" smtClean="0"/>
-              <a:t>2024/6/27</a:t>
+              <a:t>2024/6/29</a:t>
             </a:fld>
             <a:endParaRPr lang="zh-CN" altLang="en-US"/>
           </a:p>
@@ -1024,7 +1024,7 @@
           <a:p>
             <a:fld id="{7F547CA2-D8AE-4990-8773-D5839667DDCD}" type="datetimeFigureOut">
               <a:rPr lang="zh-CN" altLang="en-US" smtClean="0"/>
-              <a:t>2024/6/27</a:t>
+              <a:t>2024/6/29</a:t>
             </a:fld>
             <a:endParaRPr lang="zh-CN" altLang="en-US"/>
           </a:p>
@@ -1192,7 +1192,7 @@
           <a:p>
             <a:fld id="{7F547CA2-D8AE-4990-8773-D5839667DDCD}" type="datetimeFigureOut">
               <a:rPr lang="zh-CN" altLang="en-US" smtClean="0"/>
-              <a:t>2024/6/27</a:t>
+              <a:t>2024/6/29</a:t>
             </a:fld>
             <a:endParaRPr lang="zh-CN" altLang="en-US"/>
           </a:p>
@@ -1437,7 +1437,7 @@
           <a:p>
             <a:fld id="{7F547CA2-D8AE-4990-8773-D5839667DDCD}" type="datetimeFigureOut">
               <a:rPr lang="zh-CN" altLang="en-US" smtClean="0"/>
-              <a:t>2024/6/27</a:t>
+              <a:t>2024/6/29</a:t>
             </a:fld>
             <a:endParaRPr lang="zh-CN" altLang="en-US"/>
           </a:p>
@@ -1666,7 +1666,7 @@
           <a:p>
             <a:fld id="{7F547CA2-D8AE-4990-8773-D5839667DDCD}" type="datetimeFigureOut">
               <a:rPr lang="zh-CN" altLang="en-US" smtClean="0"/>
-              <a:t>2024/6/27</a:t>
+              <a:t>2024/6/29</a:t>
             </a:fld>
             <a:endParaRPr lang="zh-CN" altLang="en-US"/>
           </a:p>
@@ -2030,7 +2030,7 @@
           <a:p>
             <a:fld id="{7F547CA2-D8AE-4990-8773-D5839667DDCD}" type="datetimeFigureOut">
               <a:rPr lang="zh-CN" altLang="en-US" smtClean="0"/>
-              <a:t>2024/6/27</a:t>
+              <a:t>2024/6/29</a:t>
             </a:fld>
             <a:endParaRPr lang="zh-CN" altLang="en-US"/>
           </a:p>
@@ -2147,7 +2147,7 @@
           <a:p>
             <a:fld id="{7F547CA2-D8AE-4990-8773-D5839667DDCD}" type="datetimeFigureOut">
               <a:rPr lang="zh-CN" altLang="en-US" smtClean="0"/>
-              <a:t>2024/6/27</a:t>
+              <a:t>2024/6/29</a:t>
             </a:fld>
             <a:endParaRPr lang="zh-CN" altLang="en-US"/>
           </a:p>
@@ -2242,7 +2242,7 @@
           <a:p>
             <a:fld id="{7F547CA2-D8AE-4990-8773-D5839667DDCD}" type="datetimeFigureOut">
               <a:rPr lang="zh-CN" altLang="en-US" smtClean="0"/>
-              <a:t>2024/6/27</a:t>
+              <a:t>2024/6/29</a:t>
             </a:fld>
             <a:endParaRPr lang="zh-CN" altLang="en-US"/>
           </a:p>
@@ -2517,7 +2517,7 @@
           <a:p>
             <a:fld id="{7F547CA2-D8AE-4990-8773-D5839667DDCD}" type="datetimeFigureOut">
               <a:rPr lang="zh-CN" altLang="en-US" smtClean="0"/>
-              <a:t>2024/6/27</a:t>
+              <a:t>2024/6/29</a:t>
             </a:fld>
             <a:endParaRPr lang="zh-CN" altLang="en-US"/>
           </a:p>
@@ -2769,7 +2769,7 @@
           <a:p>
             <a:fld id="{7F547CA2-D8AE-4990-8773-D5839667DDCD}" type="datetimeFigureOut">
               <a:rPr lang="zh-CN" altLang="en-US" smtClean="0"/>
-              <a:t>2024/6/27</a:t>
+              <a:t>2024/6/29</a:t>
             </a:fld>
             <a:endParaRPr lang="zh-CN" altLang="en-US"/>
           </a:p>
@@ -2980,7 +2980,7 @@
           <a:p>
             <a:fld id="{7F547CA2-D8AE-4990-8773-D5839667DDCD}" type="datetimeFigureOut">
               <a:rPr lang="zh-CN" altLang="en-US" smtClean="0"/>
-              <a:t>2024/6/27</a:t>
+              <a:t>2024/6/29</a:t>
             </a:fld>
             <a:endParaRPr lang="zh-CN" altLang="en-US"/>
           </a:p>
@@ -5075,7 +5075,7 @@
                 <a:rPr lang="en-US" altLang="zh-CN" sz="1200" b="1" dirty="0">
                   <a:latin typeface="Arial Black" panose="020B0A04020102020204" pitchFamily="34" charset="0"/>
                 </a:rPr>
-                <a:t>Global trajectory optimization (from </a:t>
+                <a:t>Lennard-Jones cluster optimization (from </a:t>
               </a:r>
               <a:r>
                 <a:rPr lang="en-US" altLang="zh-CN" sz="1200" b="1" dirty="0">
@@ -5084,7 +5084,7 @@
                   </a:solidFill>
                   <a:latin typeface="Arial Black" panose="020B0A04020102020204" pitchFamily="34" charset="0"/>
                 </a:rPr>
-                <a:t>pykep</a:t>
+                <a:t>pygmo</a:t>
               </a:r>
               <a:r>
                 <a:rPr lang="en-US" altLang="zh-CN" sz="1200" b="1" dirty="0">

--- a/docs/logo/A-PPT-Report-on-PyPop7.pptx
+++ b/docs/logo/A-PPT-Report-on-PyPop7.pptx
@@ -5,11 +5,12 @@
     <p:sldMasterId id="2147483648" r:id="rId1"/>
   </p:sldMasterIdLst>
   <p:notesMasterIdLst>
-    <p:notesMasterId r:id="rId4"/>
+    <p:notesMasterId r:id="rId5"/>
   </p:notesMasterIdLst>
   <p:sldIdLst>
     <p:sldId id="256" r:id="rId2"/>
     <p:sldId id="257" r:id="rId3"/>
+    <p:sldId id="258" r:id="rId4"/>
   </p:sldIdLst>
   <p:sldSz cx="12192000" cy="6858000"/>
   <p:notesSz cx="6858000" cy="9144000"/>
@@ -198,7 +199,7 @@
           <a:p>
             <a:fld id="{5398EAA6-5116-48C0-894F-5197E4875B5A}" type="datetimeFigureOut">
               <a:rPr lang="zh-CN" altLang="en-US" smtClean="0"/>
-              <a:t>2024/6/29</a:t>
+              <a:t>2024/7/11</a:t>
             </a:fld>
             <a:endParaRPr lang="zh-CN" altLang="en-US"/>
           </a:p>
@@ -678,7 +679,7 @@
           <a:p>
             <a:fld id="{7F547CA2-D8AE-4990-8773-D5839667DDCD}" type="datetimeFigureOut">
               <a:rPr lang="zh-CN" altLang="en-US" smtClean="0"/>
-              <a:t>2024/6/29</a:t>
+              <a:t>2024/7/11</a:t>
             </a:fld>
             <a:endParaRPr lang="zh-CN" altLang="en-US"/>
           </a:p>
@@ -846,7 +847,7 @@
           <a:p>
             <a:fld id="{7F547CA2-D8AE-4990-8773-D5839667DDCD}" type="datetimeFigureOut">
               <a:rPr lang="zh-CN" altLang="en-US" smtClean="0"/>
-              <a:t>2024/6/29</a:t>
+              <a:t>2024/7/11</a:t>
             </a:fld>
             <a:endParaRPr lang="zh-CN" altLang="en-US"/>
           </a:p>
@@ -1024,7 +1025,7 @@
           <a:p>
             <a:fld id="{7F547CA2-D8AE-4990-8773-D5839667DDCD}" type="datetimeFigureOut">
               <a:rPr lang="zh-CN" altLang="en-US" smtClean="0"/>
-              <a:t>2024/6/29</a:t>
+              <a:t>2024/7/11</a:t>
             </a:fld>
             <a:endParaRPr lang="zh-CN" altLang="en-US"/>
           </a:p>
@@ -1192,7 +1193,7 @@
           <a:p>
             <a:fld id="{7F547CA2-D8AE-4990-8773-D5839667DDCD}" type="datetimeFigureOut">
               <a:rPr lang="zh-CN" altLang="en-US" smtClean="0"/>
-              <a:t>2024/6/29</a:t>
+              <a:t>2024/7/11</a:t>
             </a:fld>
             <a:endParaRPr lang="zh-CN" altLang="en-US"/>
           </a:p>
@@ -1437,7 +1438,7 @@
           <a:p>
             <a:fld id="{7F547CA2-D8AE-4990-8773-D5839667DDCD}" type="datetimeFigureOut">
               <a:rPr lang="zh-CN" altLang="en-US" smtClean="0"/>
-              <a:t>2024/6/29</a:t>
+              <a:t>2024/7/11</a:t>
             </a:fld>
             <a:endParaRPr lang="zh-CN" altLang="en-US"/>
           </a:p>
@@ -1666,7 +1667,7 @@
           <a:p>
             <a:fld id="{7F547CA2-D8AE-4990-8773-D5839667DDCD}" type="datetimeFigureOut">
               <a:rPr lang="zh-CN" altLang="en-US" smtClean="0"/>
-              <a:t>2024/6/29</a:t>
+              <a:t>2024/7/11</a:t>
             </a:fld>
             <a:endParaRPr lang="zh-CN" altLang="en-US"/>
           </a:p>
@@ -2030,7 +2031,7 @@
           <a:p>
             <a:fld id="{7F547CA2-D8AE-4990-8773-D5839667DDCD}" type="datetimeFigureOut">
               <a:rPr lang="zh-CN" altLang="en-US" smtClean="0"/>
-              <a:t>2024/6/29</a:t>
+              <a:t>2024/7/11</a:t>
             </a:fld>
             <a:endParaRPr lang="zh-CN" altLang="en-US"/>
           </a:p>
@@ -2147,7 +2148,7 @@
           <a:p>
             <a:fld id="{7F547CA2-D8AE-4990-8773-D5839667DDCD}" type="datetimeFigureOut">
               <a:rPr lang="zh-CN" altLang="en-US" smtClean="0"/>
-              <a:t>2024/6/29</a:t>
+              <a:t>2024/7/11</a:t>
             </a:fld>
             <a:endParaRPr lang="zh-CN" altLang="en-US"/>
           </a:p>
@@ -2242,7 +2243,7 @@
           <a:p>
             <a:fld id="{7F547CA2-D8AE-4990-8773-D5839667DDCD}" type="datetimeFigureOut">
               <a:rPr lang="zh-CN" altLang="en-US" smtClean="0"/>
-              <a:t>2024/6/29</a:t>
+              <a:t>2024/7/11</a:t>
             </a:fld>
             <a:endParaRPr lang="zh-CN" altLang="en-US"/>
           </a:p>
@@ -2517,7 +2518,7 @@
           <a:p>
             <a:fld id="{7F547CA2-D8AE-4990-8773-D5839667DDCD}" type="datetimeFigureOut">
               <a:rPr lang="zh-CN" altLang="en-US" smtClean="0"/>
-              <a:t>2024/6/29</a:t>
+              <a:t>2024/7/11</a:t>
             </a:fld>
             <a:endParaRPr lang="zh-CN" altLang="en-US"/>
           </a:p>
@@ -2769,7 +2770,7 @@
           <a:p>
             <a:fld id="{7F547CA2-D8AE-4990-8773-D5839667DDCD}" type="datetimeFigureOut">
               <a:rPr lang="zh-CN" altLang="en-US" smtClean="0"/>
-              <a:t>2024/6/29</a:t>
+              <a:t>2024/7/11</a:t>
             </a:fld>
             <a:endParaRPr lang="zh-CN" altLang="en-US"/>
           </a:p>
@@ -2980,7 +2981,7 @@
           <a:p>
             <a:fld id="{7F547CA2-D8AE-4990-8773-D5839667DDCD}" type="datetimeFigureOut">
               <a:rPr lang="zh-CN" altLang="en-US" smtClean="0"/>
-              <a:t>2024/6/29</a:t>
+              <a:t>2024/7/11</a:t>
             </a:fld>
             <a:endParaRPr lang="zh-CN" altLang="en-US"/>
           </a:p>
@@ -3445,7 +3446,12 @@
             <p:ph type="subTitle" idx="1"/>
           </p:nvPr>
         </p:nvSpPr>
-        <p:spPr/>
+        <p:spPr>
+          <a:xfrm>
+            <a:off x="1524000" y="3602038"/>
+            <a:ext cx="9144000" cy="2387600"/>
+          </a:xfrm>
+        </p:spPr>
         <p:txBody>
           <a:bodyPr/>
           <a:lstStyle/>
@@ -3505,6 +3511,22 @@
               </a:rPr>
               <a:t>(2021 – 2024)</a:t>
             </a:r>
+          </a:p>
+          <a:p>
+            <a:pPr>
+              <a:lnSpc>
+                <a:spcPts val="1400"/>
+              </a:lnSpc>
+            </a:pPr>
+            <a:endParaRPr lang="en-US" altLang="zh-CN" b="1" kern="400" spc="-50" dirty="0">
+              <a:solidFill>
+                <a:schemeClr val="bg1">
+                  <a:lumMod val="50000"/>
+                </a:schemeClr>
+              </a:solidFill>
+              <a:latin typeface="Times New Roman" panose="02020603050405020304" pitchFamily="18" charset="0"/>
+              <a:cs typeface="Times New Roman" panose="02020603050405020304" pitchFamily="18" charset="0"/>
+            </a:endParaRPr>
           </a:p>
           <a:p>
             <a:pPr>
@@ -3557,6 +3579,26 @@
                 <a:spcPts val="1400"/>
               </a:lnSpc>
             </a:pPr>
+            <a:r>
+              <a:rPr lang="en-US" altLang="zh-CN" b="1" kern="400" spc="-50" dirty="0">
+                <a:latin typeface="Times New Roman" panose="02020603050405020304" pitchFamily="18" charset="0"/>
+                <a:cs typeface="Times New Roman" panose="02020603050405020304" pitchFamily="18" charset="0"/>
+              </a:rPr>
+              <a:t>Online docs: </a:t>
+            </a:r>
+            <a:r>
+              <a:rPr lang="en-US" altLang="zh-CN" b="1" kern="400" spc="-50" dirty="0">
+                <a:solidFill>
+                  <a:schemeClr val="bg1">
+                    <a:lumMod val="50000"/>
+                  </a:schemeClr>
+                </a:solidFill>
+                <a:latin typeface="Times New Roman" panose="02020603050405020304" pitchFamily="18" charset="0"/>
+                <a:cs typeface="Times New Roman" panose="02020603050405020304" pitchFamily="18" charset="0"/>
+                <a:hlinkClick r:id="rId3"/>
+              </a:rPr>
+              <a:t>https://pypop.rtfd.io/</a:t>
+            </a:r>
             <a:endParaRPr lang="en-US" altLang="zh-CN" b="1" kern="400" spc="-50" dirty="0">
               <a:solidFill>
                 <a:schemeClr val="bg1">
@@ -3569,6 +3611,42 @@
           </a:p>
         </p:txBody>
       </p:sp>
+      <p:pic>
+        <p:nvPicPr>
+          <p:cNvPr id="5" name="图片 4">
+            <a:extLst>
+              <a:ext uri="{FF2B5EF4-FFF2-40B4-BE49-F238E27FC236}">
+                <a16:creationId xmlns:a16="http://schemas.microsoft.com/office/drawing/2014/main" id="{7B978A18-D237-B506-C9D8-EBD732057F51}"/>
+              </a:ext>
+            </a:extLst>
+          </p:cNvPr>
+          <p:cNvPicPr>
+            <a:picLocks noChangeAspect="1"/>
+          </p:cNvPicPr>
+          <p:nvPr/>
+        </p:nvPicPr>
+        <p:blipFill>
+          <a:blip r:embed="rId4" cstate="print">
+            <a:extLst>
+              <a:ext uri="{28A0092B-C50C-407E-A947-70E740481C1C}">
+                <a14:useLocalDpi xmlns:a14="http://schemas.microsoft.com/office/drawing/2010/main" val="0"/>
+              </a:ext>
+            </a:extLst>
+          </a:blip>
+          <a:stretch>
+            <a:fillRect/>
+          </a:stretch>
+        </p:blipFill>
+        <p:spPr>
+          <a:xfrm>
+            <a:off x="5441763" y="5778000"/>
+            <a:ext cx="1308474" cy="1080000"/>
+          </a:xfrm>
+          <a:prstGeom prst="rect">
+            <a:avLst/>
+          </a:prstGeom>
+        </p:spPr>
+      </p:pic>
     </p:spTree>
     <p:extLst>
       <p:ext uri="{BB962C8B-B14F-4D97-AF65-F5344CB8AC3E}">
@@ -7970,6 +8048,207 @@
 </p:sld>
 </file>
 
+<file path=ppt/slides/slide3.xml><?xml version="1.0" encoding="utf-8"?>
+<p:sld xmlns:a="http://schemas.openxmlformats.org/drawingml/2006/main" xmlns:r="http://schemas.openxmlformats.org/officeDocument/2006/relationships" xmlns:p="http://schemas.openxmlformats.org/presentationml/2006/main">
+  <p:cSld>
+    <p:spTree>
+      <p:nvGrpSpPr>
+        <p:cNvPr id="1" name=""/>
+        <p:cNvGrpSpPr/>
+        <p:nvPr/>
+      </p:nvGrpSpPr>
+      <p:grpSpPr>
+        <a:xfrm>
+          <a:off x="0" y="0"/>
+          <a:ext cx="0" cy="0"/>
+          <a:chOff x="0" y="0"/>
+          <a:chExt cx="0" cy="0"/>
+        </a:xfrm>
+      </p:grpSpPr>
+      <p:sp>
+        <p:nvSpPr>
+          <p:cNvPr id="2" name="标题 1">
+            <a:extLst>
+              <a:ext uri="{FF2B5EF4-FFF2-40B4-BE49-F238E27FC236}">
+                <a16:creationId xmlns:a16="http://schemas.microsoft.com/office/drawing/2014/main" id="{D73ADF62-14BA-9C65-61E4-640EE52409F0}"/>
+              </a:ext>
+            </a:extLst>
+          </p:cNvPr>
+          <p:cNvSpPr>
+            <a:spLocks noGrp="1"/>
+          </p:cNvSpPr>
+          <p:nvPr>
+            <p:ph type="title"/>
+          </p:nvPr>
+        </p:nvSpPr>
+        <p:spPr/>
+        <p:txBody>
+          <a:bodyPr>
+            <a:normAutofit fontScale="90000"/>
+          </a:bodyPr>
+          <a:lstStyle/>
+          <a:p>
+            <a:r>
+              <a:rPr lang="en-US" altLang="zh-CN" sz="3200" b="1" dirty="0">
+                <a:latin typeface="Times New Roman" panose="02020603050405020304" pitchFamily="18" charset="0"/>
+                <a:cs typeface="Times New Roman" panose="02020603050405020304" pitchFamily="18" charset="0"/>
+              </a:rPr>
+              <a:t>Some (rather all) Popular Open-Source Libraries for Evolutionary Computation (EC) and/or Swarm Intelligence (SI)</a:t>
+            </a:r>
+            <a:endParaRPr lang="zh-CN" altLang="en-US" sz="3200" b="1" dirty="0">
+              <a:latin typeface="Times New Roman" panose="02020603050405020304" pitchFamily="18" charset="0"/>
+              <a:cs typeface="Times New Roman" panose="02020603050405020304" pitchFamily="18" charset="0"/>
+            </a:endParaRPr>
+          </a:p>
+        </p:txBody>
+      </p:sp>
+      <p:sp>
+        <p:nvSpPr>
+          <p:cNvPr id="3" name="内容占位符 2">
+            <a:extLst>
+              <a:ext uri="{FF2B5EF4-FFF2-40B4-BE49-F238E27FC236}">
+                <a16:creationId xmlns:a16="http://schemas.microsoft.com/office/drawing/2014/main" id="{40BD686E-2646-C52E-45E3-E5D3F95483FE}"/>
+              </a:ext>
+            </a:extLst>
+          </p:cNvPr>
+          <p:cNvSpPr>
+            <a:spLocks noGrp="1"/>
+          </p:cNvSpPr>
+          <p:nvPr>
+            <p:ph idx="1"/>
+          </p:nvPr>
+        </p:nvSpPr>
+        <p:spPr/>
+        <p:txBody>
+          <a:bodyPr/>
+          <a:lstStyle/>
+          <a:p>
+            <a:r>
+              <a:rPr lang="en-US" altLang="zh-CN" b="1" dirty="0">
+                <a:latin typeface="Times New Roman" panose="02020603050405020304" pitchFamily="18" charset="0"/>
+                <a:cs typeface="Times New Roman" panose="02020603050405020304" pitchFamily="18" charset="0"/>
+              </a:rPr>
+              <a:t>Matlab</a:t>
+            </a:r>
+          </a:p>
+          <a:p>
+            <a:pPr lvl="1"/>
+            <a:r>
+              <a:rPr lang="en-US" altLang="zh-CN" b="1" dirty="0">
+                <a:latin typeface="Times New Roman" panose="02020603050405020304" pitchFamily="18" charset="0"/>
+                <a:cs typeface="Times New Roman" panose="02020603050405020304" pitchFamily="18" charset="0"/>
+                <a:hlinkClick r:id="rId2"/>
+              </a:rPr>
+              <a:t>https://github.com/BIMK/PlatEMO</a:t>
+            </a:r>
+            <a:r>
+              <a:rPr lang="en-US" altLang="zh-CN" b="1" dirty="0">
+                <a:latin typeface="Times New Roman" panose="02020603050405020304" pitchFamily="18" charset="0"/>
+                <a:cs typeface="Times New Roman" panose="02020603050405020304" pitchFamily="18" charset="0"/>
+              </a:rPr>
+              <a:t> (1.5k stars)</a:t>
+            </a:r>
+          </a:p>
+          <a:p>
+            <a:pPr lvl="2"/>
+            <a:r>
+              <a:rPr lang="en-US" altLang="zh-CN" b="1" dirty="0">
+                <a:latin typeface="Times New Roman" panose="02020603050405020304" pitchFamily="18" charset="0"/>
+                <a:cs typeface="Times New Roman" panose="02020603050405020304" pitchFamily="18" charset="0"/>
+              </a:rPr>
+              <a:t>Ye Tian, Ran Cheng, Xingyi Zhang, and Yaochu Jin, PlatEMO: A MATLAB Platform for Evolutionary Multi-Objective Optimization [Educational Forum], </a:t>
+            </a:r>
+            <a:r>
+              <a:rPr lang="en-US" altLang="zh-CN" b="1" i="1" dirty="0">
+                <a:latin typeface="Times New Roman" panose="02020603050405020304" pitchFamily="18" charset="0"/>
+                <a:cs typeface="Times New Roman" panose="02020603050405020304" pitchFamily="18" charset="0"/>
+              </a:rPr>
+              <a:t>IEEE Computational Intelligence Magazine</a:t>
+            </a:r>
+            <a:r>
+              <a:rPr lang="en-US" altLang="zh-CN" b="1" dirty="0">
+                <a:latin typeface="Times New Roman" panose="02020603050405020304" pitchFamily="18" charset="0"/>
+                <a:cs typeface="Times New Roman" panose="02020603050405020304" pitchFamily="18" charset="0"/>
+              </a:rPr>
+              <a:t>, 2017, 12(4): 73-87</a:t>
+            </a:r>
+          </a:p>
+          <a:p>
+            <a:pPr lvl="1"/>
+            <a:endParaRPr lang="en-US" altLang="zh-CN" b="1" dirty="0">
+              <a:latin typeface="Times New Roman" panose="02020603050405020304" pitchFamily="18" charset="0"/>
+              <a:cs typeface="Times New Roman" panose="02020603050405020304" pitchFamily="18" charset="0"/>
+            </a:endParaRPr>
+          </a:p>
+          <a:p>
+            <a:pPr lvl="1"/>
+            <a:endParaRPr lang="zh-CN" altLang="en-US" b="1" dirty="0">
+              <a:latin typeface="Times New Roman" panose="02020603050405020304" pitchFamily="18" charset="0"/>
+              <a:cs typeface="Times New Roman" panose="02020603050405020304" pitchFamily="18" charset="0"/>
+            </a:endParaRPr>
+          </a:p>
+        </p:txBody>
+      </p:sp>
+      <p:pic>
+        <p:nvPicPr>
+          <p:cNvPr id="1026" name="Picture 2">
+            <a:extLst>
+              <a:ext uri="{FF2B5EF4-FFF2-40B4-BE49-F238E27FC236}">
+                <a16:creationId xmlns:a16="http://schemas.microsoft.com/office/drawing/2014/main" id="{4CF59AE6-C4A2-F7CE-36AE-928BEC2ACBD2}"/>
+              </a:ext>
+            </a:extLst>
+          </p:cNvPr>
+          <p:cNvPicPr>
+            <a:picLocks noChangeAspect="1" noChangeArrowheads="1"/>
+          </p:cNvPicPr>
+          <p:nvPr/>
+        </p:nvPicPr>
+        <p:blipFill>
+          <a:blip r:embed="rId3" cstate="print">
+            <a:extLst>
+              <a:ext uri="{28A0092B-C50C-407E-A947-70E740481C1C}">
+                <a14:useLocalDpi xmlns:a14="http://schemas.microsoft.com/office/drawing/2010/main" val="0"/>
+              </a:ext>
+            </a:extLst>
+          </a:blip>
+          <a:srcRect/>
+          <a:stretch>
+            <a:fillRect/>
+          </a:stretch>
+        </p:blipFill>
+        <p:spPr bwMode="auto">
+          <a:xfrm>
+            <a:off x="10830485" y="1690688"/>
+            <a:ext cx="1046629" cy="1080000"/>
+          </a:xfrm>
+          <a:prstGeom prst="rect">
+            <a:avLst/>
+          </a:prstGeom>
+          <a:noFill/>
+          <a:extLst>
+            <a:ext uri="{909E8E84-426E-40DD-AFC4-6F175D3DCCD1}">
+              <a14:hiddenFill xmlns:a14="http://schemas.microsoft.com/office/drawing/2010/main">
+                <a:solidFill>
+                  <a:srgbClr val="FFFFFF"/>
+                </a:solidFill>
+              </a14:hiddenFill>
+            </a:ext>
+          </a:extLst>
+        </p:spPr>
+      </p:pic>
+    </p:spTree>
+    <p:extLst>
+      <p:ext uri="{BB962C8B-B14F-4D97-AF65-F5344CB8AC3E}">
+        <p14:creationId xmlns:p14="http://schemas.microsoft.com/office/powerpoint/2010/main" val="4213387077"/>
+      </p:ext>
+    </p:extLst>
+  </p:cSld>
+  <p:clrMapOvr>
+    <a:masterClrMapping/>
+  </p:clrMapOvr>
+</p:sld>
+</file>
+
 <file path=ppt/theme/theme1.xml><?xml version="1.0" encoding="utf-8"?>
 <a:theme xmlns:a="http://schemas.openxmlformats.org/drawingml/2006/main" name="Office 主题">
   <a:themeElements>

--- a/docs/logo/A-PPT-Report-on-PyPop7.pptx
+++ b/docs/logo/A-PPT-Report-on-PyPop7.pptx
@@ -8093,7 +8093,41 @@
                 <a:latin typeface="Times New Roman" panose="02020603050405020304" pitchFamily="18" charset="0"/>
                 <a:cs typeface="Times New Roman" panose="02020603050405020304" pitchFamily="18" charset="0"/>
               </a:rPr>
-              <a:t>Some (rather all) Popular Open-Source Libraries for Evolutionary Computation (EC) and/or Swarm Intelligence (SI)</a:t>
+              <a:t>Some (rather all) Popular Open-Source Libraries for Evolutionary Computation (</a:t>
+            </a:r>
+            <a:r>
+              <a:rPr lang="en-US" altLang="zh-CN" sz="3200" b="1" dirty="0">
+                <a:solidFill>
+                  <a:srgbClr val="00B050"/>
+                </a:solidFill>
+                <a:latin typeface="Times New Roman" panose="02020603050405020304" pitchFamily="18" charset="0"/>
+                <a:cs typeface="Times New Roman" panose="02020603050405020304" pitchFamily="18" charset="0"/>
+              </a:rPr>
+              <a:t>EC</a:t>
+            </a:r>
+            <a:r>
+              <a:rPr lang="en-US" altLang="zh-CN" sz="3200" b="1" dirty="0">
+                <a:latin typeface="Times New Roman" panose="02020603050405020304" pitchFamily="18" charset="0"/>
+                <a:cs typeface="Times New Roman" panose="02020603050405020304" pitchFamily="18" charset="0"/>
+              </a:rPr>
+              <a:t>) and/or Swarm Intelligence (</a:t>
+            </a:r>
+            <a:r>
+              <a:rPr lang="en-US" altLang="zh-CN" sz="3200" b="1" dirty="0">
+                <a:solidFill>
+                  <a:srgbClr val="00B050"/>
+                </a:solidFill>
+                <a:latin typeface="Times New Roman" panose="02020603050405020304" pitchFamily="18" charset="0"/>
+                <a:cs typeface="Times New Roman" panose="02020603050405020304" pitchFamily="18" charset="0"/>
+              </a:rPr>
+              <a:t>SI</a:t>
+            </a:r>
+            <a:r>
+              <a:rPr lang="en-US" altLang="zh-CN" sz="3200" b="1" dirty="0">
+                <a:latin typeface="Times New Roman" panose="02020603050405020304" pitchFamily="18" charset="0"/>
+                <a:cs typeface="Times New Roman" panose="02020603050405020304" pitchFamily="18" charset="0"/>
+              </a:rPr>
+              <a:t>)</a:t>
             </a:r>
             <a:endParaRPr lang="zh-CN" altLang="en-US" sz="3200" b="1" dirty="0">
               <a:latin typeface="Times New Roman" panose="02020603050405020304" pitchFamily="18" charset="0"/>
@@ -8170,19 +8204,83 @@
                 <a:latin typeface="Times New Roman" panose="02020603050405020304" pitchFamily="18" charset="0"/>
                 <a:cs typeface="Times New Roman" panose="02020603050405020304" pitchFamily="18" charset="0"/>
               </a:rPr>
-              <a:t>, 2017, 12(4): 73-87</a:t>
+              <a:t>, 2017, 12(4): 73-87.</a:t>
             </a:r>
           </a:p>
           <a:p>
             <a:pPr lvl="1"/>
-            <a:endParaRPr lang="en-US" altLang="zh-CN" b="1" dirty="0">
-              <a:latin typeface="Times New Roman" panose="02020603050405020304" pitchFamily="18" charset="0"/>
-              <a:cs typeface="Times New Roman" panose="02020603050405020304" pitchFamily="18" charset="0"/>
-            </a:endParaRPr>
-          </a:p>
-          <a:p>
-            <a:pPr lvl="1"/>
-            <a:endParaRPr lang="zh-CN" altLang="en-US" b="1" dirty="0">
+            <a:r>
+              <a:rPr lang="en-US" altLang="zh-CN" b="1" dirty="0">
+                <a:latin typeface="Times New Roman" panose="02020603050405020304" pitchFamily="18" charset="0"/>
+                <a:cs typeface="Times New Roman" panose="02020603050405020304" pitchFamily="18" charset="0"/>
+              </a:rPr>
+              <a:t>Global Optimization Toolbox</a:t>
+            </a:r>
+          </a:p>
+          <a:p>
+            <a:pPr lvl="2"/>
+            <a:r>
+              <a:rPr lang="en-US" altLang="zh-CN" b="1" i="1" dirty="0">
+                <a:latin typeface="Times New Roman" panose="02020603050405020304" pitchFamily="18" charset="0"/>
+                <a:cs typeface="Times New Roman" panose="02020603050405020304" pitchFamily="18" charset="0"/>
+              </a:rPr>
+              <a:t>ga</a:t>
+            </a:r>
+            <a:r>
+              <a:rPr lang="en-US" altLang="zh-CN" b="1" dirty="0">
+                <a:latin typeface="Times New Roman" panose="02020603050405020304" pitchFamily="18" charset="0"/>
+                <a:cs typeface="Times New Roman" panose="02020603050405020304" pitchFamily="18" charset="0"/>
+              </a:rPr>
+              <a:t> | </a:t>
+            </a:r>
+            <a:r>
+              <a:rPr lang="en-US" altLang="zh-CN" b="1" i="1" dirty="0">
+                <a:latin typeface="Times New Roman" panose="02020603050405020304" pitchFamily="18" charset="0"/>
+                <a:cs typeface="Times New Roman" panose="02020603050405020304" pitchFamily="18" charset="0"/>
+              </a:rPr>
+              <a:t>gamultiobj</a:t>
+            </a:r>
+          </a:p>
+          <a:p>
+            <a:pPr lvl="2"/>
+            <a:r>
+              <a:rPr lang="en-US" altLang="zh-CN" b="1" i="1" dirty="0">
+                <a:latin typeface="Times New Roman" panose="02020603050405020304" pitchFamily="18" charset="0"/>
+                <a:cs typeface="Times New Roman" panose="02020603050405020304" pitchFamily="18" charset="0"/>
+              </a:rPr>
+              <a:t>particleswarm</a:t>
+            </a:r>
+          </a:p>
+          <a:p>
+            <a:pPr lvl="2"/>
+            <a:r>
+              <a:rPr lang="en-US" altLang="zh-CN" b="1" i="1" dirty="0">
+                <a:latin typeface="Times New Roman" panose="02020603050405020304" pitchFamily="18" charset="0"/>
+                <a:cs typeface="Times New Roman" panose="02020603050405020304" pitchFamily="18" charset="0"/>
+              </a:rPr>
+              <a:t>patternsearch</a:t>
+            </a:r>
+          </a:p>
+          <a:p>
+            <a:pPr lvl="2"/>
+            <a:r>
+              <a:rPr lang="en-US" altLang="zh-CN" b="1" i="1" dirty="0">
+                <a:latin typeface="Times New Roman" panose="02020603050405020304" pitchFamily="18" charset="0"/>
+                <a:cs typeface="Times New Roman" panose="02020603050405020304" pitchFamily="18" charset="0"/>
+              </a:rPr>
+              <a:t>surrogateopt</a:t>
+            </a:r>
+          </a:p>
+          <a:p>
+            <a:pPr lvl="2"/>
+            <a:r>
+              <a:rPr lang="en-US" altLang="zh-CN" b="1" i="1" dirty="0">
+                <a:latin typeface="Times New Roman" panose="02020603050405020304" pitchFamily="18" charset="0"/>
+                <a:cs typeface="Times New Roman" panose="02020603050405020304" pitchFamily="18" charset="0"/>
+              </a:rPr>
+              <a:t>……</a:t>
+            </a:r>
+            <a:endParaRPr lang="zh-CN" altLang="en-US" b="1" i="1" dirty="0">
               <a:latin typeface="Times New Roman" panose="02020603050405020304" pitchFamily="18" charset="0"/>
               <a:cs typeface="Times New Roman" panose="02020603050405020304" pitchFamily="18" charset="0"/>
             </a:endParaRPr>

--- a/docs/logo/A-PPT-Report-on-PyPop7.pptx
+++ b/docs/logo/A-PPT-Report-on-PyPop7.pptx
@@ -8154,7 +8154,9 @@
         </p:nvSpPr>
         <p:spPr/>
         <p:txBody>
-          <a:bodyPr/>
+          <a:bodyPr>
+            <a:normAutofit fontScale="92500" lnSpcReduction="20000"/>
+          </a:bodyPr>
           <a:lstStyle/>
           <a:p>
             <a:r>
@@ -8280,7 +8282,56 @@
               </a:rPr>
               <a:t>……</a:t>
             </a:r>
-            <a:endParaRPr lang="zh-CN" altLang="en-US" b="1" i="1" dirty="0">
+          </a:p>
+          <a:p>
+            <a:pPr lvl="1"/>
+            <a:r>
+              <a:rPr lang="en-US" altLang="zh-CN" b="1" dirty="0">
+                <a:latin typeface="Times New Roman" panose="02020603050405020304" pitchFamily="18" charset="0"/>
+                <a:cs typeface="Times New Roman" panose="02020603050405020304" pitchFamily="18" charset="0"/>
+                <a:hlinkClick r:id="rId3"/>
+              </a:rPr>
+              <a:t>https://divis-gmbh.de/es-software/</a:t>
+            </a:r>
+            <a:endParaRPr lang="en-US" altLang="zh-CN" b="1" dirty="0">
+              <a:latin typeface="Times New Roman" panose="02020603050405020304" pitchFamily="18" charset="0"/>
+              <a:cs typeface="Times New Roman" panose="02020603050405020304" pitchFamily="18" charset="0"/>
+            </a:endParaRPr>
+          </a:p>
+          <a:p>
+            <a:pPr lvl="2"/>
+            <a:r>
+              <a:rPr lang="en-US" altLang="zh-CN" b="1" dirty="0">
+                <a:latin typeface="Times New Roman" panose="02020603050405020304" pitchFamily="18" charset="0"/>
+                <a:cs typeface="Times New Roman" panose="02020603050405020304" pitchFamily="18" charset="0"/>
+              </a:rPr>
+              <a:t>The Octave source code (</a:t>
+            </a:r>
+            <a:r>
+              <a:rPr lang="en-US" altLang="zh-CN" b="1" i="1" dirty="0">
+                <a:latin typeface="Times New Roman" panose="02020603050405020304" pitchFamily="18" charset="0"/>
+                <a:cs typeface="Times New Roman" panose="02020603050405020304" pitchFamily="18" charset="0"/>
+              </a:rPr>
+              <a:t>proprietary</a:t>
+            </a:r>
+            <a:r>
+              <a:rPr lang="en-US" altLang="zh-CN" b="1" dirty="0">
+                <a:latin typeface="Times New Roman" panose="02020603050405020304" pitchFamily="18" charset="0"/>
+                <a:cs typeface="Times New Roman" panose="02020603050405020304" pitchFamily="18" charset="0"/>
+              </a:rPr>
+              <a:t> implementations) can be downloaded only for non-commercial use.</a:t>
+            </a:r>
+          </a:p>
+          <a:p>
+            <a:pPr lvl="2"/>
+            <a:r>
+              <a:rPr lang="en-US" altLang="zh-CN" b="1" dirty="0">
+                <a:latin typeface="Times New Roman" panose="02020603050405020304" pitchFamily="18" charset="0"/>
+                <a:cs typeface="Times New Roman" panose="02020603050405020304" pitchFamily="18" charset="0"/>
+              </a:rPr>
+              <a:t>It seems to be NOT open-access now!</a:t>
+            </a:r>
+            <a:endParaRPr lang="zh-CN" altLang="en-US" b="1" dirty="0">
               <a:latin typeface="Times New Roman" panose="02020603050405020304" pitchFamily="18" charset="0"/>
               <a:cs typeface="Times New Roman" panose="02020603050405020304" pitchFamily="18" charset="0"/>
             </a:endParaRPr>
@@ -8302,7 +8353,7 @@
           <p:nvPr/>
         </p:nvPicPr>
         <p:blipFill>
-          <a:blip r:embed="rId3" cstate="print">
+          <a:blip r:embed="rId4" cstate="print">
             <a:extLst>
               <a:ext uri="{28A0092B-C50C-407E-A947-70E740481C1C}">
                 <a14:useLocalDpi xmlns:a14="http://schemas.microsoft.com/office/drawing/2010/main" val="0"/>
@@ -8316,7 +8367,7 @@
         </p:blipFill>
         <p:spPr bwMode="auto">
           <a:xfrm>
-            <a:off x="10830485" y="1690688"/>
+            <a:off x="10830485" y="1375728"/>
             <a:ext cx="1046629" cy="1080000"/>
           </a:xfrm>
           <a:prstGeom prst="rect">
